--- a/【Outline】IaaS_Program.pptx
+++ b/【Outline】IaaS_Program.pptx
@@ -117,6 +117,22 @@
       </a:defRPr>
     </a:lvl9pPr>
   </p:defaultTextStyle>
+  <p:extLst>
+    <p:ext uri="{EFAFB233-063F-42B5-8137-9DF3F51BA10A}">
+      <p15:sldGuideLst xmlns:p15="http://schemas.microsoft.com/office/powerpoint/2012/main">
+        <p15:guide id="1" orient="horz" pos="2160">
+          <p15:clr>
+            <a:srgbClr val="A4A3A4"/>
+          </p15:clr>
+        </p15:guide>
+        <p15:guide id="2" pos="3840">
+          <p15:clr>
+            <a:srgbClr val="A4A3A4"/>
+          </p15:clr>
+        </p15:guide>
+      </p15:sldGuideLst>
+    </p:ext>
+  </p:extLst>
 </p:presentation>
 </file>
 
@@ -164,7 +180,7 @@
           </a:lstStyle>
           <a:p>
             <a:r>
-              <a:rPr lang="ja-JP" altLang="en-US" smtClean="0"/>
+              <a:rPr lang="ja-JP" altLang="en-US"/>
               <a:t>マスター タイトルの書式設定</a:t>
             </a:r>
             <a:endParaRPr lang="en-US" dirty="0"/>
@@ -238,7 +254,7 @@
           </a:lstStyle>
           <a:p>
             <a:r>
-              <a:rPr lang="ja-JP" altLang="en-US" smtClean="0"/>
+              <a:rPr lang="ja-JP" altLang="en-US"/>
               <a:t>マスター サブタイトルの書式設定</a:t>
             </a:r>
             <a:endParaRPr lang="en-US" dirty="0"/>
@@ -262,7 +278,7 @@
           <a:p>
             <a:fld id="{71C17F22-100E-4B98-95D7-0BBC98EE3737}" type="datetimeFigureOut">
               <a:rPr kumimoji="1" lang="ja-JP" altLang="en-US" smtClean="0"/>
-              <a:t>2016/02/07</a:t>
+              <a:t>2016/8/21</a:t>
             </a:fld>
             <a:endParaRPr kumimoji="1" lang="ja-JP" altLang="en-US"/>
           </a:p>
@@ -356,7 +372,7 @@
           <a:lstStyle/>
           <a:p>
             <a:r>
-              <a:rPr lang="ja-JP" altLang="en-US" smtClean="0"/>
+              <a:rPr lang="ja-JP" altLang="en-US"/>
               <a:t>マスター タイトルの書式設定</a:t>
             </a:r>
             <a:endParaRPr lang="en-US"/>
@@ -380,67 +396,67 @@
           <a:p>
             <a:pPr lvl="0"/>
             <a:r>
-              <a:rPr lang="ja-JP" altLang="en-US" smtClean="0"/>
+              <a:rPr lang="ja-JP" altLang="en-US"/>
               <a:t>マスター テキストの書式設定</a:t>
             </a:r>
           </a:p>
           <a:p>
             <a:pPr lvl="1"/>
             <a:r>
-              <a:rPr lang="ja-JP" altLang="en-US" smtClean="0"/>
+              <a:rPr lang="ja-JP" altLang="en-US"/>
               <a:t>第 </a:t>
             </a:r>
             <a:r>
-              <a:rPr lang="en-US" altLang="ja-JP" smtClean="0"/>
+              <a:rPr lang="en-US" altLang="ja-JP"/>
               <a:t>2 </a:t>
             </a:r>
             <a:r>
-              <a:rPr lang="ja-JP" altLang="en-US" smtClean="0"/>
+              <a:rPr lang="ja-JP" altLang="en-US"/>
               <a:t>レベル</a:t>
             </a:r>
           </a:p>
           <a:p>
             <a:pPr lvl="2"/>
             <a:r>
-              <a:rPr lang="ja-JP" altLang="en-US" smtClean="0"/>
+              <a:rPr lang="ja-JP" altLang="en-US"/>
               <a:t>第 </a:t>
             </a:r>
             <a:r>
-              <a:rPr lang="en-US" altLang="ja-JP" smtClean="0"/>
+              <a:rPr lang="en-US" altLang="ja-JP"/>
               <a:t>3 </a:t>
             </a:r>
             <a:r>
-              <a:rPr lang="ja-JP" altLang="en-US" smtClean="0"/>
+              <a:rPr lang="ja-JP" altLang="en-US"/>
               <a:t>レベル</a:t>
             </a:r>
           </a:p>
           <a:p>
             <a:pPr lvl="3"/>
             <a:r>
-              <a:rPr lang="ja-JP" altLang="en-US" smtClean="0"/>
+              <a:rPr lang="ja-JP" altLang="en-US"/>
               <a:t>第 </a:t>
             </a:r>
             <a:r>
-              <a:rPr lang="en-US" altLang="ja-JP" smtClean="0"/>
+              <a:rPr lang="en-US" altLang="ja-JP"/>
               <a:t>4 </a:t>
             </a:r>
             <a:r>
-              <a:rPr lang="ja-JP" altLang="en-US" smtClean="0"/>
+              <a:rPr lang="ja-JP" altLang="en-US"/>
               <a:t>レベル</a:t>
             </a:r>
           </a:p>
           <a:p>
             <a:pPr lvl="4"/>
             <a:r>
-              <a:rPr lang="ja-JP" altLang="en-US" smtClean="0"/>
+              <a:rPr lang="ja-JP" altLang="en-US"/>
               <a:t>第 </a:t>
             </a:r>
             <a:r>
-              <a:rPr lang="en-US" altLang="ja-JP" smtClean="0"/>
+              <a:rPr lang="en-US" altLang="ja-JP"/>
               <a:t>5 </a:t>
             </a:r>
             <a:r>
-              <a:rPr lang="ja-JP" altLang="en-US" smtClean="0"/>
+              <a:rPr lang="ja-JP" altLang="en-US"/>
               <a:t>レベル</a:t>
             </a:r>
             <a:endParaRPr lang="en-US" dirty="0"/>
@@ -464,7 +480,7 @@
           <a:p>
             <a:fld id="{71C17F22-100E-4B98-95D7-0BBC98EE3737}" type="datetimeFigureOut">
               <a:rPr kumimoji="1" lang="ja-JP" altLang="en-US" smtClean="0"/>
-              <a:t>2016/02/07</a:t>
+              <a:t>2016/8/21</a:t>
             </a:fld>
             <a:endParaRPr kumimoji="1" lang="ja-JP" altLang="en-US"/>
           </a:p>
@@ -563,7 +579,7 @@
           <a:lstStyle/>
           <a:p>
             <a:r>
-              <a:rPr lang="ja-JP" altLang="en-US" smtClean="0"/>
+              <a:rPr lang="ja-JP" altLang="en-US"/>
               <a:t>マスター タイトルの書式設定</a:t>
             </a:r>
             <a:endParaRPr lang="en-US"/>
@@ -592,67 +608,67 @@
           <a:p>
             <a:pPr lvl="0"/>
             <a:r>
-              <a:rPr lang="ja-JP" altLang="en-US" smtClean="0"/>
+              <a:rPr lang="ja-JP" altLang="en-US"/>
               <a:t>マスター テキストの書式設定</a:t>
             </a:r>
           </a:p>
           <a:p>
             <a:pPr lvl="1"/>
             <a:r>
-              <a:rPr lang="ja-JP" altLang="en-US" smtClean="0"/>
+              <a:rPr lang="ja-JP" altLang="en-US"/>
               <a:t>第 </a:t>
             </a:r>
             <a:r>
-              <a:rPr lang="en-US" altLang="ja-JP" smtClean="0"/>
+              <a:rPr lang="en-US" altLang="ja-JP"/>
               <a:t>2 </a:t>
             </a:r>
             <a:r>
-              <a:rPr lang="ja-JP" altLang="en-US" smtClean="0"/>
+              <a:rPr lang="ja-JP" altLang="en-US"/>
               <a:t>レベル</a:t>
             </a:r>
           </a:p>
           <a:p>
             <a:pPr lvl="2"/>
             <a:r>
-              <a:rPr lang="ja-JP" altLang="en-US" smtClean="0"/>
+              <a:rPr lang="ja-JP" altLang="en-US"/>
               <a:t>第 </a:t>
             </a:r>
             <a:r>
-              <a:rPr lang="en-US" altLang="ja-JP" smtClean="0"/>
+              <a:rPr lang="en-US" altLang="ja-JP"/>
               <a:t>3 </a:t>
             </a:r>
             <a:r>
-              <a:rPr lang="ja-JP" altLang="en-US" smtClean="0"/>
+              <a:rPr lang="ja-JP" altLang="en-US"/>
               <a:t>レベル</a:t>
             </a:r>
           </a:p>
           <a:p>
             <a:pPr lvl="3"/>
             <a:r>
-              <a:rPr lang="ja-JP" altLang="en-US" smtClean="0"/>
+              <a:rPr lang="ja-JP" altLang="en-US"/>
               <a:t>第 </a:t>
             </a:r>
             <a:r>
-              <a:rPr lang="en-US" altLang="ja-JP" smtClean="0"/>
+              <a:rPr lang="en-US" altLang="ja-JP"/>
               <a:t>4 </a:t>
             </a:r>
             <a:r>
-              <a:rPr lang="ja-JP" altLang="en-US" smtClean="0"/>
+              <a:rPr lang="ja-JP" altLang="en-US"/>
               <a:t>レベル</a:t>
             </a:r>
           </a:p>
           <a:p>
             <a:pPr lvl="4"/>
             <a:r>
-              <a:rPr lang="ja-JP" altLang="en-US" smtClean="0"/>
+              <a:rPr lang="ja-JP" altLang="en-US"/>
               <a:t>第 </a:t>
             </a:r>
             <a:r>
-              <a:rPr lang="en-US" altLang="ja-JP" smtClean="0"/>
+              <a:rPr lang="en-US" altLang="ja-JP"/>
               <a:t>5 </a:t>
             </a:r>
             <a:r>
-              <a:rPr lang="ja-JP" altLang="en-US" smtClean="0"/>
+              <a:rPr lang="ja-JP" altLang="en-US"/>
               <a:t>レベル</a:t>
             </a:r>
             <a:endParaRPr lang="en-US"/>
@@ -676,7 +692,7 @@
           <a:p>
             <a:fld id="{71C17F22-100E-4B98-95D7-0BBC98EE3737}" type="datetimeFigureOut">
               <a:rPr kumimoji="1" lang="ja-JP" altLang="en-US" smtClean="0"/>
-              <a:t>2016/02/07</a:t>
+              <a:t>2016/8/21</a:t>
             </a:fld>
             <a:endParaRPr kumimoji="1" lang="ja-JP" altLang="en-US"/>
           </a:p>
@@ -781,7 +797,7 @@
           </a:lstStyle>
           <a:p>
             <a:r>
-              <a:rPr lang="ja-JP" altLang="en-US" smtClean="0"/>
+              <a:rPr lang="ja-JP" altLang="en-US"/>
               <a:t>マスター タイトルの書式設定</a:t>
             </a:r>
             <a:endParaRPr lang="en-US" dirty="0"/>
@@ -855,7 +871,7 @@
           </a:lstStyle>
           <a:p>
             <a:r>
-              <a:rPr lang="ja-JP" altLang="en-US" smtClean="0"/>
+              <a:rPr lang="ja-JP" altLang="en-US"/>
               <a:t>マスター サブタイトルの書式設定</a:t>
             </a:r>
             <a:endParaRPr lang="en-US" dirty="0"/>
@@ -879,7 +895,7 @@
           <a:p>
             <a:fld id="{71C17F22-100E-4B98-95D7-0BBC98EE3737}" type="datetimeFigureOut">
               <a:rPr kumimoji="1" lang="ja-JP" altLang="en-US" smtClean="0"/>
-              <a:t>2016/02/07</a:t>
+              <a:t>2016/8/21</a:t>
             </a:fld>
             <a:endParaRPr kumimoji="1" lang="ja-JP" altLang="en-US"/>
           </a:p>
@@ -973,7 +989,7 @@
           <a:lstStyle/>
           <a:p>
             <a:r>
-              <a:rPr lang="ja-JP" altLang="en-US" smtClean="0"/>
+              <a:rPr lang="ja-JP" altLang="en-US"/>
               <a:t>マスター タイトルの書式設定</a:t>
             </a:r>
             <a:endParaRPr lang="en-US" dirty="0"/>
@@ -997,67 +1013,67 @@
           <a:p>
             <a:pPr lvl="0"/>
             <a:r>
-              <a:rPr lang="ja-JP" altLang="en-US" smtClean="0"/>
+              <a:rPr lang="ja-JP" altLang="en-US"/>
               <a:t>マスター テキストの書式設定</a:t>
             </a:r>
           </a:p>
           <a:p>
             <a:pPr lvl="1"/>
             <a:r>
-              <a:rPr lang="ja-JP" altLang="en-US" smtClean="0"/>
+              <a:rPr lang="ja-JP" altLang="en-US"/>
               <a:t>第 </a:t>
             </a:r>
             <a:r>
-              <a:rPr lang="en-US" altLang="ja-JP" smtClean="0"/>
+              <a:rPr lang="en-US" altLang="ja-JP"/>
               <a:t>2 </a:t>
             </a:r>
             <a:r>
-              <a:rPr lang="ja-JP" altLang="en-US" smtClean="0"/>
+              <a:rPr lang="ja-JP" altLang="en-US"/>
               <a:t>レベル</a:t>
             </a:r>
           </a:p>
           <a:p>
             <a:pPr lvl="2"/>
             <a:r>
-              <a:rPr lang="ja-JP" altLang="en-US" smtClean="0"/>
+              <a:rPr lang="ja-JP" altLang="en-US"/>
               <a:t>第 </a:t>
             </a:r>
             <a:r>
-              <a:rPr lang="en-US" altLang="ja-JP" smtClean="0"/>
+              <a:rPr lang="en-US" altLang="ja-JP"/>
               <a:t>3 </a:t>
             </a:r>
             <a:r>
-              <a:rPr lang="ja-JP" altLang="en-US" smtClean="0"/>
+              <a:rPr lang="ja-JP" altLang="en-US"/>
               <a:t>レベル</a:t>
             </a:r>
           </a:p>
           <a:p>
             <a:pPr lvl="3"/>
             <a:r>
-              <a:rPr lang="ja-JP" altLang="en-US" smtClean="0"/>
+              <a:rPr lang="ja-JP" altLang="en-US"/>
               <a:t>第 </a:t>
             </a:r>
             <a:r>
-              <a:rPr lang="en-US" altLang="ja-JP" smtClean="0"/>
+              <a:rPr lang="en-US" altLang="ja-JP"/>
               <a:t>4 </a:t>
             </a:r>
             <a:r>
-              <a:rPr lang="ja-JP" altLang="en-US" smtClean="0"/>
+              <a:rPr lang="ja-JP" altLang="en-US"/>
               <a:t>レベル</a:t>
             </a:r>
           </a:p>
           <a:p>
             <a:pPr lvl="4"/>
             <a:r>
-              <a:rPr lang="ja-JP" altLang="en-US" smtClean="0"/>
+              <a:rPr lang="ja-JP" altLang="en-US"/>
               <a:t>第 </a:t>
             </a:r>
             <a:r>
-              <a:rPr lang="en-US" altLang="ja-JP" smtClean="0"/>
+              <a:rPr lang="en-US" altLang="ja-JP"/>
               <a:t>5 </a:t>
             </a:r>
             <a:r>
-              <a:rPr lang="ja-JP" altLang="en-US" smtClean="0"/>
+              <a:rPr lang="ja-JP" altLang="en-US"/>
               <a:t>レベル</a:t>
             </a:r>
             <a:endParaRPr lang="en-US" dirty="0"/>
@@ -1081,7 +1097,7 @@
           <a:p>
             <a:fld id="{71C17F22-100E-4B98-95D7-0BBC98EE3737}" type="datetimeFigureOut">
               <a:rPr kumimoji="1" lang="ja-JP" altLang="en-US" smtClean="0"/>
-              <a:t>2016/02/07</a:t>
+              <a:t>2016/8/21</a:t>
             </a:fld>
             <a:endParaRPr kumimoji="1" lang="ja-JP" altLang="en-US"/>
           </a:p>
@@ -1186,7 +1202,7 @@
           </a:lstStyle>
           <a:p>
             <a:r>
-              <a:rPr lang="ja-JP" altLang="en-US" smtClean="0"/>
+              <a:rPr lang="ja-JP" altLang="en-US"/>
               <a:t>マスター タイトルの書式設定</a:t>
             </a:r>
             <a:endParaRPr lang="en-US" dirty="0"/>
@@ -1309,7 +1325,7 @@
           <a:p>
             <a:pPr lvl="0"/>
             <a:r>
-              <a:rPr lang="ja-JP" altLang="en-US" smtClean="0"/>
+              <a:rPr lang="ja-JP" altLang="en-US"/>
               <a:t>マスター テキストの書式設定</a:t>
             </a:r>
           </a:p>
@@ -1332,7 +1348,7 @@
           <a:p>
             <a:fld id="{71C17F22-100E-4B98-95D7-0BBC98EE3737}" type="datetimeFigureOut">
               <a:rPr kumimoji="1" lang="ja-JP" altLang="en-US" smtClean="0"/>
-              <a:t>2016/02/07</a:t>
+              <a:t>2016/8/21</a:t>
             </a:fld>
             <a:endParaRPr kumimoji="1" lang="ja-JP" altLang="en-US"/>
           </a:p>
@@ -1426,7 +1442,7 @@
           <a:lstStyle/>
           <a:p>
             <a:r>
-              <a:rPr lang="ja-JP" altLang="en-US" smtClean="0"/>
+              <a:rPr lang="ja-JP" altLang="en-US"/>
               <a:t>マスター タイトルの書式設定</a:t>
             </a:r>
             <a:endParaRPr lang="en-US" dirty="0"/>
@@ -1455,67 +1471,67 @@
           <a:p>
             <a:pPr lvl="0"/>
             <a:r>
-              <a:rPr lang="ja-JP" altLang="en-US" smtClean="0"/>
+              <a:rPr lang="ja-JP" altLang="en-US"/>
               <a:t>マスター テキストの書式設定</a:t>
             </a:r>
           </a:p>
           <a:p>
             <a:pPr lvl="1"/>
             <a:r>
-              <a:rPr lang="ja-JP" altLang="en-US" smtClean="0"/>
+              <a:rPr lang="ja-JP" altLang="en-US"/>
               <a:t>第 </a:t>
             </a:r>
             <a:r>
-              <a:rPr lang="en-US" altLang="ja-JP" smtClean="0"/>
+              <a:rPr lang="en-US" altLang="ja-JP"/>
               <a:t>2 </a:t>
             </a:r>
             <a:r>
-              <a:rPr lang="ja-JP" altLang="en-US" smtClean="0"/>
+              <a:rPr lang="ja-JP" altLang="en-US"/>
               <a:t>レベル</a:t>
             </a:r>
           </a:p>
           <a:p>
             <a:pPr lvl="2"/>
             <a:r>
-              <a:rPr lang="ja-JP" altLang="en-US" smtClean="0"/>
+              <a:rPr lang="ja-JP" altLang="en-US"/>
               <a:t>第 </a:t>
             </a:r>
             <a:r>
-              <a:rPr lang="en-US" altLang="ja-JP" smtClean="0"/>
+              <a:rPr lang="en-US" altLang="ja-JP"/>
               <a:t>3 </a:t>
             </a:r>
             <a:r>
-              <a:rPr lang="ja-JP" altLang="en-US" smtClean="0"/>
+              <a:rPr lang="ja-JP" altLang="en-US"/>
               <a:t>レベル</a:t>
             </a:r>
           </a:p>
           <a:p>
             <a:pPr lvl="3"/>
             <a:r>
-              <a:rPr lang="ja-JP" altLang="en-US" smtClean="0"/>
+              <a:rPr lang="ja-JP" altLang="en-US"/>
               <a:t>第 </a:t>
             </a:r>
             <a:r>
-              <a:rPr lang="en-US" altLang="ja-JP" smtClean="0"/>
+              <a:rPr lang="en-US" altLang="ja-JP"/>
               <a:t>4 </a:t>
             </a:r>
             <a:r>
-              <a:rPr lang="ja-JP" altLang="en-US" smtClean="0"/>
+              <a:rPr lang="ja-JP" altLang="en-US"/>
               <a:t>レベル</a:t>
             </a:r>
           </a:p>
           <a:p>
             <a:pPr lvl="4"/>
             <a:r>
-              <a:rPr lang="ja-JP" altLang="en-US" smtClean="0"/>
+              <a:rPr lang="ja-JP" altLang="en-US"/>
               <a:t>第 </a:t>
             </a:r>
             <a:r>
-              <a:rPr lang="en-US" altLang="ja-JP" smtClean="0"/>
+              <a:rPr lang="en-US" altLang="ja-JP"/>
               <a:t>5 </a:t>
             </a:r>
             <a:r>
-              <a:rPr lang="ja-JP" altLang="en-US" smtClean="0"/>
+              <a:rPr lang="ja-JP" altLang="en-US"/>
               <a:t>レベル</a:t>
             </a:r>
             <a:endParaRPr lang="en-US" dirty="0"/>
@@ -1544,67 +1560,67 @@
           <a:p>
             <a:pPr lvl="0"/>
             <a:r>
-              <a:rPr lang="ja-JP" altLang="en-US" smtClean="0"/>
+              <a:rPr lang="ja-JP" altLang="en-US"/>
               <a:t>マスター テキストの書式設定</a:t>
             </a:r>
           </a:p>
           <a:p>
             <a:pPr lvl="1"/>
             <a:r>
-              <a:rPr lang="ja-JP" altLang="en-US" smtClean="0"/>
+              <a:rPr lang="ja-JP" altLang="en-US"/>
               <a:t>第 </a:t>
             </a:r>
             <a:r>
-              <a:rPr lang="en-US" altLang="ja-JP" smtClean="0"/>
+              <a:rPr lang="en-US" altLang="ja-JP"/>
               <a:t>2 </a:t>
             </a:r>
             <a:r>
-              <a:rPr lang="ja-JP" altLang="en-US" smtClean="0"/>
+              <a:rPr lang="ja-JP" altLang="en-US"/>
               <a:t>レベル</a:t>
             </a:r>
           </a:p>
           <a:p>
             <a:pPr lvl="2"/>
             <a:r>
-              <a:rPr lang="ja-JP" altLang="en-US" smtClean="0"/>
+              <a:rPr lang="ja-JP" altLang="en-US"/>
               <a:t>第 </a:t>
             </a:r>
             <a:r>
-              <a:rPr lang="en-US" altLang="ja-JP" smtClean="0"/>
+              <a:rPr lang="en-US" altLang="ja-JP"/>
               <a:t>3 </a:t>
             </a:r>
             <a:r>
-              <a:rPr lang="ja-JP" altLang="en-US" smtClean="0"/>
+              <a:rPr lang="ja-JP" altLang="en-US"/>
               <a:t>レベル</a:t>
             </a:r>
           </a:p>
           <a:p>
             <a:pPr lvl="3"/>
             <a:r>
-              <a:rPr lang="ja-JP" altLang="en-US" smtClean="0"/>
+              <a:rPr lang="ja-JP" altLang="en-US"/>
               <a:t>第 </a:t>
             </a:r>
             <a:r>
-              <a:rPr lang="en-US" altLang="ja-JP" smtClean="0"/>
+              <a:rPr lang="en-US" altLang="ja-JP"/>
               <a:t>4 </a:t>
             </a:r>
             <a:r>
-              <a:rPr lang="ja-JP" altLang="en-US" smtClean="0"/>
+              <a:rPr lang="ja-JP" altLang="en-US"/>
               <a:t>レベル</a:t>
             </a:r>
           </a:p>
           <a:p>
             <a:pPr lvl="4"/>
             <a:r>
-              <a:rPr lang="ja-JP" altLang="en-US" smtClean="0"/>
+              <a:rPr lang="ja-JP" altLang="en-US"/>
               <a:t>第 </a:t>
             </a:r>
             <a:r>
-              <a:rPr lang="en-US" altLang="ja-JP" smtClean="0"/>
+              <a:rPr lang="en-US" altLang="ja-JP"/>
               <a:t>5 </a:t>
             </a:r>
             <a:r>
-              <a:rPr lang="ja-JP" altLang="en-US" smtClean="0"/>
+              <a:rPr lang="ja-JP" altLang="en-US"/>
               <a:t>レベル</a:t>
             </a:r>
             <a:endParaRPr lang="en-US" dirty="0"/>
@@ -1628,7 +1644,7 @@
           <a:p>
             <a:fld id="{71C17F22-100E-4B98-95D7-0BBC98EE3737}" type="datetimeFigureOut">
               <a:rPr kumimoji="1" lang="ja-JP" altLang="en-US" smtClean="0"/>
-              <a:t>2016/02/07</a:t>
+              <a:t>2016/8/21</a:t>
             </a:fld>
             <a:endParaRPr kumimoji="1" lang="ja-JP" altLang="en-US"/>
           </a:p>
@@ -1770,7 +1786,7 @@
           <a:p>
             <a:pPr lvl="0"/>
             <a:r>
-              <a:rPr lang="ja-JP" altLang="en-US" smtClean="0"/>
+              <a:rPr lang="ja-JP" altLang="en-US"/>
               <a:t>マスター テキストの書式設定</a:t>
             </a:r>
           </a:p>
@@ -1798,67 +1814,67 @@
           <a:p>
             <a:pPr lvl="0"/>
             <a:r>
-              <a:rPr lang="ja-JP" altLang="en-US" smtClean="0"/>
+              <a:rPr lang="ja-JP" altLang="en-US"/>
               <a:t>マスター テキストの書式設定</a:t>
             </a:r>
           </a:p>
           <a:p>
             <a:pPr lvl="1"/>
             <a:r>
-              <a:rPr lang="ja-JP" altLang="en-US" smtClean="0"/>
+              <a:rPr lang="ja-JP" altLang="en-US"/>
               <a:t>第 </a:t>
             </a:r>
             <a:r>
-              <a:rPr lang="en-US" altLang="ja-JP" smtClean="0"/>
+              <a:rPr lang="en-US" altLang="ja-JP"/>
               <a:t>2 </a:t>
             </a:r>
             <a:r>
-              <a:rPr lang="ja-JP" altLang="en-US" smtClean="0"/>
+              <a:rPr lang="ja-JP" altLang="en-US"/>
               <a:t>レベル</a:t>
             </a:r>
           </a:p>
           <a:p>
             <a:pPr lvl="2"/>
             <a:r>
-              <a:rPr lang="ja-JP" altLang="en-US" smtClean="0"/>
+              <a:rPr lang="ja-JP" altLang="en-US"/>
               <a:t>第 </a:t>
             </a:r>
             <a:r>
-              <a:rPr lang="en-US" altLang="ja-JP" smtClean="0"/>
+              <a:rPr lang="en-US" altLang="ja-JP"/>
               <a:t>3 </a:t>
             </a:r>
             <a:r>
-              <a:rPr lang="ja-JP" altLang="en-US" smtClean="0"/>
+              <a:rPr lang="ja-JP" altLang="en-US"/>
               <a:t>レベル</a:t>
             </a:r>
           </a:p>
           <a:p>
             <a:pPr lvl="3"/>
             <a:r>
-              <a:rPr lang="ja-JP" altLang="en-US" smtClean="0"/>
+              <a:rPr lang="ja-JP" altLang="en-US"/>
               <a:t>第 </a:t>
             </a:r>
             <a:r>
-              <a:rPr lang="en-US" altLang="ja-JP" smtClean="0"/>
+              <a:rPr lang="en-US" altLang="ja-JP"/>
               <a:t>4 </a:t>
             </a:r>
             <a:r>
-              <a:rPr lang="ja-JP" altLang="en-US" smtClean="0"/>
+              <a:rPr lang="ja-JP" altLang="en-US"/>
               <a:t>レベル</a:t>
             </a:r>
           </a:p>
           <a:p>
             <a:pPr lvl="4"/>
             <a:r>
-              <a:rPr lang="ja-JP" altLang="en-US" smtClean="0"/>
+              <a:rPr lang="ja-JP" altLang="en-US"/>
               <a:t>第 </a:t>
             </a:r>
             <a:r>
-              <a:rPr lang="en-US" altLang="ja-JP" smtClean="0"/>
+              <a:rPr lang="en-US" altLang="ja-JP"/>
               <a:t>5 </a:t>
             </a:r>
             <a:r>
-              <a:rPr lang="ja-JP" altLang="en-US" smtClean="0"/>
+              <a:rPr lang="ja-JP" altLang="en-US"/>
               <a:t>レベル</a:t>
             </a:r>
             <a:endParaRPr lang="en-US" dirty="0"/>
@@ -1927,7 +1943,7 @@
           <a:p>
             <a:pPr lvl="0"/>
             <a:r>
-              <a:rPr lang="ja-JP" altLang="en-US" smtClean="0"/>
+              <a:rPr lang="ja-JP" altLang="en-US"/>
               <a:t>マスター テキストの書式設定</a:t>
             </a:r>
           </a:p>
@@ -1955,67 +1971,67 @@
           <a:p>
             <a:pPr lvl="0"/>
             <a:r>
-              <a:rPr lang="ja-JP" altLang="en-US" smtClean="0"/>
+              <a:rPr lang="ja-JP" altLang="en-US"/>
               <a:t>マスター テキストの書式設定</a:t>
             </a:r>
           </a:p>
           <a:p>
             <a:pPr lvl="1"/>
             <a:r>
-              <a:rPr lang="ja-JP" altLang="en-US" smtClean="0"/>
+              <a:rPr lang="ja-JP" altLang="en-US"/>
               <a:t>第 </a:t>
             </a:r>
             <a:r>
-              <a:rPr lang="en-US" altLang="ja-JP" smtClean="0"/>
+              <a:rPr lang="en-US" altLang="ja-JP"/>
               <a:t>2 </a:t>
             </a:r>
             <a:r>
-              <a:rPr lang="ja-JP" altLang="en-US" smtClean="0"/>
+              <a:rPr lang="ja-JP" altLang="en-US"/>
               <a:t>レベル</a:t>
             </a:r>
           </a:p>
           <a:p>
             <a:pPr lvl="2"/>
             <a:r>
-              <a:rPr lang="ja-JP" altLang="en-US" smtClean="0"/>
+              <a:rPr lang="ja-JP" altLang="en-US"/>
               <a:t>第 </a:t>
             </a:r>
             <a:r>
-              <a:rPr lang="en-US" altLang="ja-JP" smtClean="0"/>
+              <a:rPr lang="en-US" altLang="ja-JP"/>
               <a:t>3 </a:t>
             </a:r>
             <a:r>
-              <a:rPr lang="ja-JP" altLang="en-US" smtClean="0"/>
+              <a:rPr lang="ja-JP" altLang="en-US"/>
               <a:t>レベル</a:t>
             </a:r>
           </a:p>
           <a:p>
             <a:pPr lvl="3"/>
             <a:r>
-              <a:rPr lang="ja-JP" altLang="en-US" smtClean="0"/>
+              <a:rPr lang="ja-JP" altLang="en-US"/>
               <a:t>第 </a:t>
             </a:r>
             <a:r>
-              <a:rPr lang="en-US" altLang="ja-JP" smtClean="0"/>
+              <a:rPr lang="en-US" altLang="ja-JP"/>
               <a:t>4 </a:t>
             </a:r>
             <a:r>
-              <a:rPr lang="ja-JP" altLang="en-US" smtClean="0"/>
+              <a:rPr lang="ja-JP" altLang="en-US"/>
               <a:t>レベル</a:t>
             </a:r>
           </a:p>
           <a:p>
             <a:pPr lvl="4"/>
             <a:r>
-              <a:rPr lang="ja-JP" altLang="en-US" smtClean="0"/>
+              <a:rPr lang="ja-JP" altLang="en-US"/>
               <a:t>第 </a:t>
             </a:r>
             <a:r>
-              <a:rPr lang="en-US" altLang="ja-JP" smtClean="0"/>
+              <a:rPr lang="en-US" altLang="ja-JP"/>
               <a:t>5 </a:t>
             </a:r>
             <a:r>
-              <a:rPr lang="ja-JP" altLang="en-US" smtClean="0"/>
+              <a:rPr lang="ja-JP" altLang="en-US"/>
               <a:t>レベル</a:t>
             </a:r>
             <a:endParaRPr lang="en-US"/>
@@ -2039,7 +2055,7 @@
           <a:p>
             <a:fld id="{71C17F22-100E-4B98-95D7-0BBC98EE3737}" type="datetimeFigureOut">
               <a:rPr kumimoji="1" lang="ja-JP" altLang="en-US" smtClean="0"/>
-              <a:t>2016/02/07</a:t>
+              <a:t>2016/8/21</a:t>
             </a:fld>
             <a:endParaRPr kumimoji="1" lang="ja-JP" altLang="en-US"/>
           </a:p>
@@ -2103,7 +2119,7 @@
           <a:lstStyle/>
           <a:p>
             <a:r>
-              <a:rPr lang="ja-JP" altLang="en-US" smtClean="0"/>
+              <a:rPr lang="ja-JP" altLang="en-US"/>
               <a:t>マスター タイトルの書式設定</a:t>
             </a:r>
             <a:endParaRPr lang="en-US" dirty="0"/>
@@ -2157,7 +2173,7 @@
           <a:p>
             <a:fld id="{71C17F22-100E-4B98-95D7-0BBC98EE3737}" type="datetimeFigureOut">
               <a:rPr kumimoji="1" lang="ja-JP" altLang="en-US" smtClean="0"/>
-              <a:t>2016/02/07</a:t>
+              <a:t>2016/8/21</a:t>
             </a:fld>
             <a:endParaRPr kumimoji="1" lang="ja-JP" altLang="en-US"/>
           </a:p>
@@ -2221,7 +2237,7 @@
           <a:lstStyle/>
           <a:p>
             <a:r>
-              <a:rPr lang="ja-JP" altLang="en-US" smtClean="0"/>
+              <a:rPr lang="ja-JP" altLang="en-US"/>
               <a:t>マスター タイトルの書式設定</a:t>
             </a:r>
             <a:endParaRPr lang="en-US"/>
@@ -2275,7 +2291,7 @@
           <a:p>
             <a:fld id="{71C17F22-100E-4B98-95D7-0BBC98EE3737}" type="datetimeFigureOut">
               <a:rPr kumimoji="1" lang="ja-JP" altLang="en-US" smtClean="0"/>
-              <a:t>2016/02/07</a:t>
+              <a:t>2016/8/21</a:t>
             </a:fld>
             <a:endParaRPr kumimoji="1" lang="ja-JP" altLang="en-US"/>
           </a:p>
@@ -2380,7 +2396,7 @@
           </a:lstStyle>
           <a:p>
             <a:r>
-              <a:rPr lang="ja-JP" altLang="en-US" smtClean="0"/>
+              <a:rPr lang="ja-JP" altLang="en-US"/>
               <a:t>マスター タイトルの書式設定</a:t>
             </a:r>
             <a:endParaRPr lang="en-US" dirty="0"/>
@@ -2437,67 +2453,67 @@
           <a:p>
             <a:pPr lvl="0"/>
             <a:r>
-              <a:rPr lang="ja-JP" altLang="en-US" smtClean="0"/>
+              <a:rPr lang="ja-JP" altLang="en-US"/>
               <a:t>マスター テキストの書式設定</a:t>
             </a:r>
           </a:p>
           <a:p>
             <a:pPr lvl="1"/>
             <a:r>
-              <a:rPr lang="ja-JP" altLang="en-US" smtClean="0"/>
+              <a:rPr lang="ja-JP" altLang="en-US"/>
               <a:t>第 </a:t>
             </a:r>
             <a:r>
-              <a:rPr lang="en-US" altLang="ja-JP" smtClean="0"/>
+              <a:rPr lang="en-US" altLang="ja-JP"/>
               <a:t>2 </a:t>
             </a:r>
             <a:r>
-              <a:rPr lang="ja-JP" altLang="en-US" smtClean="0"/>
+              <a:rPr lang="ja-JP" altLang="en-US"/>
               <a:t>レベル</a:t>
             </a:r>
           </a:p>
           <a:p>
             <a:pPr lvl="2"/>
             <a:r>
-              <a:rPr lang="ja-JP" altLang="en-US" smtClean="0"/>
+              <a:rPr lang="ja-JP" altLang="en-US"/>
               <a:t>第 </a:t>
             </a:r>
             <a:r>
-              <a:rPr lang="en-US" altLang="ja-JP" smtClean="0"/>
+              <a:rPr lang="en-US" altLang="ja-JP"/>
               <a:t>3 </a:t>
             </a:r>
             <a:r>
-              <a:rPr lang="ja-JP" altLang="en-US" smtClean="0"/>
+              <a:rPr lang="ja-JP" altLang="en-US"/>
               <a:t>レベル</a:t>
             </a:r>
           </a:p>
           <a:p>
             <a:pPr lvl="3"/>
             <a:r>
-              <a:rPr lang="ja-JP" altLang="en-US" smtClean="0"/>
+              <a:rPr lang="ja-JP" altLang="en-US"/>
               <a:t>第 </a:t>
             </a:r>
             <a:r>
-              <a:rPr lang="en-US" altLang="ja-JP" smtClean="0"/>
+              <a:rPr lang="en-US" altLang="ja-JP"/>
               <a:t>4 </a:t>
             </a:r>
             <a:r>
-              <a:rPr lang="ja-JP" altLang="en-US" smtClean="0"/>
+              <a:rPr lang="ja-JP" altLang="en-US"/>
               <a:t>レベル</a:t>
             </a:r>
           </a:p>
           <a:p>
             <a:pPr lvl="4"/>
             <a:r>
-              <a:rPr lang="ja-JP" altLang="en-US" smtClean="0"/>
+              <a:rPr lang="ja-JP" altLang="en-US"/>
               <a:t>第 </a:t>
             </a:r>
             <a:r>
-              <a:rPr lang="en-US" altLang="ja-JP" smtClean="0"/>
+              <a:rPr lang="en-US" altLang="ja-JP"/>
               <a:t>5 </a:t>
             </a:r>
             <a:r>
-              <a:rPr lang="ja-JP" altLang="en-US" smtClean="0"/>
+              <a:rPr lang="ja-JP" altLang="en-US"/>
               <a:t>レベル</a:t>
             </a:r>
             <a:endParaRPr lang="en-US" dirty="0"/>
@@ -2568,7 +2584,7 @@
           <a:p>
             <a:pPr lvl="0"/>
             <a:r>
-              <a:rPr lang="ja-JP" altLang="en-US" smtClean="0"/>
+              <a:rPr lang="ja-JP" altLang="en-US"/>
               <a:t>マスター テキストの書式設定</a:t>
             </a:r>
           </a:p>
@@ -2591,7 +2607,7 @@
           <a:p>
             <a:fld id="{71C17F22-100E-4B98-95D7-0BBC98EE3737}" type="datetimeFigureOut">
               <a:rPr kumimoji="1" lang="ja-JP" altLang="en-US" smtClean="0"/>
-              <a:t>2016/02/07</a:t>
+              <a:t>2016/8/21</a:t>
             </a:fld>
             <a:endParaRPr kumimoji="1" lang="ja-JP" altLang="en-US"/>
           </a:p>
@@ -2685,7 +2701,7 @@
           <a:lstStyle/>
           <a:p>
             <a:r>
-              <a:rPr lang="ja-JP" altLang="en-US" smtClean="0"/>
+              <a:rPr lang="ja-JP" altLang="en-US"/>
               <a:t>マスター タイトルの書式設定</a:t>
             </a:r>
             <a:endParaRPr lang="en-US" dirty="0"/>
@@ -2709,67 +2725,67 @@
           <a:p>
             <a:pPr lvl="0"/>
             <a:r>
-              <a:rPr lang="ja-JP" altLang="en-US" smtClean="0"/>
+              <a:rPr lang="ja-JP" altLang="en-US"/>
               <a:t>マスター テキストの書式設定</a:t>
             </a:r>
           </a:p>
           <a:p>
             <a:pPr lvl="1"/>
             <a:r>
-              <a:rPr lang="ja-JP" altLang="en-US" smtClean="0"/>
+              <a:rPr lang="ja-JP" altLang="en-US"/>
               <a:t>第 </a:t>
             </a:r>
             <a:r>
-              <a:rPr lang="en-US" altLang="ja-JP" smtClean="0"/>
+              <a:rPr lang="en-US" altLang="ja-JP"/>
               <a:t>2 </a:t>
             </a:r>
             <a:r>
-              <a:rPr lang="ja-JP" altLang="en-US" smtClean="0"/>
+              <a:rPr lang="ja-JP" altLang="en-US"/>
               <a:t>レベル</a:t>
             </a:r>
           </a:p>
           <a:p>
             <a:pPr lvl="2"/>
             <a:r>
-              <a:rPr lang="ja-JP" altLang="en-US" smtClean="0"/>
+              <a:rPr lang="ja-JP" altLang="en-US"/>
               <a:t>第 </a:t>
             </a:r>
             <a:r>
-              <a:rPr lang="en-US" altLang="ja-JP" smtClean="0"/>
+              <a:rPr lang="en-US" altLang="ja-JP"/>
               <a:t>3 </a:t>
             </a:r>
             <a:r>
-              <a:rPr lang="ja-JP" altLang="en-US" smtClean="0"/>
+              <a:rPr lang="ja-JP" altLang="en-US"/>
               <a:t>レベル</a:t>
             </a:r>
           </a:p>
           <a:p>
             <a:pPr lvl="3"/>
             <a:r>
-              <a:rPr lang="ja-JP" altLang="en-US" smtClean="0"/>
+              <a:rPr lang="ja-JP" altLang="en-US"/>
               <a:t>第 </a:t>
             </a:r>
             <a:r>
-              <a:rPr lang="en-US" altLang="ja-JP" smtClean="0"/>
+              <a:rPr lang="en-US" altLang="ja-JP"/>
               <a:t>4 </a:t>
             </a:r>
             <a:r>
-              <a:rPr lang="ja-JP" altLang="en-US" smtClean="0"/>
+              <a:rPr lang="ja-JP" altLang="en-US"/>
               <a:t>レベル</a:t>
             </a:r>
           </a:p>
           <a:p>
             <a:pPr lvl="4"/>
             <a:r>
-              <a:rPr lang="ja-JP" altLang="en-US" smtClean="0"/>
+              <a:rPr lang="ja-JP" altLang="en-US"/>
               <a:t>第 </a:t>
             </a:r>
             <a:r>
-              <a:rPr lang="en-US" altLang="ja-JP" smtClean="0"/>
+              <a:rPr lang="en-US" altLang="ja-JP"/>
               <a:t>5 </a:t>
             </a:r>
             <a:r>
-              <a:rPr lang="ja-JP" altLang="en-US" smtClean="0"/>
+              <a:rPr lang="ja-JP" altLang="en-US"/>
               <a:t>レベル</a:t>
             </a:r>
             <a:endParaRPr lang="en-US" dirty="0"/>
@@ -2793,7 +2809,7 @@
           <a:p>
             <a:fld id="{71C17F22-100E-4B98-95D7-0BBC98EE3737}" type="datetimeFigureOut">
               <a:rPr kumimoji="1" lang="ja-JP" altLang="en-US" smtClean="0"/>
-              <a:t>2016/02/07</a:t>
+              <a:t>2016/8/21</a:t>
             </a:fld>
             <a:endParaRPr kumimoji="1" lang="ja-JP" altLang="en-US"/>
           </a:p>
@@ -2898,7 +2914,7 @@
           </a:lstStyle>
           <a:p>
             <a:r>
-              <a:rPr lang="ja-JP" altLang="en-US" smtClean="0"/>
+              <a:rPr lang="ja-JP" altLang="en-US"/>
               <a:t>マスター タイトルの書式設定</a:t>
             </a:r>
             <a:endParaRPr lang="en-US" dirty="0"/>
@@ -2963,7 +2979,7 @@
           </a:lstStyle>
           <a:p>
             <a:r>
-              <a:rPr lang="ja-JP" altLang="en-US" smtClean="0"/>
+              <a:rPr lang="ja-JP" altLang="en-US"/>
               <a:t>図を追加</a:t>
             </a:r>
             <a:endParaRPr lang="en-US" dirty="0"/>
@@ -3034,7 +3050,7 @@
           <a:p>
             <a:pPr lvl="0"/>
             <a:r>
-              <a:rPr lang="ja-JP" altLang="en-US" smtClean="0"/>
+              <a:rPr lang="ja-JP" altLang="en-US"/>
               <a:t>マスター テキストの書式設定</a:t>
             </a:r>
           </a:p>
@@ -3057,7 +3073,7 @@
           <a:p>
             <a:fld id="{71C17F22-100E-4B98-95D7-0BBC98EE3737}" type="datetimeFigureOut">
               <a:rPr kumimoji="1" lang="ja-JP" altLang="en-US" smtClean="0"/>
-              <a:t>2016/02/07</a:t>
+              <a:t>2016/8/21</a:t>
             </a:fld>
             <a:endParaRPr kumimoji="1" lang="ja-JP" altLang="en-US"/>
           </a:p>
@@ -3151,7 +3167,7 @@
           <a:lstStyle/>
           <a:p>
             <a:r>
-              <a:rPr lang="ja-JP" altLang="en-US" smtClean="0"/>
+              <a:rPr lang="ja-JP" altLang="en-US"/>
               <a:t>マスター タイトルの書式設定</a:t>
             </a:r>
             <a:endParaRPr lang="en-US"/>
@@ -3175,67 +3191,67 @@
           <a:p>
             <a:pPr lvl="0"/>
             <a:r>
-              <a:rPr lang="ja-JP" altLang="en-US" smtClean="0"/>
+              <a:rPr lang="ja-JP" altLang="en-US"/>
               <a:t>マスター テキストの書式設定</a:t>
             </a:r>
           </a:p>
           <a:p>
             <a:pPr lvl="1"/>
             <a:r>
-              <a:rPr lang="ja-JP" altLang="en-US" smtClean="0"/>
+              <a:rPr lang="ja-JP" altLang="en-US"/>
               <a:t>第 </a:t>
             </a:r>
             <a:r>
-              <a:rPr lang="en-US" altLang="ja-JP" smtClean="0"/>
+              <a:rPr lang="en-US" altLang="ja-JP"/>
               <a:t>2 </a:t>
             </a:r>
             <a:r>
-              <a:rPr lang="ja-JP" altLang="en-US" smtClean="0"/>
+              <a:rPr lang="ja-JP" altLang="en-US"/>
               <a:t>レベル</a:t>
             </a:r>
           </a:p>
           <a:p>
             <a:pPr lvl="2"/>
             <a:r>
-              <a:rPr lang="ja-JP" altLang="en-US" smtClean="0"/>
+              <a:rPr lang="ja-JP" altLang="en-US"/>
               <a:t>第 </a:t>
             </a:r>
             <a:r>
-              <a:rPr lang="en-US" altLang="ja-JP" smtClean="0"/>
+              <a:rPr lang="en-US" altLang="ja-JP"/>
               <a:t>3 </a:t>
             </a:r>
             <a:r>
-              <a:rPr lang="ja-JP" altLang="en-US" smtClean="0"/>
+              <a:rPr lang="ja-JP" altLang="en-US"/>
               <a:t>レベル</a:t>
             </a:r>
           </a:p>
           <a:p>
             <a:pPr lvl="3"/>
             <a:r>
-              <a:rPr lang="ja-JP" altLang="en-US" smtClean="0"/>
+              <a:rPr lang="ja-JP" altLang="en-US"/>
               <a:t>第 </a:t>
             </a:r>
             <a:r>
-              <a:rPr lang="en-US" altLang="ja-JP" smtClean="0"/>
+              <a:rPr lang="en-US" altLang="ja-JP"/>
               <a:t>4 </a:t>
             </a:r>
             <a:r>
-              <a:rPr lang="ja-JP" altLang="en-US" smtClean="0"/>
+              <a:rPr lang="ja-JP" altLang="en-US"/>
               <a:t>レベル</a:t>
             </a:r>
           </a:p>
           <a:p>
             <a:pPr lvl="4"/>
             <a:r>
-              <a:rPr lang="ja-JP" altLang="en-US" smtClean="0"/>
+              <a:rPr lang="ja-JP" altLang="en-US"/>
               <a:t>第 </a:t>
             </a:r>
             <a:r>
-              <a:rPr lang="en-US" altLang="ja-JP" smtClean="0"/>
+              <a:rPr lang="en-US" altLang="ja-JP"/>
               <a:t>5 </a:t>
             </a:r>
             <a:r>
-              <a:rPr lang="ja-JP" altLang="en-US" smtClean="0"/>
+              <a:rPr lang="ja-JP" altLang="en-US"/>
               <a:t>レベル</a:t>
             </a:r>
             <a:endParaRPr lang="en-US" dirty="0"/>
@@ -3259,7 +3275,7 @@
           <a:p>
             <a:fld id="{71C17F22-100E-4B98-95D7-0BBC98EE3737}" type="datetimeFigureOut">
               <a:rPr kumimoji="1" lang="ja-JP" altLang="en-US" smtClean="0"/>
-              <a:t>2016/02/07</a:t>
+              <a:t>2016/8/21</a:t>
             </a:fld>
             <a:endParaRPr kumimoji="1" lang="ja-JP" altLang="en-US"/>
           </a:p>
@@ -3358,7 +3374,7 @@
           <a:lstStyle/>
           <a:p>
             <a:r>
-              <a:rPr lang="ja-JP" altLang="en-US" smtClean="0"/>
+              <a:rPr lang="ja-JP" altLang="en-US"/>
               <a:t>マスター タイトルの書式設定</a:t>
             </a:r>
             <a:endParaRPr lang="en-US"/>
@@ -3387,67 +3403,67 @@
           <a:p>
             <a:pPr lvl="0"/>
             <a:r>
-              <a:rPr lang="ja-JP" altLang="en-US" smtClean="0"/>
+              <a:rPr lang="ja-JP" altLang="en-US"/>
               <a:t>マスター テキストの書式設定</a:t>
             </a:r>
           </a:p>
           <a:p>
             <a:pPr lvl="1"/>
             <a:r>
-              <a:rPr lang="ja-JP" altLang="en-US" smtClean="0"/>
+              <a:rPr lang="ja-JP" altLang="en-US"/>
               <a:t>第 </a:t>
             </a:r>
             <a:r>
-              <a:rPr lang="en-US" altLang="ja-JP" smtClean="0"/>
+              <a:rPr lang="en-US" altLang="ja-JP"/>
               <a:t>2 </a:t>
             </a:r>
             <a:r>
-              <a:rPr lang="ja-JP" altLang="en-US" smtClean="0"/>
+              <a:rPr lang="ja-JP" altLang="en-US"/>
               <a:t>レベル</a:t>
             </a:r>
           </a:p>
           <a:p>
             <a:pPr lvl="2"/>
             <a:r>
-              <a:rPr lang="ja-JP" altLang="en-US" smtClean="0"/>
+              <a:rPr lang="ja-JP" altLang="en-US"/>
               <a:t>第 </a:t>
             </a:r>
             <a:r>
-              <a:rPr lang="en-US" altLang="ja-JP" smtClean="0"/>
+              <a:rPr lang="en-US" altLang="ja-JP"/>
               <a:t>3 </a:t>
             </a:r>
             <a:r>
-              <a:rPr lang="ja-JP" altLang="en-US" smtClean="0"/>
+              <a:rPr lang="ja-JP" altLang="en-US"/>
               <a:t>レベル</a:t>
             </a:r>
           </a:p>
           <a:p>
             <a:pPr lvl="3"/>
             <a:r>
-              <a:rPr lang="ja-JP" altLang="en-US" smtClean="0"/>
+              <a:rPr lang="ja-JP" altLang="en-US"/>
               <a:t>第 </a:t>
             </a:r>
             <a:r>
-              <a:rPr lang="en-US" altLang="ja-JP" smtClean="0"/>
+              <a:rPr lang="en-US" altLang="ja-JP"/>
               <a:t>4 </a:t>
             </a:r>
             <a:r>
-              <a:rPr lang="ja-JP" altLang="en-US" smtClean="0"/>
+              <a:rPr lang="ja-JP" altLang="en-US"/>
               <a:t>レベル</a:t>
             </a:r>
           </a:p>
           <a:p>
             <a:pPr lvl="4"/>
             <a:r>
-              <a:rPr lang="ja-JP" altLang="en-US" smtClean="0"/>
+              <a:rPr lang="ja-JP" altLang="en-US"/>
               <a:t>第 </a:t>
             </a:r>
             <a:r>
-              <a:rPr lang="en-US" altLang="ja-JP" smtClean="0"/>
+              <a:rPr lang="en-US" altLang="ja-JP"/>
               <a:t>5 </a:t>
             </a:r>
             <a:r>
-              <a:rPr lang="ja-JP" altLang="en-US" smtClean="0"/>
+              <a:rPr lang="ja-JP" altLang="en-US"/>
               <a:t>レベル</a:t>
             </a:r>
             <a:endParaRPr lang="en-US"/>
@@ -3471,7 +3487,7 @@
           <a:p>
             <a:fld id="{71C17F22-100E-4B98-95D7-0BBC98EE3737}" type="datetimeFigureOut">
               <a:rPr kumimoji="1" lang="ja-JP" altLang="en-US" smtClean="0"/>
-              <a:t>2016/02/07</a:t>
+              <a:t>2016/8/21</a:t>
             </a:fld>
             <a:endParaRPr kumimoji="1" lang="ja-JP" altLang="en-US"/>
           </a:p>
@@ -3576,7 +3592,7 @@
           </a:lstStyle>
           <a:p>
             <a:r>
-              <a:rPr lang="ja-JP" altLang="en-US" smtClean="0"/>
+              <a:rPr lang="ja-JP" altLang="en-US"/>
               <a:t>マスター タイトルの書式設定</a:t>
             </a:r>
             <a:endParaRPr lang="en-US" dirty="0"/>
@@ -3650,7 +3666,7 @@
           </a:lstStyle>
           <a:p>
             <a:r>
-              <a:rPr lang="ja-JP" altLang="en-US" smtClean="0"/>
+              <a:rPr lang="ja-JP" altLang="en-US"/>
               <a:t>マスター サブタイトルの書式設定</a:t>
             </a:r>
             <a:endParaRPr lang="en-US" dirty="0"/>
@@ -3674,7 +3690,7 @@
           <a:p>
             <a:fld id="{71C17F22-100E-4B98-95D7-0BBC98EE3737}" type="datetimeFigureOut">
               <a:rPr kumimoji="1" lang="ja-JP" altLang="en-US" smtClean="0"/>
-              <a:t>2016/02/07</a:t>
+              <a:t>2016/8/21</a:t>
             </a:fld>
             <a:endParaRPr kumimoji="1" lang="ja-JP" altLang="en-US"/>
           </a:p>
@@ -3768,7 +3784,7 @@
           <a:lstStyle/>
           <a:p>
             <a:r>
-              <a:rPr lang="ja-JP" altLang="en-US" smtClean="0"/>
+              <a:rPr lang="ja-JP" altLang="en-US"/>
               <a:t>マスター タイトルの書式設定</a:t>
             </a:r>
             <a:endParaRPr lang="en-US" dirty="0"/>
@@ -3792,67 +3808,67 @@
           <a:p>
             <a:pPr lvl="0"/>
             <a:r>
-              <a:rPr lang="ja-JP" altLang="en-US" smtClean="0"/>
+              <a:rPr lang="ja-JP" altLang="en-US"/>
               <a:t>マスター テキストの書式設定</a:t>
             </a:r>
           </a:p>
           <a:p>
             <a:pPr lvl="1"/>
             <a:r>
-              <a:rPr lang="ja-JP" altLang="en-US" smtClean="0"/>
+              <a:rPr lang="ja-JP" altLang="en-US"/>
               <a:t>第 </a:t>
             </a:r>
             <a:r>
-              <a:rPr lang="en-US" altLang="ja-JP" smtClean="0"/>
+              <a:rPr lang="en-US" altLang="ja-JP"/>
               <a:t>2 </a:t>
             </a:r>
             <a:r>
-              <a:rPr lang="ja-JP" altLang="en-US" smtClean="0"/>
+              <a:rPr lang="ja-JP" altLang="en-US"/>
               <a:t>レベル</a:t>
             </a:r>
           </a:p>
           <a:p>
             <a:pPr lvl="2"/>
             <a:r>
-              <a:rPr lang="ja-JP" altLang="en-US" smtClean="0"/>
+              <a:rPr lang="ja-JP" altLang="en-US"/>
               <a:t>第 </a:t>
             </a:r>
             <a:r>
-              <a:rPr lang="en-US" altLang="ja-JP" smtClean="0"/>
+              <a:rPr lang="en-US" altLang="ja-JP"/>
               <a:t>3 </a:t>
             </a:r>
             <a:r>
-              <a:rPr lang="ja-JP" altLang="en-US" smtClean="0"/>
+              <a:rPr lang="ja-JP" altLang="en-US"/>
               <a:t>レベル</a:t>
             </a:r>
           </a:p>
           <a:p>
             <a:pPr lvl="3"/>
             <a:r>
-              <a:rPr lang="ja-JP" altLang="en-US" smtClean="0"/>
+              <a:rPr lang="ja-JP" altLang="en-US"/>
               <a:t>第 </a:t>
             </a:r>
             <a:r>
-              <a:rPr lang="en-US" altLang="ja-JP" smtClean="0"/>
+              <a:rPr lang="en-US" altLang="ja-JP"/>
               <a:t>4 </a:t>
             </a:r>
             <a:r>
-              <a:rPr lang="ja-JP" altLang="en-US" smtClean="0"/>
+              <a:rPr lang="ja-JP" altLang="en-US"/>
               <a:t>レベル</a:t>
             </a:r>
           </a:p>
           <a:p>
             <a:pPr lvl="4"/>
             <a:r>
-              <a:rPr lang="ja-JP" altLang="en-US" smtClean="0"/>
+              <a:rPr lang="ja-JP" altLang="en-US"/>
               <a:t>第 </a:t>
             </a:r>
             <a:r>
-              <a:rPr lang="en-US" altLang="ja-JP" smtClean="0"/>
+              <a:rPr lang="en-US" altLang="ja-JP"/>
               <a:t>5 </a:t>
             </a:r>
             <a:r>
-              <a:rPr lang="ja-JP" altLang="en-US" smtClean="0"/>
+              <a:rPr lang="ja-JP" altLang="en-US"/>
               <a:t>レベル</a:t>
             </a:r>
             <a:endParaRPr lang="en-US" dirty="0"/>
@@ -3876,7 +3892,7 @@
           <a:p>
             <a:fld id="{71C17F22-100E-4B98-95D7-0BBC98EE3737}" type="datetimeFigureOut">
               <a:rPr kumimoji="1" lang="ja-JP" altLang="en-US" smtClean="0"/>
-              <a:t>2016/02/07</a:t>
+              <a:t>2016/8/21</a:t>
             </a:fld>
             <a:endParaRPr kumimoji="1" lang="ja-JP" altLang="en-US"/>
           </a:p>
@@ -3981,7 +3997,7 @@
           </a:lstStyle>
           <a:p>
             <a:r>
-              <a:rPr lang="ja-JP" altLang="en-US" smtClean="0"/>
+              <a:rPr lang="ja-JP" altLang="en-US"/>
               <a:t>マスター タイトルの書式設定</a:t>
             </a:r>
             <a:endParaRPr lang="en-US" dirty="0"/>
@@ -4104,7 +4120,7 @@
           <a:p>
             <a:pPr lvl="0"/>
             <a:r>
-              <a:rPr lang="ja-JP" altLang="en-US" smtClean="0"/>
+              <a:rPr lang="ja-JP" altLang="en-US"/>
               <a:t>マスター テキストの書式設定</a:t>
             </a:r>
           </a:p>
@@ -4127,7 +4143,7 @@
           <a:p>
             <a:fld id="{71C17F22-100E-4B98-95D7-0BBC98EE3737}" type="datetimeFigureOut">
               <a:rPr kumimoji="1" lang="ja-JP" altLang="en-US" smtClean="0"/>
-              <a:t>2016/02/07</a:t>
+              <a:t>2016/8/21</a:t>
             </a:fld>
             <a:endParaRPr kumimoji="1" lang="ja-JP" altLang="en-US"/>
           </a:p>
@@ -4221,7 +4237,7 @@
           <a:lstStyle/>
           <a:p>
             <a:r>
-              <a:rPr lang="ja-JP" altLang="en-US" smtClean="0"/>
+              <a:rPr lang="ja-JP" altLang="en-US"/>
               <a:t>マスター タイトルの書式設定</a:t>
             </a:r>
             <a:endParaRPr lang="en-US" dirty="0"/>
@@ -4250,67 +4266,67 @@
           <a:p>
             <a:pPr lvl="0"/>
             <a:r>
-              <a:rPr lang="ja-JP" altLang="en-US" smtClean="0"/>
+              <a:rPr lang="ja-JP" altLang="en-US"/>
               <a:t>マスター テキストの書式設定</a:t>
             </a:r>
           </a:p>
           <a:p>
             <a:pPr lvl="1"/>
             <a:r>
-              <a:rPr lang="ja-JP" altLang="en-US" smtClean="0"/>
+              <a:rPr lang="ja-JP" altLang="en-US"/>
               <a:t>第 </a:t>
             </a:r>
             <a:r>
-              <a:rPr lang="en-US" altLang="ja-JP" smtClean="0"/>
+              <a:rPr lang="en-US" altLang="ja-JP"/>
               <a:t>2 </a:t>
             </a:r>
             <a:r>
-              <a:rPr lang="ja-JP" altLang="en-US" smtClean="0"/>
+              <a:rPr lang="ja-JP" altLang="en-US"/>
               <a:t>レベル</a:t>
             </a:r>
           </a:p>
           <a:p>
             <a:pPr lvl="2"/>
             <a:r>
-              <a:rPr lang="ja-JP" altLang="en-US" smtClean="0"/>
+              <a:rPr lang="ja-JP" altLang="en-US"/>
               <a:t>第 </a:t>
             </a:r>
             <a:r>
-              <a:rPr lang="en-US" altLang="ja-JP" smtClean="0"/>
+              <a:rPr lang="en-US" altLang="ja-JP"/>
               <a:t>3 </a:t>
             </a:r>
             <a:r>
-              <a:rPr lang="ja-JP" altLang="en-US" smtClean="0"/>
+              <a:rPr lang="ja-JP" altLang="en-US"/>
               <a:t>レベル</a:t>
             </a:r>
           </a:p>
           <a:p>
             <a:pPr lvl="3"/>
             <a:r>
-              <a:rPr lang="ja-JP" altLang="en-US" smtClean="0"/>
+              <a:rPr lang="ja-JP" altLang="en-US"/>
               <a:t>第 </a:t>
             </a:r>
             <a:r>
-              <a:rPr lang="en-US" altLang="ja-JP" smtClean="0"/>
+              <a:rPr lang="en-US" altLang="ja-JP"/>
               <a:t>4 </a:t>
             </a:r>
             <a:r>
-              <a:rPr lang="ja-JP" altLang="en-US" smtClean="0"/>
+              <a:rPr lang="ja-JP" altLang="en-US"/>
               <a:t>レベル</a:t>
             </a:r>
           </a:p>
           <a:p>
             <a:pPr lvl="4"/>
             <a:r>
-              <a:rPr lang="ja-JP" altLang="en-US" smtClean="0"/>
+              <a:rPr lang="ja-JP" altLang="en-US"/>
               <a:t>第 </a:t>
             </a:r>
             <a:r>
-              <a:rPr lang="en-US" altLang="ja-JP" smtClean="0"/>
+              <a:rPr lang="en-US" altLang="ja-JP"/>
               <a:t>5 </a:t>
             </a:r>
             <a:r>
-              <a:rPr lang="ja-JP" altLang="en-US" smtClean="0"/>
+              <a:rPr lang="ja-JP" altLang="en-US"/>
               <a:t>レベル</a:t>
             </a:r>
             <a:endParaRPr lang="en-US" dirty="0"/>
@@ -4339,67 +4355,67 @@
           <a:p>
             <a:pPr lvl="0"/>
             <a:r>
-              <a:rPr lang="ja-JP" altLang="en-US" smtClean="0"/>
+              <a:rPr lang="ja-JP" altLang="en-US"/>
               <a:t>マスター テキストの書式設定</a:t>
             </a:r>
           </a:p>
           <a:p>
             <a:pPr lvl="1"/>
             <a:r>
-              <a:rPr lang="ja-JP" altLang="en-US" smtClean="0"/>
+              <a:rPr lang="ja-JP" altLang="en-US"/>
               <a:t>第 </a:t>
             </a:r>
             <a:r>
-              <a:rPr lang="en-US" altLang="ja-JP" smtClean="0"/>
+              <a:rPr lang="en-US" altLang="ja-JP"/>
               <a:t>2 </a:t>
             </a:r>
             <a:r>
-              <a:rPr lang="ja-JP" altLang="en-US" smtClean="0"/>
+              <a:rPr lang="ja-JP" altLang="en-US"/>
               <a:t>レベル</a:t>
             </a:r>
           </a:p>
           <a:p>
             <a:pPr lvl="2"/>
             <a:r>
-              <a:rPr lang="ja-JP" altLang="en-US" smtClean="0"/>
+              <a:rPr lang="ja-JP" altLang="en-US"/>
               <a:t>第 </a:t>
             </a:r>
             <a:r>
-              <a:rPr lang="en-US" altLang="ja-JP" smtClean="0"/>
+              <a:rPr lang="en-US" altLang="ja-JP"/>
               <a:t>3 </a:t>
             </a:r>
             <a:r>
-              <a:rPr lang="ja-JP" altLang="en-US" smtClean="0"/>
+              <a:rPr lang="ja-JP" altLang="en-US"/>
               <a:t>レベル</a:t>
             </a:r>
           </a:p>
           <a:p>
             <a:pPr lvl="3"/>
             <a:r>
-              <a:rPr lang="ja-JP" altLang="en-US" smtClean="0"/>
+              <a:rPr lang="ja-JP" altLang="en-US"/>
               <a:t>第 </a:t>
             </a:r>
             <a:r>
-              <a:rPr lang="en-US" altLang="ja-JP" smtClean="0"/>
+              <a:rPr lang="en-US" altLang="ja-JP"/>
               <a:t>4 </a:t>
             </a:r>
             <a:r>
-              <a:rPr lang="ja-JP" altLang="en-US" smtClean="0"/>
+              <a:rPr lang="ja-JP" altLang="en-US"/>
               <a:t>レベル</a:t>
             </a:r>
           </a:p>
           <a:p>
             <a:pPr lvl="4"/>
             <a:r>
-              <a:rPr lang="ja-JP" altLang="en-US" smtClean="0"/>
+              <a:rPr lang="ja-JP" altLang="en-US"/>
               <a:t>第 </a:t>
             </a:r>
             <a:r>
-              <a:rPr lang="en-US" altLang="ja-JP" smtClean="0"/>
+              <a:rPr lang="en-US" altLang="ja-JP"/>
               <a:t>5 </a:t>
             </a:r>
             <a:r>
-              <a:rPr lang="ja-JP" altLang="en-US" smtClean="0"/>
+              <a:rPr lang="ja-JP" altLang="en-US"/>
               <a:t>レベル</a:t>
             </a:r>
             <a:endParaRPr lang="en-US" dirty="0"/>
@@ -4423,7 +4439,7 @@
           <a:p>
             <a:fld id="{71C17F22-100E-4B98-95D7-0BBC98EE3737}" type="datetimeFigureOut">
               <a:rPr kumimoji="1" lang="ja-JP" altLang="en-US" smtClean="0"/>
-              <a:t>2016/02/07</a:t>
+              <a:t>2016/8/21</a:t>
             </a:fld>
             <a:endParaRPr kumimoji="1" lang="ja-JP" altLang="en-US"/>
           </a:p>
@@ -4565,7 +4581,7 @@
           <a:p>
             <a:pPr lvl="0"/>
             <a:r>
-              <a:rPr lang="ja-JP" altLang="en-US" smtClean="0"/>
+              <a:rPr lang="ja-JP" altLang="en-US"/>
               <a:t>マスター テキストの書式設定</a:t>
             </a:r>
           </a:p>
@@ -4593,67 +4609,67 @@
           <a:p>
             <a:pPr lvl="0"/>
             <a:r>
-              <a:rPr lang="ja-JP" altLang="en-US" smtClean="0"/>
+              <a:rPr lang="ja-JP" altLang="en-US"/>
               <a:t>マスター テキストの書式設定</a:t>
             </a:r>
           </a:p>
           <a:p>
             <a:pPr lvl="1"/>
             <a:r>
-              <a:rPr lang="ja-JP" altLang="en-US" smtClean="0"/>
+              <a:rPr lang="ja-JP" altLang="en-US"/>
               <a:t>第 </a:t>
             </a:r>
             <a:r>
-              <a:rPr lang="en-US" altLang="ja-JP" smtClean="0"/>
+              <a:rPr lang="en-US" altLang="ja-JP"/>
               <a:t>2 </a:t>
             </a:r>
             <a:r>
-              <a:rPr lang="ja-JP" altLang="en-US" smtClean="0"/>
+              <a:rPr lang="ja-JP" altLang="en-US"/>
               <a:t>レベル</a:t>
             </a:r>
           </a:p>
           <a:p>
             <a:pPr lvl="2"/>
             <a:r>
-              <a:rPr lang="ja-JP" altLang="en-US" smtClean="0"/>
+              <a:rPr lang="ja-JP" altLang="en-US"/>
               <a:t>第 </a:t>
             </a:r>
             <a:r>
-              <a:rPr lang="en-US" altLang="ja-JP" smtClean="0"/>
+              <a:rPr lang="en-US" altLang="ja-JP"/>
               <a:t>3 </a:t>
             </a:r>
             <a:r>
-              <a:rPr lang="ja-JP" altLang="en-US" smtClean="0"/>
+              <a:rPr lang="ja-JP" altLang="en-US"/>
               <a:t>レベル</a:t>
             </a:r>
           </a:p>
           <a:p>
             <a:pPr lvl="3"/>
             <a:r>
-              <a:rPr lang="ja-JP" altLang="en-US" smtClean="0"/>
+              <a:rPr lang="ja-JP" altLang="en-US"/>
               <a:t>第 </a:t>
             </a:r>
             <a:r>
-              <a:rPr lang="en-US" altLang="ja-JP" smtClean="0"/>
+              <a:rPr lang="en-US" altLang="ja-JP"/>
               <a:t>4 </a:t>
             </a:r>
             <a:r>
-              <a:rPr lang="ja-JP" altLang="en-US" smtClean="0"/>
+              <a:rPr lang="ja-JP" altLang="en-US"/>
               <a:t>レベル</a:t>
             </a:r>
           </a:p>
           <a:p>
             <a:pPr lvl="4"/>
             <a:r>
-              <a:rPr lang="ja-JP" altLang="en-US" smtClean="0"/>
+              <a:rPr lang="ja-JP" altLang="en-US"/>
               <a:t>第 </a:t>
             </a:r>
             <a:r>
-              <a:rPr lang="en-US" altLang="ja-JP" smtClean="0"/>
+              <a:rPr lang="en-US" altLang="ja-JP"/>
               <a:t>5 </a:t>
             </a:r>
             <a:r>
-              <a:rPr lang="ja-JP" altLang="en-US" smtClean="0"/>
+              <a:rPr lang="ja-JP" altLang="en-US"/>
               <a:t>レベル</a:t>
             </a:r>
             <a:endParaRPr lang="en-US" dirty="0"/>
@@ -4722,7 +4738,7 @@
           <a:p>
             <a:pPr lvl="0"/>
             <a:r>
-              <a:rPr lang="ja-JP" altLang="en-US" smtClean="0"/>
+              <a:rPr lang="ja-JP" altLang="en-US"/>
               <a:t>マスター テキストの書式設定</a:t>
             </a:r>
           </a:p>
@@ -4750,67 +4766,67 @@
           <a:p>
             <a:pPr lvl="0"/>
             <a:r>
-              <a:rPr lang="ja-JP" altLang="en-US" smtClean="0"/>
+              <a:rPr lang="ja-JP" altLang="en-US"/>
               <a:t>マスター テキストの書式設定</a:t>
             </a:r>
           </a:p>
           <a:p>
             <a:pPr lvl="1"/>
             <a:r>
-              <a:rPr lang="ja-JP" altLang="en-US" smtClean="0"/>
+              <a:rPr lang="ja-JP" altLang="en-US"/>
               <a:t>第 </a:t>
             </a:r>
             <a:r>
-              <a:rPr lang="en-US" altLang="ja-JP" smtClean="0"/>
+              <a:rPr lang="en-US" altLang="ja-JP"/>
               <a:t>2 </a:t>
             </a:r>
             <a:r>
-              <a:rPr lang="ja-JP" altLang="en-US" smtClean="0"/>
+              <a:rPr lang="ja-JP" altLang="en-US"/>
               <a:t>レベル</a:t>
             </a:r>
           </a:p>
           <a:p>
             <a:pPr lvl="2"/>
             <a:r>
-              <a:rPr lang="ja-JP" altLang="en-US" smtClean="0"/>
+              <a:rPr lang="ja-JP" altLang="en-US"/>
               <a:t>第 </a:t>
             </a:r>
             <a:r>
-              <a:rPr lang="en-US" altLang="ja-JP" smtClean="0"/>
+              <a:rPr lang="en-US" altLang="ja-JP"/>
               <a:t>3 </a:t>
             </a:r>
             <a:r>
-              <a:rPr lang="ja-JP" altLang="en-US" smtClean="0"/>
+              <a:rPr lang="ja-JP" altLang="en-US"/>
               <a:t>レベル</a:t>
             </a:r>
           </a:p>
           <a:p>
             <a:pPr lvl="3"/>
             <a:r>
-              <a:rPr lang="ja-JP" altLang="en-US" smtClean="0"/>
+              <a:rPr lang="ja-JP" altLang="en-US"/>
               <a:t>第 </a:t>
             </a:r>
             <a:r>
-              <a:rPr lang="en-US" altLang="ja-JP" smtClean="0"/>
+              <a:rPr lang="en-US" altLang="ja-JP"/>
               <a:t>4 </a:t>
             </a:r>
             <a:r>
-              <a:rPr lang="ja-JP" altLang="en-US" smtClean="0"/>
+              <a:rPr lang="ja-JP" altLang="en-US"/>
               <a:t>レベル</a:t>
             </a:r>
           </a:p>
           <a:p>
             <a:pPr lvl="4"/>
             <a:r>
-              <a:rPr lang="ja-JP" altLang="en-US" smtClean="0"/>
+              <a:rPr lang="ja-JP" altLang="en-US"/>
               <a:t>第 </a:t>
             </a:r>
             <a:r>
-              <a:rPr lang="en-US" altLang="ja-JP" smtClean="0"/>
+              <a:rPr lang="en-US" altLang="ja-JP"/>
               <a:t>5 </a:t>
             </a:r>
             <a:r>
-              <a:rPr lang="ja-JP" altLang="en-US" smtClean="0"/>
+              <a:rPr lang="ja-JP" altLang="en-US"/>
               <a:t>レベル</a:t>
             </a:r>
             <a:endParaRPr lang="en-US"/>
@@ -4834,7 +4850,7 @@
           <a:p>
             <a:fld id="{71C17F22-100E-4B98-95D7-0BBC98EE3737}" type="datetimeFigureOut">
               <a:rPr kumimoji="1" lang="ja-JP" altLang="en-US" smtClean="0"/>
-              <a:t>2016/02/07</a:t>
+              <a:t>2016/8/21</a:t>
             </a:fld>
             <a:endParaRPr kumimoji="1" lang="ja-JP" altLang="en-US"/>
           </a:p>
@@ -4898,7 +4914,7 @@
           <a:lstStyle/>
           <a:p>
             <a:r>
-              <a:rPr lang="ja-JP" altLang="en-US" smtClean="0"/>
+              <a:rPr lang="ja-JP" altLang="en-US"/>
               <a:t>マスター タイトルの書式設定</a:t>
             </a:r>
             <a:endParaRPr lang="en-US" dirty="0"/>
@@ -4952,7 +4968,7 @@
           <a:p>
             <a:fld id="{71C17F22-100E-4B98-95D7-0BBC98EE3737}" type="datetimeFigureOut">
               <a:rPr kumimoji="1" lang="ja-JP" altLang="en-US" smtClean="0"/>
-              <a:t>2016/02/07</a:t>
+              <a:t>2016/8/21</a:t>
             </a:fld>
             <a:endParaRPr kumimoji="1" lang="ja-JP" altLang="en-US"/>
           </a:p>
@@ -5016,7 +5032,7 @@
           <a:lstStyle/>
           <a:p>
             <a:r>
-              <a:rPr lang="ja-JP" altLang="en-US" smtClean="0"/>
+              <a:rPr lang="ja-JP" altLang="en-US"/>
               <a:t>マスター タイトルの書式設定</a:t>
             </a:r>
             <a:endParaRPr lang="en-US"/>
@@ -5070,7 +5086,7 @@
           <a:p>
             <a:fld id="{71C17F22-100E-4B98-95D7-0BBC98EE3737}" type="datetimeFigureOut">
               <a:rPr kumimoji="1" lang="ja-JP" altLang="en-US" smtClean="0"/>
-              <a:t>2016/02/07</a:t>
+              <a:t>2016/8/21</a:t>
             </a:fld>
             <a:endParaRPr kumimoji="1" lang="ja-JP" altLang="en-US"/>
           </a:p>
@@ -5175,7 +5191,7 @@
           </a:lstStyle>
           <a:p>
             <a:r>
-              <a:rPr lang="ja-JP" altLang="en-US" smtClean="0"/>
+              <a:rPr lang="ja-JP" altLang="en-US"/>
               <a:t>マスター タイトルの書式設定</a:t>
             </a:r>
             <a:endParaRPr lang="en-US" dirty="0"/>
@@ -5298,7 +5314,7 @@
           <a:p>
             <a:pPr lvl="0"/>
             <a:r>
-              <a:rPr lang="ja-JP" altLang="en-US" smtClean="0"/>
+              <a:rPr lang="ja-JP" altLang="en-US"/>
               <a:t>マスター テキストの書式設定</a:t>
             </a:r>
           </a:p>
@@ -5321,7 +5337,7 @@
           <a:p>
             <a:fld id="{71C17F22-100E-4B98-95D7-0BBC98EE3737}" type="datetimeFigureOut">
               <a:rPr kumimoji="1" lang="ja-JP" altLang="en-US" smtClean="0"/>
-              <a:t>2016/02/07</a:t>
+              <a:t>2016/8/21</a:t>
             </a:fld>
             <a:endParaRPr kumimoji="1" lang="ja-JP" altLang="en-US"/>
           </a:p>
@@ -5426,7 +5442,7 @@
           </a:lstStyle>
           <a:p>
             <a:r>
-              <a:rPr lang="ja-JP" altLang="en-US" smtClean="0"/>
+              <a:rPr lang="ja-JP" altLang="en-US"/>
               <a:t>マスター タイトルの書式設定</a:t>
             </a:r>
             <a:endParaRPr lang="en-US" dirty="0"/>
@@ -5483,67 +5499,67 @@
           <a:p>
             <a:pPr lvl="0"/>
             <a:r>
-              <a:rPr lang="ja-JP" altLang="en-US" smtClean="0"/>
+              <a:rPr lang="ja-JP" altLang="en-US"/>
               <a:t>マスター テキストの書式設定</a:t>
             </a:r>
           </a:p>
           <a:p>
             <a:pPr lvl="1"/>
             <a:r>
-              <a:rPr lang="ja-JP" altLang="en-US" smtClean="0"/>
+              <a:rPr lang="ja-JP" altLang="en-US"/>
               <a:t>第 </a:t>
             </a:r>
             <a:r>
-              <a:rPr lang="en-US" altLang="ja-JP" smtClean="0"/>
+              <a:rPr lang="en-US" altLang="ja-JP"/>
               <a:t>2 </a:t>
             </a:r>
             <a:r>
-              <a:rPr lang="ja-JP" altLang="en-US" smtClean="0"/>
+              <a:rPr lang="ja-JP" altLang="en-US"/>
               <a:t>レベル</a:t>
             </a:r>
           </a:p>
           <a:p>
             <a:pPr lvl="2"/>
             <a:r>
-              <a:rPr lang="ja-JP" altLang="en-US" smtClean="0"/>
+              <a:rPr lang="ja-JP" altLang="en-US"/>
               <a:t>第 </a:t>
             </a:r>
             <a:r>
-              <a:rPr lang="en-US" altLang="ja-JP" smtClean="0"/>
+              <a:rPr lang="en-US" altLang="ja-JP"/>
               <a:t>3 </a:t>
             </a:r>
             <a:r>
-              <a:rPr lang="ja-JP" altLang="en-US" smtClean="0"/>
+              <a:rPr lang="ja-JP" altLang="en-US"/>
               <a:t>レベル</a:t>
             </a:r>
           </a:p>
           <a:p>
             <a:pPr lvl="3"/>
             <a:r>
-              <a:rPr lang="ja-JP" altLang="en-US" smtClean="0"/>
+              <a:rPr lang="ja-JP" altLang="en-US"/>
               <a:t>第 </a:t>
             </a:r>
             <a:r>
-              <a:rPr lang="en-US" altLang="ja-JP" smtClean="0"/>
+              <a:rPr lang="en-US" altLang="ja-JP"/>
               <a:t>4 </a:t>
             </a:r>
             <a:r>
-              <a:rPr lang="ja-JP" altLang="en-US" smtClean="0"/>
+              <a:rPr lang="ja-JP" altLang="en-US"/>
               <a:t>レベル</a:t>
             </a:r>
           </a:p>
           <a:p>
             <a:pPr lvl="4"/>
             <a:r>
-              <a:rPr lang="ja-JP" altLang="en-US" smtClean="0"/>
+              <a:rPr lang="ja-JP" altLang="en-US"/>
               <a:t>第 </a:t>
             </a:r>
             <a:r>
-              <a:rPr lang="en-US" altLang="ja-JP" smtClean="0"/>
+              <a:rPr lang="en-US" altLang="ja-JP"/>
               <a:t>5 </a:t>
             </a:r>
             <a:r>
-              <a:rPr lang="ja-JP" altLang="en-US" smtClean="0"/>
+              <a:rPr lang="ja-JP" altLang="en-US"/>
               <a:t>レベル</a:t>
             </a:r>
             <a:endParaRPr lang="en-US" dirty="0"/>
@@ -5614,7 +5630,7 @@
           <a:p>
             <a:pPr lvl="0"/>
             <a:r>
-              <a:rPr lang="ja-JP" altLang="en-US" smtClean="0"/>
+              <a:rPr lang="ja-JP" altLang="en-US"/>
               <a:t>マスター テキストの書式設定</a:t>
             </a:r>
           </a:p>
@@ -5637,7 +5653,7 @@
           <a:p>
             <a:fld id="{71C17F22-100E-4B98-95D7-0BBC98EE3737}" type="datetimeFigureOut">
               <a:rPr kumimoji="1" lang="ja-JP" altLang="en-US" smtClean="0"/>
-              <a:t>2016/02/07</a:t>
+              <a:t>2016/8/21</a:t>
             </a:fld>
             <a:endParaRPr kumimoji="1" lang="ja-JP" altLang="en-US"/>
           </a:p>
@@ -5742,7 +5758,7 @@
           </a:lstStyle>
           <a:p>
             <a:r>
-              <a:rPr lang="ja-JP" altLang="en-US" smtClean="0"/>
+              <a:rPr lang="ja-JP" altLang="en-US"/>
               <a:t>マスター タイトルの書式設定</a:t>
             </a:r>
             <a:endParaRPr lang="en-US" dirty="0"/>
@@ -5807,7 +5823,7 @@
           </a:lstStyle>
           <a:p>
             <a:r>
-              <a:rPr lang="ja-JP" altLang="en-US" smtClean="0"/>
+              <a:rPr lang="ja-JP" altLang="en-US"/>
               <a:t>図を追加</a:t>
             </a:r>
             <a:endParaRPr lang="en-US" dirty="0"/>
@@ -5878,7 +5894,7 @@
           <a:p>
             <a:pPr lvl="0"/>
             <a:r>
-              <a:rPr lang="ja-JP" altLang="en-US" smtClean="0"/>
+              <a:rPr lang="ja-JP" altLang="en-US"/>
               <a:t>マスター テキストの書式設定</a:t>
             </a:r>
           </a:p>
@@ -5901,7 +5917,7 @@
           <a:p>
             <a:fld id="{71C17F22-100E-4B98-95D7-0BBC98EE3737}" type="datetimeFigureOut">
               <a:rPr kumimoji="1" lang="ja-JP" altLang="en-US" smtClean="0"/>
-              <a:t>2016/02/07</a:t>
+              <a:t>2016/8/21</a:t>
             </a:fld>
             <a:endParaRPr kumimoji="1" lang="ja-JP" altLang="en-US"/>
           </a:p>
@@ -5995,7 +6011,7 @@
           <a:lstStyle/>
           <a:p>
             <a:r>
-              <a:rPr lang="ja-JP" altLang="en-US" smtClean="0"/>
+              <a:rPr lang="ja-JP" altLang="en-US"/>
               <a:t>マスター タイトルの書式設定</a:t>
             </a:r>
             <a:endParaRPr lang="en-US"/>
@@ -6019,67 +6035,67 @@
           <a:p>
             <a:pPr lvl="0"/>
             <a:r>
-              <a:rPr lang="ja-JP" altLang="en-US" smtClean="0"/>
+              <a:rPr lang="ja-JP" altLang="en-US"/>
               <a:t>マスター テキストの書式設定</a:t>
             </a:r>
           </a:p>
           <a:p>
             <a:pPr lvl="1"/>
             <a:r>
-              <a:rPr lang="ja-JP" altLang="en-US" smtClean="0"/>
+              <a:rPr lang="ja-JP" altLang="en-US"/>
               <a:t>第 </a:t>
             </a:r>
             <a:r>
-              <a:rPr lang="en-US" altLang="ja-JP" smtClean="0"/>
+              <a:rPr lang="en-US" altLang="ja-JP"/>
               <a:t>2 </a:t>
             </a:r>
             <a:r>
-              <a:rPr lang="ja-JP" altLang="en-US" smtClean="0"/>
+              <a:rPr lang="ja-JP" altLang="en-US"/>
               <a:t>レベル</a:t>
             </a:r>
           </a:p>
           <a:p>
             <a:pPr lvl="2"/>
             <a:r>
-              <a:rPr lang="ja-JP" altLang="en-US" smtClean="0"/>
+              <a:rPr lang="ja-JP" altLang="en-US"/>
               <a:t>第 </a:t>
             </a:r>
             <a:r>
-              <a:rPr lang="en-US" altLang="ja-JP" smtClean="0"/>
+              <a:rPr lang="en-US" altLang="ja-JP"/>
               <a:t>3 </a:t>
             </a:r>
             <a:r>
-              <a:rPr lang="ja-JP" altLang="en-US" smtClean="0"/>
+              <a:rPr lang="ja-JP" altLang="en-US"/>
               <a:t>レベル</a:t>
             </a:r>
           </a:p>
           <a:p>
             <a:pPr lvl="3"/>
             <a:r>
-              <a:rPr lang="ja-JP" altLang="en-US" smtClean="0"/>
+              <a:rPr lang="ja-JP" altLang="en-US"/>
               <a:t>第 </a:t>
             </a:r>
             <a:r>
-              <a:rPr lang="en-US" altLang="ja-JP" smtClean="0"/>
+              <a:rPr lang="en-US" altLang="ja-JP"/>
               <a:t>4 </a:t>
             </a:r>
             <a:r>
-              <a:rPr lang="ja-JP" altLang="en-US" smtClean="0"/>
+              <a:rPr lang="ja-JP" altLang="en-US"/>
               <a:t>レベル</a:t>
             </a:r>
           </a:p>
           <a:p>
             <a:pPr lvl="4"/>
             <a:r>
-              <a:rPr lang="ja-JP" altLang="en-US" smtClean="0"/>
+              <a:rPr lang="ja-JP" altLang="en-US"/>
               <a:t>第 </a:t>
             </a:r>
             <a:r>
-              <a:rPr lang="en-US" altLang="ja-JP" smtClean="0"/>
+              <a:rPr lang="en-US" altLang="ja-JP"/>
               <a:t>5 </a:t>
             </a:r>
             <a:r>
-              <a:rPr lang="ja-JP" altLang="en-US" smtClean="0"/>
+              <a:rPr lang="ja-JP" altLang="en-US"/>
               <a:t>レベル</a:t>
             </a:r>
             <a:endParaRPr lang="en-US" dirty="0"/>
@@ -6103,7 +6119,7 @@
           <a:p>
             <a:fld id="{71C17F22-100E-4B98-95D7-0BBC98EE3737}" type="datetimeFigureOut">
               <a:rPr kumimoji="1" lang="ja-JP" altLang="en-US" smtClean="0"/>
-              <a:t>2016/02/07</a:t>
+              <a:t>2016/8/21</a:t>
             </a:fld>
             <a:endParaRPr kumimoji="1" lang="ja-JP" altLang="en-US"/>
           </a:p>
@@ -6202,7 +6218,7 @@
           <a:lstStyle/>
           <a:p>
             <a:r>
-              <a:rPr lang="ja-JP" altLang="en-US" smtClean="0"/>
+              <a:rPr lang="ja-JP" altLang="en-US"/>
               <a:t>マスター タイトルの書式設定</a:t>
             </a:r>
             <a:endParaRPr lang="en-US"/>
@@ -6231,67 +6247,67 @@
           <a:p>
             <a:pPr lvl="0"/>
             <a:r>
-              <a:rPr lang="ja-JP" altLang="en-US" smtClean="0"/>
+              <a:rPr lang="ja-JP" altLang="en-US"/>
               <a:t>マスター テキストの書式設定</a:t>
             </a:r>
           </a:p>
           <a:p>
             <a:pPr lvl="1"/>
             <a:r>
-              <a:rPr lang="ja-JP" altLang="en-US" smtClean="0"/>
+              <a:rPr lang="ja-JP" altLang="en-US"/>
               <a:t>第 </a:t>
             </a:r>
             <a:r>
-              <a:rPr lang="en-US" altLang="ja-JP" smtClean="0"/>
+              <a:rPr lang="en-US" altLang="ja-JP"/>
               <a:t>2 </a:t>
             </a:r>
             <a:r>
-              <a:rPr lang="ja-JP" altLang="en-US" smtClean="0"/>
+              <a:rPr lang="ja-JP" altLang="en-US"/>
               <a:t>レベル</a:t>
             </a:r>
           </a:p>
           <a:p>
             <a:pPr lvl="2"/>
             <a:r>
-              <a:rPr lang="ja-JP" altLang="en-US" smtClean="0"/>
+              <a:rPr lang="ja-JP" altLang="en-US"/>
               <a:t>第 </a:t>
             </a:r>
             <a:r>
-              <a:rPr lang="en-US" altLang="ja-JP" smtClean="0"/>
+              <a:rPr lang="en-US" altLang="ja-JP"/>
               <a:t>3 </a:t>
             </a:r>
             <a:r>
-              <a:rPr lang="ja-JP" altLang="en-US" smtClean="0"/>
+              <a:rPr lang="ja-JP" altLang="en-US"/>
               <a:t>レベル</a:t>
             </a:r>
           </a:p>
           <a:p>
             <a:pPr lvl="3"/>
             <a:r>
-              <a:rPr lang="ja-JP" altLang="en-US" smtClean="0"/>
+              <a:rPr lang="ja-JP" altLang="en-US"/>
               <a:t>第 </a:t>
             </a:r>
             <a:r>
-              <a:rPr lang="en-US" altLang="ja-JP" smtClean="0"/>
+              <a:rPr lang="en-US" altLang="ja-JP"/>
               <a:t>4 </a:t>
             </a:r>
             <a:r>
-              <a:rPr lang="ja-JP" altLang="en-US" smtClean="0"/>
+              <a:rPr lang="ja-JP" altLang="en-US"/>
               <a:t>レベル</a:t>
             </a:r>
           </a:p>
           <a:p>
             <a:pPr lvl="4"/>
             <a:r>
-              <a:rPr lang="ja-JP" altLang="en-US" smtClean="0"/>
+              <a:rPr lang="ja-JP" altLang="en-US"/>
               <a:t>第 </a:t>
             </a:r>
             <a:r>
-              <a:rPr lang="en-US" altLang="ja-JP" smtClean="0"/>
+              <a:rPr lang="en-US" altLang="ja-JP"/>
               <a:t>5 </a:t>
             </a:r>
             <a:r>
-              <a:rPr lang="ja-JP" altLang="en-US" smtClean="0"/>
+              <a:rPr lang="ja-JP" altLang="en-US"/>
               <a:t>レベル</a:t>
             </a:r>
             <a:endParaRPr lang="en-US"/>
@@ -6315,7 +6331,7 @@
           <a:p>
             <a:fld id="{71C17F22-100E-4B98-95D7-0BBC98EE3737}" type="datetimeFigureOut">
               <a:rPr kumimoji="1" lang="ja-JP" altLang="en-US" smtClean="0"/>
-              <a:t>2016/02/07</a:t>
+              <a:t>2016/8/21</a:t>
             </a:fld>
             <a:endParaRPr kumimoji="1" lang="ja-JP" altLang="en-US"/>
           </a:p>
@@ -6414,10 +6430,9 @@
           <a:lstStyle/>
           <a:p>
             <a:r>
-              <a:rPr lang="ja-JP" altLang="en-US" smtClean="0"/>
+              <a:rPr lang="ja-JP" altLang="en-US"/>
               <a:t>マスター タイトルの書式設定</a:t>
             </a:r>
-            <a:endParaRPr lang="ja-JP" altLang="en-US"/>
           </a:p>
         </p:txBody>
       </p:sp>
@@ -6533,10 +6548,9 @@
           </a:lstStyle>
           <a:p>
             <a:r>
-              <a:rPr lang="ja-JP" altLang="en-US" smtClean="0"/>
+              <a:rPr lang="ja-JP" altLang="en-US"/>
               <a:t>マスター サブタイトルの書式設定</a:t>
             </a:r>
-            <a:endParaRPr lang="ja-JP" altLang="en-US"/>
           </a:p>
         </p:txBody>
       </p:sp>
@@ -6561,7 +6575,7 @@
           <a:p>
             <a:fld id="{71C17F22-100E-4B98-95D7-0BBC98EE3737}" type="datetimeFigureOut">
               <a:rPr kumimoji="1" lang="ja-JP" altLang="en-US" smtClean="0"/>
-              <a:t>2016/02/07</a:t>
+              <a:t>2016/8/21</a:t>
             </a:fld>
             <a:endParaRPr kumimoji="1" lang="ja-JP" altLang="en-US"/>
           </a:p>
@@ -6663,10 +6677,9 @@
           <a:lstStyle/>
           <a:p>
             <a:r>
-              <a:rPr lang="ja-JP" altLang="en-US" smtClean="0"/>
+              <a:rPr lang="ja-JP" altLang="en-US"/>
               <a:t>マスター タイトルの書式設定</a:t>
             </a:r>
-            <a:endParaRPr lang="ja-JP" altLang="en-US"/>
           </a:p>
         </p:txBody>
       </p:sp>
@@ -6687,70 +6700,69 @@
           <a:p>
             <a:pPr lvl="0"/>
             <a:r>
-              <a:rPr lang="ja-JP" altLang="en-US" smtClean="0"/>
+              <a:rPr lang="ja-JP" altLang="en-US"/>
               <a:t>マスター テキストの書式設定</a:t>
             </a:r>
           </a:p>
           <a:p>
             <a:pPr lvl="1"/>
             <a:r>
-              <a:rPr lang="ja-JP" altLang="en-US" smtClean="0"/>
+              <a:rPr lang="ja-JP" altLang="en-US"/>
               <a:t>第 </a:t>
             </a:r>
             <a:r>
-              <a:rPr lang="en-US" altLang="ja-JP" smtClean="0"/>
+              <a:rPr lang="en-US" altLang="ja-JP"/>
               <a:t>2 </a:t>
             </a:r>
             <a:r>
-              <a:rPr lang="ja-JP" altLang="en-US" smtClean="0"/>
+              <a:rPr lang="ja-JP" altLang="en-US"/>
               <a:t>レベル</a:t>
             </a:r>
           </a:p>
           <a:p>
             <a:pPr lvl="2"/>
             <a:r>
-              <a:rPr lang="ja-JP" altLang="en-US" smtClean="0"/>
+              <a:rPr lang="ja-JP" altLang="en-US"/>
               <a:t>第 </a:t>
             </a:r>
             <a:r>
-              <a:rPr lang="en-US" altLang="ja-JP" smtClean="0"/>
+              <a:rPr lang="en-US" altLang="ja-JP"/>
               <a:t>3 </a:t>
             </a:r>
             <a:r>
-              <a:rPr lang="ja-JP" altLang="en-US" smtClean="0"/>
+              <a:rPr lang="ja-JP" altLang="en-US"/>
               <a:t>レベル</a:t>
             </a:r>
           </a:p>
           <a:p>
             <a:pPr lvl="3"/>
             <a:r>
-              <a:rPr lang="ja-JP" altLang="en-US" smtClean="0"/>
+              <a:rPr lang="ja-JP" altLang="en-US"/>
               <a:t>第 </a:t>
             </a:r>
             <a:r>
-              <a:rPr lang="en-US" altLang="ja-JP" smtClean="0"/>
+              <a:rPr lang="en-US" altLang="ja-JP"/>
               <a:t>4 </a:t>
             </a:r>
             <a:r>
-              <a:rPr lang="ja-JP" altLang="en-US" smtClean="0"/>
+              <a:rPr lang="ja-JP" altLang="en-US"/>
               <a:t>レベル</a:t>
             </a:r>
           </a:p>
           <a:p>
             <a:pPr lvl="4"/>
             <a:r>
-              <a:rPr lang="ja-JP" altLang="en-US" smtClean="0"/>
+              <a:rPr lang="ja-JP" altLang="en-US"/>
               <a:t>第 </a:t>
             </a:r>
             <a:r>
-              <a:rPr lang="en-US" altLang="ja-JP" smtClean="0"/>
+              <a:rPr lang="en-US" altLang="ja-JP"/>
               <a:t>5 </a:t>
             </a:r>
             <a:r>
-              <a:rPr lang="ja-JP" altLang="en-US" smtClean="0"/>
+              <a:rPr lang="ja-JP" altLang="en-US"/>
               <a:t>レベル</a:t>
             </a:r>
-            <a:endParaRPr lang="ja-JP" altLang="en-US"/>
           </a:p>
         </p:txBody>
       </p:sp>
@@ -6775,7 +6787,7 @@
           <a:p>
             <a:fld id="{71C17F22-100E-4B98-95D7-0BBC98EE3737}" type="datetimeFigureOut">
               <a:rPr kumimoji="1" lang="ja-JP" altLang="en-US" smtClean="0"/>
-              <a:t>2016/02/07</a:t>
+              <a:t>2016/8/21</a:t>
             </a:fld>
             <a:endParaRPr kumimoji="1" lang="ja-JP" altLang="en-US"/>
           </a:p>
@@ -6886,10 +6898,9 @@
           </a:lstStyle>
           <a:p>
             <a:r>
-              <a:rPr lang="ja-JP" altLang="en-US" smtClean="0"/>
+              <a:rPr lang="ja-JP" altLang="en-US"/>
               <a:t>マスター タイトルの書式設定</a:t>
             </a:r>
-            <a:endParaRPr lang="ja-JP" altLang="en-US"/>
           </a:p>
         </p:txBody>
       </p:sp>
@@ -7006,7 +7017,7 @@
           <a:p>
             <a:pPr lvl="0"/>
             <a:r>
-              <a:rPr lang="ja-JP" altLang="en-US" smtClean="0"/>
+              <a:rPr lang="ja-JP" altLang="en-US"/>
               <a:t>マスター テキストの書式設定</a:t>
             </a:r>
           </a:p>
@@ -7033,7 +7044,7 @@
           <a:p>
             <a:fld id="{71C17F22-100E-4B98-95D7-0BBC98EE3737}" type="datetimeFigureOut">
               <a:rPr kumimoji="1" lang="ja-JP" altLang="en-US" smtClean="0"/>
-              <a:t>2016/02/07</a:t>
+              <a:t>2016/8/21</a:t>
             </a:fld>
             <a:endParaRPr kumimoji="1" lang="ja-JP" altLang="en-US"/>
           </a:p>
@@ -7135,10 +7146,9 @@
           <a:lstStyle/>
           <a:p>
             <a:r>
-              <a:rPr lang="ja-JP" altLang="en-US" smtClean="0"/>
+              <a:rPr lang="ja-JP" altLang="en-US"/>
               <a:t>マスター タイトルの書式設定</a:t>
             </a:r>
-            <a:endParaRPr lang="ja-JP" altLang="en-US"/>
           </a:p>
         </p:txBody>
       </p:sp>
@@ -7192,70 +7202,69 @@
           <a:p>
             <a:pPr lvl="0"/>
             <a:r>
-              <a:rPr lang="ja-JP" altLang="en-US" smtClean="0"/>
+              <a:rPr lang="ja-JP" altLang="en-US"/>
               <a:t>マスター テキストの書式設定</a:t>
             </a:r>
           </a:p>
           <a:p>
             <a:pPr lvl="1"/>
             <a:r>
-              <a:rPr lang="ja-JP" altLang="en-US" smtClean="0"/>
+              <a:rPr lang="ja-JP" altLang="en-US"/>
               <a:t>第 </a:t>
             </a:r>
             <a:r>
-              <a:rPr lang="en-US" altLang="ja-JP" smtClean="0"/>
+              <a:rPr lang="en-US" altLang="ja-JP"/>
               <a:t>2 </a:t>
             </a:r>
             <a:r>
-              <a:rPr lang="ja-JP" altLang="en-US" smtClean="0"/>
+              <a:rPr lang="ja-JP" altLang="en-US"/>
               <a:t>レベル</a:t>
             </a:r>
           </a:p>
           <a:p>
             <a:pPr lvl="2"/>
             <a:r>
-              <a:rPr lang="ja-JP" altLang="en-US" smtClean="0"/>
+              <a:rPr lang="ja-JP" altLang="en-US"/>
               <a:t>第 </a:t>
             </a:r>
             <a:r>
-              <a:rPr lang="en-US" altLang="ja-JP" smtClean="0"/>
+              <a:rPr lang="en-US" altLang="ja-JP"/>
               <a:t>3 </a:t>
             </a:r>
             <a:r>
-              <a:rPr lang="ja-JP" altLang="en-US" smtClean="0"/>
+              <a:rPr lang="ja-JP" altLang="en-US"/>
               <a:t>レベル</a:t>
             </a:r>
           </a:p>
           <a:p>
             <a:pPr lvl="3"/>
             <a:r>
-              <a:rPr lang="ja-JP" altLang="en-US" smtClean="0"/>
+              <a:rPr lang="ja-JP" altLang="en-US"/>
               <a:t>第 </a:t>
             </a:r>
             <a:r>
-              <a:rPr lang="en-US" altLang="ja-JP" smtClean="0"/>
+              <a:rPr lang="en-US" altLang="ja-JP"/>
               <a:t>4 </a:t>
             </a:r>
             <a:r>
-              <a:rPr lang="ja-JP" altLang="en-US" smtClean="0"/>
+              <a:rPr lang="ja-JP" altLang="en-US"/>
               <a:t>レベル</a:t>
             </a:r>
           </a:p>
           <a:p>
             <a:pPr lvl="4"/>
             <a:r>
-              <a:rPr lang="ja-JP" altLang="en-US" smtClean="0"/>
+              <a:rPr lang="ja-JP" altLang="en-US"/>
               <a:t>第 </a:t>
             </a:r>
             <a:r>
-              <a:rPr lang="en-US" altLang="ja-JP" smtClean="0"/>
+              <a:rPr lang="en-US" altLang="ja-JP"/>
               <a:t>5 </a:t>
             </a:r>
             <a:r>
-              <a:rPr lang="ja-JP" altLang="en-US" smtClean="0"/>
+              <a:rPr lang="ja-JP" altLang="en-US"/>
               <a:t>レベル</a:t>
             </a:r>
-            <a:endParaRPr lang="ja-JP" altLang="en-US"/>
           </a:p>
         </p:txBody>
       </p:sp>
@@ -7309,70 +7318,69 @@
           <a:p>
             <a:pPr lvl="0"/>
             <a:r>
-              <a:rPr lang="ja-JP" altLang="en-US" smtClean="0"/>
+              <a:rPr lang="ja-JP" altLang="en-US"/>
               <a:t>マスター テキストの書式設定</a:t>
             </a:r>
           </a:p>
           <a:p>
             <a:pPr lvl="1"/>
             <a:r>
-              <a:rPr lang="ja-JP" altLang="en-US" smtClean="0"/>
+              <a:rPr lang="ja-JP" altLang="en-US"/>
               <a:t>第 </a:t>
             </a:r>
             <a:r>
-              <a:rPr lang="en-US" altLang="ja-JP" smtClean="0"/>
+              <a:rPr lang="en-US" altLang="ja-JP"/>
               <a:t>2 </a:t>
             </a:r>
             <a:r>
-              <a:rPr lang="ja-JP" altLang="en-US" smtClean="0"/>
+              <a:rPr lang="ja-JP" altLang="en-US"/>
               <a:t>レベル</a:t>
             </a:r>
           </a:p>
           <a:p>
             <a:pPr lvl="2"/>
             <a:r>
-              <a:rPr lang="ja-JP" altLang="en-US" smtClean="0"/>
+              <a:rPr lang="ja-JP" altLang="en-US"/>
               <a:t>第 </a:t>
             </a:r>
             <a:r>
-              <a:rPr lang="en-US" altLang="ja-JP" smtClean="0"/>
+              <a:rPr lang="en-US" altLang="ja-JP"/>
               <a:t>3 </a:t>
             </a:r>
             <a:r>
-              <a:rPr lang="ja-JP" altLang="en-US" smtClean="0"/>
+              <a:rPr lang="ja-JP" altLang="en-US"/>
               <a:t>レベル</a:t>
             </a:r>
           </a:p>
           <a:p>
             <a:pPr lvl="3"/>
             <a:r>
-              <a:rPr lang="ja-JP" altLang="en-US" smtClean="0"/>
+              <a:rPr lang="ja-JP" altLang="en-US"/>
               <a:t>第 </a:t>
             </a:r>
             <a:r>
-              <a:rPr lang="en-US" altLang="ja-JP" smtClean="0"/>
+              <a:rPr lang="en-US" altLang="ja-JP"/>
               <a:t>4 </a:t>
             </a:r>
             <a:r>
-              <a:rPr lang="ja-JP" altLang="en-US" smtClean="0"/>
+              <a:rPr lang="ja-JP" altLang="en-US"/>
               <a:t>レベル</a:t>
             </a:r>
           </a:p>
           <a:p>
             <a:pPr lvl="4"/>
             <a:r>
-              <a:rPr lang="ja-JP" altLang="en-US" smtClean="0"/>
+              <a:rPr lang="ja-JP" altLang="en-US"/>
               <a:t>第 </a:t>
             </a:r>
             <a:r>
-              <a:rPr lang="en-US" altLang="ja-JP" smtClean="0"/>
+              <a:rPr lang="en-US" altLang="ja-JP"/>
               <a:t>5 </a:t>
             </a:r>
             <a:r>
-              <a:rPr lang="ja-JP" altLang="en-US" smtClean="0"/>
+              <a:rPr lang="ja-JP" altLang="en-US"/>
               <a:t>レベル</a:t>
             </a:r>
-            <a:endParaRPr lang="ja-JP" altLang="en-US"/>
           </a:p>
         </p:txBody>
       </p:sp>
@@ -7397,7 +7405,7 @@
           <a:p>
             <a:fld id="{71C17F22-100E-4B98-95D7-0BBC98EE3737}" type="datetimeFigureOut">
               <a:rPr kumimoji="1" lang="ja-JP" altLang="en-US" smtClean="0"/>
-              <a:t>2016/02/07</a:t>
+              <a:t>2016/8/21</a:t>
             </a:fld>
             <a:endParaRPr kumimoji="1" lang="ja-JP" altLang="en-US"/>
           </a:p>
@@ -7503,10 +7511,9 @@
           </a:lstStyle>
           <a:p>
             <a:r>
-              <a:rPr lang="ja-JP" altLang="en-US" smtClean="0"/>
+              <a:rPr lang="ja-JP" altLang="en-US"/>
               <a:t>マスター タイトルの書式設定</a:t>
             </a:r>
-            <a:endParaRPr lang="ja-JP" altLang="en-US"/>
           </a:p>
         </p:txBody>
       </p:sp>
@@ -7569,7 +7576,7 @@
           <a:p>
             <a:pPr lvl="0"/>
             <a:r>
-              <a:rPr lang="ja-JP" altLang="en-US" smtClean="0"/>
+              <a:rPr lang="ja-JP" altLang="en-US"/>
               <a:t>マスター テキストの書式設定</a:t>
             </a:r>
           </a:p>
@@ -7625,70 +7632,69 @@
           <a:p>
             <a:pPr lvl="0"/>
             <a:r>
-              <a:rPr lang="ja-JP" altLang="en-US" smtClean="0"/>
+              <a:rPr lang="ja-JP" altLang="en-US"/>
               <a:t>マスター テキストの書式設定</a:t>
             </a:r>
           </a:p>
           <a:p>
             <a:pPr lvl="1"/>
             <a:r>
-              <a:rPr lang="ja-JP" altLang="en-US" smtClean="0"/>
+              <a:rPr lang="ja-JP" altLang="en-US"/>
               <a:t>第 </a:t>
             </a:r>
             <a:r>
-              <a:rPr lang="en-US" altLang="ja-JP" smtClean="0"/>
+              <a:rPr lang="en-US" altLang="ja-JP"/>
               <a:t>2 </a:t>
             </a:r>
             <a:r>
-              <a:rPr lang="ja-JP" altLang="en-US" smtClean="0"/>
+              <a:rPr lang="ja-JP" altLang="en-US"/>
               <a:t>レベル</a:t>
             </a:r>
           </a:p>
           <a:p>
             <a:pPr lvl="2"/>
             <a:r>
-              <a:rPr lang="ja-JP" altLang="en-US" smtClean="0"/>
+              <a:rPr lang="ja-JP" altLang="en-US"/>
               <a:t>第 </a:t>
             </a:r>
             <a:r>
-              <a:rPr lang="en-US" altLang="ja-JP" smtClean="0"/>
+              <a:rPr lang="en-US" altLang="ja-JP"/>
               <a:t>3 </a:t>
             </a:r>
             <a:r>
-              <a:rPr lang="ja-JP" altLang="en-US" smtClean="0"/>
+              <a:rPr lang="ja-JP" altLang="en-US"/>
               <a:t>レベル</a:t>
             </a:r>
           </a:p>
           <a:p>
             <a:pPr lvl="3"/>
             <a:r>
-              <a:rPr lang="ja-JP" altLang="en-US" smtClean="0"/>
+              <a:rPr lang="ja-JP" altLang="en-US"/>
               <a:t>第 </a:t>
             </a:r>
             <a:r>
-              <a:rPr lang="en-US" altLang="ja-JP" smtClean="0"/>
+              <a:rPr lang="en-US" altLang="ja-JP"/>
               <a:t>4 </a:t>
             </a:r>
             <a:r>
-              <a:rPr lang="ja-JP" altLang="en-US" smtClean="0"/>
+              <a:rPr lang="ja-JP" altLang="en-US"/>
               <a:t>レベル</a:t>
             </a:r>
           </a:p>
           <a:p>
             <a:pPr lvl="4"/>
             <a:r>
-              <a:rPr lang="ja-JP" altLang="en-US" smtClean="0"/>
+              <a:rPr lang="ja-JP" altLang="en-US"/>
               <a:t>第 </a:t>
             </a:r>
             <a:r>
-              <a:rPr lang="en-US" altLang="ja-JP" smtClean="0"/>
+              <a:rPr lang="en-US" altLang="ja-JP"/>
               <a:t>5 </a:t>
             </a:r>
             <a:r>
-              <a:rPr lang="ja-JP" altLang="en-US" smtClean="0"/>
+              <a:rPr lang="ja-JP" altLang="en-US"/>
               <a:t>レベル</a:t>
             </a:r>
-            <a:endParaRPr lang="ja-JP" altLang="en-US"/>
           </a:p>
         </p:txBody>
       </p:sp>
@@ -7751,7 +7757,7 @@
           <a:p>
             <a:pPr lvl="0"/>
             <a:r>
-              <a:rPr lang="ja-JP" altLang="en-US" smtClean="0"/>
+              <a:rPr lang="ja-JP" altLang="en-US"/>
               <a:t>マスター テキストの書式設定</a:t>
             </a:r>
           </a:p>
@@ -7807,70 +7813,69 @@
           <a:p>
             <a:pPr lvl="0"/>
             <a:r>
-              <a:rPr lang="ja-JP" altLang="en-US" smtClean="0"/>
+              <a:rPr lang="ja-JP" altLang="en-US"/>
               <a:t>マスター テキストの書式設定</a:t>
             </a:r>
           </a:p>
           <a:p>
             <a:pPr lvl="1"/>
             <a:r>
-              <a:rPr lang="ja-JP" altLang="en-US" smtClean="0"/>
+              <a:rPr lang="ja-JP" altLang="en-US"/>
               <a:t>第 </a:t>
             </a:r>
             <a:r>
-              <a:rPr lang="en-US" altLang="ja-JP" smtClean="0"/>
+              <a:rPr lang="en-US" altLang="ja-JP"/>
               <a:t>2 </a:t>
             </a:r>
             <a:r>
-              <a:rPr lang="ja-JP" altLang="en-US" smtClean="0"/>
+              <a:rPr lang="ja-JP" altLang="en-US"/>
               <a:t>レベル</a:t>
             </a:r>
           </a:p>
           <a:p>
             <a:pPr lvl="2"/>
             <a:r>
-              <a:rPr lang="ja-JP" altLang="en-US" smtClean="0"/>
+              <a:rPr lang="ja-JP" altLang="en-US"/>
               <a:t>第 </a:t>
             </a:r>
             <a:r>
-              <a:rPr lang="en-US" altLang="ja-JP" smtClean="0"/>
+              <a:rPr lang="en-US" altLang="ja-JP"/>
               <a:t>3 </a:t>
             </a:r>
             <a:r>
-              <a:rPr lang="ja-JP" altLang="en-US" smtClean="0"/>
+              <a:rPr lang="ja-JP" altLang="en-US"/>
               <a:t>レベル</a:t>
             </a:r>
           </a:p>
           <a:p>
             <a:pPr lvl="3"/>
             <a:r>
-              <a:rPr lang="ja-JP" altLang="en-US" smtClean="0"/>
+              <a:rPr lang="ja-JP" altLang="en-US"/>
               <a:t>第 </a:t>
             </a:r>
             <a:r>
-              <a:rPr lang="en-US" altLang="ja-JP" smtClean="0"/>
+              <a:rPr lang="en-US" altLang="ja-JP"/>
               <a:t>4 </a:t>
             </a:r>
             <a:r>
-              <a:rPr lang="ja-JP" altLang="en-US" smtClean="0"/>
+              <a:rPr lang="ja-JP" altLang="en-US"/>
               <a:t>レベル</a:t>
             </a:r>
           </a:p>
           <a:p>
             <a:pPr lvl="4"/>
             <a:r>
-              <a:rPr lang="ja-JP" altLang="en-US" smtClean="0"/>
+              <a:rPr lang="ja-JP" altLang="en-US"/>
               <a:t>第 </a:t>
             </a:r>
             <a:r>
-              <a:rPr lang="en-US" altLang="ja-JP" smtClean="0"/>
+              <a:rPr lang="en-US" altLang="ja-JP"/>
               <a:t>5 </a:t>
             </a:r>
             <a:r>
-              <a:rPr lang="ja-JP" altLang="en-US" smtClean="0"/>
+              <a:rPr lang="ja-JP" altLang="en-US"/>
               <a:t>レベル</a:t>
             </a:r>
-            <a:endParaRPr lang="ja-JP" altLang="en-US"/>
           </a:p>
         </p:txBody>
       </p:sp>
@@ -7895,7 +7900,7 @@
           <a:p>
             <a:fld id="{71C17F22-100E-4B98-95D7-0BBC98EE3737}" type="datetimeFigureOut">
               <a:rPr kumimoji="1" lang="ja-JP" altLang="en-US" smtClean="0"/>
-              <a:t>2016/02/07</a:t>
+              <a:t>2016/8/21</a:t>
             </a:fld>
             <a:endParaRPr kumimoji="1" lang="ja-JP" altLang="en-US"/>
           </a:p>
@@ -7997,10 +8002,9 @@
           <a:lstStyle/>
           <a:p>
             <a:r>
-              <a:rPr lang="ja-JP" altLang="en-US" smtClean="0"/>
+              <a:rPr lang="ja-JP" altLang="en-US"/>
               <a:t>マスター タイトルの書式設定</a:t>
             </a:r>
-            <a:endParaRPr lang="ja-JP" altLang="en-US"/>
           </a:p>
         </p:txBody>
       </p:sp>
@@ -8025,7 +8029,7 @@
           <a:p>
             <a:fld id="{71C17F22-100E-4B98-95D7-0BBC98EE3737}" type="datetimeFigureOut">
               <a:rPr kumimoji="1" lang="ja-JP" altLang="en-US" smtClean="0"/>
-              <a:t>2016/02/07</a:t>
+              <a:t>2016/8/21</a:t>
             </a:fld>
             <a:endParaRPr kumimoji="1" lang="ja-JP" altLang="en-US"/>
           </a:p>
@@ -8127,7 +8131,7 @@
           <a:lstStyle/>
           <a:p>
             <a:r>
-              <a:rPr lang="ja-JP" altLang="en-US" smtClean="0"/>
+              <a:rPr lang="ja-JP" altLang="en-US"/>
               <a:t>マスター タイトルの書式設定</a:t>
             </a:r>
             <a:endParaRPr lang="en-US" dirty="0"/>
@@ -8156,67 +8160,67 @@
           <a:p>
             <a:pPr lvl="0"/>
             <a:r>
-              <a:rPr lang="ja-JP" altLang="en-US" smtClean="0"/>
+              <a:rPr lang="ja-JP" altLang="en-US"/>
               <a:t>マスター テキストの書式設定</a:t>
             </a:r>
           </a:p>
           <a:p>
             <a:pPr lvl="1"/>
             <a:r>
-              <a:rPr lang="ja-JP" altLang="en-US" smtClean="0"/>
+              <a:rPr lang="ja-JP" altLang="en-US"/>
               <a:t>第 </a:t>
             </a:r>
             <a:r>
-              <a:rPr lang="en-US" altLang="ja-JP" smtClean="0"/>
+              <a:rPr lang="en-US" altLang="ja-JP"/>
               <a:t>2 </a:t>
             </a:r>
             <a:r>
-              <a:rPr lang="ja-JP" altLang="en-US" smtClean="0"/>
+              <a:rPr lang="ja-JP" altLang="en-US"/>
               <a:t>レベル</a:t>
             </a:r>
           </a:p>
           <a:p>
             <a:pPr lvl="2"/>
             <a:r>
-              <a:rPr lang="ja-JP" altLang="en-US" smtClean="0"/>
+              <a:rPr lang="ja-JP" altLang="en-US"/>
               <a:t>第 </a:t>
             </a:r>
             <a:r>
-              <a:rPr lang="en-US" altLang="ja-JP" smtClean="0"/>
+              <a:rPr lang="en-US" altLang="ja-JP"/>
               <a:t>3 </a:t>
             </a:r>
             <a:r>
-              <a:rPr lang="ja-JP" altLang="en-US" smtClean="0"/>
+              <a:rPr lang="ja-JP" altLang="en-US"/>
               <a:t>レベル</a:t>
             </a:r>
           </a:p>
           <a:p>
             <a:pPr lvl="3"/>
             <a:r>
-              <a:rPr lang="ja-JP" altLang="en-US" smtClean="0"/>
+              <a:rPr lang="ja-JP" altLang="en-US"/>
               <a:t>第 </a:t>
             </a:r>
             <a:r>
-              <a:rPr lang="en-US" altLang="ja-JP" smtClean="0"/>
+              <a:rPr lang="en-US" altLang="ja-JP"/>
               <a:t>4 </a:t>
             </a:r>
             <a:r>
-              <a:rPr lang="ja-JP" altLang="en-US" smtClean="0"/>
+              <a:rPr lang="ja-JP" altLang="en-US"/>
               <a:t>レベル</a:t>
             </a:r>
           </a:p>
           <a:p>
             <a:pPr lvl="4"/>
             <a:r>
-              <a:rPr lang="ja-JP" altLang="en-US" smtClean="0"/>
+              <a:rPr lang="ja-JP" altLang="en-US"/>
               <a:t>第 </a:t>
             </a:r>
             <a:r>
-              <a:rPr lang="en-US" altLang="ja-JP" smtClean="0"/>
+              <a:rPr lang="en-US" altLang="ja-JP"/>
               <a:t>5 </a:t>
             </a:r>
             <a:r>
-              <a:rPr lang="ja-JP" altLang="en-US" smtClean="0"/>
+              <a:rPr lang="ja-JP" altLang="en-US"/>
               <a:t>レベル</a:t>
             </a:r>
             <a:endParaRPr lang="en-US" dirty="0"/>
@@ -8245,67 +8249,67 @@
           <a:p>
             <a:pPr lvl="0"/>
             <a:r>
-              <a:rPr lang="ja-JP" altLang="en-US" smtClean="0"/>
+              <a:rPr lang="ja-JP" altLang="en-US"/>
               <a:t>マスター テキストの書式設定</a:t>
             </a:r>
           </a:p>
           <a:p>
             <a:pPr lvl="1"/>
             <a:r>
-              <a:rPr lang="ja-JP" altLang="en-US" smtClean="0"/>
+              <a:rPr lang="ja-JP" altLang="en-US"/>
               <a:t>第 </a:t>
             </a:r>
             <a:r>
-              <a:rPr lang="en-US" altLang="ja-JP" smtClean="0"/>
+              <a:rPr lang="en-US" altLang="ja-JP"/>
               <a:t>2 </a:t>
             </a:r>
             <a:r>
-              <a:rPr lang="ja-JP" altLang="en-US" smtClean="0"/>
+              <a:rPr lang="ja-JP" altLang="en-US"/>
               <a:t>レベル</a:t>
             </a:r>
           </a:p>
           <a:p>
             <a:pPr lvl="2"/>
             <a:r>
-              <a:rPr lang="ja-JP" altLang="en-US" smtClean="0"/>
+              <a:rPr lang="ja-JP" altLang="en-US"/>
               <a:t>第 </a:t>
             </a:r>
             <a:r>
-              <a:rPr lang="en-US" altLang="ja-JP" smtClean="0"/>
+              <a:rPr lang="en-US" altLang="ja-JP"/>
               <a:t>3 </a:t>
             </a:r>
             <a:r>
-              <a:rPr lang="ja-JP" altLang="en-US" smtClean="0"/>
+              <a:rPr lang="ja-JP" altLang="en-US"/>
               <a:t>レベル</a:t>
             </a:r>
           </a:p>
           <a:p>
             <a:pPr lvl="3"/>
             <a:r>
-              <a:rPr lang="ja-JP" altLang="en-US" smtClean="0"/>
+              <a:rPr lang="ja-JP" altLang="en-US"/>
               <a:t>第 </a:t>
             </a:r>
             <a:r>
-              <a:rPr lang="en-US" altLang="ja-JP" smtClean="0"/>
+              <a:rPr lang="en-US" altLang="ja-JP"/>
               <a:t>4 </a:t>
             </a:r>
             <a:r>
-              <a:rPr lang="ja-JP" altLang="en-US" smtClean="0"/>
+              <a:rPr lang="ja-JP" altLang="en-US"/>
               <a:t>レベル</a:t>
             </a:r>
           </a:p>
           <a:p>
             <a:pPr lvl="4"/>
             <a:r>
-              <a:rPr lang="ja-JP" altLang="en-US" smtClean="0"/>
+              <a:rPr lang="ja-JP" altLang="en-US"/>
               <a:t>第 </a:t>
             </a:r>
             <a:r>
-              <a:rPr lang="en-US" altLang="ja-JP" smtClean="0"/>
+              <a:rPr lang="en-US" altLang="ja-JP"/>
               <a:t>5 </a:t>
             </a:r>
             <a:r>
-              <a:rPr lang="ja-JP" altLang="en-US" smtClean="0"/>
+              <a:rPr lang="ja-JP" altLang="en-US"/>
               <a:t>レベル</a:t>
             </a:r>
             <a:endParaRPr lang="en-US" dirty="0"/>
@@ -8329,7 +8333,7 @@
           <a:p>
             <a:fld id="{71C17F22-100E-4B98-95D7-0BBC98EE3737}" type="datetimeFigureOut">
               <a:rPr kumimoji="1" lang="ja-JP" altLang="en-US" smtClean="0"/>
-              <a:t>2016/02/07</a:t>
+              <a:t>2016/8/21</a:t>
             </a:fld>
             <a:endParaRPr kumimoji="1" lang="ja-JP" altLang="en-US"/>
           </a:p>
@@ -8428,7 +8432,7 @@
           <a:p>
             <a:fld id="{71C17F22-100E-4B98-95D7-0BBC98EE3737}" type="datetimeFigureOut">
               <a:rPr kumimoji="1" lang="ja-JP" altLang="en-US" smtClean="0"/>
-              <a:t>2016/02/07</a:t>
+              <a:t>2016/8/21</a:t>
             </a:fld>
             <a:endParaRPr kumimoji="1" lang="ja-JP" altLang="en-US"/>
           </a:p>
@@ -8539,10 +8543,9 @@
           </a:lstStyle>
           <a:p>
             <a:r>
-              <a:rPr lang="ja-JP" altLang="en-US" smtClean="0"/>
+              <a:rPr lang="ja-JP" altLang="en-US"/>
               <a:t>マスター タイトルの書式設定</a:t>
             </a:r>
-            <a:endParaRPr lang="ja-JP" altLang="en-US"/>
           </a:p>
         </p:txBody>
       </p:sp>
@@ -8596,70 +8599,69 @@
           <a:p>
             <a:pPr lvl="0"/>
             <a:r>
-              <a:rPr lang="ja-JP" altLang="en-US" smtClean="0"/>
+              <a:rPr lang="ja-JP" altLang="en-US"/>
               <a:t>マスター テキストの書式設定</a:t>
             </a:r>
           </a:p>
           <a:p>
             <a:pPr lvl="1"/>
             <a:r>
-              <a:rPr lang="ja-JP" altLang="en-US" smtClean="0"/>
+              <a:rPr lang="ja-JP" altLang="en-US"/>
               <a:t>第 </a:t>
             </a:r>
             <a:r>
-              <a:rPr lang="en-US" altLang="ja-JP" smtClean="0"/>
+              <a:rPr lang="en-US" altLang="ja-JP"/>
               <a:t>2 </a:t>
             </a:r>
             <a:r>
-              <a:rPr lang="ja-JP" altLang="en-US" smtClean="0"/>
+              <a:rPr lang="ja-JP" altLang="en-US"/>
               <a:t>レベル</a:t>
             </a:r>
           </a:p>
           <a:p>
             <a:pPr lvl="2"/>
             <a:r>
-              <a:rPr lang="ja-JP" altLang="en-US" smtClean="0"/>
+              <a:rPr lang="ja-JP" altLang="en-US"/>
               <a:t>第 </a:t>
             </a:r>
             <a:r>
-              <a:rPr lang="en-US" altLang="ja-JP" smtClean="0"/>
+              <a:rPr lang="en-US" altLang="ja-JP"/>
               <a:t>3 </a:t>
             </a:r>
             <a:r>
-              <a:rPr lang="ja-JP" altLang="en-US" smtClean="0"/>
+              <a:rPr lang="ja-JP" altLang="en-US"/>
               <a:t>レベル</a:t>
             </a:r>
           </a:p>
           <a:p>
             <a:pPr lvl="3"/>
             <a:r>
-              <a:rPr lang="ja-JP" altLang="en-US" smtClean="0"/>
+              <a:rPr lang="ja-JP" altLang="en-US"/>
               <a:t>第 </a:t>
             </a:r>
             <a:r>
-              <a:rPr lang="en-US" altLang="ja-JP" smtClean="0"/>
+              <a:rPr lang="en-US" altLang="ja-JP"/>
               <a:t>4 </a:t>
             </a:r>
             <a:r>
-              <a:rPr lang="ja-JP" altLang="en-US" smtClean="0"/>
+              <a:rPr lang="ja-JP" altLang="en-US"/>
               <a:t>レベル</a:t>
             </a:r>
           </a:p>
           <a:p>
             <a:pPr lvl="4"/>
             <a:r>
-              <a:rPr lang="ja-JP" altLang="en-US" smtClean="0"/>
+              <a:rPr lang="ja-JP" altLang="en-US"/>
               <a:t>第 </a:t>
             </a:r>
             <a:r>
-              <a:rPr lang="en-US" altLang="ja-JP" smtClean="0"/>
+              <a:rPr lang="en-US" altLang="ja-JP"/>
               <a:t>5 </a:t>
             </a:r>
             <a:r>
-              <a:rPr lang="ja-JP" altLang="en-US" smtClean="0"/>
+              <a:rPr lang="ja-JP" altLang="en-US"/>
               <a:t>レベル</a:t>
             </a:r>
-            <a:endParaRPr lang="ja-JP" altLang="en-US"/>
           </a:p>
         </p:txBody>
       </p:sp>
@@ -8722,7 +8724,7 @@
           <a:p>
             <a:pPr lvl="0"/>
             <a:r>
-              <a:rPr lang="ja-JP" altLang="en-US" smtClean="0"/>
+              <a:rPr lang="ja-JP" altLang="en-US"/>
               <a:t>マスター テキストの書式設定</a:t>
             </a:r>
           </a:p>
@@ -8749,7 +8751,7 @@
           <a:p>
             <a:fld id="{71C17F22-100E-4B98-95D7-0BBC98EE3737}" type="datetimeFigureOut">
               <a:rPr kumimoji="1" lang="ja-JP" altLang="en-US" smtClean="0"/>
-              <a:t>2016/02/07</a:t>
+              <a:t>2016/8/21</a:t>
             </a:fld>
             <a:endParaRPr kumimoji="1" lang="ja-JP" altLang="en-US"/>
           </a:p>
@@ -8860,10 +8862,9 @@
           </a:lstStyle>
           <a:p>
             <a:r>
-              <a:rPr lang="ja-JP" altLang="en-US" smtClean="0"/>
+              <a:rPr lang="ja-JP" altLang="en-US"/>
               <a:t>マスター タイトルの書式設定</a:t>
             </a:r>
-            <a:endParaRPr lang="ja-JP" altLang="en-US"/>
           </a:p>
         </p:txBody>
       </p:sp>
@@ -8928,7 +8929,7 @@
           <a:p>
             <a:pPr lvl="0"/>
             <a:r>
-              <a:rPr lang="ja-JP" altLang="en-US" noProof="0" smtClean="0"/>
+              <a:rPr lang="ja-JP" altLang="en-US" noProof="0"/>
               <a:t>図を追加</a:t>
             </a:r>
           </a:p>
@@ -8993,7 +8994,7 @@
           <a:p>
             <a:pPr lvl="0"/>
             <a:r>
-              <a:rPr lang="ja-JP" altLang="en-US" smtClean="0"/>
+              <a:rPr lang="ja-JP" altLang="en-US"/>
               <a:t>マスター テキストの書式設定</a:t>
             </a:r>
           </a:p>
@@ -9020,7 +9021,7 @@
           <a:p>
             <a:fld id="{71C17F22-100E-4B98-95D7-0BBC98EE3737}" type="datetimeFigureOut">
               <a:rPr kumimoji="1" lang="ja-JP" altLang="en-US" smtClean="0"/>
-              <a:t>2016/02/07</a:t>
+              <a:t>2016/8/21</a:t>
             </a:fld>
             <a:endParaRPr kumimoji="1" lang="ja-JP" altLang="en-US"/>
           </a:p>
@@ -9122,10 +9123,9 @@
           <a:lstStyle/>
           <a:p>
             <a:r>
-              <a:rPr lang="ja-JP" altLang="en-US" smtClean="0"/>
+              <a:rPr lang="ja-JP" altLang="en-US"/>
               <a:t>マスター タイトルの書式設定</a:t>
             </a:r>
-            <a:endParaRPr lang="ja-JP" altLang="en-US"/>
           </a:p>
         </p:txBody>
       </p:sp>
@@ -9146,70 +9146,69 @@
           <a:p>
             <a:pPr lvl="0"/>
             <a:r>
-              <a:rPr lang="ja-JP" altLang="en-US" smtClean="0"/>
+              <a:rPr lang="ja-JP" altLang="en-US"/>
               <a:t>マスター テキストの書式設定</a:t>
             </a:r>
           </a:p>
           <a:p>
             <a:pPr lvl="1"/>
             <a:r>
-              <a:rPr lang="ja-JP" altLang="en-US" smtClean="0"/>
+              <a:rPr lang="ja-JP" altLang="en-US"/>
               <a:t>第 </a:t>
             </a:r>
             <a:r>
-              <a:rPr lang="en-US" altLang="ja-JP" smtClean="0"/>
+              <a:rPr lang="en-US" altLang="ja-JP"/>
               <a:t>2 </a:t>
             </a:r>
             <a:r>
-              <a:rPr lang="ja-JP" altLang="en-US" smtClean="0"/>
+              <a:rPr lang="ja-JP" altLang="en-US"/>
               <a:t>レベル</a:t>
             </a:r>
           </a:p>
           <a:p>
             <a:pPr lvl="2"/>
             <a:r>
-              <a:rPr lang="ja-JP" altLang="en-US" smtClean="0"/>
+              <a:rPr lang="ja-JP" altLang="en-US"/>
               <a:t>第 </a:t>
             </a:r>
             <a:r>
-              <a:rPr lang="en-US" altLang="ja-JP" smtClean="0"/>
+              <a:rPr lang="en-US" altLang="ja-JP"/>
               <a:t>3 </a:t>
             </a:r>
             <a:r>
-              <a:rPr lang="ja-JP" altLang="en-US" smtClean="0"/>
+              <a:rPr lang="ja-JP" altLang="en-US"/>
               <a:t>レベル</a:t>
             </a:r>
           </a:p>
           <a:p>
             <a:pPr lvl="3"/>
             <a:r>
-              <a:rPr lang="ja-JP" altLang="en-US" smtClean="0"/>
+              <a:rPr lang="ja-JP" altLang="en-US"/>
               <a:t>第 </a:t>
             </a:r>
             <a:r>
-              <a:rPr lang="en-US" altLang="ja-JP" smtClean="0"/>
+              <a:rPr lang="en-US" altLang="ja-JP"/>
               <a:t>4 </a:t>
             </a:r>
             <a:r>
-              <a:rPr lang="ja-JP" altLang="en-US" smtClean="0"/>
+              <a:rPr lang="ja-JP" altLang="en-US"/>
               <a:t>レベル</a:t>
             </a:r>
           </a:p>
           <a:p>
             <a:pPr lvl="4"/>
             <a:r>
-              <a:rPr lang="ja-JP" altLang="en-US" smtClean="0"/>
+              <a:rPr lang="ja-JP" altLang="en-US"/>
               <a:t>第 </a:t>
             </a:r>
             <a:r>
-              <a:rPr lang="en-US" altLang="ja-JP" smtClean="0"/>
+              <a:rPr lang="en-US" altLang="ja-JP"/>
               <a:t>5 </a:t>
             </a:r>
             <a:r>
-              <a:rPr lang="ja-JP" altLang="en-US" smtClean="0"/>
+              <a:rPr lang="ja-JP" altLang="en-US"/>
               <a:t>レベル</a:t>
             </a:r>
-            <a:endParaRPr lang="ja-JP" altLang="en-US"/>
           </a:p>
         </p:txBody>
       </p:sp>
@@ -9234,7 +9233,7 @@
           <a:p>
             <a:fld id="{71C17F22-100E-4B98-95D7-0BBC98EE3737}" type="datetimeFigureOut">
               <a:rPr kumimoji="1" lang="ja-JP" altLang="en-US" smtClean="0"/>
-              <a:t>2016/02/07</a:t>
+              <a:t>2016/8/21</a:t>
             </a:fld>
             <a:endParaRPr kumimoji="1" lang="ja-JP" altLang="en-US"/>
           </a:p>
@@ -9341,10 +9340,9 @@
           <a:lstStyle/>
           <a:p>
             <a:r>
-              <a:rPr lang="ja-JP" altLang="en-US" smtClean="0"/>
+              <a:rPr lang="ja-JP" altLang="en-US"/>
               <a:t>マスター タイトルの書式設定</a:t>
             </a:r>
-            <a:endParaRPr lang="ja-JP" altLang="en-US"/>
           </a:p>
         </p:txBody>
       </p:sp>
@@ -9370,70 +9368,69 @@
           <a:p>
             <a:pPr lvl="0"/>
             <a:r>
-              <a:rPr lang="ja-JP" altLang="en-US" smtClean="0"/>
+              <a:rPr lang="ja-JP" altLang="en-US"/>
               <a:t>マスター テキストの書式設定</a:t>
             </a:r>
           </a:p>
           <a:p>
             <a:pPr lvl="1"/>
             <a:r>
-              <a:rPr lang="ja-JP" altLang="en-US" smtClean="0"/>
+              <a:rPr lang="ja-JP" altLang="en-US"/>
               <a:t>第 </a:t>
             </a:r>
             <a:r>
-              <a:rPr lang="en-US" altLang="ja-JP" smtClean="0"/>
+              <a:rPr lang="en-US" altLang="ja-JP"/>
               <a:t>2 </a:t>
             </a:r>
             <a:r>
-              <a:rPr lang="ja-JP" altLang="en-US" smtClean="0"/>
+              <a:rPr lang="ja-JP" altLang="en-US"/>
               <a:t>レベル</a:t>
             </a:r>
           </a:p>
           <a:p>
             <a:pPr lvl="2"/>
             <a:r>
-              <a:rPr lang="ja-JP" altLang="en-US" smtClean="0"/>
+              <a:rPr lang="ja-JP" altLang="en-US"/>
               <a:t>第 </a:t>
             </a:r>
             <a:r>
-              <a:rPr lang="en-US" altLang="ja-JP" smtClean="0"/>
+              <a:rPr lang="en-US" altLang="ja-JP"/>
               <a:t>3 </a:t>
             </a:r>
             <a:r>
-              <a:rPr lang="ja-JP" altLang="en-US" smtClean="0"/>
+              <a:rPr lang="ja-JP" altLang="en-US"/>
               <a:t>レベル</a:t>
             </a:r>
           </a:p>
           <a:p>
             <a:pPr lvl="3"/>
             <a:r>
-              <a:rPr lang="ja-JP" altLang="en-US" smtClean="0"/>
+              <a:rPr lang="ja-JP" altLang="en-US"/>
               <a:t>第 </a:t>
             </a:r>
             <a:r>
-              <a:rPr lang="en-US" altLang="ja-JP" smtClean="0"/>
+              <a:rPr lang="en-US" altLang="ja-JP"/>
               <a:t>4 </a:t>
             </a:r>
             <a:r>
-              <a:rPr lang="ja-JP" altLang="en-US" smtClean="0"/>
+              <a:rPr lang="ja-JP" altLang="en-US"/>
               <a:t>レベル</a:t>
             </a:r>
           </a:p>
           <a:p>
             <a:pPr lvl="4"/>
             <a:r>
-              <a:rPr lang="ja-JP" altLang="en-US" smtClean="0"/>
+              <a:rPr lang="ja-JP" altLang="en-US"/>
               <a:t>第 </a:t>
             </a:r>
             <a:r>
-              <a:rPr lang="en-US" altLang="ja-JP" smtClean="0"/>
+              <a:rPr lang="en-US" altLang="ja-JP"/>
               <a:t>5 </a:t>
             </a:r>
             <a:r>
-              <a:rPr lang="ja-JP" altLang="en-US" smtClean="0"/>
+              <a:rPr lang="ja-JP" altLang="en-US"/>
               <a:t>レベル</a:t>
             </a:r>
-            <a:endParaRPr lang="ja-JP" altLang="en-US"/>
           </a:p>
         </p:txBody>
       </p:sp>
@@ -9458,7 +9455,7 @@
           <a:p>
             <a:fld id="{71C17F22-100E-4B98-95D7-0BBC98EE3737}" type="datetimeFigureOut">
               <a:rPr kumimoji="1" lang="ja-JP" altLang="en-US" smtClean="0"/>
-              <a:t>2016/02/07</a:t>
+              <a:t>2016/8/21</a:t>
             </a:fld>
             <a:endParaRPr kumimoji="1" lang="ja-JP" altLang="en-US"/>
           </a:p>
@@ -9785,7 +9782,7 @@
           </a:lstStyle>
           <a:p>
             <a:r>
-              <a:rPr lang="ja-JP" altLang="en-US" smtClean="0"/>
+              <a:rPr lang="ja-JP" altLang="en-US"/>
               <a:t>マスター タイトルの書式設定</a:t>
             </a:r>
             <a:endParaRPr lang="en-US"/>
@@ -9849,7 +9846,7 @@
           </a:lstStyle>
           <a:p>
             <a:r>
-              <a:rPr lang="ja-JP" altLang="en-US" smtClean="0"/>
+              <a:rPr lang="ja-JP" altLang="en-US"/>
               <a:t>マスター サブタイトルの書式設定</a:t>
             </a:r>
             <a:endParaRPr lang="en-US"/>
@@ -9883,7 +9880,7 @@
             <a:fld id="{38A83C31-C4FB-C34E-BDD4-902FA399C8CA}" type="datetimeFigureOut">
               <a:rPr lang="en-US" altLang="ja-JP"/>
               <a:pPr/>
-              <a:t>2016/02/07</a:t>
+              <a:t>8/21/2016</a:t>
             </a:fld>
             <a:endParaRPr lang="en-US" altLang="ja-JP" sz="1600"/>
           </a:p>
@@ -9996,10 +9993,9 @@
           <a:lstStyle/>
           <a:p>
             <a:r>
-              <a:rPr lang="ja-JP" altLang="en-US" smtClean="0"/>
+              <a:rPr lang="ja-JP" altLang="en-US"/>
               <a:t>マスター タイトルの書式設定</a:t>
             </a:r>
-            <a:endParaRPr lang="ja-JP" altLang="en-US"/>
           </a:p>
         </p:txBody>
       </p:sp>
@@ -10025,7 +10021,7 @@
             <a:fld id="{26E04FBE-C946-C043-B5D6-D1B33D2858D4}" type="datetimeFigureOut">
               <a:rPr lang="en-US" altLang="ja-JP"/>
               <a:pPr/>
-              <a:t>2016/02/07</a:t>
+              <a:t>8/21/2016</a:t>
             </a:fld>
             <a:endParaRPr lang="en-US" altLang="ja-JP"/>
           </a:p>
@@ -10128,7 +10124,7 @@
           <a:lstStyle/>
           <a:p>
             <a:r>
-              <a:rPr lang="ja-JP" altLang="en-US" smtClean="0"/>
+              <a:rPr lang="ja-JP" altLang="en-US"/>
               <a:t>マスター タイトルの書式設定</a:t>
             </a:r>
             <a:endParaRPr lang="en-US"/>
@@ -10157,67 +10153,67 @@
           <a:p>
             <a:pPr lvl="0"/>
             <a:r>
-              <a:rPr lang="ja-JP" altLang="en-US" smtClean="0"/>
+              <a:rPr lang="ja-JP" altLang="en-US"/>
               <a:t>マスター テキストの書式設定</a:t>
             </a:r>
           </a:p>
           <a:p>
             <a:pPr lvl="1"/>
             <a:r>
-              <a:rPr lang="ja-JP" altLang="en-US" smtClean="0"/>
+              <a:rPr lang="ja-JP" altLang="en-US"/>
               <a:t>第 </a:t>
             </a:r>
             <a:r>
-              <a:rPr lang="en-US" altLang="ja-JP" smtClean="0"/>
+              <a:rPr lang="en-US" altLang="ja-JP"/>
               <a:t>2 </a:t>
             </a:r>
             <a:r>
-              <a:rPr lang="ja-JP" altLang="en-US" smtClean="0"/>
+              <a:rPr lang="ja-JP" altLang="en-US"/>
               <a:t>レベル</a:t>
             </a:r>
           </a:p>
           <a:p>
             <a:pPr lvl="2"/>
             <a:r>
-              <a:rPr lang="ja-JP" altLang="en-US" smtClean="0"/>
+              <a:rPr lang="ja-JP" altLang="en-US"/>
               <a:t>第 </a:t>
             </a:r>
             <a:r>
-              <a:rPr lang="en-US" altLang="ja-JP" smtClean="0"/>
+              <a:rPr lang="en-US" altLang="ja-JP"/>
               <a:t>3 </a:t>
             </a:r>
             <a:r>
-              <a:rPr lang="ja-JP" altLang="en-US" smtClean="0"/>
+              <a:rPr lang="ja-JP" altLang="en-US"/>
               <a:t>レベル</a:t>
             </a:r>
           </a:p>
           <a:p>
             <a:pPr lvl="3"/>
             <a:r>
-              <a:rPr lang="ja-JP" altLang="en-US" smtClean="0"/>
+              <a:rPr lang="ja-JP" altLang="en-US"/>
               <a:t>第 </a:t>
             </a:r>
             <a:r>
-              <a:rPr lang="en-US" altLang="ja-JP" smtClean="0"/>
+              <a:rPr lang="en-US" altLang="ja-JP"/>
               <a:t>4 </a:t>
             </a:r>
             <a:r>
-              <a:rPr lang="ja-JP" altLang="en-US" smtClean="0"/>
+              <a:rPr lang="ja-JP" altLang="en-US"/>
               <a:t>レベル</a:t>
             </a:r>
           </a:p>
           <a:p>
             <a:pPr lvl="4"/>
             <a:r>
-              <a:rPr lang="ja-JP" altLang="en-US" smtClean="0"/>
+              <a:rPr lang="ja-JP" altLang="en-US"/>
               <a:t>第 </a:t>
             </a:r>
             <a:r>
-              <a:rPr lang="en-US" altLang="ja-JP" smtClean="0"/>
+              <a:rPr lang="en-US" altLang="ja-JP"/>
               <a:t>5 </a:t>
             </a:r>
             <a:r>
-              <a:rPr lang="ja-JP" altLang="en-US" smtClean="0"/>
+              <a:rPr lang="ja-JP" altLang="en-US"/>
               <a:t>レベル</a:t>
             </a:r>
             <a:endParaRPr lang="en-US"/>
@@ -10246,7 +10242,7 @@
             <a:fld id="{A39D4381-3850-DC4A-B0E5-A42B88D7786B}" type="datetimeFigureOut">
               <a:rPr lang="en-US" altLang="ja-JP"/>
               <a:pPr/>
-              <a:t>2016/02/07</a:t>
+              <a:t>8/21/2016</a:t>
             </a:fld>
             <a:endParaRPr lang="en-US" altLang="ja-JP"/>
           </a:p>
@@ -10473,7 +10469,7 @@
           </a:lstStyle>
           <a:p>
             <a:r>
-              <a:rPr lang="ja-JP" altLang="en-US" smtClean="0"/>
+              <a:rPr lang="ja-JP" altLang="en-US"/>
               <a:t>マスター タイトルの書式設定</a:t>
             </a:r>
             <a:endParaRPr lang="en-US"/>
@@ -10553,7 +10549,7 @@
           <a:p>
             <a:pPr lvl="0"/>
             <a:r>
-              <a:rPr lang="ja-JP" altLang="en-US" smtClean="0"/>
+              <a:rPr lang="ja-JP" altLang="en-US"/>
               <a:t>マスター テキストの書式設定</a:t>
             </a:r>
           </a:p>
@@ -10586,7 +10582,7 @@
             <a:fld id="{674E2700-E22D-2A47-B7D6-8B1E5B002CB3}" type="datetimeFigureOut">
               <a:rPr lang="en-US" altLang="ja-JP"/>
               <a:pPr/>
-              <a:t>2016/02/07</a:t>
+              <a:t>8/21/2016</a:t>
             </a:fld>
             <a:endParaRPr lang="en-US" altLang="ja-JP"/>
           </a:p>
@@ -10704,7 +10700,7 @@
           <a:lstStyle/>
           <a:p>
             <a:r>
-              <a:rPr lang="ja-JP" altLang="en-US" smtClean="0"/>
+              <a:rPr lang="ja-JP" altLang="en-US"/>
               <a:t>マスター タイトルの書式設定</a:t>
             </a:r>
             <a:endParaRPr lang="en-US"/>
@@ -10733,67 +10729,67 @@
           <a:p>
             <a:pPr lvl="0"/>
             <a:r>
-              <a:rPr lang="ja-JP" altLang="en-US" smtClean="0"/>
+              <a:rPr lang="ja-JP" altLang="en-US"/>
               <a:t>マスター テキストの書式設定</a:t>
             </a:r>
           </a:p>
           <a:p>
             <a:pPr lvl="1"/>
             <a:r>
-              <a:rPr lang="ja-JP" altLang="en-US" smtClean="0"/>
+              <a:rPr lang="ja-JP" altLang="en-US"/>
               <a:t>第 </a:t>
             </a:r>
             <a:r>
-              <a:rPr lang="en-US" altLang="ja-JP" smtClean="0"/>
+              <a:rPr lang="en-US" altLang="ja-JP"/>
               <a:t>2 </a:t>
             </a:r>
             <a:r>
-              <a:rPr lang="ja-JP" altLang="en-US" smtClean="0"/>
+              <a:rPr lang="ja-JP" altLang="en-US"/>
               <a:t>レベル</a:t>
             </a:r>
           </a:p>
           <a:p>
             <a:pPr lvl="2"/>
             <a:r>
-              <a:rPr lang="ja-JP" altLang="en-US" smtClean="0"/>
+              <a:rPr lang="ja-JP" altLang="en-US"/>
               <a:t>第 </a:t>
             </a:r>
             <a:r>
-              <a:rPr lang="en-US" altLang="ja-JP" smtClean="0"/>
+              <a:rPr lang="en-US" altLang="ja-JP"/>
               <a:t>3 </a:t>
             </a:r>
             <a:r>
-              <a:rPr lang="ja-JP" altLang="en-US" smtClean="0"/>
+              <a:rPr lang="ja-JP" altLang="en-US"/>
               <a:t>レベル</a:t>
             </a:r>
           </a:p>
           <a:p>
             <a:pPr lvl="3"/>
             <a:r>
-              <a:rPr lang="ja-JP" altLang="en-US" smtClean="0"/>
+              <a:rPr lang="ja-JP" altLang="en-US"/>
               <a:t>第 </a:t>
             </a:r>
             <a:r>
-              <a:rPr lang="en-US" altLang="ja-JP" smtClean="0"/>
+              <a:rPr lang="en-US" altLang="ja-JP"/>
               <a:t>4 </a:t>
             </a:r>
             <a:r>
-              <a:rPr lang="ja-JP" altLang="en-US" smtClean="0"/>
+              <a:rPr lang="ja-JP" altLang="en-US"/>
               <a:t>レベル</a:t>
             </a:r>
           </a:p>
           <a:p>
             <a:pPr lvl="4"/>
             <a:r>
-              <a:rPr lang="ja-JP" altLang="en-US" smtClean="0"/>
+              <a:rPr lang="ja-JP" altLang="en-US"/>
               <a:t>第 </a:t>
             </a:r>
             <a:r>
-              <a:rPr lang="en-US" altLang="ja-JP" smtClean="0"/>
+              <a:rPr lang="en-US" altLang="ja-JP"/>
               <a:t>5 </a:t>
             </a:r>
             <a:r>
-              <a:rPr lang="ja-JP" altLang="en-US" smtClean="0"/>
+              <a:rPr lang="ja-JP" altLang="en-US"/>
               <a:t>レベル</a:t>
             </a:r>
             <a:endParaRPr lang="en-US"/>
@@ -10822,67 +10818,67 @@
           <a:p>
             <a:pPr lvl="0"/>
             <a:r>
-              <a:rPr lang="ja-JP" altLang="en-US" smtClean="0"/>
+              <a:rPr lang="ja-JP" altLang="en-US"/>
               <a:t>マスター テキストの書式設定</a:t>
             </a:r>
           </a:p>
           <a:p>
             <a:pPr lvl="1"/>
             <a:r>
-              <a:rPr lang="ja-JP" altLang="en-US" smtClean="0"/>
+              <a:rPr lang="ja-JP" altLang="en-US"/>
               <a:t>第 </a:t>
             </a:r>
             <a:r>
-              <a:rPr lang="en-US" altLang="ja-JP" smtClean="0"/>
+              <a:rPr lang="en-US" altLang="ja-JP"/>
               <a:t>2 </a:t>
             </a:r>
             <a:r>
-              <a:rPr lang="ja-JP" altLang="en-US" smtClean="0"/>
+              <a:rPr lang="ja-JP" altLang="en-US"/>
               <a:t>レベル</a:t>
             </a:r>
           </a:p>
           <a:p>
             <a:pPr lvl="2"/>
             <a:r>
-              <a:rPr lang="ja-JP" altLang="en-US" smtClean="0"/>
+              <a:rPr lang="ja-JP" altLang="en-US"/>
               <a:t>第 </a:t>
             </a:r>
             <a:r>
-              <a:rPr lang="en-US" altLang="ja-JP" smtClean="0"/>
+              <a:rPr lang="en-US" altLang="ja-JP"/>
               <a:t>3 </a:t>
             </a:r>
             <a:r>
-              <a:rPr lang="ja-JP" altLang="en-US" smtClean="0"/>
+              <a:rPr lang="ja-JP" altLang="en-US"/>
               <a:t>レベル</a:t>
             </a:r>
           </a:p>
           <a:p>
             <a:pPr lvl="3"/>
             <a:r>
-              <a:rPr lang="ja-JP" altLang="en-US" smtClean="0"/>
+              <a:rPr lang="ja-JP" altLang="en-US"/>
               <a:t>第 </a:t>
             </a:r>
             <a:r>
-              <a:rPr lang="en-US" altLang="ja-JP" smtClean="0"/>
+              <a:rPr lang="en-US" altLang="ja-JP"/>
               <a:t>4 </a:t>
             </a:r>
             <a:r>
-              <a:rPr lang="ja-JP" altLang="en-US" smtClean="0"/>
+              <a:rPr lang="ja-JP" altLang="en-US"/>
               <a:t>レベル</a:t>
             </a:r>
           </a:p>
           <a:p>
             <a:pPr lvl="4"/>
             <a:r>
-              <a:rPr lang="ja-JP" altLang="en-US" smtClean="0"/>
+              <a:rPr lang="ja-JP" altLang="en-US"/>
               <a:t>第 </a:t>
             </a:r>
             <a:r>
-              <a:rPr lang="en-US" altLang="ja-JP" smtClean="0"/>
+              <a:rPr lang="en-US" altLang="ja-JP"/>
               <a:t>5 </a:t>
             </a:r>
             <a:r>
-              <a:rPr lang="ja-JP" altLang="en-US" smtClean="0"/>
+              <a:rPr lang="ja-JP" altLang="en-US"/>
               <a:t>レベル</a:t>
             </a:r>
             <a:endParaRPr lang="en-US"/>
@@ -10911,7 +10907,7 @@
             <a:fld id="{091BA366-60A2-C248-9FAA-AA2A0C251DF9}" type="datetimeFigureOut">
               <a:rPr lang="en-US" altLang="ja-JP"/>
               <a:pPr/>
-              <a:t>2016/02/07</a:t>
+              <a:t>8/21/2016</a:t>
             </a:fld>
             <a:endParaRPr lang="en-US" altLang="ja-JP"/>
           </a:p>
@@ -11062,7 +11058,7 @@
           <a:p>
             <a:pPr lvl="0"/>
             <a:r>
-              <a:rPr lang="ja-JP" altLang="en-US" smtClean="0"/>
+              <a:rPr lang="ja-JP" altLang="en-US"/>
               <a:t>マスター テキストの書式設定</a:t>
             </a:r>
           </a:p>
@@ -11090,67 +11086,67 @@
           <a:p>
             <a:pPr lvl="0"/>
             <a:r>
-              <a:rPr lang="ja-JP" altLang="en-US" smtClean="0"/>
+              <a:rPr lang="ja-JP" altLang="en-US"/>
               <a:t>マスター テキストの書式設定</a:t>
             </a:r>
           </a:p>
           <a:p>
             <a:pPr lvl="1"/>
             <a:r>
-              <a:rPr lang="ja-JP" altLang="en-US" smtClean="0"/>
+              <a:rPr lang="ja-JP" altLang="en-US"/>
               <a:t>第 </a:t>
             </a:r>
             <a:r>
-              <a:rPr lang="en-US" altLang="ja-JP" smtClean="0"/>
+              <a:rPr lang="en-US" altLang="ja-JP"/>
               <a:t>2 </a:t>
             </a:r>
             <a:r>
-              <a:rPr lang="ja-JP" altLang="en-US" smtClean="0"/>
+              <a:rPr lang="ja-JP" altLang="en-US"/>
               <a:t>レベル</a:t>
             </a:r>
           </a:p>
           <a:p>
             <a:pPr lvl="2"/>
             <a:r>
-              <a:rPr lang="ja-JP" altLang="en-US" smtClean="0"/>
+              <a:rPr lang="ja-JP" altLang="en-US"/>
               <a:t>第 </a:t>
             </a:r>
             <a:r>
-              <a:rPr lang="en-US" altLang="ja-JP" smtClean="0"/>
+              <a:rPr lang="en-US" altLang="ja-JP"/>
               <a:t>3 </a:t>
             </a:r>
             <a:r>
-              <a:rPr lang="ja-JP" altLang="en-US" smtClean="0"/>
+              <a:rPr lang="ja-JP" altLang="en-US"/>
               <a:t>レベル</a:t>
             </a:r>
           </a:p>
           <a:p>
             <a:pPr lvl="3"/>
             <a:r>
-              <a:rPr lang="ja-JP" altLang="en-US" smtClean="0"/>
+              <a:rPr lang="ja-JP" altLang="en-US"/>
               <a:t>第 </a:t>
             </a:r>
             <a:r>
-              <a:rPr lang="en-US" altLang="ja-JP" smtClean="0"/>
+              <a:rPr lang="en-US" altLang="ja-JP"/>
               <a:t>4 </a:t>
             </a:r>
             <a:r>
-              <a:rPr lang="ja-JP" altLang="en-US" smtClean="0"/>
+              <a:rPr lang="ja-JP" altLang="en-US"/>
               <a:t>レベル</a:t>
             </a:r>
           </a:p>
           <a:p>
             <a:pPr lvl="4"/>
             <a:r>
-              <a:rPr lang="ja-JP" altLang="en-US" smtClean="0"/>
+              <a:rPr lang="ja-JP" altLang="en-US"/>
               <a:t>第 </a:t>
             </a:r>
             <a:r>
-              <a:rPr lang="en-US" altLang="ja-JP" smtClean="0"/>
+              <a:rPr lang="en-US" altLang="ja-JP"/>
               <a:t>5 </a:t>
             </a:r>
             <a:r>
-              <a:rPr lang="ja-JP" altLang="en-US" smtClean="0"/>
+              <a:rPr lang="ja-JP" altLang="en-US"/>
               <a:t>レベル</a:t>
             </a:r>
             <a:endParaRPr lang="en-US" dirty="0"/>
@@ -11219,7 +11215,7 @@
           <a:p>
             <a:pPr lvl="0"/>
             <a:r>
-              <a:rPr lang="ja-JP" altLang="en-US" smtClean="0"/>
+              <a:rPr lang="ja-JP" altLang="en-US"/>
               <a:t>マスター テキストの書式設定</a:t>
             </a:r>
           </a:p>
@@ -11247,67 +11243,67 @@
           <a:p>
             <a:pPr lvl="0"/>
             <a:r>
-              <a:rPr lang="ja-JP" altLang="en-US" smtClean="0"/>
+              <a:rPr lang="ja-JP" altLang="en-US"/>
               <a:t>マスター テキストの書式設定</a:t>
             </a:r>
           </a:p>
           <a:p>
             <a:pPr lvl="1"/>
             <a:r>
-              <a:rPr lang="ja-JP" altLang="en-US" smtClean="0"/>
+              <a:rPr lang="ja-JP" altLang="en-US"/>
               <a:t>第 </a:t>
             </a:r>
             <a:r>
-              <a:rPr lang="en-US" altLang="ja-JP" smtClean="0"/>
+              <a:rPr lang="en-US" altLang="ja-JP"/>
               <a:t>2 </a:t>
             </a:r>
             <a:r>
-              <a:rPr lang="ja-JP" altLang="en-US" smtClean="0"/>
+              <a:rPr lang="ja-JP" altLang="en-US"/>
               <a:t>レベル</a:t>
             </a:r>
           </a:p>
           <a:p>
             <a:pPr lvl="2"/>
             <a:r>
-              <a:rPr lang="ja-JP" altLang="en-US" smtClean="0"/>
+              <a:rPr lang="ja-JP" altLang="en-US"/>
               <a:t>第 </a:t>
             </a:r>
             <a:r>
-              <a:rPr lang="en-US" altLang="ja-JP" smtClean="0"/>
+              <a:rPr lang="en-US" altLang="ja-JP"/>
               <a:t>3 </a:t>
             </a:r>
             <a:r>
-              <a:rPr lang="ja-JP" altLang="en-US" smtClean="0"/>
+              <a:rPr lang="ja-JP" altLang="en-US"/>
               <a:t>レベル</a:t>
             </a:r>
           </a:p>
           <a:p>
             <a:pPr lvl="3"/>
             <a:r>
-              <a:rPr lang="ja-JP" altLang="en-US" smtClean="0"/>
+              <a:rPr lang="ja-JP" altLang="en-US"/>
               <a:t>第 </a:t>
             </a:r>
             <a:r>
-              <a:rPr lang="en-US" altLang="ja-JP" smtClean="0"/>
+              <a:rPr lang="en-US" altLang="ja-JP"/>
               <a:t>4 </a:t>
             </a:r>
             <a:r>
-              <a:rPr lang="ja-JP" altLang="en-US" smtClean="0"/>
+              <a:rPr lang="ja-JP" altLang="en-US"/>
               <a:t>レベル</a:t>
             </a:r>
           </a:p>
           <a:p>
             <a:pPr lvl="4"/>
             <a:r>
-              <a:rPr lang="ja-JP" altLang="en-US" smtClean="0"/>
+              <a:rPr lang="ja-JP" altLang="en-US"/>
               <a:t>第 </a:t>
             </a:r>
             <a:r>
-              <a:rPr lang="en-US" altLang="ja-JP" smtClean="0"/>
+              <a:rPr lang="en-US" altLang="ja-JP"/>
               <a:t>5 </a:t>
             </a:r>
             <a:r>
-              <a:rPr lang="ja-JP" altLang="en-US" smtClean="0"/>
+              <a:rPr lang="ja-JP" altLang="en-US"/>
               <a:t>レベル</a:t>
             </a:r>
             <a:endParaRPr lang="en-US"/>
@@ -11331,7 +11327,7 @@
           <a:p>
             <a:fld id="{71C17F22-100E-4B98-95D7-0BBC98EE3737}" type="datetimeFigureOut">
               <a:rPr kumimoji="1" lang="ja-JP" altLang="en-US" smtClean="0"/>
-              <a:t>2016/02/07</a:t>
+              <a:t>2016/8/21</a:t>
             </a:fld>
             <a:endParaRPr kumimoji="1" lang="ja-JP" altLang="en-US"/>
           </a:p>
@@ -11395,7 +11391,7 @@
           <a:lstStyle/>
           <a:p>
             <a:r>
-              <a:rPr lang="ja-JP" altLang="en-US" smtClean="0"/>
+              <a:rPr lang="ja-JP" altLang="en-US"/>
               <a:t>マスター タイトルの書式設定</a:t>
             </a:r>
             <a:endParaRPr lang="en-US" dirty="0"/>
@@ -11457,7 +11453,7 @@
           </a:lstStyle>
           <a:p>
             <a:r>
-              <a:rPr lang="ja-JP" altLang="en-US" smtClean="0"/>
+              <a:rPr lang="ja-JP" altLang="en-US"/>
               <a:t>マスター タイトルの書式設定</a:t>
             </a:r>
             <a:endParaRPr lang="en-US"/>
@@ -11517,7 +11513,7 @@
           <a:p>
             <a:pPr lvl="0"/>
             <a:r>
-              <a:rPr lang="ja-JP" altLang="en-US" smtClean="0"/>
+              <a:rPr lang="ja-JP" altLang="en-US"/>
               <a:t>マスター テキストの書式設定</a:t>
             </a:r>
           </a:p>
@@ -11574,7 +11570,7 @@
           <a:p>
             <a:pPr lvl="0"/>
             <a:r>
-              <a:rPr lang="ja-JP" altLang="en-US" smtClean="0"/>
+              <a:rPr lang="ja-JP" altLang="en-US"/>
               <a:t>マスター テキストの書式設定</a:t>
             </a:r>
           </a:p>
@@ -11602,67 +11598,67 @@
           <a:p>
             <a:pPr lvl="0"/>
             <a:r>
-              <a:rPr lang="ja-JP" altLang="en-US" smtClean="0"/>
+              <a:rPr lang="ja-JP" altLang="en-US"/>
               <a:t>マスター テキストの書式設定</a:t>
             </a:r>
           </a:p>
           <a:p>
             <a:pPr lvl="1"/>
             <a:r>
-              <a:rPr lang="ja-JP" altLang="en-US" smtClean="0"/>
+              <a:rPr lang="ja-JP" altLang="en-US"/>
               <a:t>第 </a:t>
             </a:r>
             <a:r>
-              <a:rPr lang="en-US" altLang="ja-JP" smtClean="0"/>
+              <a:rPr lang="en-US" altLang="ja-JP"/>
               <a:t>2 </a:t>
             </a:r>
             <a:r>
-              <a:rPr lang="ja-JP" altLang="en-US" smtClean="0"/>
+              <a:rPr lang="ja-JP" altLang="en-US"/>
               <a:t>レベル</a:t>
             </a:r>
           </a:p>
           <a:p>
             <a:pPr lvl="2"/>
             <a:r>
-              <a:rPr lang="ja-JP" altLang="en-US" smtClean="0"/>
+              <a:rPr lang="ja-JP" altLang="en-US"/>
               <a:t>第 </a:t>
             </a:r>
             <a:r>
-              <a:rPr lang="en-US" altLang="ja-JP" smtClean="0"/>
+              <a:rPr lang="en-US" altLang="ja-JP"/>
               <a:t>3 </a:t>
             </a:r>
             <a:r>
-              <a:rPr lang="ja-JP" altLang="en-US" smtClean="0"/>
+              <a:rPr lang="ja-JP" altLang="en-US"/>
               <a:t>レベル</a:t>
             </a:r>
           </a:p>
           <a:p>
             <a:pPr lvl="3"/>
             <a:r>
-              <a:rPr lang="ja-JP" altLang="en-US" smtClean="0"/>
+              <a:rPr lang="ja-JP" altLang="en-US"/>
               <a:t>第 </a:t>
             </a:r>
             <a:r>
-              <a:rPr lang="en-US" altLang="ja-JP" smtClean="0"/>
+              <a:rPr lang="en-US" altLang="ja-JP"/>
               <a:t>4 </a:t>
             </a:r>
             <a:r>
-              <a:rPr lang="ja-JP" altLang="en-US" smtClean="0"/>
+              <a:rPr lang="ja-JP" altLang="en-US"/>
               <a:t>レベル</a:t>
             </a:r>
           </a:p>
           <a:p>
             <a:pPr lvl="4"/>
             <a:r>
-              <a:rPr lang="ja-JP" altLang="en-US" smtClean="0"/>
+              <a:rPr lang="ja-JP" altLang="en-US"/>
               <a:t>第 </a:t>
             </a:r>
             <a:r>
-              <a:rPr lang="en-US" altLang="ja-JP" smtClean="0"/>
+              <a:rPr lang="en-US" altLang="ja-JP"/>
               <a:t>5 </a:t>
             </a:r>
             <a:r>
-              <a:rPr lang="ja-JP" altLang="en-US" smtClean="0"/>
+              <a:rPr lang="ja-JP" altLang="en-US"/>
               <a:t>レベル</a:t>
             </a:r>
             <a:endParaRPr lang="en-US"/>
@@ -11691,67 +11687,67 @@
           <a:p>
             <a:pPr lvl="0"/>
             <a:r>
-              <a:rPr lang="ja-JP" altLang="en-US" smtClean="0"/>
+              <a:rPr lang="ja-JP" altLang="en-US"/>
               <a:t>マスター テキストの書式設定</a:t>
             </a:r>
           </a:p>
           <a:p>
             <a:pPr lvl="1"/>
             <a:r>
-              <a:rPr lang="ja-JP" altLang="en-US" smtClean="0"/>
+              <a:rPr lang="ja-JP" altLang="en-US"/>
               <a:t>第 </a:t>
             </a:r>
             <a:r>
-              <a:rPr lang="en-US" altLang="ja-JP" smtClean="0"/>
+              <a:rPr lang="en-US" altLang="ja-JP"/>
               <a:t>2 </a:t>
             </a:r>
             <a:r>
-              <a:rPr lang="ja-JP" altLang="en-US" smtClean="0"/>
+              <a:rPr lang="ja-JP" altLang="en-US"/>
               <a:t>レベル</a:t>
             </a:r>
           </a:p>
           <a:p>
             <a:pPr lvl="2"/>
             <a:r>
-              <a:rPr lang="ja-JP" altLang="en-US" smtClean="0"/>
+              <a:rPr lang="ja-JP" altLang="en-US"/>
               <a:t>第 </a:t>
             </a:r>
             <a:r>
-              <a:rPr lang="en-US" altLang="ja-JP" smtClean="0"/>
+              <a:rPr lang="en-US" altLang="ja-JP"/>
               <a:t>3 </a:t>
             </a:r>
             <a:r>
-              <a:rPr lang="ja-JP" altLang="en-US" smtClean="0"/>
+              <a:rPr lang="ja-JP" altLang="en-US"/>
               <a:t>レベル</a:t>
             </a:r>
           </a:p>
           <a:p>
             <a:pPr lvl="3"/>
             <a:r>
-              <a:rPr lang="ja-JP" altLang="en-US" smtClean="0"/>
+              <a:rPr lang="ja-JP" altLang="en-US"/>
               <a:t>第 </a:t>
             </a:r>
             <a:r>
-              <a:rPr lang="en-US" altLang="ja-JP" smtClean="0"/>
+              <a:rPr lang="en-US" altLang="ja-JP"/>
               <a:t>4 </a:t>
             </a:r>
             <a:r>
-              <a:rPr lang="ja-JP" altLang="en-US" smtClean="0"/>
+              <a:rPr lang="ja-JP" altLang="en-US"/>
               <a:t>レベル</a:t>
             </a:r>
           </a:p>
           <a:p>
             <a:pPr lvl="4"/>
             <a:r>
-              <a:rPr lang="ja-JP" altLang="en-US" smtClean="0"/>
+              <a:rPr lang="ja-JP" altLang="en-US"/>
               <a:t>第 </a:t>
             </a:r>
             <a:r>
-              <a:rPr lang="en-US" altLang="ja-JP" smtClean="0"/>
+              <a:rPr lang="en-US" altLang="ja-JP"/>
               <a:t>5 </a:t>
             </a:r>
             <a:r>
-              <a:rPr lang="ja-JP" altLang="en-US" smtClean="0"/>
+              <a:rPr lang="ja-JP" altLang="en-US"/>
               <a:t>レベル</a:t>
             </a:r>
             <a:endParaRPr lang="en-US"/>
@@ -11780,7 +11776,7 @@
             <a:fld id="{9D2D68F5-1251-904E-AE88-A17DAFF4C0B5}" type="datetimeFigureOut">
               <a:rPr lang="en-US" altLang="ja-JP"/>
               <a:pPr/>
-              <a:t>2016/02/07</a:t>
+              <a:t>8/21/2016</a:t>
             </a:fld>
             <a:endParaRPr lang="en-US" altLang="ja-JP"/>
           </a:p>
@@ -11945,7 +11941,7 @@
           <a:lstStyle/>
           <a:p>
             <a:r>
-              <a:rPr lang="ja-JP" altLang="en-US" smtClean="0"/>
+              <a:rPr lang="ja-JP" altLang="en-US"/>
               <a:t>マスター タイトルの書式設定</a:t>
             </a:r>
             <a:endParaRPr lang="en-US"/>
@@ -11974,7 +11970,7 @@
             <a:fld id="{F29AF03D-EF1B-6646-AAAF-0120C6D071D7}" type="datetimeFigureOut">
               <a:rPr lang="en-US" altLang="ja-JP"/>
               <a:pPr/>
-              <a:t>2016/02/07</a:t>
+              <a:t>8/21/2016</a:t>
             </a:fld>
             <a:endParaRPr lang="en-US" altLang="ja-JP"/>
           </a:p>
@@ -12089,7 +12085,7 @@
           </a:ln>
           <a:extLst>
             <a:ext uri="{909E8E84-426E-40dd-AFC4-6F175D3DCCD1}">
-              <a14:hiddenFill xmlns:a14="http://schemas.microsoft.com/office/drawing/2010/main">
+              <a14:hiddenFill xmlns="" xmlns:a14="http://schemas.microsoft.com/office/drawing/2010/main">
                 <a:noFill/>
               </a14:hiddenFill>
             </a:ext>
@@ -12182,7 +12178,7 @@
             <a:fld id="{EF704F33-75CB-EB4C-AE28-5BC870AB5C63}" type="datetimeFigureOut">
               <a:rPr lang="en-US" altLang="ja-JP"/>
               <a:pPr/>
-              <a:t>2016/02/07</a:t>
+              <a:t>8/21/2016</a:t>
             </a:fld>
             <a:endParaRPr lang="en-US" altLang="ja-JP"/>
           </a:p>
@@ -12297,7 +12293,7 @@
           </a:ln>
           <a:extLst>
             <a:ext uri="{909E8E84-426E-40dd-AFC4-6F175D3DCCD1}">
-              <a14:hiddenFill xmlns:a14="http://schemas.microsoft.com/office/drawing/2010/main">
+              <a14:hiddenFill xmlns="" xmlns:a14="http://schemas.microsoft.com/office/drawing/2010/main">
                 <a:noFill/>
               </a14:hiddenFill>
             </a:ext>
@@ -12339,7 +12335,7 @@
           </a:ln>
           <a:extLst>
             <a:ext uri="{909E8E84-426E-40dd-AFC4-6F175D3DCCD1}">
-              <a14:hiddenFill xmlns:a14="http://schemas.microsoft.com/office/drawing/2010/main">
+              <a14:hiddenFill xmlns="" xmlns:a14="http://schemas.microsoft.com/office/drawing/2010/main">
                 <a:noFill/>
               </a14:hiddenFill>
             </a:ext>
@@ -12445,7 +12441,7 @@
           </a:lstStyle>
           <a:p>
             <a:r>
-              <a:rPr lang="ja-JP" altLang="en-US" smtClean="0"/>
+              <a:rPr lang="ja-JP" altLang="en-US"/>
               <a:t>マスター タイトルの書式設定</a:t>
             </a:r>
             <a:endParaRPr lang="en-US"/>
@@ -12505,7 +12501,7 @@
           <a:p>
             <a:pPr lvl="0"/>
             <a:r>
-              <a:rPr lang="ja-JP" altLang="en-US" smtClean="0"/>
+              <a:rPr lang="ja-JP" altLang="en-US"/>
               <a:t>マスター テキストの書式設定</a:t>
             </a:r>
           </a:p>
@@ -12533,67 +12529,67 @@
           <a:p>
             <a:pPr lvl="0"/>
             <a:r>
-              <a:rPr lang="ja-JP" altLang="en-US" smtClean="0"/>
+              <a:rPr lang="ja-JP" altLang="en-US"/>
               <a:t>マスター テキストの書式設定</a:t>
             </a:r>
           </a:p>
           <a:p>
             <a:pPr lvl="1"/>
             <a:r>
-              <a:rPr lang="ja-JP" altLang="en-US" smtClean="0"/>
+              <a:rPr lang="ja-JP" altLang="en-US"/>
               <a:t>第 </a:t>
             </a:r>
             <a:r>
-              <a:rPr lang="en-US" altLang="ja-JP" smtClean="0"/>
+              <a:rPr lang="en-US" altLang="ja-JP"/>
               <a:t>2 </a:t>
             </a:r>
             <a:r>
-              <a:rPr lang="ja-JP" altLang="en-US" smtClean="0"/>
+              <a:rPr lang="ja-JP" altLang="en-US"/>
               <a:t>レベル</a:t>
             </a:r>
           </a:p>
           <a:p>
             <a:pPr lvl="2"/>
             <a:r>
-              <a:rPr lang="ja-JP" altLang="en-US" smtClean="0"/>
+              <a:rPr lang="ja-JP" altLang="en-US"/>
               <a:t>第 </a:t>
             </a:r>
             <a:r>
-              <a:rPr lang="en-US" altLang="ja-JP" smtClean="0"/>
+              <a:rPr lang="en-US" altLang="ja-JP"/>
               <a:t>3 </a:t>
             </a:r>
             <a:r>
-              <a:rPr lang="ja-JP" altLang="en-US" smtClean="0"/>
+              <a:rPr lang="ja-JP" altLang="en-US"/>
               <a:t>レベル</a:t>
             </a:r>
           </a:p>
           <a:p>
             <a:pPr lvl="3"/>
             <a:r>
-              <a:rPr lang="ja-JP" altLang="en-US" smtClean="0"/>
+              <a:rPr lang="ja-JP" altLang="en-US"/>
               <a:t>第 </a:t>
             </a:r>
             <a:r>
-              <a:rPr lang="en-US" altLang="ja-JP" smtClean="0"/>
+              <a:rPr lang="en-US" altLang="ja-JP"/>
               <a:t>4 </a:t>
             </a:r>
             <a:r>
-              <a:rPr lang="ja-JP" altLang="en-US" smtClean="0"/>
+              <a:rPr lang="ja-JP" altLang="en-US"/>
               <a:t>レベル</a:t>
             </a:r>
           </a:p>
           <a:p>
             <a:pPr lvl="4"/>
             <a:r>
-              <a:rPr lang="ja-JP" altLang="en-US" smtClean="0"/>
+              <a:rPr lang="ja-JP" altLang="en-US"/>
               <a:t>第 </a:t>
             </a:r>
             <a:r>
-              <a:rPr lang="en-US" altLang="ja-JP" smtClean="0"/>
+              <a:rPr lang="en-US" altLang="ja-JP"/>
               <a:t>5 </a:t>
             </a:r>
             <a:r>
-              <a:rPr lang="ja-JP" altLang="en-US" smtClean="0"/>
+              <a:rPr lang="ja-JP" altLang="en-US"/>
               <a:t>レベル</a:t>
             </a:r>
             <a:endParaRPr lang="en-US"/>
@@ -12622,7 +12618,7 @@
             <a:fld id="{66F7B449-1723-3444-8CE8-A8BA9B2E5734}" type="datetimeFigureOut">
               <a:rPr lang="en-US" altLang="ja-JP"/>
               <a:pPr/>
-              <a:t>2016/02/07</a:t>
+              <a:t>8/21/2016</a:t>
             </a:fld>
             <a:endParaRPr lang="en-US" altLang="ja-JP"/>
           </a:p>
@@ -12745,7 +12741,7 @@
           </a:ln>
           <a:extLst>
             <a:ext uri="{909E8E84-426E-40dd-AFC4-6F175D3DCCD1}">
-              <a14:hiddenFill xmlns:a14="http://schemas.microsoft.com/office/drawing/2010/main">
+              <a14:hiddenFill xmlns="" xmlns:a14="http://schemas.microsoft.com/office/drawing/2010/main">
                 <a:noFill/>
               </a14:hiddenFill>
             </a:ext>
@@ -12904,7 +12900,7 @@
           </a:lstStyle>
           <a:p>
             <a:r>
-              <a:rPr lang="ja-JP" altLang="en-US" smtClean="0"/>
+              <a:rPr lang="ja-JP" altLang="en-US"/>
               <a:t>マスター タイトルの書式設定</a:t>
             </a:r>
             <a:endParaRPr lang="en-US"/>
@@ -12952,7 +12948,7 @@
           <a:p>
             <a:pPr lvl="0"/>
             <a:r>
-              <a:rPr lang="ja-JP" altLang="en-US" noProof="0" smtClean="0"/>
+              <a:rPr lang="ja-JP" altLang="en-US" noProof="0"/>
               <a:t>図を追加</a:t>
             </a:r>
             <a:endParaRPr lang="en-US" noProof="0" dirty="0"/>
@@ -12999,7 +12995,7 @@
           <a:p>
             <a:pPr lvl="0"/>
             <a:r>
-              <a:rPr lang="ja-JP" altLang="en-US" smtClean="0"/>
+              <a:rPr lang="ja-JP" altLang="en-US"/>
               <a:t>マスター テキストの書式設定</a:t>
             </a:r>
           </a:p>
@@ -13027,7 +13023,7 @@
             <a:fld id="{B6A91973-D0A8-FE49-884F-F23D3FA12D4F}" type="datetimeFigureOut">
               <a:rPr lang="en-US" altLang="ja-JP"/>
               <a:pPr/>
-              <a:t>2016/02/07</a:t>
+              <a:t>8/21/2016</a:t>
             </a:fld>
             <a:endParaRPr lang="en-US" altLang="ja-JP"/>
           </a:p>
@@ -13130,7 +13126,7 @@
           <a:lstStyle/>
           <a:p>
             <a:r>
-              <a:rPr lang="ja-JP" altLang="en-US" smtClean="0"/>
+              <a:rPr lang="ja-JP" altLang="en-US"/>
               <a:t>マスター タイトルの書式設定</a:t>
             </a:r>
             <a:endParaRPr lang="en-US"/>
@@ -13154,67 +13150,67 @@
           <a:p>
             <a:pPr lvl="0"/>
             <a:r>
-              <a:rPr lang="ja-JP" altLang="en-US" smtClean="0"/>
+              <a:rPr lang="ja-JP" altLang="en-US"/>
               <a:t>マスター テキストの書式設定</a:t>
             </a:r>
           </a:p>
           <a:p>
             <a:pPr lvl="1"/>
             <a:r>
-              <a:rPr lang="ja-JP" altLang="en-US" smtClean="0"/>
+              <a:rPr lang="ja-JP" altLang="en-US"/>
               <a:t>第 </a:t>
             </a:r>
             <a:r>
-              <a:rPr lang="en-US" altLang="ja-JP" smtClean="0"/>
+              <a:rPr lang="en-US" altLang="ja-JP"/>
               <a:t>2 </a:t>
             </a:r>
             <a:r>
-              <a:rPr lang="ja-JP" altLang="en-US" smtClean="0"/>
+              <a:rPr lang="ja-JP" altLang="en-US"/>
               <a:t>レベル</a:t>
             </a:r>
           </a:p>
           <a:p>
             <a:pPr lvl="2"/>
             <a:r>
-              <a:rPr lang="ja-JP" altLang="en-US" smtClean="0"/>
+              <a:rPr lang="ja-JP" altLang="en-US"/>
               <a:t>第 </a:t>
             </a:r>
             <a:r>
-              <a:rPr lang="en-US" altLang="ja-JP" smtClean="0"/>
+              <a:rPr lang="en-US" altLang="ja-JP"/>
               <a:t>3 </a:t>
             </a:r>
             <a:r>
-              <a:rPr lang="ja-JP" altLang="en-US" smtClean="0"/>
+              <a:rPr lang="ja-JP" altLang="en-US"/>
               <a:t>レベル</a:t>
             </a:r>
           </a:p>
           <a:p>
             <a:pPr lvl="3"/>
             <a:r>
-              <a:rPr lang="ja-JP" altLang="en-US" smtClean="0"/>
+              <a:rPr lang="ja-JP" altLang="en-US"/>
               <a:t>第 </a:t>
             </a:r>
             <a:r>
-              <a:rPr lang="en-US" altLang="ja-JP" smtClean="0"/>
+              <a:rPr lang="en-US" altLang="ja-JP"/>
               <a:t>4 </a:t>
             </a:r>
             <a:r>
-              <a:rPr lang="ja-JP" altLang="en-US" smtClean="0"/>
+              <a:rPr lang="ja-JP" altLang="en-US"/>
               <a:t>レベル</a:t>
             </a:r>
           </a:p>
           <a:p>
             <a:pPr lvl="4"/>
             <a:r>
-              <a:rPr lang="ja-JP" altLang="en-US" smtClean="0"/>
+              <a:rPr lang="ja-JP" altLang="en-US"/>
               <a:t>第 </a:t>
             </a:r>
             <a:r>
-              <a:rPr lang="en-US" altLang="ja-JP" smtClean="0"/>
+              <a:rPr lang="en-US" altLang="ja-JP"/>
               <a:t>5 </a:t>
             </a:r>
             <a:r>
-              <a:rPr lang="ja-JP" altLang="en-US" smtClean="0"/>
+              <a:rPr lang="ja-JP" altLang="en-US"/>
               <a:t>レベル</a:t>
             </a:r>
             <a:endParaRPr lang="en-US"/>
@@ -13243,7 +13239,7 @@
             <a:fld id="{11E0035A-DA03-FF44-95FB-221C203CCED9}" type="datetimeFigureOut">
               <a:rPr lang="en-US" altLang="ja-JP"/>
               <a:pPr/>
-              <a:t>2016/02/07</a:t>
+              <a:t>8/21/2016</a:t>
             </a:fld>
             <a:endParaRPr lang="en-US" altLang="ja-JP"/>
           </a:p>
@@ -13358,7 +13354,7 @@
           </a:ln>
           <a:extLst>
             <a:ext uri="{909E8E84-426E-40dd-AFC4-6F175D3DCCD1}">
-              <a14:hiddenFill xmlns:a14="http://schemas.microsoft.com/office/drawing/2010/main">
+              <a14:hiddenFill xmlns="" xmlns:a14="http://schemas.microsoft.com/office/drawing/2010/main">
                 <a:noFill/>
               </a14:hiddenFill>
             </a:ext>
@@ -13457,7 +13453,7 @@
           </a:ln>
           <a:extLst>
             <a:ext uri="{909E8E84-426E-40dd-AFC4-6F175D3DCCD1}">
-              <a14:hiddenFill xmlns:a14="http://schemas.microsoft.com/office/drawing/2010/main">
+              <a14:hiddenFill xmlns="" xmlns:a14="http://schemas.microsoft.com/office/drawing/2010/main">
                 <a:noFill/>
               </a14:hiddenFill>
             </a:ext>
@@ -13492,7 +13488,7 @@
           <a:lstStyle/>
           <a:p>
             <a:r>
-              <a:rPr lang="ja-JP" altLang="en-US" smtClean="0"/>
+              <a:rPr lang="ja-JP" altLang="en-US"/>
               <a:t>マスター タイトルの書式設定</a:t>
             </a:r>
             <a:endParaRPr lang="en-US"/>
@@ -13521,67 +13517,67 @@
           <a:p>
             <a:pPr lvl="0"/>
             <a:r>
-              <a:rPr lang="ja-JP" altLang="en-US" smtClean="0"/>
+              <a:rPr lang="ja-JP" altLang="en-US"/>
               <a:t>マスター テキストの書式設定</a:t>
             </a:r>
           </a:p>
           <a:p>
             <a:pPr lvl="1"/>
             <a:r>
-              <a:rPr lang="ja-JP" altLang="en-US" smtClean="0"/>
+              <a:rPr lang="ja-JP" altLang="en-US"/>
               <a:t>第 </a:t>
             </a:r>
             <a:r>
-              <a:rPr lang="en-US" altLang="ja-JP" smtClean="0"/>
+              <a:rPr lang="en-US" altLang="ja-JP"/>
               <a:t>2 </a:t>
             </a:r>
             <a:r>
-              <a:rPr lang="ja-JP" altLang="en-US" smtClean="0"/>
+              <a:rPr lang="ja-JP" altLang="en-US"/>
               <a:t>レベル</a:t>
             </a:r>
           </a:p>
           <a:p>
             <a:pPr lvl="2"/>
             <a:r>
-              <a:rPr lang="ja-JP" altLang="en-US" smtClean="0"/>
+              <a:rPr lang="ja-JP" altLang="en-US"/>
               <a:t>第 </a:t>
             </a:r>
             <a:r>
-              <a:rPr lang="en-US" altLang="ja-JP" smtClean="0"/>
+              <a:rPr lang="en-US" altLang="ja-JP"/>
               <a:t>3 </a:t>
             </a:r>
             <a:r>
-              <a:rPr lang="ja-JP" altLang="en-US" smtClean="0"/>
+              <a:rPr lang="ja-JP" altLang="en-US"/>
               <a:t>レベル</a:t>
             </a:r>
           </a:p>
           <a:p>
             <a:pPr lvl="3"/>
             <a:r>
-              <a:rPr lang="ja-JP" altLang="en-US" smtClean="0"/>
+              <a:rPr lang="ja-JP" altLang="en-US"/>
               <a:t>第 </a:t>
             </a:r>
             <a:r>
-              <a:rPr lang="en-US" altLang="ja-JP" smtClean="0"/>
+              <a:rPr lang="en-US" altLang="ja-JP"/>
               <a:t>4 </a:t>
             </a:r>
             <a:r>
-              <a:rPr lang="ja-JP" altLang="en-US" smtClean="0"/>
+              <a:rPr lang="ja-JP" altLang="en-US"/>
               <a:t>レベル</a:t>
             </a:r>
           </a:p>
           <a:p>
             <a:pPr lvl="4"/>
             <a:r>
-              <a:rPr lang="ja-JP" altLang="en-US" smtClean="0"/>
+              <a:rPr lang="ja-JP" altLang="en-US"/>
               <a:t>第 </a:t>
             </a:r>
             <a:r>
-              <a:rPr lang="en-US" altLang="ja-JP" smtClean="0"/>
+              <a:rPr lang="en-US" altLang="ja-JP"/>
               <a:t>5 </a:t>
             </a:r>
             <a:r>
-              <a:rPr lang="ja-JP" altLang="en-US" smtClean="0"/>
+              <a:rPr lang="ja-JP" altLang="en-US"/>
               <a:t>レベル</a:t>
             </a:r>
             <a:endParaRPr lang="en-US"/>
@@ -13610,7 +13606,7 @@
             <a:fld id="{A25D7540-6561-564D-86CF-0834C87F11A7}" type="datetimeFigureOut">
               <a:rPr lang="en-US" altLang="ja-JP"/>
               <a:pPr/>
-              <a:t>2016/02/07</a:t>
+              <a:t>8/21/2016</a:t>
             </a:fld>
             <a:endParaRPr lang="en-US" altLang="ja-JP"/>
           </a:p>
@@ -13718,10 +13714,9 @@
           <a:lstStyle/>
           <a:p>
             <a:r>
-              <a:rPr lang="ja-JP" altLang="en-US" smtClean="0"/>
+              <a:rPr lang="ja-JP" altLang="en-US"/>
               <a:t>マスター タイトルの書式設定</a:t>
             </a:r>
-            <a:endParaRPr lang="ja-JP" altLang="en-US"/>
           </a:p>
         </p:txBody>
       </p:sp>
@@ -13837,10 +13832,9 @@
           </a:lstStyle>
           <a:p>
             <a:r>
-              <a:rPr lang="ja-JP" altLang="en-US" smtClean="0"/>
+              <a:rPr lang="ja-JP" altLang="en-US"/>
               <a:t>マスター サブタイトルの書式設定</a:t>
             </a:r>
-            <a:endParaRPr lang="ja-JP" altLang="en-US"/>
           </a:p>
         </p:txBody>
       </p:sp>
@@ -13866,7 +13860,7 @@
             <a:fld id="{34784C24-3161-954C-8E18-4B78E134D6FC}" type="datetimeFigureOut">
               <a:rPr lang="ja-JP" altLang="en-US"/>
               <a:pPr/>
-              <a:t>2016/02/07</a:t>
+              <a:t>2016/8/21</a:t>
             </a:fld>
             <a:endParaRPr lang="ja-JP" altLang="en-US"/>
           </a:p>
@@ -13969,10 +13963,9 @@
           <a:lstStyle/>
           <a:p>
             <a:r>
-              <a:rPr lang="ja-JP" altLang="en-US" smtClean="0"/>
+              <a:rPr lang="ja-JP" altLang="en-US"/>
               <a:t>マスター タイトルの書式設定</a:t>
             </a:r>
-            <a:endParaRPr lang="ja-JP" altLang="en-US"/>
           </a:p>
         </p:txBody>
       </p:sp>
@@ -13993,70 +13986,69 @@
           <a:p>
             <a:pPr lvl="0"/>
             <a:r>
-              <a:rPr lang="ja-JP" altLang="en-US" smtClean="0"/>
+              <a:rPr lang="ja-JP" altLang="en-US"/>
               <a:t>マスター テキストの書式設定</a:t>
             </a:r>
           </a:p>
           <a:p>
             <a:pPr lvl="1"/>
             <a:r>
-              <a:rPr lang="ja-JP" altLang="en-US" smtClean="0"/>
+              <a:rPr lang="ja-JP" altLang="en-US"/>
               <a:t>第 </a:t>
             </a:r>
             <a:r>
-              <a:rPr lang="en-US" altLang="ja-JP" smtClean="0"/>
+              <a:rPr lang="en-US" altLang="ja-JP"/>
               <a:t>2 </a:t>
             </a:r>
             <a:r>
-              <a:rPr lang="ja-JP" altLang="en-US" smtClean="0"/>
+              <a:rPr lang="ja-JP" altLang="en-US"/>
               <a:t>レベル</a:t>
             </a:r>
           </a:p>
           <a:p>
             <a:pPr lvl="2"/>
             <a:r>
-              <a:rPr lang="ja-JP" altLang="en-US" smtClean="0"/>
+              <a:rPr lang="ja-JP" altLang="en-US"/>
               <a:t>第 </a:t>
             </a:r>
             <a:r>
-              <a:rPr lang="en-US" altLang="ja-JP" smtClean="0"/>
+              <a:rPr lang="en-US" altLang="ja-JP"/>
               <a:t>3 </a:t>
             </a:r>
             <a:r>
-              <a:rPr lang="ja-JP" altLang="en-US" smtClean="0"/>
+              <a:rPr lang="ja-JP" altLang="en-US"/>
               <a:t>レベル</a:t>
             </a:r>
           </a:p>
           <a:p>
             <a:pPr lvl="3"/>
             <a:r>
-              <a:rPr lang="ja-JP" altLang="en-US" smtClean="0"/>
+              <a:rPr lang="ja-JP" altLang="en-US"/>
               <a:t>第 </a:t>
             </a:r>
             <a:r>
-              <a:rPr lang="en-US" altLang="ja-JP" smtClean="0"/>
+              <a:rPr lang="en-US" altLang="ja-JP"/>
               <a:t>4 </a:t>
             </a:r>
             <a:r>
-              <a:rPr lang="ja-JP" altLang="en-US" smtClean="0"/>
+              <a:rPr lang="ja-JP" altLang="en-US"/>
               <a:t>レベル</a:t>
             </a:r>
           </a:p>
           <a:p>
             <a:pPr lvl="4"/>
             <a:r>
-              <a:rPr lang="ja-JP" altLang="en-US" smtClean="0"/>
+              <a:rPr lang="ja-JP" altLang="en-US"/>
               <a:t>第 </a:t>
             </a:r>
             <a:r>
-              <a:rPr lang="en-US" altLang="ja-JP" smtClean="0"/>
+              <a:rPr lang="en-US" altLang="ja-JP"/>
               <a:t>5 </a:t>
             </a:r>
             <a:r>
-              <a:rPr lang="ja-JP" altLang="en-US" smtClean="0"/>
+              <a:rPr lang="ja-JP" altLang="en-US"/>
               <a:t>レベル</a:t>
             </a:r>
-            <a:endParaRPr lang="ja-JP" altLang="en-US"/>
           </a:p>
         </p:txBody>
       </p:sp>
@@ -14082,7 +14074,7 @@
             <a:fld id="{45AD5413-E6FA-0643-851B-1B0868A03EAA}" type="datetimeFigureOut">
               <a:rPr lang="ja-JP" altLang="en-US"/>
               <a:pPr/>
-              <a:t>2016/02/07</a:t>
+              <a:t>2016/8/21</a:t>
             </a:fld>
             <a:endParaRPr lang="ja-JP" altLang="en-US"/>
           </a:p>
@@ -14194,10 +14186,9 @@
           </a:lstStyle>
           <a:p>
             <a:r>
-              <a:rPr lang="ja-JP" altLang="en-US" smtClean="0"/>
+              <a:rPr lang="ja-JP" altLang="en-US"/>
               <a:t>マスター タイトルの書式設定</a:t>
             </a:r>
-            <a:endParaRPr lang="ja-JP" altLang="en-US"/>
           </a:p>
         </p:txBody>
       </p:sp>
@@ -14314,7 +14305,7 @@
           <a:p>
             <a:pPr lvl="0"/>
             <a:r>
-              <a:rPr lang="ja-JP" altLang="en-US" smtClean="0"/>
+              <a:rPr lang="ja-JP" altLang="en-US"/>
               <a:t>マスター テキストの書式設定</a:t>
             </a:r>
           </a:p>
@@ -14342,7 +14333,7 @@
             <a:fld id="{F02623BE-2522-E44F-9E17-CA3FD631898F}" type="datetimeFigureOut">
               <a:rPr lang="ja-JP" altLang="en-US"/>
               <a:pPr/>
-              <a:t>2016/02/07</a:t>
+              <a:t>2016/8/21</a:t>
             </a:fld>
             <a:endParaRPr lang="ja-JP" altLang="en-US"/>
           </a:p>
@@ -14446,7 +14437,7 @@
           <a:p>
             <a:fld id="{71C17F22-100E-4B98-95D7-0BBC98EE3737}" type="datetimeFigureOut">
               <a:rPr kumimoji="1" lang="ja-JP" altLang="en-US" smtClean="0"/>
-              <a:t>2016/02/07</a:t>
+              <a:t>2016/8/21</a:t>
             </a:fld>
             <a:endParaRPr kumimoji="1" lang="ja-JP" altLang="en-US"/>
           </a:p>
@@ -14510,7 +14501,7 @@
           <a:lstStyle/>
           <a:p>
             <a:r>
-              <a:rPr lang="ja-JP" altLang="en-US" smtClean="0"/>
+              <a:rPr lang="ja-JP" altLang="en-US"/>
               <a:t>マスター タイトルの書式設定</a:t>
             </a:r>
             <a:endParaRPr lang="en-US"/>
@@ -14563,10 +14554,9 @@
           <a:lstStyle/>
           <a:p>
             <a:r>
-              <a:rPr lang="ja-JP" altLang="en-US" smtClean="0"/>
+              <a:rPr lang="ja-JP" altLang="en-US"/>
               <a:t>マスター タイトルの書式設定</a:t>
             </a:r>
-            <a:endParaRPr lang="ja-JP" altLang="en-US"/>
           </a:p>
         </p:txBody>
       </p:sp>
@@ -14620,70 +14610,69 @@
           <a:p>
             <a:pPr lvl="0"/>
             <a:r>
-              <a:rPr lang="ja-JP" altLang="en-US" smtClean="0"/>
+              <a:rPr lang="ja-JP" altLang="en-US"/>
               <a:t>マスター テキストの書式設定</a:t>
             </a:r>
           </a:p>
           <a:p>
             <a:pPr lvl="1"/>
             <a:r>
-              <a:rPr lang="ja-JP" altLang="en-US" smtClean="0"/>
+              <a:rPr lang="ja-JP" altLang="en-US"/>
               <a:t>第 </a:t>
             </a:r>
             <a:r>
-              <a:rPr lang="en-US" altLang="ja-JP" smtClean="0"/>
+              <a:rPr lang="en-US" altLang="ja-JP"/>
               <a:t>2 </a:t>
             </a:r>
             <a:r>
-              <a:rPr lang="ja-JP" altLang="en-US" smtClean="0"/>
+              <a:rPr lang="ja-JP" altLang="en-US"/>
               <a:t>レベル</a:t>
             </a:r>
           </a:p>
           <a:p>
             <a:pPr lvl="2"/>
             <a:r>
-              <a:rPr lang="ja-JP" altLang="en-US" smtClean="0"/>
+              <a:rPr lang="ja-JP" altLang="en-US"/>
               <a:t>第 </a:t>
             </a:r>
             <a:r>
-              <a:rPr lang="en-US" altLang="ja-JP" smtClean="0"/>
+              <a:rPr lang="en-US" altLang="ja-JP"/>
               <a:t>3 </a:t>
             </a:r>
             <a:r>
-              <a:rPr lang="ja-JP" altLang="en-US" smtClean="0"/>
+              <a:rPr lang="ja-JP" altLang="en-US"/>
               <a:t>レベル</a:t>
             </a:r>
           </a:p>
           <a:p>
             <a:pPr lvl="3"/>
             <a:r>
-              <a:rPr lang="ja-JP" altLang="en-US" smtClean="0"/>
+              <a:rPr lang="ja-JP" altLang="en-US"/>
               <a:t>第 </a:t>
             </a:r>
             <a:r>
-              <a:rPr lang="en-US" altLang="ja-JP" smtClean="0"/>
+              <a:rPr lang="en-US" altLang="ja-JP"/>
               <a:t>4 </a:t>
             </a:r>
             <a:r>
-              <a:rPr lang="ja-JP" altLang="en-US" smtClean="0"/>
+              <a:rPr lang="ja-JP" altLang="en-US"/>
               <a:t>レベル</a:t>
             </a:r>
           </a:p>
           <a:p>
             <a:pPr lvl="4"/>
             <a:r>
-              <a:rPr lang="ja-JP" altLang="en-US" smtClean="0"/>
+              <a:rPr lang="ja-JP" altLang="en-US"/>
               <a:t>第 </a:t>
             </a:r>
             <a:r>
-              <a:rPr lang="en-US" altLang="ja-JP" smtClean="0"/>
+              <a:rPr lang="en-US" altLang="ja-JP"/>
               <a:t>5 </a:t>
             </a:r>
             <a:r>
-              <a:rPr lang="ja-JP" altLang="en-US" smtClean="0"/>
+              <a:rPr lang="ja-JP" altLang="en-US"/>
               <a:t>レベル</a:t>
             </a:r>
-            <a:endParaRPr lang="ja-JP" altLang="en-US"/>
           </a:p>
         </p:txBody>
       </p:sp>
@@ -14737,70 +14726,69 @@
           <a:p>
             <a:pPr lvl="0"/>
             <a:r>
-              <a:rPr lang="ja-JP" altLang="en-US" smtClean="0"/>
+              <a:rPr lang="ja-JP" altLang="en-US"/>
               <a:t>マスター テキストの書式設定</a:t>
             </a:r>
           </a:p>
           <a:p>
             <a:pPr lvl="1"/>
             <a:r>
-              <a:rPr lang="ja-JP" altLang="en-US" smtClean="0"/>
+              <a:rPr lang="ja-JP" altLang="en-US"/>
               <a:t>第 </a:t>
             </a:r>
             <a:r>
-              <a:rPr lang="en-US" altLang="ja-JP" smtClean="0"/>
+              <a:rPr lang="en-US" altLang="ja-JP"/>
               <a:t>2 </a:t>
             </a:r>
             <a:r>
-              <a:rPr lang="ja-JP" altLang="en-US" smtClean="0"/>
+              <a:rPr lang="ja-JP" altLang="en-US"/>
               <a:t>レベル</a:t>
             </a:r>
           </a:p>
           <a:p>
             <a:pPr lvl="2"/>
             <a:r>
-              <a:rPr lang="ja-JP" altLang="en-US" smtClean="0"/>
+              <a:rPr lang="ja-JP" altLang="en-US"/>
               <a:t>第 </a:t>
             </a:r>
             <a:r>
-              <a:rPr lang="en-US" altLang="ja-JP" smtClean="0"/>
+              <a:rPr lang="en-US" altLang="ja-JP"/>
               <a:t>3 </a:t>
             </a:r>
             <a:r>
-              <a:rPr lang="ja-JP" altLang="en-US" smtClean="0"/>
+              <a:rPr lang="ja-JP" altLang="en-US"/>
               <a:t>レベル</a:t>
             </a:r>
           </a:p>
           <a:p>
             <a:pPr lvl="3"/>
             <a:r>
-              <a:rPr lang="ja-JP" altLang="en-US" smtClean="0"/>
+              <a:rPr lang="ja-JP" altLang="en-US"/>
               <a:t>第 </a:t>
             </a:r>
             <a:r>
-              <a:rPr lang="en-US" altLang="ja-JP" smtClean="0"/>
+              <a:rPr lang="en-US" altLang="ja-JP"/>
               <a:t>4 </a:t>
             </a:r>
             <a:r>
-              <a:rPr lang="ja-JP" altLang="en-US" smtClean="0"/>
+              <a:rPr lang="ja-JP" altLang="en-US"/>
               <a:t>レベル</a:t>
             </a:r>
           </a:p>
           <a:p>
             <a:pPr lvl="4"/>
             <a:r>
-              <a:rPr lang="ja-JP" altLang="en-US" smtClean="0"/>
+              <a:rPr lang="ja-JP" altLang="en-US"/>
               <a:t>第 </a:t>
             </a:r>
             <a:r>
-              <a:rPr lang="en-US" altLang="ja-JP" smtClean="0"/>
+              <a:rPr lang="en-US" altLang="ja-JP"/>
               <a:t>5 </a:t>
             </a:r>
             <a:r>
-              <a:rPr lang="ja-JP" altLang="en-US" smtClean="0"/>
+              <a:rPr lang="ja-JP" altLang="en-US"/>
               <a:t>レベル</a:t>
             </a:r>
-            <a:endParaRPr lang="ja-JP" altLang="en-US"/>
           </a:p>
         </p:txBody>
       </p:sp>
@@ -14826,7 +14814,7 @@
             <a:fld id="{BFE6FD33-E83C-9F46-9A20-852AA8851D86}" type="datetimeFigureOut">
               <a:rPr lang="ja-JP" altLang="en-US"/>
               <a:pPr/>
-              <a:t>2016/02/07</a:t>
+              <a:t>2016/8/21</a:t>
             </a:fld>
             <a:endParaRPr lang="ja-JP" altLang="en-US"/>
           </a:p>
@@ -14933,10 +14921,9 @@
           </a:lstStyle>
           <a:p>
             <a:r>
-              <a:rPr lang="ja-JP" altLang="en-US" smtClean="0"/>
+              <a:rPr lang="ja-JP" altLang="en-US"/>
               <a:t>マスター タイトルの書式設定</a:t>
             </a:r>
-            <a:endParaRPr lang="ja-JP" altLang="en-US"/>
           </a:p>
         </p:txBody>
       </p:sp>
@@ -14999,7 +14986,7 @@
           <a:p>
             <a:pPr lvl="0"/>
             <a:r>
-              <a:rPr lang="ja-JP" altLang="en-US" smtClean="0"/>
+              <a:rPr lang="ja-JP" altLang="en-US"/>
               <a:t>マスター テキストの書式設定</a:t>
             </a:r>
           </a:p>
@@ -15055,70 +15042,69 @@
           <a:p>
             <a:pPr lvl="0"/>
             <a:r>
-              <a:rPr lang="ja-JP" altLang="en-US" smtClean="0"/>
+              <a:rPr lang="ja-JP" altLang="en-US"/>
               <a:t>マスター テキストの書式設定</a:t>
             </a:r>
           </a:p>
           <a:p>
             <a:pPr lvl="1"/>
             <a:r>
-              <a:rPr lang="ja-JP" altLang="en-US" smtClean="0"/>
+              <a:rPr lang="ja-JP" altLang="en-US"/>
               <a:t>第 </a:t>
             </a:r>
             <a:r>
-              <a:rPr lang="en-US" altLang="ja-JP" smtClean="0"/>
+              <a:rPr lang="en-US" altLang="ja-JP"/>
               <a:t>2 </a:t>
             </a:r>
             <a:r>
-              <a:rPr lang="ja-JP" altLang="en-US" smtClean="0"/>
+              <a:rPr lang="ja-JP" altLang="en-US"/>
               <a:t>レベル</a:t>
             </a:r>
           </a:p>
           <a:p>
             <a:pPr lvl="2"/>
             <a:r>
-              <a:rPr lang="ja-JP" altLang="en-US" smtClean="0"/>
+              <a:rPr lang="ja-JP" altLang="en-US"/>
               <a:t>第 </a:t>
             </a:r>
             <a:r>
-              <a:rPr lang="en-US" altLang="ja-JP" smtClean="0"/>
+              <a:rPr lang="en-US" altLang="ja-JP"/>
               <a:t>3 </a:t>
             </a:r>
             <a:r>
-              <a:rPr lang="ja-JP" altLang="en-US" smtClean="0"/>
+              <a:rPr lang="ja-JP" altLang="en-US"/>
               <a:t>レベル</a:t>
             </a:r>
           </a:p>
           <a:p>
             <a:pPr lvl="3"/>
             <a:r>
-              <a:rPr lang="ja-JP" altLang="en-US" smtClean="0"/>
+              <a:rPr lang="ja-JP" altLang="en-US"/>
               <a:t>第 </a:t>
             </a:r>
             <a:r>
-              <a:rPr lang="en-US" altLang="ja-JP" smtClean="0"/>
+              <a:rPr lang="en-US" altLang="ja-JP"/>
               <a:t>4 </a:t>
             </a:r>
             <a:r>
-              <a:rPr lang="ja-JP" altLang="en-US" smtClean="0"/>
+              <a:rPr lang="ja-JP" altLang="en-US"/>
               <a:t>レベル</a:t>
             </a:r>
           </a:p>
           <a:p>
             <a:pPr lvl="4"/>
             <a:r>
-              <a:rPr lang="ja-JP" altLang="en-US" smtClean="0"/>
+              <a:rPr lang="ja-JP" altLang="en-US"/>
               <a:t>第 </a:t>
             </a:r>
             <a:r>
-              <a:rPr lang="en-US" altLang="ja-JP" smtClean="0"/>
+              <a:rPr lang="en-US" altLang="ja-JP"/>
               <a:t>5 </a:t>
             </a:r>
             <a:r>
-              <a:rPr lang="ja-JP" altLang="en-US" smtClean="0"/>
+              <a:rPr lang="ja-JP" altLang="en-US"/>
               <a:t>レベル</a:t>
             </a:r>
-            <a:endParaRPr lang="ja-JP" altLang="en-US"/>
           </a:p>
         </p:txBody>
       </p:sp>
@@ -15181,7 +15167,7 @@
           <a:p>
             <a:pPr lvl="0"/>
             <a:r>
-              <a:rPr lang="ja-JP" altLang="en-US" smtClean="0"/>
+              <a:rPr lang="ja-JP" altLang="en-US"/>
               <a:t>マスター テキストの書式設定</a:t>
             </a:r>
           </a:p>
@@ -15237,70 +15223,69 @@
           <a:p>
             <a:pPr lvl="0"/>
             <a:r>
-              <a:rPr lang="ja-JP" altLang="en-US" smtClean="0"/>
+              <a:rPr lang="ja-JP" altLang="en-US"/>
               <a:t>マスター テキストの書式設定</a:t>
             </a:r>
           </a:p>
           <a:p>
             <a:pPr lvl="1"/>
             <a:r>
-              <a:rPr lang="ja-JP" altLang="en-US" smtClean="0"/>
+              <a:rPr lang="ja-JP" altLang="en-US"/>
               <a:t>第 </a:t>
             </a:r>
             <a:r>
-              <a:rPr lang="en-US" altLang="ja-JP" smtClean="0"/>
+              <a:rPr lang="en-US" altLang="ja-JP"/>
               <a:t>2 </a:t>
             </a:r>
             <a:r>
-              <a:rPr lang="ja-JP" altLang="en-US" smtClean="0"/>
+              <a:rPr lang="ja-JP" altLang="en-US"/>
               <a:t>レベル</a:t>
             </a:r>
           </a:p>
           <a:p>
             <a:pPr lvl="2"/>
             <a:r>
-              <a:rPr lang="ja-JP" altLang="en-US" smtClean="0"/>
+              <a:rPr lang="ja-JP" altLang="en-US"/>
               <a:t>第 </a:t>
             </a:r>
             <a:r>
-              <a:rPr lang="en-US" altLang="ja-JP" smtClean="0"/>
+              <a:rPr lang="en-US" altLang="ja-JP"/>
               <a:t>3 </a:t>
             </a:r>
             <a:r>
-              <a:rPr lang="ja-JP" altLang="en-US" smtClean="0"/>
+              <a:rPr lang="ja-JP" altLang="en-US"/>
               <a:t>レベル</a:t>
             </a:r>
           </a:p>
           <a:p>
             <a:pPr lvl="3"/>
             <a:r>
-              <a:rPr lang="ja-JP" altLang="en-US" smtClean="0"/>
+              <a:rPr lang="ja-JP" altLang="en-US"/>
               <a:t>第 </a:t>
             </a:r>
             <a:r>
-              <a:rPr lang="en-US" altLang="ja-JP" smtClean="0"/>
+              <a:rPr lang="en-US" altLang="ja-JP"/>
               <a:t>4 </a:t>
             </a:r>
             <a:r>
-              <a:rPr lang="ja-JP" altLang="en-US" smtClean="0"/>
+              <a:rPr lang="ja-JP" altLang="en-US"/>
               <a:t>レベル</a:t>
             </a:r>
           </a:p>
           <a:p>
             <a:pPr lvl="4"/>
             <a:r>
-              <a:rPr lang="ja-JP" altLang="en-US" smtClean="0"/>
+              <a:rPr lang="ja-JP" altLang="en-US"/>
               <a:t>第 </a:t>
             </a:r>
             <a:r>
-              <a:rPr lang="en-US" altLang="ja-JP" smtClean="0"/>
+              <a:rPr lang="en-US" altLang="ja-JP"/>
               <a:t>5 </a:t>
             </a:r>
             <a:r>
-              <a:rPr lang="ja-JP" altLang="en-US" smtClean="0"/>
+              <a:rPr lang="ja-JP" altLang="en-US"/>
               <a:t>レベル</a:t>
             </a:r>
-            <a:endParaRPr lang="ja-JP" altLang="en-US"/>
           </a:p>
         </p:txBody>
       </p:sp>
@@ -15326,7 +15311,7 @@
             <a:fld id="{247F0440-C568-8349-A282-10DCA2F28E92}" type="datetimeFigureOut">
               <a:rPr lang="ja-JP" altLang="en-US"/>
               <a:pPr/>
-              <a:t>2016/02/07</a:t>
+              <a:t>2016/8/21</a:t>
             </a:fld>
             <a:endParaRPr lang="ja-JP" altLang="en-US"/>
           </a:p>
@@ -15429,10 +15414,9 @@
           <a:lstStyle/>
           <a:p>
             <a:r>
-              <a:rPr lang="ja-JP" altLang="en-US" smtClean="0"/>
+              <a:rPr lang="ja-JP" altLang="en-US"/>
               <a:t>マスター タイトルの書式設定</a:t>
             </a:r>
-            <a:endParaRPr lang="ja-JP" altLang="en-US"/>
           </a:p>
         </p:txBody>
       </p:sp>
@@ -15458,7 +15442,7 @@
             <a:fld id="{0BD21812-19BF-B34E-84A4-62183BECA880}" type="datetimeFigureOut">
               <a:rPr lang="ja-JP" altLang="en-US"/>
               <a:pPr/>
-              <a:t>2016/02/07</a:t>
+              <a:t>2016/8/21</a:t>
             </a:fld>
             <a:endParaRPr lang="ja-JP" altLang="en-US"/>
           </a:p>
@@ -15567,7 +15551,7 @@
             <a:fld id="{BDC223E6-6BB7-2541-90CE-65A5BADEC0E9}" type="datetimeFigureOut">
               <a:rPr lang="ja-JP" altLang="en-US"/>
               <a:pPr/>
-              <a:t>2016/02/07</a:t>
+              <a:t>2016/8/21</a:t>
             </a:fld>
             <a:endParaRPr lang="ja-JP" altLang="en-US"/>
           </a:p>
@@ -15679,10 +15663,9 @@
           </a:lstStyle>
           <a:p>
             <a:r>
-              <a:rPr lang="ja-JP" altLang="en-US" smtClean="0"/>
+              <a:rPr lang="ja-JP" altLang="en-US"/>
               <a:t>マスター タイトルの書式設定</a:t>
             </a:r>
-            <a:endParaRPr lang="ja-JP" altLang="en-US"/>
           </a:p>
         </p:txBody>
       </p:sp>
@@ -15736,70 +15719,69 @@
           <a:p>
             <a:pPr lvl="0"/>
             <a:r>
-              <a:rPr lang="ja-JP" altLang="en-US" smtClean="0"/>
+              <a:rPr lang="ja-JP" altLang="en-US"/>
               <a:t>マスター テキストの書式設定</a:t>
             </a:r>
           </a:p>
           <a:p>
             <a:pPr lvl="1"/>
             <a:r>
-              <a:rPr lang="ja-JP" altLang="en-US" smtClean="0"/>
+              <a:rPr lang="ja-JP" altLang="en-US"/>
               <a:t>第 </a:t>
             </a:r>
             <a:r>
-              <a:rPr lang="en-US" altLang="ja-JP" smtClean="0"/>
+              <a:rPr lang="en-US" altLang="ja-JP"/>
               <a:t>2 </a:t>
             </a:r>
             <a:r>
-              <a:rPr lang="ja-JP" altLang="en-US" smtClean="0"/>
+              <a:rPr lang="ja-JP" altLang="en-US"/>
               <a:t>レベル</a:t>
             </a:r>
           </a:p>
           <a:p>
             <a:pPr lvl="2"/>
             <a:r>
-              <a:rPr lang="ja-JP" altLang="en-US" smtClean="0"/>
+              <a:rPr lang="ja-JP" altLang="en-US"/>
               <a:t>第 </a:t>
             </a:r>
             <a:r>
-              <a:rPr lang="en-US" altLang="ja-JP" smtClean="0"/>
+              <a:rPr lang="en-US" altLang="ja-JP"/>
               <a:t>3 </a:t>
             </a:r>
             <a:r>
-              <a:rPr lang="ja-JP" altLang="en-US" smtClean="0"/>
+              <a:rPr lang="ja-JP" altLang="en-US"/>
               <a:t>レベル</a:t>
             </a:r>
           </a:p>
           <a:p>
             <a:pPr lvl="3"/>
             <a:r>
-              <a:rPr lang="ja-JP" altLang="en-US" smtClean="0"/>
+              <a:rPr lang="ja-JP" altLang="en-US"/>
               <a:t>第 </a:t>
             </a:r>
             <a:r>
-              <a:rPr lang="en-US" altLang="ja-JP" smtClean="0"/>
+              <a:rPr lang="en-US" altLang="ja-JP"/>
               <a:t>4 </a:t>
             </a:r>
             <a:r>
-              <a:rPr lang="ja-JP" altLang="en-US" smtClean="0"/>
+              <a:rPr lang="ja-JP" altLang="en-US"/>
               <a:t>レベル</a:t>
             </a:r>
           </a:p>
           <a:p>
             <a:pPr lvl="4"/>
             <a:r>
-              <a:rPr lang="ja-JP" altLang="en-US" smtClean="0"/>
+              <a:rPr lang="ja-JP" altLang="en-US"/>
               <a:t>第 </a:t>
             </a:r>
             <a:r>
-              <a:rPr lang="en-US" altLang="ja-JP" smtClean="0"/>
+              <a:rPr lang="en-US" altLang="ja-JP"/>
               <a:t>5 </a:t>
             </a:r>
             <a:r>
-              <a:rPr lang="ja-JP" altLang="en-US" smtClean="0"/>
+              <a:rPr lang="ja-JP" altLang="en-US"/>
               <a:t>レベル</a:t>
             </a:r>
-            <a:endParaRPr lang="ja-JP" altLang="en-US"/>
           </a:p>
         </p:txBody>
       </p:sp>
@@ -15862,7 +15844,7 @@
           <a:p>
             <a:pPr lvl="0"/>
             <a:r>
-              <a:rPr lang="ja-JP" altLang="en-US" smtClean="0"/>
+              <a:rPr lang="ja-JP" altLang="en-US"/>
               <a:t>マスター テキストの書式設定</a:t>
             </a:r>
           </a:p>
@@ -15890,7 +15872,7 @@
             <a:fld id="{4BCA3BDD-E86E-B047-9E3E-E1A83CAEFF3C}" type="datetimeFigureOut">
               <a:rPr lang="ja-JP" altLang="en-US"/>
               <a:pPr/>
-              <a:t>2016/02/07</a:t>
+              <a:t>2016/8/21</a:t>
             </a:fld>
             <a:endParaRPr lang="ja-JP" altLang="en-US"/>
           </a:p>
@@ -16002,10 +15984,9 @@
           </a:lstStyle>
           <a:p>
             <a:r>
-              <a:rPr lang="ja-JP" altLang="en-US" smtClean="0"/>
+              <a:rPr lang="ja-JP" altLang="en-US"/>
               <a:t>マスター タイトルの書式設定</a:t>
             </a:r>
-            <a:endParaRPr lang="ja-JP" altLang="en-US"/>
           </a:p>
         </p:txBody>
       </p:sp>
@@ -16070,7 +16051,7 @@
           <a:p>
             <a:pPr lvl="0"/>
             <a:r>
-              <a:rPr lang="ja-JP" altLang="en-US" noProof="0" smtClean="0"/>
+              <a:rPr lang="ja-JP" altLang="en-US" noProof="0"/>
               <a:t>図を追加</a:t>
             </a:r>
           </a:p>
@@ -16135,7 +16116,7 @@
           <a:p>
             <a:pPr lvl="0"/>
             <a:r>
-              <a:rPr lang="ja-JP" altLang="en-US" smtClean="0"/>
+              <a:rPr lang="ja-JP" altLang="en-US"/>
               <a:t>マスター テキストの書式設定</a:t>
             </a:r>
           </a:p>
@@ -16163,7 +16144,7 @@
             <a:fld id="{FDBA1294-BE42-2A40-B684-475AFDE2DEC8}" type="datetimeFigureOut">
               <a:rPr lang="ja-JP" altLang="en-US"/>
               <a:pPr/>
-              <a:t>2016/02/07</a:t>
+              <a:t>2016/8/21</a:t>
             </a:fld>
             <a:endParaRPr lang="ja-JP" altLang="en-US"/>
           </a:p>
@@ -16266,10 +16247,9 @@
           <a:lstStyle/>
           <a:p>
             <a:r>
-              <a:rPr lang="ja-JP" altLang="en-US" smtClean="0"/>
+              <a:rPr lang="ja-JP" altLang="en-US"/>
               <a:t>マスター タイトルの書式設定</a:t>
             </a:r>
-            <a:endParaRPr lang="ja-JP" altLang="en-US"/>
           </a:p>
         </p:txBody>
       </p:sp>
@@ -16290,70 +16270,69 @@
           <a:p>
             <a:pPr lvl="0"/>
             <a:r>
-              <a:rPr lang="ja-JP" altLang="en-US" smtClean="0"/>
+              <a:rPr lang="ja-JP" altLang="en-US"/>
               <a:t>マスター テキストの書式設定</a:t>
             </a:r>
           </a:p>
           <a:p>
             <a:pPr lvl="1"/>
             <a:r>
-              <a:rPr lang="ja-JP" altLang="en-US" smtClean="0"/>
+              <a:rPr lang="ja-JP" altLang="en-US"/>
               <a:t>第 </a:t>
             </a:r>
             <a:r>
-              <a:rPr lang="en-US" altLang="ja-JP" smtClean="0"/>
+              <a:rPr lang="en-US" altLang="ja-JP"/>
               <a:t>2 </a:t>
             </a:r>
             <a:r>
-              <a:rPr lang="ja-JP" altLang="en-US" smtClean="0"/>
+              <a:rPr lang="ja-JP" altLang="en-US"/>
               <a:t>レベル</a:t>
             </a:r>
           </a:p>
           <a:p>
             <a:pPr lvl="2"/>
             <a:r>
-              <a:rPr lang="ja-JP" altLang="en-US" smtClean="0"/>
+              <a:rPr lang="ja-JP" altLang="en-US"/>
               <a:t>第 </a:t>
             </a:r>
             <a:r>
-              <a:rPr lang="en-US" altLang="ja-JP" smtClean="0"/>
+              <a:rPr lang="en-US" altLang="ja-JP"/>
               <a:t>3 </a:t>
             </a:r>
             <a:r>
-              <a:rPr lang="ja-JP" altLang="en-US" smtClean="0"/>
+              <a:rPr lang="ja-JP" altLang="en-US"/>
               <a:t>レベル</a:t>
             </a:r>
           </a:p>
           <a:p>
             <a:pPr lvl="3"/>
             <a:r>
-              <a:rPr lang="ja-JP" altLang="en-US" smtClean="0"/>
+              <a:rPr lang="ja-JP" altLang="en-US"/>
               <a:t>第 </a:t>
             </a:r>
             <a:r>
-              <a:rPr lang="en-US" altLang="ja-JP" smtClean="0"/>
+              <a:rPr lang="en-US" altLang="ja-JP"/>
               <a:t>4 </a:t>
             </a:r>
             <a:r>
-              <a:rPr lang="ja-JP" altLang="en-US" smtClean="0"/>
+              <a:rPr lang="ja-JP" altLang="en-US"/>
               <a:t>レベル</a:t>
             </a:r>
           </a:p>
           <a:p>
             <a:pPr lvl="4"/>
             <a:r>
-              <a:rPr lang="ja-JP" altLang="en-US" smtClean="0"/>
+              <a:rPr lang="ja-JP" altLang="en-US"/>
               <a:t>第 </a:t>
             </a:r>
             <a:r>
-              <a:rPr lang="en-US" altLang="ja-JP" smtClean="0"/>
+              <a:rPr lang="en-US" altLang="ja-JP"/>
               <a:t>5 </a:t>
             </a:r>
             <a:r>
-              <a:rPr lang="ja-JP" altLang="en-US" smtClean="0"/>
+              <a:rPr lang="ja-JP" altLang="en-US"/>
               <a:t>レベル</a:t>
             </a:r>
-            <a:endParaRPr lang="ja-JP" altLang="en-US"/>
           </a:p>
         </p:txBody>
       </p:sp>
@@ -16379,7 +16358,7 @@
             <a:fld id="{FE669B3F-C904-FF4D-B7BF-DD57F787002D}" type="datetimeFigureOut">
               <a:rPr lang="ja-JP" altLang="en-US"/>
               <a:pPr/>
-              <a:t>2016/02/07</a:t>
+              <a:t>2016/8/21</a:t>
             </a:fld>
             <a:endParaRPr lang="ja-JP" altLang="en-US"/>
           </a:p>
@@ -16487,10 +16466,9 @@
           <a:lstStyle/>
           <a:p>
             <a:r>
-              <a:rPr lang="ja-JP" altLang="en-US" smtClean="0"/>
+              <a:rPr lang="ja-JP" altLang="en-US"/>
               <a:t>マスター タイトルの書式設定</a:t>
             </a:r>
-            <a:endParaRPr lang="ja-JP" altLang="en-US"/>
           </a:p>
         </p:txBody>
       </p:sp>
@@ -16516,70 +16494,69 @@
           <a:p>
             <a:pPr lvl="0"/>
             <a:r>
-              <a:rPr lang="ja-JP" altLang="en-US" smtClean="0"/>
+              <a:rPr lang="ja-JP" altLang="en-US"/>
               <a:t>マスター テキストの書式設定</a:t>
             </a:r>
           </a:p>
           <a:p>
             <a:pPr lvl="1"/>
             <a:r>
-              <a:rPr lang="ja-JP" altLang="en-US" smtClean="0"/>
+              <a:rPr lang="ja-JP" altLang="en-US"/>
               <a:t>第 </a:t>
             </a:r>
             <a:r>
-              <a:rPr lang="en-US" altLang="ja-JP" smtClean="0"/>
+              <a:rPr lang="en-US" altLang="ja-JP"/>
               <a:t>2 </a:t>
             </a:r>
             <a:r>
-              <a:rPr lang="ja-JP" altLang="en-US" smtClean="0"/>
+              <a:rPr lang="ja-JP" altLang="en-US"/>
               <a:t>レベル</a:t>
             </a:r>
           </a:p>
           <a:p>
             <a:pPr lvl="2"/>
             <a:r>
-              <a:rPr lang="ja-JP" altLang="en-US" smtClean="0"/>
+              <a:rPr lang="ja-JP" altLang="en-US"/>
               <a:t>第 </a:t>
             </a:r>
             <a:r>
-              <a:rPr lang="en-US" altLang="ja-JP" smtClean="0"/>
+              <a:rPr lang="en-US" altLang="ja-JP"/>
               <a:t>3 </a:t>
             </a:r>
             <a:r>
-              <a:rPr lang="ja-JP" altLang="en-US" smtClean="0"/>
+              <a:rPr lang="ja-JP" altLang="en-US"/>
               <a:t>レベル</a:t>
             </a:r>
           </a:p>
           <a:p>
             <a:pPr lvl="3"/>
             <a:r>
-              <a:rPr lang="ja-JP" altLang="en-US" smtClean="0"/>
+              <a:rPr lang="ja-JP" altLang="en-US"/>
               <a:t>第 </a:t>
             </a:r>
             <a:r>
-              <a:rPr lang="en-US" altLang="ja-JP" smtClean="0"/>
+              <a:rPr lang="en-US" altLang="ja-JP"/>
               <a:t>4 </a:t>
             </a:r>
             <a:r>
-              <a:rPr lang="ja-JP" altLang="en-US" smtClean="0"/>
+              <a:rPr lang="ja-JP" altLang="en-US"/>
               <a:t>レベル</a:t>
             </a:r>
           </a:p>
           <a:p>
             <a:pPr lvl="4"/>
             <a:r>
-              <a:rPr lang="ja-JP" altLang="en-US" smtClean="0"/>
+              <a:rPr lang="ja-JP" altLang="en-US"/>
               <a:t>第 </a:t>
             </a:r>
             <a:r>
-              <a:rPr lang="en-US" altLang="ja-JP" smtClean="0"/>
+              <a:rPr lang="en-US" altLang="ja-JP"/>
               <a:t>5 </a:t>
             </a:r>
             <a:r>
-              <a:rPr lang="ja-JP" altLang="en-US" smtClean="0"/>
+              <a:rPr lang="ja-JP" altLang="en-US"/>
               <a:t>レベル</a:t>
             </a:r>
-            <a:endParaRPr lang="ja-JP" altLang="en-US"/>
           </a:p>
         </p:txBody>
       </p:sp>
@@ -16605,7 +16582,7 @@
             <a:fld id="{A0C492B8-A46B-7F42-96C5-13F768DDD309}" type="datetimeFigureOut">
               <a:rPr lang="ja-JP" altLang="en-US"/>
               <a:pPr/>
-              <a:t>2016/02/07</a:t>
+              <a:t>2016/8/21</a:t>
             </a:fld>
             <a:endParaRPr lang="ja-JP" altLang="en-US"/>
           </a:p>
@@ -17320,7 +17297,7 @@
           </a:lstStyle>
           <a:p>
             <a:r>
-              <a:rPr lang="ja-JP" altLang="en-US" smtClean="0"/>
+              <a:rPr lang="ja-JP" altLang="en-US"/>
               <a:t>マスター タイトルの書式設定</a:t>
             </a:r>
             <a:endParaRPr lang="en-US"/>
@@ -17381,7 +17358,7 @@
           </a:lstStyle>
           <a:p>
             <a:r>
-              <a:rPr lang="ja-JP" altLang="en-US" smtClean="0"/>
+              <a:rPr lang="ja-JP" altLang="en-US"/>
               <a:t>マスター サブタイトルの書式設定</a:t>
             </a:r>
             <a:endParaRPr lang="en-US"/>
@@ -17415,7 +17392,7 @@
             <a:fld id="{A518B71E-65EF-B642-87B0-D708F256538D}" type="datetimeFigureOut">
               <a:rPr lang="en-US" altLang="ja-JP"/>
               <a:pPr/>
-              <a:t>2016/02/07</a:t>
+              <a:t>8/21/2016</a:t>
             </a:fld>
             <a:endParaRPr lang="en-US" altLang="ja-JP"/>
           </a:p>
@@ -17532,7 +17509,7 @@
           <a:lstStyle/>
           <a:p>
             <a:r>
-              <a:rPr lang="ja-JP" altLang="en-US" smtClean="0"/>
+              <a:rPr lang="ja-JP" altLang="en-US"/>
               <a:t>マスター タイトルの書式設定</a:t>
             </a:r>
             <a:endParaRPr lang="en-US"/>
@@ -17556,67 +17533,67 @@
           <a:p>
             <a:pPr lvl="0"/>
             <a:r>
-              <a:rPr lang="ja-JP" altLang="en-US" smtClean="0"/>
+              <a:rPr lang="ja-JP" altLang="en-US"/>
               <a:t>マスター テキストの書式設定</a:t>
             </a:r>
           </a:p>
           <a:p>
             <a:pPr lvl="1"/>
             <a:r>
-              <a:rPr lang="ja-JP" altLang="en-US" smtClean="0"/>
+              <a:rPr lang="ja-JP" altLang="en-US"/>
               <a:t>第 </a:t>
             </a:r>
             <a:r>
-              <a:rPr lang="en-US" altLang="ja-JP" smtClean="0"/>
+              <a:rPr lang="en-US" altLang="ja-JP"/>
               <a:t>2 </a:t>
             </a:r>
             <a:r>
-              <a:rPr lang="ja-JP" altLang="en-US" smtClean="0"/>
+              <a:rPr lang="ja-JP" altLang="en-US"/>
               <a:t>レベル</a:t>
             </a:r>
           </a:p>
           <a:p>
             <a:pPr lvl="2"/>
             <a:r>
-              <a:rPr lang="ja-JP" altLang="en-US" smtClean="0"/>
+              <a:rPr lang="ja-JP" altLang="en-US"/>
               <a:t>第 </a:t>
             </a:r>
             <a:r>
-              <a:rPr lang="en-US" altLang="ja-JP" smtClean="0"/>
+              <a:rPr lang="en-US" altLang="ja-JP"/>
               <a:t>3 </a:t>
             </a:r>
             <a:r>
-              <a:rPr lang="ja-JP" altLang="en-US" smtClean="0"/>
+              <a:rPr lang="ja-JP" altLang="en-US"/>
               <a:t>レベル</a:t>
             </a:r>
           </a:p>
           <a:p>
             <a:pPr lvl="3"/>
             <a:r>
-              <a:rPr lang="ja-JP" altLang="en-US" smtClean="0"/>
+              <a:rPr lang="ja-JP" altLang="en-US"/>
               <a:t>第 </a:t>
             </a:r>
             <a:r>
-              <a:rPr lang="en-US" altLang="ja-JP" smtClean="0"/>
+              <a:rPr lang="en-US" altLang="ja-JP"/>
               <a:t>4 </a:t>
             </a:r>
             <a:r>
-              <a:rPr lang="ja-JP" altLang="en-US" smtClean="0"/>
+              <a:rPr lang="ja-JP" altLang="en-US"/>
               <a:t>レベル</a:t>
             </a:r>
           </a:p>
           <a:p>
             <a:pPr lvl="4"/>
             <a:r>
-              <a:rPr lang="ja-JP" altLang="en-US" smtClean="0"/>
+              <a:rPr lang="ja-JP" altLang="en-US"/>
               <a:t>第 </a:t>
             </a:r>
             <a:r>
-              <a:rPr lang="en-US" altLang="ja-JP" smtClean="0"/>
+              <a:rPr lang="en-US" altLang="ja-JP"/>
               <a:t>5 </a:t>
             </a:r>
             <a:r>
-              <a:rPr lang="ja-JP" altLang="en-US" smtClean="0"/>
+              <a:rPr lang="ja-JP" altLang="en-US"/>
               <a:t>レベル</a:t>
             </a:r>
             <a:endParaRPr lang="en-US"/>
@@ -17645,7 +17622,7 @@
             <a:fld id="{C17B9EF2-1DAC-8243-A2F6-EA112DA51AE3}" type="datetimeFigureOut">
               <a:rPr lang="en-US" altLang="ja-JP"/>
               <a:pPr/>
-              <a:t>2016/02/07</a:t>
+              <a:t>8/21/2016</a:t>
             </a:fld>
             <a:endParaRPr lang="en-US" altLang="ja-JP"/>
           </a:p>
@@ -17749,7 +17726,7 @@
           <a:p>
             <a:fld id="{71C17F22-100E-4B98-95D7-0BBC98EE3737}" type="datetimeFigureOut">
               <a:rPr kumimoji="1" lang="ja-JP" altLang="en-US" smtClean="0"/>
-              <a:t>2016/02/07</a:t>
+              <a:t>2016/8/21</a:t>
             </a:fld>
             <a:endParaRPr kumimoji="1" lang="ja-JP" altLang="en-US"/>
           </a:p>
@@ -17874,7 +17851,7 @@
           </a:lstStyle>
           <a:p>
             <a:r>
-              <a:rPr lang="ja-JP" altLang="en-US" smtClean="0"/>
+              <a:rPr lang="ja-JP" altLang="en-US"/>
               <a:t>マスター タイトルの書式設定</a:t>
             </a:r>
             <a:endParaRPr lang="en-US"/>
@@ -17952,7 +17929,7 @@
           <a:p>
             <a:pPr lvl="0"/>
             <a:r>
-              <a:rPr lang="ja-JP" altLang="en-US" smtClean="0"/>
+              <a:rPr lang="ja-JP" altLang="en-US"/>
               <a:t>マスター テキストの書式設定</a:t>
             </a:r>
           </a:p>
@@ -17980,7 +17957,7 @@
             <a:fld id="{B2AC2055-FCA3-CA47-808E-97AE02E374AF}" type="datetimeFigureOut">
               <a:rPr lang="en-US" altLang="ja-JP"/>
               <a:pPr/>
-              <a:t>2016/02/07</a:t>
+              <a:t>8/21/2016</a:t>
             </a:fld>
             <a:endParaRPr lang="en-US" altLang="ja-JP"/>
           </a:p>
@@ -18083,7 +18060,7 @@
           <a:lstStyle/>
           <a:p>
             <a:r>
-              <a:rPr lang="ja-JP" altLang="en-US" smtClean="0"/>
+              <a:rPr lang="ja-JP" altLang="en-US"/>
               <a:t>マスター タイトルの書式設定</a:t>
             </a:r>
             <a:endParaRPr lang="en-US"/>
@@ -18128,67 +18105,67 @@
           <a:p>
             <a:pPr lvl="0"/>
             <a:r>
-              <a:rPr lang="ja-JP" altLang="en-US" smtClean="0"/>
+              <a:rPr lang="ja-JP" altLang="en-US"/>
               <a:t>マスター テキストの書式設定</a:t>
             </a:r>
           </a:p>
           <a:p>
             <a:pPr lvl="1"/>
             <a:r>
-              <a:rPr lang="ja-JP" altLang="en-US" smtClean="0"/>
+              <a:rPr lang="ja-JP" altLang="en-US"/>
               <a:t>第 </a:t>
             </a:r>
             <a:r>
-              <a:rPr lang="en-US" altLang="ja-JP" smtClean="0"/>
+              <a:rPr lang="en-US" altLang="ja-JP"/>
               <a:t>2 </a:t>
             </a:r>
             <a:r>
-              <a:rPr lang="ja-JP" altLang="en-US" smtClean="0"/>
+              <a:rPr lang="ja-JP" altLang="en-US"/>
               <a:t>レベル</a:t>
             </a:r>
           </a:p>
           <a:p>
             <a:pPr lvl="2"/>
             <a:r>
-              <a:rPr lang="ja-JP" altLang="en-US" smtClean="0"/>
+              <a:rPr lang="ja-JP" altLang="en-US"/>
               <a:t>第 </a:t>
             </a:r>
             <a:r>
-              <a:rPr lang="en-US" altLang="ja-JP" smtClean="0"/>
+              <a:rPr lang="en-US" altLang="ja-JP"/>
               <a:t>3 </a:t>
             </a:r>
             <a:r>
-              <a:rPr lang="ja-JP" altLang="en-US" smtClean="0"/>
+              <a:rPr lang="ja-JP" altLang="en-US"/>
               <a:t>レベル</a:t>
             </a:r>
           </a:p>
           <a:p>
             <a:pPr lvl="3"/>
             <a:r>
-              <a:rPr lang="ja-JP" altLang="en-US" smtClean="0"/>
+              <a:rPr lang="ja-JP" altLang="en-US"/>
               <a:t>第 </a:t>
             </a:r>
             <a:r>
-              <a:rPr lang="en-US" altLang="ja-JP" smtClean="0"/>
+              <a:rPr lang="en-US" altLang="ja-JP"/>
               <a:t>4 </a:t>
             </a:r>
             <a:r>
-              <a:rPr lang="ja-JP" altLang="en-US" smtClean="0"/>
+              <a:rPr lang="ja-JP" altLang="en-US"/>
               <a:t>レベル</a:t>
             </a:r>
           </a:p>
           <a:p>
             <a:pPr lvl="4"/>
             <a:r>
-              <a:rPr lang="ja-JP" altLang="en-US" smtClean="0"/>
+              <a:rPr lang="ja-JP" altLang="en-US"/>
               <a:t>第 </a:t>
             </a:r>
             <a:r>
-              <a:rPr lang="en-US" altLang="ja-JP" smtClean="0"/>
+              <a:rPr lang="en-US" altLang="ja-JP"/>
               <a:t>5 </a:t>
             </a:r>
             <a:r>
-              <a:rPr lang="ja-JP" altLang="en-US" smtClean="0"/>
+              <a:rPr lang="ja-JP" altLang="en-US"/>
               <a:t>レベル</a:t>
             </a:r>
             <a:endParaRPr lang="en-US"/>
@@ -18233,67 +18210,67 @@
           <a:p>
             <a:pPr lvl="0"/>
             <a:r>
-              <a:rPr lang="ja-JP" altLang="en-US" smtClean="0"/>
+              <a:rPr lang="ja-JP" altLang="en-US"/>
               <a:t>マスター テキストの書式設定</a:t>
             </a:r>
           </a:p>
           <a:p>
             <a:pPr lvl="1"/>
             <a:r>
-              <a:rPr lang="ja-JP" altLang="en-US" smtClean="0"/>
+              <a:rPr lang="ja-JP" altLang="en-US"/>
               <a:t>第 </a:t>
             </a:r>
             <a:r>
-              <a:rPr lang="en-US" altLang="ja-JP" smtClean="0"/>
+              <a:rPr lang="en-US" altLang="ja-JP"/>
               <a:t>2 </a:t>
             </a:r>
             <a:r>
-              <a:rPr lang="ja-JP" altLang="en-US" smtClean="0"/>
+              <a:rPr lang="ja-JP" altLang="en-US"/>
               <a:t>レベル</a:t>
             </a:r>
           </a:p>
           <a:p>
             <a:pPr lvl="2"/>
             <a:r>
-              <a:rPr lang="ja-JP" altLang="en-US" smtClean="0"/>
+              <a:rPr lang="ja-JP" altLang="en-US"/>
               <a:t>第 </a:t>
             </a:r>
             <a:r>
-              <a:rPr lang="en-US" altLang="ja-JP" smtClean="0"/>
+              <a:rPr lang="en-US" altLang="ja-JP"/>
               <a:t>3 </a:t>
             </a:r>
             <a:r>
-              <a:rPr lang="ja-JP" altLang="en-US" smtClean="0"/>
+              <a:rPr lang="ja-JP" altLang="en-US"/>
               <a:t>レベル</a:t>
             </a:r>
           </a:p>
           <a:p>
             <a:pPr lvl="3"/>
             <a:r>
-              <a:rPr lang="ja-JP" altLang="en-US" smtClean="0"/>
+              <a:rPr lang="ja-JP" altLang="en-US"/>
               <a:t>第 </a:t>
             </a:r>
             <a:r>
-              <a:rPr lang="en-US" altLang="ja-JP" smtClean="0"/>
+              <a:rPr lang="en-US" altLang="ja-JP"/>
               <a:t>4 </a:t>
             </a:r>
             <a:r>
-              <a:rPr lang="ja-JP" altLang="en-US" smtClean="0"/>
+              <a:rPr lang="ja-JP" altLang="en-US"/>
               <a:t>レベル</a:t>
             </a:r>
           </a:p>
           <a:p>
             <a:pPr lvl="4"/>
             <a:r>
-              <a:rPr lang="ja-JP" altLang="en-US" smtClean="0"/>
+              <a:rPr lang="ja-JP" altLang="en-US"/>
               <a:t>第 </a:t>
             </a:r>
             <a:r>
-              <a:rPr lang="en-US" altLang="ja-JP" smtClean="0"/>
+              <a:rPr lang="en-US" altLang="ja-JP"/>
               <a:t>5 </a:t>
             </a:r>
             <a:r>
-              <a:rPr lang="ja-JP" altLang="en-US" smtClean="0"/>
+              <a:rPr lang="ja-JP" altLang="en-US"/>
               <a:t>レベル</a:t>
             </a:r>
             <a:endParaRPr lang="en-US"/>
@@ -18322,7 +18299,7 @@
             <a:fld id="{77D936A4-5FC9-794D-B185-DAF41BBC2E73}" type="datetimeFigureOut">
               <a:rPr lang="en-US" altLang="ja-JP"/>
               <a:pPr/>
-              <a:t>2016/02/07</a:t>
+              <a:t>8/21/2016</a:t>
             </a:fld>
             <a:endParaRPr lang="en-US" altLang="ja-JP"/>
           </a:p>
@@ -18434,7 +18411,7 @@
           </a:lstStyle>
           <a:p>
             <a:r>
-              <a:rPr lang="ja-JP" altLang="en-US" smtClean="0"/>
+              <a:rPr lang="ja-JP" altLang="en-US"/>
               <a:t>マスター タイトルの書式設定</a:t>
             </a:r>
             <a:endParaRPr lang="en-US"/>
@@ -18503,7 +18480,7 @@
           <a:p>
             <a:pPr lvl="0"/>
             <a:r>
-              <a:rPr lang="ja-JP" altLang="en-US" smtClean="0"/>
+              <a:rPr lang="ja-JP" altLang="en-US"/>
               <a:t>マスター テキストの書式設定</a:t>
             </a:r>
           </a:p>
@@ -18571,7 +18548,7 @@
           <a:p>
             <a:pPr lvl="0"/>
             <a:r>
-              <a:rPr lang="ja-JP" altLang="en-US" smtClean="0"/>
+              <a:rPr lang="ja-JP" altLang="en-US"/>
               <a:t>マスター テキストの書式設定</a:t>
             </a:r>
           </a:p>
@@ -18615,67 +18592,67 @@
           <a:p>
             <a:pPr lvl="0"/>
             <a:r>
-              <a:rPr lang="ja-JP" altLang="en-US" smtClean="0"/>
+              <a:rPr lang="ja-JP" altLang="en-US"/>
               <a:t>マスター テキストの書式設定</a:t>
             </a:r>
           </a:p>
           <a:p>
             <a:pPr lvl="1"/>
             <a:r>
-              <a:rPr lang="ja-JP" altLang="en-US" smtClean="0"/>
+              <a:rPr lang="ja-JP" altLang="en-US"/>
               <a:t>第 </a:t>
             </a:r>
             <a:r>
-              <a:rPr lang="en-US" altLang="ja-JP" smtClean="0"/>
+              <a:rPr lang="en-US" altLang="ja-JP"/>
               <a:t>2 </a:t>
             </a:r>
             <a:r>
-              <a:rPr lang="ja-JP" altLang="en-US" smtClean="0"/>
+              <a:rPr lang="ja-JP" altLang="en-US"/>
               <a:t>レベル</a:t>
             </a:r>
           </a:p>
           <a:p>
             <a:pPr lvl="2"/>
             <a:r>
-              <a:rPr lang="ja-JP" altLang="en-US" smtClean="0"/>
+              <a:rPr lang="ja-JP" altLang="en-US"/>
               <a:t>第 </a:t>
             </a:r>
             <a:r>
-              <a:rPr lang="en-US" altLang="ja-JP" smtClean="0"/>
+              <a:rPr lang="en-US" altLang="ja-JP"/>
               <a:t>3 </a:t>
             </a:r>
             <a:r>
-              <a:rPr lang="ja-JP" altLang="en-US" smtClean="0"/>
+              <a:rPr lang="ja-JP" altLang="en-US"/>
               <a:t>レベル</a:t>
             </a:r>
           </a:p>
           <a:p>
             <a:pPr lvl="3"/>
             <a:r>
-              <a:rPr lang="ja-JP" altLang="en-US" smtClean="0"/>
+              <a:rPr lang="ja-JP" altLang="en-US"/>
               <a:t>第 </a:t>
             </a:r>
             <a:r>
-              <a:rPr lang="en-US" altLang="ja-JP" smtClean="0"/>
+              <a:rPr lang="en-US" altLang="ja-JP"/>
               <a:t>4 </a:t>
             </a:r>
             <a:r>
-              <a:rPr lang="ja-JP" altLang="en-US" smtClean="0"/>
+              <a:rPr lang="ja-JP" altLang="en-US"/>
               <a:t>レベル</a:t>
             </a:r>
           </a:p>
           <a:p>
             <a:pPr lvl="4"/>
             <a:r>
-              <a:rPr lang="ja-JP" altLang="en-US" smtClean="0"/>
+              <a:rPr lang="ja-JP" altLang="en-US"/>
               <a:t>第 </a:t>
             </a:r>
             <a:r>
-              <a:rPr lang="en-US" altLang="ja-JP" smtClean="0"/>
+              <a:rPr lang="en-US" altLang="ja-JP"/>
               <a:t>5 </a:t>
             </a:r>
             <a:r>
-              <a:rPr lang="ja-JP" altLang="en-US" smtClean="0"/>
+              <a:rPr lang="ja-JP" altLang="en-US"/>
               <a:t>レベル</a:t>
             </a:r>
             <a:endParaRPr lang="en-US"/>
@@ -18720,67 +18697,67 @@
           <a:p>
             <a:pPr lvl="0"/>
             <a:r>
-              <a:rPr lang="ja-JP" altLang="en-US" smtClean="0"/>
+              <a:rPr lang="ja-JP" altLang="en-US"/>
               <a:t>マスター テキストの書式設定</a:t>
             </a:r>
           </a:p>
           <a:p>
             <a:pPr lvl="1"/>
             <a:r>
-              <a:rPr lang="ja-JP" altLang="en-US" smtClean="0"/>
+              <a:rPr lang="ja-JP" altLang="en-US"/>
               <a:t>第 </a:t>
             </a:r>
             <a:r>
-              <a:rPr lang="en-US" altLang="ja-JP" smtClean="0"/>
+              <a:rPr lang="en-US" altLang="ja-JP"/>
               <a:t>2 </a:t>
             </a:r>
             <a:r>
-              <a:rPr lang="ja-JP" altLang="en-US" smtClean="0"/>
+              <a:rPr lang="ja-JP" altLang="en-US"/>
               <a:t>レベル</a:t>
             </a:r>
           </a:p>
           <a:p>
             <a:pPr lvl="2"/>
             <a:r>
-              <a:rPr lang="ja-JP" altLang="en-US" smtClean="0"/>
+              <a:rPr lang="ja-JP" altLang="en-US"/>
               <a:t>第 </a:t>
             </a:r>
             <a:r>
-              <a:rPr lang="en-US" altLang="ja-JP" smtClean="0"/>
+              <a:rPr lang="en-US" altLang="ja-JP"/>
               <a:t>3 </a:t>
             </a:r>
             <a:r>
-              <a:rPr lang="ja-JP" altLang="en-US" smtClean="0"/>
+              <a:rPr lang="ja-JP" altLang="en-US"/>
               <a:t>レベル</a:t>
             </a:r>
           </a:p>
           <a:p>
             <a:pPr lvl="3"/>
             <a:r>
-              <a:rPr lang="ja-JP" altLang="en-US" smtClean="0"/>
+              <a:rPr lang="ja-JP" altLang="en-US"/>
               <a:t>第 </a:t>
             </a:r>
             <a:r>
-              <a:rPr lang="en-US" altLang="ja-JP" smtClean="0"/>
+              <a:rPr lang="en-US" altLang="ja-JP"/>
               <a:t>4 </a:t>
             </a:r>
             <a:r>
-              <a:rPr lang="ja-JP" altLang="en-US" smtClean="0"/>
+              <a:rPr lang="ja-JP" altLang="en-US"/>
               <a:t>レベル</a:t>
             </a:r>
           </a:p>
           <a:p>
             <a:pPr lvl="4"/>
             <a:r>
-              <a:rPr lang="ja-JP" altLang="en-US" smtClean="0"/>
+              <a:rPr lang="ja-JP" altLang="en-US"/>
               <a:t>第 </a:t>
             </a:r>
             <a:r>
-              <a:rPr lang="en-US" altLang="ja-JP" smtClean="0"/>
+              <a:rPr lang="en-US" altLang="ja-JP"/>
               <a:t>5 </a:t>
             </a:r>
             <a:r>
-              <a:rPr lang="ja-JP" altLang="en-US" smtClean="0"/>
+              <a:rPr lang="ja-JP" altLang="en-US"/>
               <a:t>レベル</a:t>
             </a:r>
             <a:endParaRPr lang="en-US"/>
@@ -18809,7 +18786,7 @@
             <a:fld id="{0C7CF833-519A-754E-8A07-F6D857028B4A}" type="datetimeFigureOut">
               <a:rPr lang="en-US" altLang="ja-JP"/>
               <a:pPr/>
-              <a:t>2016/02/07</a:t>
+              <a:t>8/21/2016</a:t>
             </a:fld>
             <a:endParaRPr lang="en-US" altLang="ja-JP"/>
           </a:p>
@@ -18925,7 +18902,7 @@
           </a:lstStyle>
           <a:p>
             <a:r>
-              <a:rPr lang="ja-JP" altLang="en-US" smtClean="0"/>
+              <a:rPr lang="ja-JP" altLang="en-US"/>
               <a:t>マスター タイトルの書式設定</a:t>
             </a:r>
             <a:endParaRPr lang="en-US"/>
@@ -18959,7 +18936,7 @@
             <a:fld id="{33D08A29-3DEB-F94B-A08B-61DEC61A231C}" type="datetimeFigureOut">
               <a:rPr lang="en-US" altLang="ja-JP"/>
               <a:pPr/>
-              <a:t>2016/02/07</a:t>
+              <a:t>8/21/2016</a:t>
             </a:fld>
             <a:endParaRPr lang="en-US" altLang="ja-JP"/>
           </a:p>
@@ -19068,7 +19045,7 @@
             <a:fld id="{87CA8E3A-0AD8-A144-9728-7C56A6590443}" type="datetimeFigureOut">
               <a:rPr lang="en-US" altLang="ja-JP"/>
               <a:pPr/>
-              <a:t>2016/02/07</a:t>
+              <a:t>8/21/2016</a:t>
             </a:fld>
             <a:endParaRPr lang="en-US" altLang="ja-JP"/>
           </a:p>
@@ -19181,7 +19158,7 @@
           </a:lstStyle>
           <a:p>
             <a:r>
-              <a:rPr lang="ja-JP" altLang="en-US" smtClean="0"/>
+              <a:rPr lang="ja-JP" altLang="en-US"/>
               <a:t>マスター タイトルの書式設定</a:t>
             </a:r>
             <a:endParaRPr lang="en-US"/>
@@ -19231,7 +19208,7 @@
           <a:p>
             <a:pPr lvl="0"/>
             <a:r>
-              <a:rPr lang="ja-JP" altLang="en-US" smtClean="0"/>
+              <a:rPr lang="ja-JP" altLang="en-US"/>
               <a:t>マスター テキストの書式設定</a:t>
             </a:r>
           </a:p>
@@ -19275,67 +19252,67 @@
           <a:p>
             <a:pPr lvl="0"/>
             <a:r>
-              <a:rPr lang="ja-JP" altLang="en-US" smtClean="0"/>
+              <a:rPr lang="ja-JP" altLang="en-US"/>
               <a:t>マスター テキストの書式設定</a:t>
             </a:r>
           </a:p>
           <a:p>
             <a:pPr lvl="1"/>
             <a:r>
-              <a:rPr lang="ja-JP" altLang="en-US" smtClean="0"/>
+              <a:rPr lang="ja-JP" altLang="en-US"/>
               <a:t>第 </a:t>
             </a:r>
             <a:r>
-              <a:rPr lang="en-US" altLang="ja-JP" smtClean="0"/>
+              <a:rPr lang="en-US" altLang="ja-JP"/>
               <a:t>2 </a:t>
             </a:r>
             <a:r>
-              <a:rPr lang="ja-JP" altLang="en-US" smtClean="0"/>
+              <a:rPr lang="ja-JP" altLang="en-US"/>
               <a:t>レベル</a:t>
             </a:r>
           </a:p>
           <a:p>
             <a:pPr lvl="2"/>
             <a:r>
-              <a:rPr lang="ja-JP" altLang="en-US" smtClean="0"/>
+              <a:rPr lang="ja-JP" altLang="en-US"/>
               <a:t>第 </a:t>
             </a:r>
             <a:r>
-              <a:rPr lang="en-US" altLang="ja-JP" smtClean="0"/>
+              <a:rPr lang="en-US" altLang="ja-JP"/>
               <a:t>3 </a:t>
             </a:r>
             <a:r>
-              <a:rPr lang="ja-JP" altLang="en-US" smtClean="0"/>
+              <a:rPr lang="ja-JP" altLang="en-US"/>
               <a:t>レベル</a:t>
             </a:r>
           </a:p>
           <a:p>
             <a:pPr lvl="3"/>
             <a:r>
-              <a:rPr lang="ja-JP" altLang="en-US" smtClean="0"/>
+              <a:rPr lang="ja-JP" altLang="en-US"/>
               <a:t>第 </a:t>
             </a:r>
             <a:r>
-              <a:rPr lang="en-US" altLang="ja-JP" smtClean="0"/>
+              <a:rPr lang="en-US" altLang="ja-JP"/>
               <a:t>4 </a:t>
             </a:r>
             <a:r>
-              <a:rPr lang="ja-JP" altLang="en-US" smtClean="0"/>
+              <a:rPr lang="ja-JP" altLang="en-US"/>
               <a:t>レベル</a:t>
             </a:r>
           </a:p>
           <a:p>
             <a:pPr lvl="4"/>
             <a:r>
-              <a:rPr lang="ja-JP" altLang="en-US" smtClean="0"/>
+              <a:rPr lang="ja-JP" altLang="en-US"/>
               <a:t>第 </a:t>
             </a:r>
             <a:r>
-              <a:rPr lang="en-US" altLang="ja-JP" smtClean="0"/>
+              <a:rPr lang="en-US" altLang="ja-JP"/>
               <a:t>5 </a:t>
             </a:r>
             <a:r>
-              <a:rPr lang="ja-JP" altLang="en-US" smtClean="0"/>
+              <a:rPr lang="ja-JP" altLang="en-US"/>
               <a:t>レベル</a:t>
             </a:r>
             <a:endParaRPr lang="en-US"/>
@@ -19364,7 +19341,7 @@
             <a:fld id="{251C2513-CB62-8F48-85C9-351D545A337D}" type="datetimeFigureOut">
               <a:rPr lang="en-US" altLang="ja-JP"/>
               <a:pPr/>
-              <a:t>2016/02/07</a:t>
+              <a:t>8/21/2016</a:t>
             </a:fld>
             <a:endParaRPr lang="en-US" altLang="ja-JP"/>
           </a:p>
@@ -19477,7 +19454,7 @@
           </a:lstStyle>
           <a:p>
             <a:r>
-              <a:rPr lang="ja-JP" altLang="en-US" smtClean="0"/>
+              <a:rPr lang="ja-JP" altLang="en-US"/>
               <a:t>マスター タイトルの書式設定</a:t>
             </a:r>
             <a:endParaRPr lang="en-US"/>
@@ -19541,7 +19518,7 @@
           <a:p>
             <a:pPr lvl="0"/>
             <a:r>
-              <a:rPr lang="ja-JP" altLang="en-US" noProof="0" smtClean="0"/>
+              <a:rPr lang="ja-JP" altLang="en-US" noProof="0"/>
               <a:t>図を追加</a:t>
             </a:r>
             <a:endParaRPr lang="en-US" noProof="0" dirty="0"/>
@@ -19602,7 +19579,7 @@
           <a:p>
             <a:pPr lvl="0"/>
             <a:r>
-              <a:rPr lang="ja-JP" altLang="en-US" smtClean="0"/>
+              <a:rPr lang="ja-JP" altLang="en-US"/>
               <a:t>マスター テキストの書式設定</a:t>
             </a:r>
           </a:p>
@@ -19630,7 +19607,7 @@
             <a:fld id="{E4BB3BA7-12B5-5A40-A947-CC1034455CAE}" type="datetimeFigureOut">
               <a:rPr lang="en-US" altLang="ja-JP"/>
               <a:pPr/>
-              <a:t>2016/02/07</a:t>
+              <a:t>8/21/2016</a:t>
             </a:fld>
             <a:endParaRPr lang="en-US" altLang="ja-JP"/>
           </a:p>
@@ -19733,7 +19710,7 @@
           <a:lstStyle/>
           <a:p>
             <a:r>
-              <a:rPr lang="ja-JP" altLang="en-US" smtClean="0"/>
+              <a:rPr lang="ja-JP" altLang="en-US"/>
               <a:t>マスター タイトルの書式設定</a:t>
             </a:r>
             <a:endParaRPr lang="en-US"/>
@@ -19757,67 +19734,67 @@
           <a:p>
             <a:pPr lvl="0"/>
             <a:r>
-              <a:rPr lang="ja-JP" altLang="en-US" smtClean="0"/>
+              <a:rPr lang="ja-JP" altLang="en-US"/>
               <a:t>マスター テキストの書式設定</a:t>
             </a:r>
           </a:p>
           <a:p>
             <a:pPr lvl="1"/>
             <a:r>
-              <a:rPr lang="ja-JP" altLang="en-US" smtClean="0"/>
+              <a:rPr lang="ja-JP" altLang="en-US"/>
               <a:t>第 </a:t>
             </a:r>
             <a:r>
-              <a:rPr lang="en-US" altLang="ja-JP" smtClean="0"/>
+              <a:rPr lang="en-US" altLang="ja-JP"/>
               <a:t>2 </a:t>
             </a:r>
             <a:r>
-              <a:rPr lang="ja-JP" altLang="en-US" smtClean="0"/>
+              <a:rPr lang="ja-JP" altLang="en-US"/>
               <a:t>レベル</a:t>
             </a:r>
           </a:p>
           <a:p>
             <a:pPr lvl="2"/>
             <a:r>
-              <a:rPr lang="ja-JP" altLang="en-US" smtClean="0"/>
+              <a:rPr lang="ja-JP" altLang="en-US"/>
               <a:t>第 </a:t>
             </a:r>
             <a:r>
-              <a:rPr lang="en-US" altLang="ja-JP" smtClean="0"/>
+              <a:rPr lang="en-US" altLang="ja-JP"/>
               <a:t>3 </a:t>
             </a:r>
             <a:r>
-              <a:rPr lang="ja-JP" altLang="en-US" smtClean="0"/>
+              <a:rPr lang="ja-JP" altLang="en-US"/>
               <a:t>レベル</a:t>
             </a:r>
           </a:p>
           <a:p>
             <a:pPr lvl="3"/>
             <a:r>
-              <a:rPr lang="ja-JP" altLang="en-US" smtClean="0"/>
+              <a:rPr lang="ja-JP" altLang="en-US"/>
               <a:t>第 </a:t>
             </a:r>
             <a:r>
-              <a:rPr lang="en-US" altLang="ja-JP" smtClean="0"/>
+              <a:rPr lang="en-US" altLang="ja-JP"/>
               <a:t>4 </a:t>
             </a:r>
             <a:r>
-              <a:rPr lang="ja-JP" altLang="en-US" smtClean="0"/>
+              <a:rPr lang="ja-JP" altLang="en-US"/>
               <a:t>レベル</a:t>
             </a:r>
           </a:p>
           <a:p>
             <a:pPr lvl="4"/>
             <a:r>
-              <a:rPr lang="ja-JP" altLang="en-US" smtClean="0"/>
+              <a:rPr lang="ja-JP" altLang="en-US"/>
               <a:t>第 </a:t>
             </a:r>
             <a:r>
-              <a:rPr lang="en-US" altLang="ja-JP" smtClean="0"/>
+              <a:rPr lang="en-US" altLang="ja-JP"/>
               <a:t>5 </a:t>
             </a:r>
             <a:r>
-              <a:rPr lang="ja-JP" altLang="en-US" smtClean="0"/>
+              <a:rPr lang="ja-JP" altLang="en-US"/>
               <a:t>レベル</a:t>
             </a:r>
             <a:endParaRPr lang="en-US"/>
@@ -19846,7 +19823,7 @@
             <a:fld id="{D3D05717-20E4-7C4B-9F0D-B847AFB15006}" type="datetimeFigureOut">
               <a:rPr lang="en-US" altLang="ja-JP"/>
               <a:pPr/>
-              <a:t>2016/02/07</a:t>
+              <a:t>8/21/2016</a:t>
             </a:fld>
             <a:endParaRPr lang="en-US" altLang="ja-JP"/>
           </a:p>
@@ -19954,7 +19931,7 @@
           <a:lstStyle/>
           <a:p>
             <a:r>
-              <a:rPr lang="ja-JP" altLang="en-US" smtClean="0"/>
+              <a:rPr lang="ja-JP" altLang="en-US"/>
               <a:t>マスター タイトルの書式設定</a:t>
             </a:r>
             <a:endParaRPr lang="en-US"/>
@@ -19983,67 +19960,67 @@
           <a:p>
             <a:pPr lvl="0"/>
             <a:r>
-              <a:rPr lang="ja-JP" altLang="en-US" smtClean="0"/>
+              <a:rPr lang="ja-JP" altLang="en-US"/>
               <a:t>マスター テキストの書式設定</a:t>
             </a:r>
           </a:p>
           <a:p>
             <a:pPr lvl="1"/>
             <a:r>
-              <a:rPr lang="ja-JP" altLang="en-US" smtClean="0"/>
+              <a:rPr lang="ja-JP" altLang="en-US"/>
               <a:t>第 </a:t>
             </a:r>
             <a:r>
-              <a:rPr lang="en-US" altLang="ja-JP" smtClean="0"/>
+              <a:rPr lang="en-US" altLang="ja-JP"/>
               <a:t>2 </a:t>
             </a:r>
             <a:r>
-              <a:rPr lang="ja-JP" altLang="en-US" smtClean="0"/>
+              <a:rPr lang="ja-JP" altLang="en-US"/>
               <a:t>レベル</a:t>
             </a:r>
           </a:p>
           <a:p>
             <a:pPr lvl="2"/>
             <a:r>
-              <a:rPr lang="ja-JP" altLang="en-US" smtClean="0"/>
+              <a:rPr lang="ja-JP" altLang="en-US"/>
               <a:t>第 </a:t>
             </a:r>
             <a:r>
-              <a:rPr lang="en-US" altLang="ja-JP" smtClean="0"/>
+              <a:rPr lang="en-US" altLang="ja-JP"/>
               <a:t>3 </a:t>
             </a:r>
             <a:r>
-              <a:rPr lang="ja-JP" altLang="en-US" smtClean="0"/>
+              <a:rPr lang="ja-JP" altLang="en-US"/>
               <a:t>レベル</a:t>
             </a:r>
           </a:p>
           <a:p>
             <a:pPr lvl="3"/>
             <a:r>
-              <a:rPr lang="ja-JP" altLang="en-US" smtClean="0"/>
+              <a:rPr lang="ja-JP" altLang="en-US"/>
               <a:t>第 </a:t>
             </a:r>
             <a:r>
-              <a:rPr lang="en-US" altLang="ja-JP" smtClean="0"/>
+              <a:rPr lang="en-US" altLang="ja-JP"/>
               <a:t>4 </a:t>
             </a:r>
             <a:r>
-              <a:rPr lang="ja-JP" altLang="en-US" smtClean="0"/>
+              <a:rPr lang="ja-JP" altLang="en-US"/>
               <a:t>レベル</a:t>
             </a:r>
           </a:p>
           <a:p>
             <a:pPr lvl="4"/>
             <a:r>
-              <a:rPr lang="ja-JP" altLang="en-US" smtClean="0"/>
+              <a:rPr lang="ja-JP" altLang="en-US"/>
               <a:t>第 </a:t>
             </a:r>
             <a:r>
-              <a:rPr lang="en-US" altLang="ja-JP" smtClean="0"/>
+              <a:rPr lang="en-US" altLang="ja-JP"/>
               <a:t>5 </a:t>
             </a:r>
             <a:r>
-              <a:rPr lang="ja-JP" altLang="en-US" smtClean="0"/>
+              <a:rPr lang="ja-JP" altLang="en-US"/>
               <a:t>レベル</a:t>
             </a:r>
             <a:endParaRPr lang="en-US"/>
@@ -20072,7 +20049,7 @@
             <a:fld id="{6DEBCE45-F9F8-0348-9EE6-3C2D15D50220}" type="datetimeFigureOut">
               <a:rPr lang="en-US" altLang="ja-JP"/>
               <a:pPr/>
-              <a:t>2016/02/07</a:t>
+              <a:t>8/21/2016</a:t>
             </a:fld>
             <a:endParaRPr lang="en-US" altLang="ja-JP"/>
           </a:p>
@@ -20186,7 +20163,7 @@
           </a:lstStyle>
           <a:p>
             <a:r>
-              <a:rPr lang="ja-JP" altLang="en-US" smtClean="0"/>
+              <a:rPr lang="ja-JP" altLang="en-US"/>
               <a:t>マスター タイトルの書式設定</a:t>
             </a:r>
             <a:endParaRPr lang="en-US" dirty="0"/>
@@ -20243,67 +20220,67 @@
           <a:p>
             <a:pPr lvl="0"/>
             <a:r>
-              <a:rPr lang="ja-JP" altLang="en-US" smtClean="0"/>
+              <a:rPr lang="ja-JP" altLang="en-US"/>
               <a:t>マスター テキストの書式設定</a:t>
             </a:r>
           </a:p>
           <a:p>
             <a:pPr lvl="1"/>
             <a:r>
-              <a:rPr lang="ja-JP" altLang="en-US" smtClean="0"/>
+              <a:rPr lang="ja-JP" altLang="en-US"/>
               <a:t>第 </a:t>
             </a:r>
             <a:r>
-              <a:rPr lang="en-US" altLang="ja-JP" smtClean="0"/>
+              <a:rPr lang="en-US" altLang="ja-JP"/>
               <a:t>2 </a:t>
             </a:r>
             <a:r>
-              <a:rPr lang="ja-JP" altLang="en-US" smtClean="0"/>
+              <a:rPr lang="ja-JP" altLang="en-US"/>
               <a:t>レベル</a:t>
             </a:r>
           </a:p>
           <a:p>
             <a:pPr lvl="2"/>
             <a:r>
-              <a:rPr lang="ja-JP" altLang="en-US" smtClean="0"/>
+              <a:rPr lang="ja-JP" altLang="en-US"/>
               <a:t>第 </a:t>
             </a:r>
             <a:r>
-              <a:rPr lang="en-US" altLang="ja-JP" smtClean="0"/>
+              <a:rPr lang="en-US" altLang="ja-JP"/>
               <a:t>3 </a:t>
             </a:r>
             <a:r>
-              <a:rPr lang="ja-JP" altLang="en-US" smtClean="0"/>
+              <a:rPr lang="ja-JP" altLang="en-US"/>
               <a:t>レベル</a:t>
             </a:r>
           </a:p>
           <a:p>
             <a:pPr lvl="3"/>
             <a:r>
-              <a:rPr lang="ja-JP" altLang="en-US" smtClean="0"/>
+              <a:rPr lang="ja-JP" altLang="en-US"/>
               <a:t>第 </a:t>
             </a:r>
             <a:r>
-              <a:rPr lang="en-US" altLang="ja-JP" smtClean="0"/>
+              <a:rPr lang="en-US" altLang="ja-JP"/>
               <a:t>4 </a:t>
             </a:r>
             <a:r>
-              <a:rPr lang="ja-JP" altLang="en-US" smtClean="0"/>
+              <a:rPr lang="ja-JP" altLang="en-US"/>
               <a:t>レベル</a:t>
             </a:r>
           </a:p>
           <a:p>
             <a:pPr lvl="4"/>
             <a:r>
-              <a:rPr lang="ja-JP" altLang="en-US" smtClean="0"/>
+              <a:rPr lang="ja-JP" altLang="en-US"/>
               <a:t>第 </a:t>
             </a:r>
             <a:r>
-              <a:rPr lang="en-US" altLang="ja-JP" smtClean="0"/>
+              <a:rPr lang="en-US" altLang="ja-JP"/>
               <a:t>5 </a:t>
             </a:r>
             <a:r>
-              <a:rPr lang="ja-JP" altLang="en-US" smtClean="0"/>
+              <a:rPr lang="ja-JP" altLang="en-US"/>
               <a:t>レベル</a:t>
             </a:r>
             <a:endParaRPr lang="en-US" dirty="0"/>
@@ -20374,7 +20351,7 @@
           <a:p>
             <a:pPr lvl="0"/>
             <a:r>
-              <a:rPr lang="ja-JP" altLang="en-US" smtClean="0"/>
+              <a:rPr lang="ja-JP" altLang="en-US"/>
               <a:t>マスター テキストの書式設定</a:t>
             </a:r>
           </a:p>
@@ -20397,7 +20374,7 @@
           <a:p>
             <a:fld id="{71C17F22-100E-4B98-95D7-0BBC98EE3737}" type="datetimeFigureOut">
               <a:rPr kumimoji="1" lang="ja-JP" altLang="en-US" smtClean="0"/>
-              <a:t>2016/02/07</a:t>
+              <a:t>2016/8/21</a:t>
             </a:fld>
             <a:endParaRPr kumimoji="1" lang="ja-JP" altLang="en-US"/>
           </a:p>
@@ -20502,7 +20479,7 @@
           </a:lstStyle>
           <a:p>
             <a:r>
-              <a:rPr lang="ja-JP" altLang="en-US" smtClean="0"/>
+              <a:rPr lang="ja-JP" altLang="en-US"/>
               <a:t>マスター タイトルの書式設定</a:t>
             </a:r>
             <a:endParaRPr lang="en-US" dirty="0"/>
@@ -20567,7 +20544,7 @@
           </a:lstStyle>
           <a:p>
             <a:r>
-              <a:rPr lang="ja-JP" altLang="en-US" smtClean="0"/>
+              <a:rPr lang="ja-JP" altLang="en-US"/>
               <a:t>図を追加</a:t>
             </a:r>
             <a:endParaRPr lang="en-US" dirty="0"/>
@@ -20638,7 +20615,7 @@
           <a:p>
             <a:pPr lvl="0"/>
             <a:r>
-              <a:rPr lang="ja-JP" altLang="en-US" smtClean="0"/>
+              <a:rPr lang="ja-JP" altLang="en-US"/>
               <a:t>マスター テキストの書式設定</a:t>
             </a:r>
           </a:p>
@@ -20661,7 +20638,7 @@
           <a:p>
             <a:fld id="{71C17F22-100E-4B98-95D7-0BBC98EE3737}" type="datetimeFigureOut">
               <a:rPr kumimoji="1" lang="ja-JP" altLang="en-US" smtClean="0"/>
-              <a:t>2016/02/07</a:t>
+              <a:t>2016/8/21</a:t>
             </a:fld>
             <a:endParaRPr kumimoji="1" lang="ja-JP" altLang="en-US"/>
           </a:p>
@@ -20770,7 +20747,7 @@
           <a:lstStyle/>
           <a:p>
             <a:r>
-              <a:rPr lang="ja-JP" altLang="en-US" smtClean="0"/>
+              <a:rPr lang="ja-JP" altLang="en-US"/>
               <a:t>マスター タイトルの書式設定</a:t>
             </a:r>
             <a:endParaRPr lang="en-US" dirty="0"/>
@@ -20804,67 +20781,67 @@
           <a:p>
             <a:pPr lvl="0"/>
             <a:r>
-              <a:rPr lang="ja-JP" altLang="en-US" smtClean="0"/>
+              <a:rPr lang="ja-JP" altLang="en-US"/>
               <a:t>マスター テキストの書式設定</a:t>
             </a:r>
           </a:p>
           <a:p>
             <a:pPr lvl="1"/>
             <a:r>
-              <a:rPr lang="ja-JP" altLang="en-US" smtClean="0"/>
+              <a:rPr lang="ja-JP" altLang="en-US"/>
               <a:t>第 </a:t>
             </a:r>
             <a:r>
-              <a:rPr lang="en-US" altLang="ja-JP" smtClean="0"/>
+              <a:rPr lang="en-US" altLang="ja-JP"/>
               <a:t>2 </a:t>
             </a:r>
             <a:r>
-              <a:rPr lang="ja-JP" altLang="en-US" smtClean="0"/>
+              <a:rPr lang="ja-JP" altLang="en-US"/>
               <a:t>レベル</a:t>
             </a:r>
           </a:p>
           <a:p>
             <a:pPr lvl="2"/>
             <a:r>
-              <a:rPr lang="ja-JP" altLang="en-US" smtClean="0"/>
+              <a:rPr lang="ja-JP" altLang="en-US"/>
               <a:t>第 </a:t>
             </a:r>
             <a:r>
-              <a:rPr lang="en-US" altLang="ja-JP" smtClean="0"/>
+              <a:rPr lang="en-US" altLang="ja-JP"/>
               <a:t>3 </a:t>
             </a:r>
             <a:r>
-              <a:rPr lang="ja-JP" altLang="en-US" smtClean="0"/>
+              <a:rPr lang="ja-JP" altLang="en-US"/>
               <a:t>レベル</a:t>
             </a:r>
           </a:p>
           <a:p>
             <a:pPr lvl="3"/>
             <a:r>
-              <a:rPr lang="ja-JP" altLang="en-US" smtClean="0"/>
+              <a:rPr lang="ja-JP" altLang="en-US"/>
               <a:t>第 </a:t>
             </a:r>
             <a:r>
-              <a:rPr lang="en-US" altLang="ja-JP" smtClean="0"/>
+              <a:rPr lang="en-US" altLang="ja-JP"/>
               <a:t>4 </a:t>
             </a:r>
             <a:r>
-              <a:rPr lang="ja-JP" altLang="en-US" smtClean="0"/>
+              <a:rPr lang="ja-JP" altLang="en-US"/>
               <a:t>レベル</a:t>
             </a:r>
           </a:p>
           <a:p>
             <a:pPr lvl="4"/>
             <a:r>
-              <a:rPr lang="ja-JP" altLang="en-US" smtClean="0"/>
+              <a:rPr lang="ja-JP" altLang="en-US"/>
               <a:t>第 </a:t>
             </a:r>
             <a:r>
-              <a:rPr lang="en-US" altLang="ja-JP" smtClean="0"/>
+              <a:rPr lang="en-US" altLang="ja-JP"/>
               <a:t>5 </a:t>
             </a:r>
             <a:r>
-              <a:rPr lang="ja-JP" altLang="en-US" smtClean="0"/>
+              <a:rPr lang="ja-JP" altLang="en-US"/>
               <a:t>レベル</a:t>
             </a:r>
             <a:endParaRPr lang="en-US" dirty="0"/>
@@ -20907,7 +20884,7 @@
           <a:p>
             <a:fld id="{71C17F22-100E-4B98-95D7-0BBC98EE3737}" type="datetimeFigureOut">
               <a:rPr kumimoji="1" lang="ja-JP" altLang="en-US" smtClean="0"/>
-              <a:t>2016/02/07</a:t>
+              <a:t>2016/8/21</a:t>
             </a:fld>
             <a:endParaRPr kumimoji="1" lang="ja-JP" altLang="en-US"/>
           </a:p>
@@ -21332,7 +21309,7 @@
           <a:lstStyle/>
           <a:p>
             <a:r>
-              <a:rPr lang="ja-JP" altLang="en-US" smtClean="0"/>
+              <a:rPr lang="ja-JP" altLang="en-US"/>
               <a:t>マスター タイトルの書式設定</a:t>
             </a:r>
             <a:endParaRPr lang="en-US" dirty="0"/>
@@ -21366,67 +21343,67 @@
           <a:p>
             <a:pPr lvl="0"/>
             <a:r>
-              <a:rPr lang="ja-JP" altLang="en-US" smtClean="0"/>
+              <a:rPr lang="ja-JP" altLang="en-US"/>
               <a:t>マスター テキストの書式設定</a:t>
             </a:r>
           </a:p>
           <a:p>
             <a:pPr lvl="1"/>
             <a:r>
-              <a:rPr lang="ja-JP" altLang="en-US" smtClean="0"/>
+              <a:rPr lang="ja-JP" altLang="en-US"/>
               <a:t>第 </a:t>
             </a:r>
             <a:r>
-              <a:rPr lang="en-US" altLang="ja-JP" smtClean="0"/>
+              <a:rPr lang="en-US" altLang="ja-JP"/>
               <a:t>2 </a:t>
             </a:r>
             <a:r>
-              <a:rPr lang="ja-JP" altLang="en-US" smtClean="0"/>
+              <a:rPr lang="ja-JP" altLang="en-US"/>
               <a:t>レベル</a:t>
             </a:r>
           </a:p>
           <a:p>
             <a:pPr lvl="2"/>
             <a:r>
-              <a:rPr lang="ja-JP" altLang="en-US" smtClean="0"/>
+              <a:rPr lang="ja-JP" altLang="en-US"/>
               <a:t>第 </a:t>
             </a:r>
             <a:r>
-              <a:rPr lang="en-US" altLang="ja-JP" smtClean="0"/>
+              <a:rPr lang="en-US" altLang="ja-JP"/>
               <a:t>3 </a:t>
             </a:r>
             <a:r>
-              <a:rPr lang="ja-JP" altLang="en-US" smtClean="0"/>
+              <a:rPr lang="ja-JP" altLang="en-US"/>
               <a:t>レベル</a:t>
             </a:r>
           </a:p>
           <a:p>
             <a:pPr lvl="3"/>
             <a:r>
-              <a:rPr lang="ja-JP" altLang="en-US" smtClean="0"/>
+              <a:rPr lang="ja-JP" altLang="en-US"/>
               <a:t>第 </a:t>
             </a:r>
             <a:r>
-              <a:rPr lang="en-US" altLang="ja-JP" smtClean="0"/>
+              <a:rPr lang="en-US" altLang="ja-JP"/>
               <a:t>4 </a:t>
             </a:r>
             <a:r>
-              <a:rPr lang="ja-JP" altLang="en-US" smtClean="0"/>
+              <a:rPr lang="ja-JP" altLang="en-US"/>
               <a:t>レベル</a:t>
             </a:r>
           </a:p>
           <a:p>
             <a:pPr lvl="4"/>
             <a:r>
-              <a:rPr lang="ja-JP" altLang="en-US" smtClean="0"/>
+              <a:rPr lang="ja-JP" altLang="en-US"/>
               <a:t>第 </a:t>
             </a:r>
             <a:r>
-              <a:rPr lang="en-US" altLang="ja-JP" smtClean="0"/>
+              <a:rPr lang="en-US" altLang="ja-JP"/>
               <a:t>5 </a:t>
             </a:r>
             <a:r>
-              <a:rPr lang="ja-JP" altLang="en-US" smtClean="0"/>
+              <a:rPr lang="ja-JP" altLang="en-US"/>
               <a:t>レベル</a:t>
             </a:r>
             <a:endParaRPr lang="en-US" dirty="0"/>
@@ -21469,7 +21446,7 @@
           <a:p>
             <a:fld id="{71C17F22-100E-4B98-95D7-0BBC98EE3737}" type="datetimeFigureOut">
               <a:rPr kumimoji="1" lang="ja-JP" altLang="en-US" smtClean="0"/>
-              <a:t>2016/02/07</a:t>
+              <a:t>2016/8/21</a:t>
             </a:fld>
             <a:endParaRPr kumimoji="1" lang="ja-JP" altLang="en-US"/>
           </a:p>
@@ -21894,7 +21871,7 @@
           <a:lstStyle/>
           <a:p>
             <a:r>
-              <a:rPr lang="ja-JP" altLang="en-US" smtClean="0"/>
+              <a:rPr lang="ja-JP" altLang="en-US"/>
               <a:t>マスター タイトルの書式設定</a:t>
             </a:r>
             <a:endParaRPr lang="en-US" dirty="0"/>
@@ -21928,67 +21905,67 @@
           <a:p>
             <a:pPr lvl="0"/>
             <a:r>
-              <a:rPr lang="ja-JP" altLang="en-US" smtClean="0"/>
+              <a:rPr lang="ja-JP" altLang="en-US"/>
               <a:t>マスター テキストの書式設定</a:t>
             </a:r>
           </a:p>
           <a:p>
             <a:pPr lvl="1"/>
             <a:r>
-              <a:rPr lang="ja-JP" altLang="en-US" smtClean="0"/>
+              <a:rPr lang="ja-JP" altLang="en-US"/>
               <a:t>第 </a:t>
             </a:r>
             <a:r>
-              <a:rPr lang="en-US" altLang="ja-JP" smtClean="0"/>
+              <a:rPr lang="en-US" altLang="ja-JP"/>
               <a:t>2 </a:t>
             </a:r>
             <a:r>
-              <a:rPr lang="ja-JP" altLang="en-US" smtClean="0"/>
+              <a:rPr lang="ja-JP" altLang="en-US"/>
               <a:t>レベル</a:t>
             </a:r>
           </a:p>
           <a:p>
             <a:pPr lvl="2"/>
             <a:r>
-              <a:rPr lang="ja-JP" altLang="en-US" smtClean="0"/>
+              <a:rPr lang="ja-JP" altLang="en-US"/>
               <a:t>第 </a:t>
             </a:r>
             <a:r>
-              <a:rPr lang="en-US" altLang="ja-JP" smtClean="0"/>
+              <a:rPr lang="en-US" altLang="ja-JP"/>
               <a:t>3 </a:t>
             </a:r>
             <a:r>
-              <a:rPr lang="ja-JP" altLang="en-US" smtClean="0"/>
+              <a:rPr lang="ja-JP" altLang="en-US"/>
               <a:t>レベル</a:t>
             </a:r>
           </a:p>
           <a:p>
             <a:pPr lvl="3"/>
             <a:r>
-              <a:rPr lang="ja-JP" altLang="en-US" smtClean="0"/>
+              <a:rPr lang="ja-JP" altLang="en-US"/>
               <a:t>第 </a:t>
             </a:r>
             <a:r>
-              <a:rPr lang="en-US" altLang="ja-JP" smtClean="0"/>
+              <a:rPr lang="en-US" altLang="ja-JP"/>
               <a:t>4 </a:t>
             </a:r>
             <a:r>
-              <a:rPr lang="ja-JP" altLang="en-US" smtClean="0"/>
+              <a:rPr lang="ja-JP" altLang="en-US"/>
               <a:t>レベル</a:t>
             </a:r>
           </a:p>
           <a:p>
             <a:pPr lvl="4"/>
             <a:r>
-              <a:rPr lang="ja-JP" altLang="en-US" smtClean="0"/>
+              <a:rPr lang="ja-JP" altLang="en-US"/>
               <a:t>第 </a:t>
             </a:r>
             <a:r>
-              <a:rPr lang="en-US" altLang="ja-JP" smtClean="0"/>
+              <a:rPr lang="en-US" altLang="ja-JP"/>
               <a:t>5 </a:t>
             </a:r>
             <a:r>
-              <a:rPr lang="ja-JP" altLang="en-US" smtClean="0"/>
+              <a:rPr lang="ja-JP" altLang="en-US"/>
               <a:t>レベル</a:t>
             </a:r>
             <a:endParaRPr lang="en-US" dirty="0"/>
@@ -22031,7 +22008,7 @@
           <a:p>
             <a:fld id="{71C17F22-100E-4B98-95D7-0BBC98EE3737}" type="datetimeFigureOut">
               <a:rPr kumimoji="1" lang="ja-JP" altLang="en-US" smtClean="0"/>
-              <a:t>2016/02/07</a:t>
+              <a:t>2016/8/21</a:t>
             </a:fld>
             <a:endParaRPr kumimoji="1" lang="ja-JP" altLang="en-US"/>
           </a:p>
@@ -22457,14 +22434,14 @@
           </a:ln>
           <a:extLst>
             <a:ext uri="{909E8E84-426E-40dd-AFC4-6F175D3DCCD1}">
-              <a14:hiddenFill xmlns:a14="http://schemas.microsoft.com/office/drawing/2010/main">
+              <a14:hiddenFill xmlns="" xmlns:a14="http://schemas.microsoft.com/office/drawing/2010/main">
                 <a:solidFill>
                   <a:srgbClr val="FFFFFF"/>
                 </a:solidFill>
               </a14:hiddenFill>
             </a:ext>
             <a:ext uri="{91240B29-F687-4f45-9708-019B960494DF}">
-              <a14:hiddenLine xmlns:a14="http://schemas.microsoft.com/office/drawing/2010/main" w="9525">
+              <a14:hiddenLine xmlns="" xmlns:a14="http://schemas.microsoft.com/office/drawing/2010/main" w="9525">
                 <a:solidFill>
                   <a:srgbClr val="000000"/>
                 </a:solidFill>
@@ -22474,7 +22451,7 @@
               </a14:hiddenLine>
             </a:ext>
             <a:ext uri="{FAA26D3D-D897-4be2-8F04-BA451C77F1D7}">
-              <ma14:placeholderFlag xmlns:ma14="http://schemas.microsoft.com/office/mac/drawingml/2011/main" val="1"/>
+              <ma14:placeholderFlag xmlns="" xmlns:ma14="http://schemas.microsoft.com/office/mac/drawingml/2011/main" val="1"/>
             </a:ext>
           </a:extLst>
         </p:spPr>
@@ -22518,14 +22495,14 @@
           </a:ln>
           <a:extLst>
             <a:ext uri="{909E8E84-426E-40dd-AFC4-6F175D3DCCD1}">
-              <a14:hiddenFill xmlns:a14="http://schemas.microsoft.com/office/drawing/2010/main">
+              <a14:hiddenFill xmlns="" xmlns:a14="http://schemas.microsoft.com/office/drawing/2010/main">
                 <a:solidFill>
                   <a:srgbClr val="FFFFFF"/>
                 </a:solidFill>
               </a14:hiddenFill>
             </a:ext>
             <a:ext uri="{91240B29-F687-4f45-9708-019B960494DF}">
-              <a14:hiddenLine xmlns:a14="http://schemas.microsoft.com/office/drawing/2010/main" w="9525">
+              <a14:hiddenLine xmlns="" xmlns:a14="http://schemas.microsoft.com/office/drawing/2010/main" w="9525">
                 <a:solidFill>
                   <a:srgbClr val="000000"/>
                 </a:solidFill>
@@ -22535,7 +22512,7 @@
               </a14:hiddenLine>
             </a:ext>
             <a:ext uri="{FAA26D3D-D897-4be2-8F04-BA451C77F1D7}">
-              <ma14:placeholderFlag xmlns:ma14="http://schemas.microsoft.com/office/mac/drawingml/2011/main" val="1"/>
+              <ma14:placeholderFlag xmlns="" xmlns:ma14="http://schemas.microsoft.com/office/mac/drawingml/2011/main" val="1"/>
             </a:ext>
           </a:extLst>
         </p:spPr>
@@ -22652,7 +22629,7 @@
           <a:p>
             <a:fld id="{71C17F22-100E-4B98-95D7-0BBC98EE3737}" type="datetimeFigureOut">
               <a:rPr kumimoji="1" lang="ja-JP" altLang="en-US" smtClean="0"/>
-              <a:t>2016/02/07</a:t>
+              <a:t>2016/8/21</a:t>
             </a:fld>
             <a:endParaRPr kumimoji="1" lang="ja-JP" altLang="en-US"/>
           </a:p>
@@ -22761,13 +22738,6 @@
     <p:sldLayoutId id="2147483790" r:id="rId10"/>
     <p:sldLayoutId id="2147483791" r:id="rId11"/>
   </p:sldLayoutIdLst>
-  <p:timing>
-    <p:tnLst>
-      <p:par>
-        <p:cTn xmlns:p14="http://schemas.microsoft.com/office/powerpoint/2010/main" id="1" dur="indefinite" restart="never" nodeType="tmRoot"/>
-      </p:par>
-    </p:tnLst>
-  </p:timing>
   <p:txStyles>
     <p:titleStyle>
       <a:lvl1pPr algn="ctr" rtl="0" eaLnBrk="1" fontAlgn="base" hangingPunct="1">
@@ -23211,14 +23181,14 @@
           </a:ln>
           <a:extLst>
             <a:ext uri="{909E8E84-426E-40dd-AFC4-6F175D3DCCD1}">
-              <a14:hiddenFill xmlns:a14="http://schemas.microsoft.com/office/drawing/2010/main">
+              <a14:hiddenFill xmlns="" xmlns:a14="http://schemas.microsoft.com/office/drawing/2010/main">
                 <a:solidFill>
                   <a:srgbClr val="FFFFFF"/>
                 </a:solidFill>
               </a14:hiddenFill>
             </a:ext>
             <a:ext uri="{91240B29-F687-4f45-9708-019B960494DF}">
-              <a14:hiddenLine xmlns:a14="http://schemas.microsoft.com/office/drawing/2010/main" w="9525">
+              <a14:hiddenLine xmlns="" xmlns:a14="http://schemas.microsoft.com/office/drawing/2010/main" w="9525">
                 <a:solidFill>
                   <a:srgbClr val="000000"/>
                 </a:solidFill>
@@ -23228,7 +23198,7 @@
               </a14:hiddenLine>
             </a:ext>
             <a:ext uri="{FAA26D3D-D897-4be2-8F04-BA451C77F1D7}">
-              <ma14:placeholderFlag xmlns:ma14="http://schemas.microsoft.com/office/mac/drawingml/2011/main" val="1"/>
+              <ma14:placeholderFlag xmlns="" xmlns:ma14="http://schemas.microsoft.com/office/mac/drawingml/2011/main" val="1"/>
             </a:ext>
           </a:extLst>
         </p:spPr>
@@ -23273,14 +23243,14 @@
           </a:ln>
           <a:extLst>
             <a:ext uri="{909E8E84-426E-40dd-AFC4-6F175D3DCCD1}">
-              <a14:hiddenFill xmlns:a14="http://schemas.microsoft.com/office/drawing/2010/main">
+              <a14:hiddenFill xmlns="" xmlns:a14="http://schemas.microsoft.com/office/drawing/2010/main">
                 <a:solidFill>
                   <a:srgbClr val="FFFFFF"/>
                 </a:solidFill>
               </a14:hiddenFill>
             </a:ext>
             <a:ext uri="{91240B29-F687-4f45-9708-019B960494DF}">
-              <a14:hiddenLine xmlns:a14="http://schemas.microsoft.com/office/drawing/2010/main" w="9525">
+              <a14:hiddenLine xmlns="" xmlns:a14="http://schemas.microsoft.com/office/drawing/2010/main" w="9525">
                 <a:solidFill>
                   <a:srgbClr val="000000"/>
                 </a:solidFill>
@@ -23290,7 +23260,7 @@
               </a14:hiddenLine>
             </a:ext>
             <a:ext uri="{FAA26D3D-D897-4be2-8F04-BA451C77F1D7}">
-              <ma14:placeholderFlag xmlns:ma14="http://schemas.microsoft.com/office/mac/drawingml/2011/main" val="1"/>
+              <ma14:placeholderFlag xmlns="" xmlns:ma14="http://schemas.microsoft.com/office/mac/drawingml/2011/main" val="1"/>
             </a:ext>
           </a:extLst>
         </p:spPr>
@@ -23410,7 +23380,7 @@
             <a:fld id="{3F1791A0-C271-B942-832E-AB41231198B5}" type="datetimeFigureOut">
               <a:rPr lang="en-US" altLang="ja-JP"/>
               <a:pPr/>
-              <a:t>2016/02/07</a:t>
+              <a:t>8/21/2016</a:t>
             </a:fld>
             <a:endParaRPr lang="en-US" altLang="ja-JP"/>
           </a:p>
@@ -23529,7 +23499,7 @@
           </a:ln>
           <a:extLst>
             <a:ext uri="{909E8E84-426E-40dd-AFC4-6F175D3DCCD1}">
-              <a14:hiddenFill xmlns:a14="http://schemas.microsoft.com/office/drawing/2010/main">
+              <a14:hiddenFill xmlns="" xmlns:a14="http://schemas.microsoft.com/office/drawing/2010/main">
                 <a:noFill/>
               </a14:hiddenFill>
             </a:ext>
@@ -23571,7 +23541,7 @@
           </a:ln>
           <a:extLst>
             <a:ext uri="{909E8E84-426E-40dd-AFC4-6F175D3DCCD1}">
-              <a14:hiddenFill xmlns:a14="http://schemas.microsoft.com/office/drawing/2010/main">
+              <a14:hiddenFill xmlns="" xmlns:a14="http://schemas.microsoft.com/office/drawing/2010/main">
                 <a:noFill/>
               </a14:hiddenFill>
             </a:ext>
@@ -23664,13 +23634,6 @@
     <p:sldLayoutId id="2147483803" r:id="rId11"/>
     <p:sldLayoutId id="2147483804" r:id="rId12"/>
   </p:sldLayoutIdLst>
-  <p:timing>
-    <p:tnLst>
-      <p:par>
-        <p:cTn xmlns:p14="http://schemas.microsoft.com/office/powerpoint/2010/main" id="1" dur="indefinite" restart="never" nodeType="tmRoot"/>
-      </p:par>
-    </p:tnLst>
-  </p:timing>
   <p:txStyles>
     <p:titleStyle>
       <a:lvl1pPr algn="l" rtl="0" eaLnBrk="1" fontAlgn="base" hangingPunct="1">
@@ -24153,14 +24116,14 @@
           </a:ln>
           <a:extLst>
             <a:ext uri="{909E8E84-426E-40dd-AFC4-6F175D3DCCD1}">
-              <a14:hiddenFill xmlns:a14="http://schemas.microsoft.com/office/drawing/2010/main">
+              <a14:hiddenFill xmlns="" xmlns:a14="http://schemas.microsoft.com/office/drawing/2010/main">
                 <a:solidFill>
                   <a:srgbClr val="FFFFFF"/>
                 </a:solidFill>
               </a14:hiddenFill>
             </a:ext>
             <a:ext uri="{91240B29-F687-4f45-9708-019B960494DF}">
-              <a14:hiddenLine xmlns:a14="http://schemas.microsoft.com/office/drawing/2010/main" w="9525">
+              <a14:hiddenLine xmlns="" xmlns:a14="http://schemas.microsoft.com/office/drawing/2010/main" w="9525">
                 <a:solidFill>
                   <a:srgbClr val="000000"/>
                 </a:solidFill>
@@ -24170,7 +24133,7 @@
               </a14:hiddenLine>
             </a:ext>
             <a:ext uri="{FAA26D3D-D897-4be2-8F04-BA451C77F1D7}">
-              <ma14:placeholderFlag xmlns:ma14="http://schemas.microsoft.com/office/mac/drawingml/2011/main" val="1"/>
+              <ma14:placeholderFlag xmlns="" xmlns:ma14="http://schemas.microsoft.com/office/mac/drawingml/2011/main" val="1"/>
             </a:ext>
           </a:extLst>
         </p:spPr>
@@ -24214,14 +24177,14 @@
           </a:ln>
           <a:extLst>
             <a:ext uri="{909E8E84-426E-40dd-AFC4-6F175D3DCCD1}">
-              <a14:hiddenFill xmlns:a14="http://schemas.microsoft.com/office/drawing/2010/main">
+              <a14:hiddenFill xmlns="" xmlns:a14="http://schemas.microsoft.com/office/drawing/2010/main">
                 <a:solidFill>
                   <a:srgbClr val="FFFFFF"/>
                 </a:solidFill>
               </a14:hiddenFill>
             </a:ext>
             <a:ext uri="{91240B29-F687-4f45-9708-019B960494DF}">
-              <a14:hiddenLine xmlns:a14="http://schemas.microsoft.com/office/drawing/2010/main" w="9525">
+              <a14:hiddenLine xmlns="" xmlns:a14="http://schemas.microsoft.com/office/drawing/2010/main" w="9525">
                 <a:solidFill>
                   <a:srgbClr val="000000"/>
                 </a:solidFill>
@@ -24231,7 +24194,7 @@
               </a14:hiddenLine>
             </a:ext>
             <a:ext uri="{FAA26D3D-D897-4be2-8F04-BA451C77F1D7}">
-              <ma14:placeholderFlag xmlns:ma14="http://schemas.microsoft.com/office/mac/drawingml/2011/main" val="1"/>
+              <ma14:placeholderFlag xmlns="" xmlns:ma14="http://schemas.microsoft.com/office/mac/drawingml/2011/main" val="1"/>
             </a:ext>
           </a:extLst>
         </p:spPr>
@@ -24349,7 +24312,7 @@
             <a:fld id="{4305EA6A-6E65-464F-A3E1-C0191E7E8825}" type="datetimeFigureOut">
               <a:rPr lang="ja-JP" altLang="en-US"/>
               <a:pPr/>
-              <a:t>2016/02/07</a:t>
+              <a:t>2016/8/21</a:t>
             </a:fld>
             <a:endParaRPr lang="ja-JP" altLang="en-US"/>
           </a:p>
@@ -24459,13 +24422,6 @@
     <p:sldLayoutId id="2147483815" r:id="rId10"/>
     <p:sldLayoutId id="2147483816" r:id="rId11"/>
   </p:sldLayoutIdLst>
-  <p:timing>
-    <p:tnLst>
-      <p:par>
-        <p:cTn xmlns:p14="http://schemas.microsoft.com/office/powerpoint/2010/main" id="1" dur="indefinite" restart="never" nodeType="tmRoot"/>
-      </p:par>
-    </p:tnLst>
-  </p:timing>
   <p:txStyles>
     <p:titleStyle>
       <a:lvl1pPr algn="ctr" rtl="0" eaLnBrk="1" fontAlgn="base" hangingPunct="1">
@@ -25618,14 +25574,14 @@
           </a:ln>
           <a:extLst>
             <a:ext uri="{909E8E84-426E-40dd-AFC4-6F175D3DCCD1}">
-              <a14:hiddenFill xmlns:a14="http://schemas.microsoft.com/office/drawing/2010/main">
+              <a14:hiddenFill xmlns="" xmlns:a14="http://schemas.microsoft.com/office/drawing/2010/main">
                 <a:solidFill>
                   <a:srgbClr val="FFFFFF"/>
                 </a:solidFill>
               </a14:hiddenFill>
             </a:ext>
             <a:ext uri="{91240B29-F687-4f45-9708-019B960494DF}">
-              <a14:hiddenLine xmlns:a14="http://schemas.microsoft.com/office/drawing/2010/main" w="9525">
+              <a14:hiddenLine xmlns="" xmlns:a14="http://schemas.microsoft.com/office/drawing/2010/main" w="9525">
                 <a:solidFill>
                   <a:srgbClr val="000000"/>
                 </a:solidFill>
@@ -25635,7 +25591,7 @@
               </a14:hiddenLine>
             </a:ext>
             <a:ext uri="{FAA26D3D-D897-4be2-8F04-BA451C77F1D7}">
-              <ma14:placeholderFlag xmlns:ma14="http://schemas.microsoft.com/office/mac/drawingml/2011/main" val="1"/>
+              <ma14:placeholderFlag xmlns="" xmlns:ma14="http://schemas.microsoft.com/office/mac/drawingml/2011/main" val="1"/>
             </a:ext>
           </a:extLst>
         </p:spPr>
@@ -25680,14 +25636,14 @@
           </a:ln>
           <a:extLst>
             <a:ext uri="{909E8E84-426E-40dd-AFC4-6F175D3DCCD1}">
-              <a14:hiddenFill xmlns:a14="http://schemas.microsoft.com/office/drawing/2010/main">
+              <a14:hiddenFill xmlns="" xmlns:a14="http://schemas.microsoft.com/office/drawing/2010/main">
                 <a:solidFill>
                   <a:srgbClr val="FFFFFF"/>
                 </a:solidFill>
               </a14:hiddenFill>
             </a:ext>
             <a:ext uri="{91240B29-F687-4f45-9708-019B960494DF}">
-              <a14:hiddenLine xmlns:a14="http://schemas.microsoft.com/office/drawing/2010/main" w="9525">
+              <a14:hiddenLine xmlns="" xmlns:a14="http://schemas.microsoft.com/office/drawing/2010/main" w="9525">
                 <a:solidFill>
                   <a:srgbClr val="000000"/>
                 </a:solidFill>
@@ -25697,7 +25653,7 @@
               </a14:hiddenLine>
             </a:ext>
             <a:ext uri="{FAA26D3D-D897-4be2-8F04-BA451C77F1D7}">
-              <ma14:placeholderFlag xmlns:ma14="http://schemas.microsoft.com/office/mac/drawingml/2011/main" val="1"/>
+              <ma14:placeholderFlag xmlns="" xmlns:ma14="http://schemas.microsoft.com/office/mac/drawingml/2011/main" val="1"/>
             </a:ext>
           </a:extLst>
         </p:spPr>
@@ -25817,7 +25773,7 @@
             <a:fld id="{36962647-6860-9944-9B16-126A5CB8B070}" type="datetimeFigureOut">
               <a:rPr lang="en-US" altLang="ja-JP"/>
               <a:pPr/>
-              <a:t>2016/02/07</a:t>
+              <a:t>8/21/2016</a:t>
             </a:fld>
             <a:endParaRPr lang="en-US" altLang="ja-JP"/>
           </a:p>
@@ -25933,13 +25889,6 @@
     <p:sldLayoutId id="2147483827" r:id="rId10"/>
     <p:sldLayoutId id="2147483828" r:id="rId11"/>
   </p:sldLayoutIdLst>
-  <p:timing>
-    <p:tnLst>
-      <p:par>
-        <p:cTn xmlns:p14="http://schemas.microsoft.com/office/powerpoint/2010/main" id="1" dur="indefinite" restart="never" nodeType="tmRoot"/>
-      </p:par>
-    </p:tnLst>
-  </p:timing>
   <p:txStyles>
     <p:titleStyle>
       <a:lvl1pPr algn="l" rtl="0" eaLnBrk="1" fontAlgn="base" hangingPunct="1">
@@ -26391,29 +26340,10 @@
           <a:lstStyle/>
           <a:p>
             <a:r>
-              <a:rPr lang="ja-JP" altLang="en-US" dirty="0" smtClean="0"/>
-              <a:t>クラウドインフラ構築特論 </a:t>
-            </a:r>
-            <a:r>
-              <a:rPr lang="en-US" altLang="ja-JP" dirty="0" smtClean="0"/>
-              <a:t/>
-            </a:r>
-            <a:br>
-              <a:rPr lang="en-US" altLang="ja-JP" dirty="0" smtClean="0"/>
-            </a:br>
-            <a:r>
-              <a:rPr lang="ja-JP" altLang="en-US" sz="2400" dirty="0"/>
-              <a:t>グループ</a:t>
-            </a:r>
-            <a:r>
-              <a:rPr lang="en-US" altLang="ja-JP" sz="2400" dirty="0"/>
-              <a:t>1  </a:t>
-            </a:r>
-            <a:r>
-              <a:rPr lang="en-US" altLang="ja-JP" sz="2400" dirty="0" err="1"/>
-              <a:t>MKData</a:t>
-            </a:r>
-            <a:endParaRPr kumimoji="1" lang="ja-JP" altLang="en-US" sz="2400" dirty="0"/>
+              <a:rPr kumimoji="1" lang="en-US" altLang="ja-JP" sz="4400" dirty="0" err="1"/>
+              <a:t>IaaS_Program</a:t>
+            </a:r>
+            <a:endParaRPr kumimoji="1" lang="ja-JP" altLang="en-US" sz="4400" dirty="0"/>
           </a:p>
         </p:txBody>
       </p:sp>
@@ -26438,26 +26368,7 @@
           <a:lstStyle/>
           <a:p>
             <a:r>
-              <a:rPr lang="en-US" altLang="ja-JP" dirty="0" smtClean="0"/>
-              <a:t>  15745202     </a:t>
-            </a:r>
-            <a:r>
-              <a:rPr lang="ja-JP" altLang="en-US" dirty="0" smtClean="0"/>
-              <a:t>金 炯伸</a:t>
-            </a:r>
-            <a:r>
-              <a:rPr lang="en-US" altLang="ja-JP" dirty="0" smtClean="0"/>
-              <a:t/>
-            </a:r>
-            <a:br>
-              <a:rPr lang="en-US" altLang="ja-JP" dirty="0" smtClean="0"/>
-            </a:br>
-            <a:r>
-              <a:rPr lang="en-US" altLang="ja-JP" dirty="0" smtClean="0"/>
-              <a:t>14745207  </a:t>
-            </a:r>
-            <a:r>
-              <a:rPr lang="ja-JP" altLang="en-US" dirty="0" smtClean="0"/>
+              <a:rPr lang="ja-JP" altLang="en-US" dirty="0"/>
               <a:t>毎田 定弘</a:t>
             </a:r>
             <a:endParaRPr kumimoji="1" lang="ja-JP" altLang="en-US" dirty="0"/>
@@ -26474,13 +26385,6 @@
   <p:clrMapOvr>
     <a:masterClrMapping/>
   </p:clrMapOvr>
-  <p:timing>
-    <p:tnLst>
-      <p:par>
-        <p:cTn xmlns:p14="http://schemas.microsoft.com/office/powerpoint/2010/main" id="1" dur="indefinite" restart="never" nodeType="tmRoot"/>
-      </p:par>
-    </p:tnLst>
-  </p:timing>
 </p:sld>
 </file>
 
@@ -26517,10 +26421,9 @@
           <a:lstStyle/>
           <a:p>
             <a:r>
-              <a:rPr kumimoji="1" lang="ja-JP" altLang="en-US" dirty="0" smtClean="0"/>
+              <a:rPr kumimoji="1" lang="ja-JP" altLang="en-US" dirty="0"/>
               <a:t>目次</a:t>
             </a:r>
-            <a:endParaRPr kumimoji="1" lang="ja-JP" altLang="en-US" dirty="0"/>
           </a:p>
         </p:txBody>
       </p:sp>
@@ -26540,58 +26443,58 @@
           <a:lstStyle/>
           <a:p>
             <a:r>
-              <a:rPr kumimoji="1" lang="ja-JP" altLang="en-US" dirty="0" smtClean="0"/>
+              <a:rPr kumimoji="1" lang="ja-JP" altLang="en-US" dirty="0"/>
               <a:t>プロダクト概要</a:t>
             </a:r>
-            <a:endParaRPr kumimoji="1" lang="en-US" altLang="ja-JP" dirty="0" smtClean="0"/>
-          </a:p>
-          <a:p>
-            <a:r>
-              <a:rPr lang="ja-JP" altLang="en-US" dirty="0" smtClean="0"/>
+            <a:endParaRPr kumimoji="1" lang="en-US" altLang="ja-JP" dirty="0"/>
+          </a:p>
+          <a:p>
+            <a:r>
+              <a:rPr lang="ja-JP" altLang="en-US" dirty="0"/>
               <a:t>モジュール構成</a:t>
             </a:r>
-            <a:endParaRPr lang="en-US" altLang="ja-JP" dirty="0" smtClean="0"/>
-          </a:p>
-          <a:p>
-            <a:r>
-              <a:rPr kumimoji="1" lang="en-US" altLang="ja-JP" dirty="0" smtClean="0"/>
+            <a:endParaRPr lang="en-US" altLang="ja-JP" dirty="0"/>
+          </a:p>
+          <a:p>
+            <a:r>
+              <a:rPr kumimoji="1" lang="en-US" altLang="ja-JP" dirty="0"/>
               <a:t>DB</a:t>
             </a:r>
             <a:r>
-              <a:rPr kumimoji="1" lang="ja-JP" altLang="en-US" dirty="0" smtClean="0"/>
+              <a:rPr kumimoji="1" lang="ja-JP" altLang="en-US" dirty="0"/>
               <a:t>構成</a:t>
             </a:r>
-            <a:endParaRPr kumimoji="1" lang="en-US" altLang="ja-JP" dirty="0" smtClean="0"/>
-          </a:p>
-          <a:p>
-            <a:r>
-              <a:rPr kumimoji="1" lang="en-US" altLang="ja-JP" dirty="0" smtClean="0"/>
+            <a:endParaRPr kumimoji="1" lang="en-US" altLang="ja-JP" dirty="0"/>
+          </a:p>
+          <a:p>
+            <a:r>
+              <a:rPr kumimoji="1" lang="en-US" altLang="ja-JP" dirty="0"/>
               <a:t>VM</a:t>
             </a:r>
             <a:r>
-              <a:rPr kumimoji="1" lang="ja-JP" altLang="en-US" dirty="0" smtClean="0"/>
+              <a:rPr kumimoji="1" lang="ja-JP" altLang="en-US" dirty="0"/>
               <a:t>の鍵管理について</a:t>
             </a:r>
-            <a:endParaRPr kumimoji="1" lang="en-US" altLang="ja-JP" dirty="0" smtClean="0"/>
-          </a:p>
-          <a:p>
-            <a:r>
-              <a:rPr kumimoji="1" lang="ja-JP" altLang="en-US" dirty="0" smtClean="0"/>
+            <a:endParaRPr kumimoji="1" lang="en-US" altLang="ja-JP" dirty="0"/>
+          </a:p>
+          <a:p>
+            <a:r>
+              <a:rPr kumimoji="1" lang="ja-JP" altLang="en-US" dirty="0"/>
               <a:t>オートスケールスクリプト</a:t>
             </a:r>
-            <a:endParaRPr kumimoji="1" lang="en-US" altLang="ja-JP" dirty="0" smtClean="0"/>
-          </a:p>
-          <a:p>
-            <a:r>
-              <a:rPr lang="ja-JP" altLang="en-US" dirty="0" smtClean="0"/>
+            <a:endParaRPr kumimoji="1" lang="en-US" altLang="ja-JP" dirty="0"/>
+          </a:p>
+          <a:p>
+            <a:r>
+              <a:rPr lang="ja-JP" altLang="en-US" dirty="0"/>
               <a:t>まとめ</a:t>
             </a:r>
             <a:r>
-              <a:rPr lang="en-US" altLang="ja-JP" dirty="0" smtClean="0"/>
+              <a:rPr lang="en-US" altLang="ja-JP" dirty="0"/>
               <a:t>&amp;</a:t>
             </a:r>
             <a:r>
-              <a:rPr lang="en-US" altLang="ja-JP" dirty="0" err="1" smtClean="0"/>
+              <a:rPr lang="en-US" altLang="ja-JP" dirty="0" err="1"/>
               <a:t>ToDo</a:t>
             </a:r>
             <a:endParaRPr kumimoji="1" lang="ja-JP" altLang="en-US" dirty="0"/>
@@ -26608,13 +26511,6 @@
   <p:clrMapOvr>
     <a:masterClrMapping/>
   </p:clrMapOvr>
-  <p:timing>
-    <p:tnLst>
-      <p:par>
-        <p:cTn xmlns:p14="http://schemas.microsoft.com/office/powerpoint/2010/main" id="1" dur="indefinite" restart="never" nodeType="tmRoot"/>
-      </p:par>
-    </p:tnLst>
-  </p:timing>
 </p:sld>
 </file>
 
@@ -26855,10 +26751,9 @@
           <a:lstStyle/>
           <a:p>
             <a:r>
-              <a:rPr kumimoji="1" lang="ja-JP" altLang="en-US" dirty="0" smtClean="0"/>
+              <a:rPr kumimoji="1" lang="ja-JP" altLang="en-US" dirty="0"/>
               <a:t>プロダクト概要</a:t>
             </a:r>
-            <a:endParaRPr kumimoji="1" lang="ja-JP" altLang="en-US" dirty="0"/>
           </a:p>
         </p:txBody>
       </p:sp>
@@ -26883,77 +26778,77 @@
           <a:lstStyle/>
           <a:p>
             <a:r>
-              <a:rPr lang="ja-JP" altLang="en-US" dirty="0" smtClean="0"/>
+              <a:rPr lang="ja-JP" altLang="en-US" dirty="0"/>
               <a:t>使用コンポーネント</a:t>
             </a:r>
-            <a:endParaRPr lang="en-US" altLang="ja-JP" dirty="0" smtClean="0"/>
+            <a:endParaRPr lang="en-US" altLang="ja-JP" dirty="0"/>
           </a:p>
           <a:p>
             <a:pPr lvl="1"/>
             <a:r>
-              <a:rPr lang="en-US" altLang="ja-JP" dirty="0" smtClean="0"/>
+              <a:rPr lang="en-US" altLang="ja-JP" dirty="0"/>
               <a:t>Web</a:t>
             </a:r>
             <a:r>
-              <a:rPr lang="ja-JP" altLang="en-US" dirty="0" smtClean="0"/>
+              <a:rPr lang="ja-JP" altLang="en-US" dirty="0"/>
               <a:t>フレームワーク</a:t>
             </a:r>
             <a:r>
-              <a:rPr lang="en-US" altLang="ja-JP" dirty="0" smtClean="0"/>
+              <a:rPr lang="en-US" altLang="ja-JP" dirty="0"/>
               <a:t>:Sinatra</a:t>
             </a:r>
           </a:p>
           <a:p>
             <a:pPr lvl="1"/>
             <a:r>
-              <a:rPr kumimoji="1" lang="ja-JP" altLang="en-US" dirty="0" smtClean="0"/>
+              <a:rPr kumimoji="1" lang="ja-JP" altLang="en-US" dirty="0"/>
               <a:t>データベース：</a:t>
             </a:r>
             <a:r>
-              <a:rPr kumimoji="1" lang="en-US" altLang="ja-JP" dirty="0" smtClean="0"/>
+              <a:rPr kumimoji="1" lang="en-US" altLang="ja-JP" dirty="0"/>
               <a:t>SQLite3</a:t>
             </a:r>
           </a:p>
           <a:p>
             <a:pPr lvl="1"/>
             <a:r>
-              <a:rPr lang="en-US" altLang="ja-JP" dirty="0" smtClean="0"/>
+              <a:rPr lang="en-US" altLang="ja-JP" dirty="0"/>
               <a:t>OR</a:t>
             </a:r>
             <a:r>
-              <a:rPr lang="ja-JP" altLang="en-US" dirty="0" smtClean="0"/>
+              <a:rPr lang="ja-JP" altLang="en-US" dirty="0"/>
               <a:t>マッパー：</a:t>
             </a:r>
             <a:r>
-              <a:rPr lang="en-US" altLang="ja-JP" dirty="0" smtClean="0"/>
+              <a:rPr lang="en-US" altLang="ja-JP" dirty="0"/>
               <a:t>sequel</a:t>
             </a:r>
-            <a:endParaRPr kumimoji="1" lang="en-US" altLang="ja-JP" dirty="0" smtClean="0"/>
+            <a:endParaRPr kumimoji="1" lang="en-US" altLang="ja-JP" dirty="0"/>
           </a:p>
           <a:p>
             <a:pPr lvl="1"/>
             <a:r>
-              <a:rPr kumimoji="1" lang="ja-JP" altLang="en-US" dirty="0" smtClean="0"/>
+              <a:rPr kumimoji="1" lang="ja-JP" altLang="en-US" dirty="0"/>
               <a:t>分散処理ライブラリ</a:t>
             </a:r>
             <a:r>
-              <a:rPr kumimoji="1" lang="en-US" altLang="ja-JP" dirty="0" smtClean="0"/>
+              <a:rPr kumimoji="1" lang="en-US" altLang="ja-JP" dirty="0"/>
               <a:t>:</a:t>
             </a:r>
             <a:r>
-              <a:rPr kumimoji="1" lang="en-US" altLang="ja-JP" dirty="0" err="1" smtClean="0"/>
+              <a:rPr kumimoji="1" lang="en-US" altLang="ja-JP" dirty="0" err="1"/>
               <a:t>druby</a:t>
             </a:r>
             <a:r>
-              <a:rPr kumimoji="1" lang="en-US" altLang="ja-JP" dirty="0" smtClean="0"/>
+              <a:rPr kumimoji="1" lang="en-US" altLang="ja-JP" dirty="0"/>
               <a:t>(</a:t>
             </a:r>
             <a:r>
-              <a:rPr kumimoji="1" lang="en-US" altLang="ja-JP" dirty="0" err="1" smtClean="0"/>
+              <a:rPr kumimoji="1" lang="en-US" altLang="ja-JP" dirty="0" err="1"/>
               <a:t>drb</a:t>
             </a:r>
             <a:r>
-              <a:rPr kumimoji="1" lang="en-US" altLang="ja-JP" dirty="0" smtClean="0"/>
+              <a:rPr kumimoji="1" lang="en-US" altLang="ja-JP" dirty="0"/>
               <a:t>)</a:t>
             </a:r>
           </a:p>
@@ -26972,89 +26867,37 @@
               <a:t> + </a:t>
             </a:r>
             <a:r>
-              <a:rPr lang="en-US" altLang="ja-JP" dirty="0" err="1" smtClean="0"/>
+              <a:rPr lang="en-US" altLang="ja-JP" dirty="0" err="1"/>
               <a:t>Qemu</a:t>
             </a:r>
-            <a:endParaRPr lang="en-US" altLang="ja-JP" dirty="0" smtClean="0"/>
+            <a:endParaRPr lang="en-US" altLang="ja-JP" dirty="0"/>
           </a:p>
           <a:p>
             <a:pPr lvl="1"/>
             <a:r>
-              <a:rPr lang="ja-JP" altLang="en-US" strike="sngStrike" dirty="0" smtClean="0"/>
-              <a:t>ロードバランサ：</a:t>
-            </a:r>
-            <a:r>
-              <a:rPr lang="en-US" altLang="ja-JP" strike="sngStrike" dirty="0"/>
-              <a:t> </a:t>
+              <a:rPr lang="en-US" altLang="ja-JP" dirty="0"/>
+              <a:t>Kickstart</a:t>
+            </a:r>
+          </a:p>
+          <a:p>
+            <a:pPr lvl="1"/>
+            <a:r>
+              <a:rPr lang="en-US" altLang="ja-JP" dirty="0"/>
+              <a:t>DHCP server</a:t>
+            </a:r>
+          </a:p>
+          <a:p>
+            <a:pPr lvl="1"/>
+            <a:r>
+              <a:rPr lang="en-US" altLang="ja-JP" dirty="0"/>
+              <a:t>NFS server</a:t>
             </a:r>
           </a:p>
           <a:p>
             <a:pPr marL="274638" lvl="1" indent="0">
               <a:buNone/>
             </a:pPr>
-            <a:r>
-              <a:rPr lang="ja-JP" altLang="en-US" strike="sngStrike" dirty="0" smtClean="0"/>
-              <a:t>　</a:t>
-            </a:r>
-            <a:r>
-              <a:rPr lang="en-US" altLang="ja-JP" strike="sngStrike" dirty="0" smtClean="0"/>
-              <a:t>Apache </a:t>
-            </a:r>
-            <a:r>
-              <a:rPr lang="en-US" altLang="ja-JP" strike="sngStrike" dirty="0"/>
-              <a:t>+ </a:t>
-            </a:r>
-            <a:r>
-              <a:rPr lang="en-US" altLang="ja-JP" strike="sngStrike" dirty="0" err="1" smtClean="0"/>
-              <a:t>mod_proxy_balancer</a:t>
-            </a:r>
-            <a:endParaRPr lang="en-US" altLang="ja-JP" strike="sngStrike" dirty="0" smtClean="0"/>
-          </a:p>
-          <a:p>
-            <a:pPr marL="274638" lvl="1" indent="0">
-              <a:buNone/>
-            </a:pPr>
-            <a:r>
-              <a:rPr lang="en-US" altLang="ja-JP" dirty="0" smtClean="0"/>
-              <a:t>  </a:t>
-            </a:r>
-            <a:r>
-              <a:rPr lang="en-US" altLang="ja-JP" dirty="0" err="1" smtClean="0"/>
-              <a:t>Kickstart</a:t>
-            </a:r>
-            <a:endParaRPr lang="en-US" altLang="ja-JP" dirty="0" smtClean="0"/>
-          </a:p>
-          <a:p>
-            <a:pPr marL="274638" lvl="1" indent="0">
-              <a:buNone/>
-            </a:pPr>
-            <a:r>
-              <a:rPr lang="en-US" altLang="ja-JP" dirty="0"/>
-              <a:t> </a:t>
-            </a:r>
-            <a:r>
-              <a:rPr lang="en-US" altLang="ja-JP" dirty="0" smtClean="0"/>
-              <a:t> DHCP server</a:t>
-            </a:r>
-          </a:p>
-          <a:p>
-            <a:pPr marL="274638" lvl="1" indent="0">
-              <a:buNone/>
-            </a:pPr>
-            <a:r>
-              <a:rPr lang="en-US" altLang="ja-JP" dirty="0"/>
-              <a:t> </a:t>
-            </a:r>
-            <a:r>
-              <a:rPr lang="en-US" altLang="ja-JP" dirty="0" smtClean="0"/>
-              <a:t> NFS server</a:t>
-            </a:r>
-          </a:p>
-          <a:p>
-            <a:pPr marL="274638" lvl="1" indent="0">
-              <a:buNone/>
-            </a:pPr>
-            <a:endParaRPr lang="en-US" altLang="ja-JP" dirty="0" smtClean="0"/>
+            <a:endParaRPr lang="en-US" altLang="ja-JP" dirty="0"/>
           </a:p>
           <a:p>
             <a:pPr lvl="1"/>
@@ -27604,10 +27447,9 @@
           <a:p>
             <a:pPr algn="l"/>
             <a:r>
-              <a:rPr kumimoji="1" lang="en-US" altLang="ja-JP" sz="1100" dirty="0" smtClean="0"/>
+              <a:rPr kumimoji="1" lang="en-US" altLang="ja-JP" sz="1100" dirty="0"/>
               <a:t>Storage Server</a:t>
             </a:r>
-            <a:endParaRPr kumimoji="1" lang="en-US" altLang="ja-JP" sz="1100" dirty="0"/>
           </a:p>
         </p:txBody>
       </p:sp>
@@ -27736,7 +27578,7 @@
           </a:lstStyle>
           <a:p>
             <a:r>
-              <a:rPr lang="en-US" altLang="ja-JP" dirty="0" smtClean="0"/>
+              <a:rPr lang="en-US" altLang="ja-JP" dirty="0"/>
               <a:t>Agent</a:t>
             </a:r>
             <a:endParaRPr kumimoji="1" lang="ja-JP" altLang="en-US" sz="1100" dirty="0"/>
@@ -27910,10 +27752,6 @@
               <a:rPr kumimoji="1" lang="en-US" altLang="ja-JP" sz="1100" dirty="0"/>
               <a:t>machine</a:t>
             </a:r>
-            <a:r>
-              <a:rPr kumimoji="1" lang="en-US" altLang="ja-JP" sz="1100" baseline="0" dirty="0"/>
-              <a:t/>
-            </a:r>
             <a:br>
               <a:rPr kumimoji="1" lang="en-US" altLang="ja-JP" sz="1100" baseline="0" dirty="0"/>
             </a:br>
@@ -28199,7 +28037,7 @@
           <a:p>
             <a:pPr algn="l"/>
             <a:r>
-              <a:rPr kumimoji="1" lang="en-US" altLang="ja-JP" sz="1100" dirty="0" smtClean="0"/>
+              <a:rPr kumimoji="1" lang="en-US" altLang="ja-JP" sz="1100" dirty="0"/>
               <a:t>DB Server</a:t>
             </a:r>
             <a:endParaRPr kumimoji="1" lang="ja-JP" altLang="en-US" sz="1100" dirty="0"/>
@@ -28332,11 +28170,11 @@
           <a:p>
             <a:pPr algn="l"/>
             <a:r>
-              <a:rPr kumimoji="1" lang="en-US" altLang="ja-JP" sz="1100" dirty="0" smtClean="0"/>
+              <a:rPr kumimoji="1" lang="en-US" altLang="ja-JP" sz="1100" dirty="0"/>
               <a:t>DHCP Sev</a:t>
             </a:r>
             <a:r>
-              <a:rPr lang="en-US" altLang="ja-JP" dirty="0" smtClean="0"/>
+              <a:rPr lang="en-US" altLang="ja-JP" dirty="0"/>
               <a:t>er</a:t>
             </a:r>
             <a:endParaRPr kumimoji="1" lang="ja-JP" altLang="en-US" sz="1100" dirty="0"/>
@@ -28807,20 +28645,12 @@
           <a:p>
             <a:pPr algn="l"/>
             <a:r>
-              <a:rPr lang="en-US" altLang="ja-JP" b="1" dirty="0" smtClean="0">
+              <a:rPr lang="en-US" altLang="ja-JP" b="1" dirty="0">
                 <a:solidFill>
                   <a:schemeClr val="tx1"/>
                 </a:solidFill>
               </a:rPr>
-              <a:t>Control </a:t>
-            </a:r>
-            <a:r>
-              <a:rPr lang="ja-JP" altLang="en-US" b="1" dirty="0" smtClean="0">
-                <a:solidFill>
-                  <a:schemeClr val="tx1"/>
-                </a:solidFill>
-              </a:rPr>
-              <a:t>ホスト</a:t>
+              <a:t>Control Host</a:t>
             </a:r>
             <a:endParaRPr kumimoji="1" lang="ja-JP" altLang="en-US" sz="1100" b="1" dirty="0">
               <a:solidFill>
@@ -28956,7 +28786,7 @@
           <a:p>
             <a:pPr algn="l"/>
             <a:r>
-              <a:rPr kumimoji="1" lang="en-US" altLang="ja-JP" sz="1100" dirty="0" smtClean="0"/>
+              <a:rPr kumimoji="1" lang="en-US" altLang="ja-JP" sz="1100" dirty="0"/>
               <a:t>Terminal</a:t>
             </a:r>
             <a:endParaRPr kumimoji="1" lang="ja-JP" altLang="en-US" sz="1100" dirty="0"/>
@@ -29220,20 +29050,12 @@
           <a:p>
             <a:pPr algn="l"/>
             <a:r>
-              <a:rPr lang="ja-JP" altLang="en-US" b="1" dirty="0" smtClean="0">
+              <a:rPr lang="en-US" altLang="ja-JP" b="1" dirty="0">
                 <a:solidFill>
                   <a:schemeClr val="tx1"/>
                 </a:solidFill>
               </a:rPr>
-              <a:t>仮想ホスト</a:t>
-            </a:r>
-            <a:r>
-              <a:rPr lang="en-US" altLang="ja-JP" b="1" dirty="0" smtClean="0">
-                <a:solidFill>
-                  <a:schemeClr val="tx1"/>
-                </a:solidFill>
-              </a:rPr>
-              <a:t>1</a:t>
+              <a:t>Virtual Machine 1</a:t>
             </a:r>
             <a:endParaRPr kumimoji="1" lang="ja-JP" altLang="en-US" sz="1100" b="1" dirty="0">
               <a:solidFill>
@@ -29499,7 +29321,7 @@
           </a:lstStyle>
           <a:p>
             <a:r>
-              <a:rPr lang="en-US" altLang="ja-JP" dirty="0" smtClean="0"/>
+              <a:rPr lang="en-US" altLang="ja-JP" dirty="0"/>
               <a:t>Agent</a:t>
             </a:r>
             <a:endParaRPr kumimoji="1" lang="ja-JP" altLang="en-US" sz="1100" dirty="0"/>
@@ -29835,22 +29657,13 @@
             </a:lvl9pPr>
           </a:lstStyle>
           <a:p>
-            <a:pPr algn="l"/>
-            <a:r>
-              <a:rPr lang="ja-JP" altLang="en-US" b="1" dirty="0" smtClean="0">
+            <a:r>
+              <a:rPr lang="en-US" altLang="ja-JP" b="1" dirty="0">
                 <a:solidFill>
                   <a:schemeClr val="tx1"/>
                 </a:solidFill>
               </a:rPr>
-              <a:t>仮想ホスト</a:t>
-            </a:r>
-            <a:r>
-              <a:rPr lang="en-US" altLang="ja-JP" b="1" dirty="0" smtClean="0">
-                <a:solidFill>
-                  <a:schemeClr val="tx1"/>
-                </a:solidFill>
-              </a:rPr>
-              <a:t>2</a:t>
+              <a:t>Virtual Machine 2</a:t>
             </a:r>
             <a:endParaRPr kumimoji="1" lang="ja-JP" altLang="en-US" sz="1100" b="1" dirty="0">
               <a:solidFill>
@@ -30247,7 +30060,7 @@
           </a:lstStyle>
           <a:p>
             <a:r>
-              <a:rPr lang="en-US" altLang="ja-JP" dirty="0" smtClean="0"/>
+              <a:rPr lang="en-US" altLang="ja-JP" dirty="0"/>
               <a:t>Agent</a:t>
             </a:r>
             <a:endParaRPr kumimoji="1" lang="ja-JP" altLang="en-US" sz="1100" dirty="0"/>
@@ -30583,22 +30396,13 @@
             </a:lvl9pPr>
           </a:lstStyle>
           <a:p>
-            <a:pPr algn="l"/>
-            <a:r>
-              <a:rPr lang="ja-JP" altLang="en-US" b="1" dirty="0" smtClean="0">
+            <a:r>
+              <a:rPr lang="en-US" altLang="ja-JP" b="1" dirty="0">
                 <a:solidFill>
                   <a:schemeClr val="tx1"/>
                 </a:solidFill>
               </a:rPr>
-              <a:t>仮想ホスト</a:t>
-            </a:r>
-            <a:r>
-              <a:rPr lang="en-US" altLang="ja-JP" b="1" dirty="0" smtClean="0">
-                <a:solidFill>
-                  <a:schemeClr val="tx1"/>
-                </a:solidFill>
-              </a:rPr>
-              <a:t>3</a:t>
+              <a:t>Virtual Machine 3</a:t>
             </a:r>
             <a:endParaRPr kumimoji="1" lang="ja-JP" altLang="en-US" sz="1100" b="1" dirty="0">
               <a:solidFill>
@@ -30832,14 +30636,14 @@
           </a:ln>
           <a:extLst>
             <a:ext uri="{909E8E84-426E-40dd-AFC4-6F175D3DCCD1}">
-              <a14:hiddenFill xmlns:a14="http://schemas.microsoft.com/office/drawing/2010/main">
+              <a14:hiddenFill xmlns="" xmlns:a14="http://schemas.microsoft.com/office/drawing/2010/main">
                 <a:solidFill>
                   <a:srgbClr val="FFFFFF"/>
                 </a:solidFill>
               </a14:hiddenFill>
             </a:ext>
             <a:ext uri="{91240B29-F687-4f45-9708-019B960494DF}">
-              <a14:hiddenLine xmlns:a14="http://schemas.microsoft.com/office/drawing/2010/main" w="9525">
+              <a14:hiddenLine xmlns="" xmlns:a14="http://schemas.microsoft.com/office/drawing/2010/main" w="9525">
                 <a:solidFill>
                   <a:srgbClr val="000000"/>
                 </a:solidFill>
@@ -30849,7 +30653,7 @@
               </a14:hiddenLine>
             </a:ext>
             <a:ext uri="{FAA26D3D-D897-4be2-8F04-BA451C77F1D7}">
-              <ma14:placeholderFlag xmlns:ma14="http://schemas.microsoft.com/office/mac/drawingml/2011/main" val="1"/>
+              <ma14:placeholderFlag xmlns="" xmlns:ma14="http://schemas.microsoft.com/office/mac/drawingml/2011/main" val="1"/>
             </a:ext>
           </a:extLst>
         </p:spPr>
@@ -31324,38 +31128,38 @@
           <a:p>
             <a:pPr algn="l"/>
             <a:r>
-              <a:rPr lang="en-US" altLang="ja-JP" dirty="0" smtClean="0"/>
+              <a:rPr lang="en-US" altLang="ja-JP" dirty="0"/>
               <a:t>HTTP</a:t>
             </a:r>
           </a:p>
           <a:p>
             <a:pPr algn="l"/>
             <a:r>
-              <a:rPr kumimoji="1" lang="ja-JP" altLang="en-US" sz="1100" dirty="0" smtClean="0"/>
+              <a:rPr kumimoji="1" lang="ja-JP" altLang="en-US" sz="1100" dirty="0"/>
               <a:t>・</a:t>
             </a:r>
             <a:r>
-              <a:rPr kumimoji="1" lang="en-US" altLang="ja-JP" sz="1100" dirty="0" err="1" smtClean="0"/>
+              <a:rPr kumimoji="1" lang="en-US" altLang="ja-JP" sz="1100" dirty="0" err="1"/>
               <a:t>metaData</a:t>
             </a:r>
             <a:r>
-              <a:rPr kumimoji="1" lang="ja-JP" altLang="en-US" sz="1100" dirty="0" smtClean="0"/>
+              <a:rPr kumimoji="1" lang="ja-JP" altLang="en-US" sz="1100" dirty="0"/>
               <a:t>取得</a:t>
             </a:r>
-            <a:endParaRPr kumimoji="1" lang="en-US" altLang="ja-JP" sz="1100" dirty="0" smtClean="0"/>
+            <a:endParaRPr kumimoji="1" lang="en-US" altLang="ja-JP" sz="1100" dirty="0"/>
           </a:p>
           <a:p>
             <a:pPr algn="l"/>
             <a:r>
-              <a:rPr lang="ja-JP" altLang="en-US" dirty="0" smtClean="0"/>
+              <a:rPr lang="ja-JP" altLang="en-US" dirty="0"/>
               <a:t>・</a:t>
             </a:r>
             <a:r>
-              <a:rPr lang="en-US" altLang="ja-JP" dirty="0" err="1" smtClean="0"/>
+              <a:rPr lang="en-US" altLang="ja-JP" dirty="0" err="1"/>
               <a:t>cfg</a:t>
             </a:r>
             <a:r>
-              <a:rPr lang="ja-JP" altLang="en-US" dirty="0" smtClean="0"/>
+              <a:rPr lang="ja-JP" altLang="en-US" dirty="0"/>
               <a:t>ファイル</a:t>
             </a:r>
             <a:endParaRPr kumimoji="1" lang="ja-JP" altLang="en-US" sz="1100" dirty="0"/>
@@ -31422,20 +31226,12 @@
           <a:lstStyle/>
           <a:p>
             <a:r>
-              <a:rPr lang="en-US" altLang="ja-JP" sz="1200" b="1" dirty="0" smtClean="0">
+              <a:rPr lang="en-US" altLang="ja-JP" sz="1200" b="1" dirty="0">
                 <a:solidFill>
                   <a:srgbClr val="C00000"/>
                 </a:solidFill>
               </a:rPr>
-              <a:t>Queu</a:t>
-            </a:r>
-            <a:r>
-              <a:rPr lang="en-US" altLang="ja-JP" sz="1200" b="1" dirty="0">
-                <a:solidFill>
-                  <a:srgbClr val="C00000"/>
-                </a:solidFill>
-              </a:rPr>
-              <a:t>e</a:t>
+              <a:t>Queue</a:t>
             </a:r>
             <a:endParaRPr kumimoji="1" lang="ja-JP" altLang="en-US" sz="1200" b="1" dirty="0">
               <a:solidFill>
@@ -31468,20 +31264,12 @@
           <a:lstStyle/>
           <a:p>
             <a:r>
-              <a:rPr lang="en-US" altLang="ja-JP" sz="1200" b="1" dirty="0" smtClean="0">
+              <a:rPr lang="en-US" altLang="ja-JP" sz="1200" b="1" dirty="0">
                 <a:solidFill>
                   <a:srgbClr val="C00000"/>
                 </a:solidFill>
               </a:rPr>
-              <a:t>Queu</a:t>
-            </a:r>
-            <a:r>
-              <a:rPr lang="en-US" altLang="ja-JP" sz="1200" b="1" dirty="0">
-                <a:solidFill>
-                  <a:srgbClr val="C00000"/>
-                </a:solidFill>
-              </a:rPr>
-              <a:t>e</a:t>
+              <a:t>Queue</a:t>
             </a:r>
             <a:endParaRPr kumimoji="1" lang="ja-JP" altLang="en-US" sz="1200" b="1" dirty="0">
               <a:solidFill>
@@ -31514,20 +31302,12 @@
           <a:lstStyle/>
           <a:p>
             <a:r>
-              <a:rPr lang="en-US" altLang="ja-JP" sz="1200" b="1" dirty="0" smtClean="0">
+              <a:rPr lang="en-US" altLang="ja-JP" sz="1200" b="1" dirty="0">
                 <a:solidFill>
                   <a:srgbClr val="C00000"/>
                 </a:solidFill>
               </a:rPr>
-              <a:t>Queu</a:t>
-            </a:r>
-            <a:r>
-              <a:rPr lang="en-US" altLang="ja-JP" sz="1200" b="1" dirty="0">
-                <a:solidFill>
-                  <a:srgbClr val="C00000"/>
-                </a:solidFill>
-              </a:rPr>
-              <a:t>e</a:t>
+              <a:t>Queue</a:t>
             </a:r>
             <a:endParaRPr kumimoji="1" lang="ja-JP" altLang="en-US" sz="1200" b="1" dirty="0">
               <a:solidFill>
@@ -31547,13 +31327,6 @@
   <p:clrMapOvr>
     <a:masterClrMapping/>
   </p:clrMapOvr>
-  <p:timing>
-    <p:tnLst>
-      <p:par>
-        <p:cTn xmlns:p14="http://schemas.microsoft.com/office/powerpoint/2010/main" id="1" dur="indefinite" restart="never" nodeType="tmRoot"/>
-      </p:par>
-    </p:tnLst>
-  </p:timing>
 </p:sld>
 </file>
 
@@ -31590,10 +31363,9 @@
           <a:lstStyle/>
           <a:p>
             <a:r>
-              <a:rPr kumimoji="1" lang="ja-JP" altLang="en-US" dirty="0" smtClean="0"/>
+              <a:rPr kumimoji="1" lang="ja-JP" altLang="en-US" dirty="0"/>
               <a:t>モジュール構成</a:t>
             </a:r>
-            <a:endParaRPr kumimoji="1" lang="ja-JP" altLang="en-US" dirty="0"/>
           </a:p>
         </p:txBody>
       </p:sp>
@@ -31632,7 +31404,7 @@
           <a:lstStyle/>
           <a:p>
             <a:r>
-              <a:rPr lang="en-US" altLang="ja-JP" sz="1800" dirty="0" err="1" smtClean="0"/>
+              <a:rPr lang="en-US" altLang="ja-JP" sz="1800" dirty="0" err="1"/>
               <a:t>ShellScripts</a:t>
             </a:r>
             <a:endParaRPr lang="en-US" altLang="ja-JP" sz="1800" dirty="0"/>
@@ -31640,44 +31412,44 @@
           <a:p>
             <a:pPr lvl="1"/>
             <a:r>
-              <a:rPr lang="en-US" altLang="ja-JP" sz="1500" dirty="0" err="1" smtClean="0"/>
+              <a:rPr lang="en-US" altLang="ja-JP" sz="1500" dirty="0" err="1"/>
               <a:t>WebAPI</a:t>
             </a:r>
-            <a:endParaRPr lang="en-US" altLang="ja-JP" sz="1500" dirty="0" smtClean="0"/>
+            <a:endParaRPr lang="en-US" altLang="ja-JP" sz="1500" dirty="0"/>
           </a:p>
           <a:p>
             <a:pPr lvl="1"/>
             <a:r>
-              <a:rPr lang="en-US" altLang="ja-JP" sz="1500" dirty="0" err="1" smtClean="0"/>
+              <a:rPr lang="en-US" altLang="ja-JP" sz="1500" dirty="0" err="1"/>
               <a:t>Libvirt</a:t>
             </a:r>
             <a:r>
-              <a:rPr lang="ja-JP" altLang="en-US" sz="1500" dirty="0" smtClean="0"/>
+              <a:rPr lang="ja-JP" altLang="en-US" sz="1500" dirty="0"/>
               <a:t>系</a:t>
             </a:r>
-            <a:endParaRPr lang="en-US" altLang="ja-JP" sz="1500" dirty="0" smtClean="0"/>
+            <a:endParaRPr lang="en-US" altLang="ja-JP" sz="1500" dirty="0"/>
           </a:p>
           <a:p>
             <a:pPr lvl="1"/>
-            <a:endParaRPr lang="en-US" altLang="ja-JP" sz="1500" dirty="0" smtClean="0"/>
-          </a:p>
-          <a:p>
-            <a:r>
-              <a:rPr lang="en-US" altLang="ja-JP" sz="1800" dirty="0" smtClean="0"/>
+            <a:endParaRPr lang="en-US" altLang="ja-JP" sz="1500" dirty="0"/>
+          </a:p>
+          <a:p>
+            <a:r>
+              <a:rPr lang="en-US" altLang="ja-JP" sz="1800" dirty="0"/>
               <a:t>Views:</a:t>
             </a:r>
           </a:p>
           <a:p>
             <a:pPr lvl="1"/>
             <a:r>
-              <a:rPr lang="en-US" altLang="ja-JP" sz="1600" dirty="0" err="1" smtClean="0"/>
+              <a:rPr lang="en-US" altLang="ja-JP" sz="1600" dirty="0" err="1"/>
               <a:t>WebAPI</a:t>
             </a:r>
             <a:r>
-              <a:rPr lang="ja-JP" altLang="en-US" sz="1600" dirty="0" smtClean="0"/>
+              <a:rPr lang="ja-JP" altLang="en-US" sz="1600" dirty="0"/>
               <a:t>受付</a:t>
             </a:r>
-            <a:endParaRPr lang="en-US" altLang="ja-JP" sz="1600" dirty="0" smtClean="0"/>
+            <a:endParaRPr lang="en-US" altLang="ja-JP" sz="1600" dirty="0"/>
           </a:p>
           <a:p>
             <a:pPr lvl="1"/>
@@ -31685,21 +31457,21 @@
           </a:p>
           <a:p>
             <a:r>
-              <a:rPr lang="en-US" altLang="ja-JP" sz="1900" dirty="0" smtClean="0"/>
+              <a:rPr lang="en-US" altLang="ja-JP" sz="1900" dirty="0"/>
               <a:t>Controllers:</a:t>
             </a:r>
           </a:p>
           <a:p>
             <a:pPr lvl="1"/>
             <a:r>
-              <a:rPr lang="en-US" altLang="ja-JP" sz="1600" dirty="0" smtClean="0"/>
+              <a:rPr lang="en-US" altLang="ja-JP" sz="1600" dirty="0"/>
               <a:t>Views</a:t>
             </a:r>
             <a:r>
-              <a:rPr lang="ja-JP" altLang="en-US" sz="1600" dirty="0" smtClean="0"/>
+              <a:rPr lang="ja-JP" altLang="en-US" sz="1600" dirty="0"/>
               <a:t>と</a:t>
             </a:r>
-            <a:endParaRPr lang="en-US" altLang="ja-JP" sz="1600" dirty="0" smtClean="0"/>
+            <a:endParaRPr lang="en-US" altLang="ja-JP" sz="1600" dirty="0"/>
           </a:p>
           <a:p>
             <a:pPr marL="0" lvl="1" indent="0">
@@ -31712,7 +31484,7 @@
               <a:buNone/>
             </a:pPr>
             <a:r>
-              <a:rPr lang="en-US" altLang="ja-JP" sz="1600" dirty="0" smtClean="0"/>
+              <a:rPr lang="en-US" altLang="ja-JP" sz="1600" dirty="0"/>
               <a:t>          Models</a:t>
             </a:r>
             <a:r>
@@ -31721,35 +31493,35 @@
             </a:r>
           </a:p>
           <a:p>
-            <a:endParaRPr lang="en-US" altLang="ja-JP" sz="1900" dirty="0" smtClean="0"/>
-          </a:p>
-          <a:p>
-            <a:r>
-              <a:rPr lang="en-US" altLang="ja-JP" sz="1900" dirty="0" smtClean="0"/>
+            <a:endParaRPr lang="en-US" altLang="ja-JP" sz="1900" dirty="0"/>
+          </a:p>
+          <a:p>
+            <a:r>
+              <a:rPr lang="en-US" altLang="ja-JP" sz="1900" dirty="0"/>
               <a:t>Models</a:t>
             </a:r>
           </a:p>
           <a:p>
             <a:pPr lvl="1"/>
             <a:r>
-              <a:rPr lang="en-US" altLang="ja-JP" sz="1600" dirty="0" smtClean="0"/>
+              <a:rPr lang="en-US" altLang="ja-JP" sz="1600" dirty="0"/>
               <a:t>DB</a:t>
             </a:r>
             <a:r>
-              <a:rPr lang="ja-JP" altLang="en-US" sz="1600" dirty="0" smtClean="0"/>
+              <a:rPr lang="ja-JP" altLang="en-US" sz="1600" dirty="0"/>
               <a:t>等各処理</a:t>
             </a:r>
-            <a:endParaRPr lang="en-US" altLang="ja-JP" sz="1600" dirty="0" smtClean="0"/>
+            <a:endParaRPr lang="en-US" altLang="ja-JP" sz="1600" dirty="0"/>
           </a:p>
           <a:p>
             <a:pPr marL="274638" lvl="1" indent="0">
               <a:buNone/>
             </a:pPr>
             <a:r>
-              <a:rPr lang="ja-JP" altLang="en-US" sz="1600" dirty="0" smtClean="0"/>
+              <a:rPr lang="ja-JP" altLang="en-US" sz="1600" dirty="0"/>
               <a:t>　　</a:t>
             </a:r>
-            <a:endParaRPr lang="en-US" altLang="ja-JP" sz="1600" dirty="0" smtClean="0"/>
+            <a:endParaRPr lang="en-US" altLang="ja-JP" sz="1600" dirty="0"/>
           </a:p>
         </p:txBody>
       </p:sp>
@@ -32008,7 +31780,7 @@
           <a:p>
             <a:pPr algn="l"/>
             <a:r>
-              <a:rPr kumimoji="1" lang="en-US" altLang="ja-JP" sz="1100" b="1" dirty="0" err="1" smtClean="0"/>
+              <a:rPr kumimoji="1" lang="en-US" altLang="ja-JP" sz="1100" b="1" dirty="0" err="1"/>
               <a:t>Cntrollers</a:t>
             </a:r>
             <a:endParaRPr kumimoji="1" lang="en-US" altLang="ja-JP" sz="1100" b="1" dirty="0"/>
@@ -32145,7 +31917,7 @@
           <a:p>
             <a:pPr algn="l"/>
             <a:r>
-              <a:rPr kumimoji="1" lang="en-US" altLang="ja-JP" sz="1100" b="1" dirty="0" smtClean="0"/>
+              <a:rPr kumimoji="1" lang="en-US" altLang="ja-JP" sz="1100" b="1" dirty="0"/>
               <a:t>Views</a:t>
             </a:r>
           </a:p>
@@ -32411,7 +32183,7 @@
           </a:lstStyle>
           <a:p>
             <a:r>
-              <a:rPr kumimoji="1" lang="en-US" altLang="ja-JP" sz="1100" b="1" dirty="0" smtClean="0"/>
+              <a:rPr kumimoji="1" lang="en-US" altLang="ja-JP" sz="1100" b="1" dirty="0"/>
               <a:t>Models</a:t>
             </a:r>
             <a:endParaRPr kumimoji="1" lang="ja-JP" altLang="en-US" sz="1100" b="1" dirty="0"/>
@@ -32544,20 +32316,12 @@
           <a:p>
             <a:pPr algn="l"/>
             <a:r>
-              <a:rPr lang="en-US" altLang="ja-JP" b="1" dirty="0" smtClean="0">
+              <a:rPr lang="en-US" altLang="ja-JP" b="1" dirty="0">
                 <a:solidFill>
                   <a:schemeClr val="tx1"/>
                 </a:solidFill>
               </a:rPr>
-              <a:t>Control </a:t>
-            </a:r>
-            <a:r>
-              <a:rPr lang="ja-JP" altLang="en-US" b="1" dirty="0" smtClean="0">
-                <a:solidFill>
-                  <a:schemeClr val="tx1"/>
-                </a:solidFill>
-              </a:rPr>
-              <a:t>ホスト</a:t>
+              <a:t>Control Host</a:t>
             </a:r>
             <a:endParaRPr kumimoji="1" lang="ja-JP" altLang="en-US" sz="1100" b="1" dirty="0">
               <a:solidFill>
@@ -32693,20 +32457,12 @@
           <a:p>
             <a:pPr algn="l"/>
             <a:r>
-              <a:rPr lang="ja-JP" altLang="en-US" b="1" dirty="0" smtClean="0">
+              <a:rPr lang="en-US" altLang="ja-JP" b="1" dirty="0">
                 <a:solidFill>
                   <a:schemeClr val="tx1"/>
                 </a:solidFill>
               </a:rPr>
-              <a:t>仮想ホスト</a:t>
-            </a:r>
-            <a:r>
-              <a:rPr lang="en-US" altLang="ja-JP" b="1" dirty="0" smtClean="0">
-                <a:solidFill>
-                  <a:schemeClr val="tx1"/>
-                </a:solidFill>
-              </a:rPr>
-              <a:t>1,2,3</a:t>
+              <a:t>Virtual Host 1,2,3</a:t>
             </a:r>
             <a:endParaRPr kumimoji="1" lang="ja-JP" altLang="en-US" sz="1100" b="1" dirty="0">
               <a:solidFill>
@@ -32842,7 +32598,7 @@
           <a:p>
             <a:pPr algn="l"/>
             <a:r>
-              <a:rPr kumimoji="1" lang="en-US" altLang="ja-JP" sz="1100" b="1" dirty="0" smtClean="0"/>
+              <a:rPr kumimoji="1" lang="en-US" altLang="ja-JP" sz="1100" b="1" dirty="0"/>
               <a:t>Views</a:t>
             </a:r>
           </a:p>
@@ -32887,7 +32643,7 @@
           <a:p>
             <a:pPr algn="ctr"/>
             <a:r>
-              <a:rPr kumimoji="1" lang="en-US" altLang="ja-JP" sz="1050" b="1" dirty="0" err="1" smtClean="0"/>
+              <a:rPr kumimoji="1" lang="en-US" altLang="ja-JP" sz="1050" b="1" dirty="0" err="1"/>
               <a:t>mkData.rb</a:t>
             </a:r>
             <a:endParaRPr kumimoji="1" lang="ja-JP" altLang="en-US" sz="1050" b="1" dirty="0"/>
@@ -32929,7 +32685,7 @@
           <a:p>
             <a:pPr algn="ctr"/>
             <a:r>
-              <a:rPr kumimoji="1" lang="en-US" altLang="ja-JP" sz="1050" b="1" dirty="0" err="1" smtClean="0"/>
+              <a:rPr kumimoji="1" lang="en-US" altLang="ja-JP" sz="1050" b="1" dirty="0" err="1"/>
               <a:t>dcmnger.rb</a:t>
             </a:r>
             <a:endParaRPr kumimoji="1" lang="ja-JP" altLang="en-US" sz="1050" b="1" dirty="0"/>
@@ -33062,10 +32818,10 @@
           <a:p>
             <a:pPr algn="l"/>
             <a:r>
-              <a:rPr lang="en-US" altLang="ja-JP" b="1" dirty="0" err="1" smtClean="0"/>
+              <a:rPr lang="en-US" altLang="ja-JP" b="1" dirty="0" err="1"/>
               <a:t>ShellScripts</a:t>
             </a:r>
-            <a:endParaRPr kumimoji="1" lang="en-US" altLang="ja-JP" sz="1100" b="1" dirty="0" smtClean="0"/>
+            <a:endParaRPr kumimoji="1" lang="en-US" altLang="ja-JP" sz="1100" b="1" dirty="0"/>
           </a:p>
           <a:p>
             <a:pPr algn="l"/>
@@ -33108,7 +32864,7 @@
           <a:p>
             <a:pPr algn="ctr"/>
             <a:r>
-              <a:rPr kumimoji="1" lang="en-US" altLang="ja-JP" sz="1050" b="1" dirty="0" err="1" smtClean="0"/>
+              <a:rPr kumimoji="1" lang="en-US" altLang="ja-JP" sz="1050" b="1" dirty="0" err="1"/>
               <a:t>clone.sh</a:t>
             </a:r>
             <a:endParaRPr kumimoji="1" lang="ja-JP" altLang="en-US" sz="1050" b="1" dirty="0"/>
@@ -33241,10 +32997,10 @@
           <a:p>
             <a:pPr algn="l"/>
             <a:r>
-              <a:rPr kumimoji="1" lang="en-US" altLang="ja-JP" sz="1100" b="1" dirty="0" err="1" smtClean="0"/>
+              <a:rPr kumimoji="1" lang="en-US" altLang="ja-JP" sz="1100" b="1" dirty="0" err="1"/>
               <a:t>ShellScirpts</a:t>
             </a:r>
-            <a:endParaRPr kumimoji="1" lang="en-US" altLang="ja-JP" sz="1100" b="1" dirty="0" smtClean="0"/>
+            <a:endParaRPr kumimoji="1" lang="en-US" altLang="ja-JP" sz="1100" b="1" dirty="0"/>
           </a:p>
           <a:p>
             <a:pPr algn="l"/>
@@ -33252,7 +33008,7 @@
           </a:p>
           <a:p>
             <a:pPr algn="l"/>
-            <a:endParaRPr kumimoji="1" lang="en-US" altLang="ja-JP" sz="1100" b="1" dirty="0" smtClean="0"/>
+            <a:endParaRPr kumimoji="1" lang="en-US" altLang="ja-JP" sz="1100" b="1" dirty="0"/>
           </a:p>
           <a:p>
             <a:pPr algn="l"/>
@@ -33295,11 +33051,11 @@
           <a:p>
             <a:pPr algn="ctr"/>
             <a:r>
-              <a:rPr kumimoji="1" lang="en-US" altLang="ja-JP" sz="1050" b="1" dirty="0" smtClean="0"/>
+              <a:rPr kumimoji="1" lang="en-US" altLang="ja-JP" sz="1050" b="1" dirty="0"/>
               <a:t>centos-</a:t>
             </a:r>
             <a:r>
-              <a:rPr kumimoji="1" lang="en-US" altLang="ja-JP" sz="1050" b="1" dirty="0" err="1" smtClean="0"/>
+              <a:rPr kumimoji="1" lang="en-US" altLang="ja-JP" sz="1050" b="1" dirty="0" err="1"/>
               <a:t>new.sh</a:t>
             </a:r>
             <a:endParaRPr kumimoji="1" lang="ja-JP" altLang="en-US" sz="1050" b="1" dirty="0"/>
@@ -33341,11 +33097,11 @@
           <a:p>
             <a:pPr algn="ctr"/>
             <a:r>
-              <a:rPr lang="en-US" altLang="ja-JP" sz="1050" b="1" dirty="0" err="1" smtClean="0"/>
+              <a:rPr lang="en-US" altLang="ja-JP" sz="1050" b="1" dirty="0" err="1"/>
               <a:t>hva</a:t>
             </a:r>
             <a:r>
-              <a:rPr kumimoji="1" lang="en-US" altLang="ja-JP" sz="1050" b="1" dirty="0" err="1" smtClean="0"/>
+              <a:rPr kumimoji="1" lang="en-US" altLang="ja-JP" sz="1050" b="1" dirty="0" err="1"/>
               <a:t>.rb</a:t>
             </a:r>
             <a:endParaRPr kumimoji="1" lang="ja-JP" altLang="en-US" sz="1050" b="1" dirty="0"/>
@@ -33387,11 +33143,11 @@
           <a:p>
             <a:pPr algn="ctr"/>
             <a:r>
-              <a:rPr kumimoji="1" lang="en-US" altLang="ja-JP" sz="1050" b="1" dirty="0" err="1" smtClean="0"/>
+              <a:rPr kumimoji="1" lang="en-US" altLang="ja-JP" sz="1050" b="1" dirty="0" err="1"/>
               <a:t>key</a:t>
             </a:r>
             <a:r>
-              <a:rPr lang="en-US" altLang="ja-JP" sz="1050" b="1" dirty="0" err="1" smtClean="0"/>
+              <a:rPr lang="en-US" altLang="ja-JP" sz="1050" b="1" dirty="0" err="1"/>
               <a:t>_model.rb</a:t>
             </a:r>
             <a:endParaRPr kumimoji="1" lang="ja-JP" altLang="en-US" sz="1050" b="1" dirty="0"/>
@@ -33433,11 +33189,11 @@
           <a:p>
             <a:pPr algn="ctr"/>
             <a:r>
-              <a:rPr kumimoji="1" lang="en-US" altLang="ja-JP" sz="1050" b="1" dirty="0" err="1" smtClean="0"/>
+              <a:rPr kumimoji="1" lang="en-US" altLang="ja-JP" sz="1050" b="1" dirty="0" err="1"/>
               <a:t>geust</a:t>
             </a:r>
             <a:r>
-              <a:rPr lang="en-US" altLang="ja-JP" sz="1050" b="1" dirty="0" err="1" smtClean="0"/>
+              <a:rPr lang="en-US" altLang="ja-JP" sz="1050" b="1" dirty="0" err="1"/>
               <a:t>_model.rb</a:t>
             </a:r>
             <a:endParaRPr kumimoji="1" lang="ja-JP" altLang="en-US" sz="1050" b="1" dirty="0"/>
@@ -33479,11 +33235,11 @@
           <a:p>
             <a:pPr algn="ctr"/>
             <a:r>
-              <a:rPr kumimoji="1" lang="en-US" altLang="ja-JP" sz="1050" b="1" dirty="0" err="1" smtClean="0"/>
+              <a:rPr kumimoji="1" lang="en-US" altLang="ja-JP" sz="1050" b="1" dirty="0" err="1"/>
               <a:t>host</a:t>
             </a:r>
             <a:r>
-              <a:rPr lang="en-US" altLang="ja-JP" sz="1050" b="1" dirty="0" err="1" smtClean="0"/>
+              <a:rPr lang="en-US" altLang="ja-JP" sz="1050" b="1" dirty="0" err="1"/>
               <a:t>_model.rb</a:t>
             </a:r>
             <a:endParaRPr kumimoji="1" lang="ja-JP" altLang="en-US" sz="1050" b="1" dirty="0"/>
@@ -33848,7 +33604,7 @@
           <a:p>
             <a:pPr algn="l"/>
             <a:r>
-              <a:rPr lang="en-US" altLang="ja-JP" dirty="0" err="1" smtClean="0"/>
+              <a:rPr lang="en-US" altLang="ja-JP" dirty="0" err="1"/>
               <a:t>mkData,db</a:t>
             </a:r>
             <a:endParaRPr kumimoji="1" lang="ja-JP" altLang="en-US" sz="1100" dirty="0"/>
@@ -33865,13 +33621,6 @@
   <p:clrMapOvr>
     <a:masterClrMapping/>
   </p:clrMapOvr>
-  <p:timing>
-    <p:tnLst>
-      <p:par>
-        <p:cTn xmlns:p14="http://schemas.microsoft.com/office/powerpoint/2010/main" id="1" dur="indefinite" restart="never" nodeType="tmRoot"/>
-      </p:par>
-    </p:tnLst>
-  </p:timing>
 </p:sld>
 </file>
 
@@ -33908,14 +33657,13 @@
           <a:lstStyle/>
           <a:p>
             <a:r>
-              <a:rPr kumimoji="1" lang="en-US" altLang="ja-JP" dirty="0" smtClean="0"/>
+              <a:rPr kumimoji="1" lang="en-US" altLang="ja-JP" dirty="0"/>
               <a:t>DB</a:t>
             </a:r>
             <a:r>
-              <a:rPr kumimoji="1" lang="ja-JP" altLang="en-US" dirty="0" smtClean="0"/>
+              <a:rPr kumimoji="1" lang="ja-JP" altLang="en-US" dirty="0"/>
               <a:t>構成</a:t>
             </a:r>
-            <a:endParaRPr kumimoji="1" lang="ja-JP" altLang="en-US" dirty="0"/>
           </a:p>
         </p:txBody>
       </p:sp>
@@ -33945,10 +33693,34 @@
                 <a:tableStyleId>{3C2FFA5D-87B4-456A-9821-1D502468CF0F}</a:tableStyleId>
               </a:tblPr>
               <a:tblGrid>
-                <a:gridCol w="1421416"/>
-                <a:gridCol w="1561019"/>
-                <a:gridCol w="675807"/>
-                <a:gridCol w="926458"/>
+                <a:gridCol w="1421416">
+                  <a:extLst>
+                    <a:ext uri="{9D8B030D-6E8A-4147-A177-3AD203B41FA5}">
+                      <a16:colId xmlns:a16="http://schemas.microsoft.com/office/drawing/2014/main" val="20000"/>
+                    </a:ext>
+                  </a:extLst>
+                </a:gridCol>
+                <a:gridCol w="1561019">
+                  <a:extLst>
+                    <a:ext uri="{9D8B030D-6E8A-4147-A177-3AD203B41FA5}">
+                      <a16:colId xmlns:a16="http://schemas.microsoft.com/office/drawing/2014/main" val="20001"/>
+                    </a:ext>
+                  </a:extLst>
+                </a:gridCol>
+                <a:gridCol w="675807">
+                  <a:extLst>
+                    <a:ext uri="{9D8B030D-6E8A-4147-A177-3AD203B41FA5}">
+                      <a16:colId xmlns:a16="http://schemas.microsoft.com/office/drawing/2014/main" val="20002"/>
+                    </a:ext>
+                  </a:extLst>
+                </a:gridCol>
+                <a:gridCol w="926458">
+                  <a:extLst>
+                    <a:ext uri="{9D8B030D-6E8A-4147-A177-3AD203B41FA5}">
+                      <a16:colId xmlns:a16="http://schemas.microsoft.com/office/drawing/2014/main" val="20003"/>
+                    </a:ext>
+                  </a:extLst>
+                </a:gridCol>
               </a:tblGrid>
               <a:tr h="171450">
                 <a:tc>
@@ -34047,6 +33819,11 @@
                   </a:txBody>
                   <a:tcPr marL="0" marR="0" marT="0" marB="0" anchor="ctr"/>
                 </a:tc>
+                <a:extLst>
+                  <a:ext uri="{0D108BD9-81ED-4DB2-BD59-A6C34878D82A}">
+                    <a16:rowId xmlns:a16="http://schemas.microsoft.com/office/drawing/2014/main" val="10000"/>
+                  </a:ext>
+                </a:extLst>
               </a:tr>
               <a:tr h="171450">
                 <a:tc>
@@ -34151,6 +33928,11 @@
                   </a:txBody>
                   <a:tcPr marL="0" marR="0" marT="0" marB="0" anchor="ctr"/>
                 </a:tc>
+                <a:extLst>
+                  <a:ext uri="{0D108BD9-81ED-4DB2-BD59-A6C34878D82A}">
+                    <a16:rowId xmlns:a16="http://schemas.microsoft.com/office/drawing/2014/main" val="10001"/>
+                  </a:ext>
+                </a:extLst>
               </a:tr>
               <a:tr h="171450">
                 <a:tc>
@@ -34208,7 +33990,7 @@
                     <a:p>
                       <a:pPr algn="l" fontAlgn="ctr"/>
                       <a:r>
-                        <a:rPr lang="en-US" sz="1100" u="none" strike="noStrike" dirty="0" smtClean="0">
+                        <a:rPr lang="en-US" sz="1100" u="none" strike="noStrike" dirty="0">
                           <a:effectLst/>
                         </a:rPr>
                         <a:t>text</a:t>
@@ -34249,6 +34031,11 @@
                   </a:txBody>
                   <a:tcPr marL="0" marR="0" marT="0" marB="0" anchor="ctr"/>
                 </a:tc>
+                <a:extLst>
+                  <a:ext uri="{0D108BD9-81ED-4DB2-BD59-A6C34878D82A}">
+                    <a16:rowId xmlns:a16="http://schemas.microsoft.com/office/drawing/2014/main" val="10002"/>
+                  </a:ext>
+                </a:extLst>
               </a:tr>
               <a:tr h="171450">
                 <a:tc>
@@ -34347,6 +34134,11 @@
                   </a:txBody>
                   <a:tcPr marL="0" marR="0" marT="0" marB="0" anchor="ctr"/>
                 </a:tc>
+                <a:extLst>
+                  <a:ext uri="{0D108BD9-81ED-4DB2-BD59-A6C34878D82A}">
+                    <a16:rowId xmlns:a16="http://schemas.microsoft.com/office/drawing/2014/main" val="10003"/>
+                  </a:ext>
+                </a:extLst>
               </a:tr>
               <a:tr h="742950">
                 <a:tc>
@@ -34404,7 +34196,7 @@
                     <a:p>
                       <a:pPr algn="l" fontAlgn="ctr"/>
                       <a:r>
-                        <a:rPr lang="en-US" sz="1100" u="none" strike="noStrike" dirty="0" smtClean="0">
+                        <a:rPr lang="en-US" sz="1100" u="none" strike="noStrike" dirty="0">
                           <a:effectLst/>
                         </a:rPr>
                         <a:t>text</a:t>
@@ -34478,6 +34270,11 @@
                   </a:txBody>
                   <a:tcPr marL="0" marR="0" marT="0" marB="0" anchor="ctr"/>
                 </a:tc>
+                <a:extLst>
+                  <a:ext uri="{0D108BD9-81ED-4DB2-BD59-A6C34878D82A}">
+                    <a16:rowId xmlns:a16="http://schemas.microsoft.com/office/drawing/2014/main" val="10004"/>
+                  </a:ext>
+                </a:extLst>
               </a:tr>
               <a:tr h="180975">
                 <a:tc>
@@ -34582,6 +34379,11 @@
                   </a:txBody>
                   <a:tcPr marL="0" marR="0" marT="0" marB="0" anchor="ctr"/>
                 </a:tc>
+                <a:extLst>
+                  <a:ext uri="{0D108BD9-81ED-4DB2-BD59-A6C34878D82A}">
+                    <a16:rowId xmlns:a16="http://schemas.microsoft.com/office/drawing/2014/main" val="10005"/>
+                  </a:ext>
+                </a:extLst>
               </a:tr>
             </a:tbl>
           </a:graphicData>
@@ -34612,10 +34414,34 @@
                 <a:tableStyleId>{69C7853C-536D-4A76-A0AE-DD22124D55A5}</a:tableStyleId>
               </a:tblPr>
               <a:tblGrid>
-                <a:gridCol w="1421416"/>
-                <a:gridCol w="1561019"/>
-                <a:gridCol w="675807"/>
-                <a:gridCol w="926458"/>
+                <a:gridCol w="1421416">
+                  <a:extLst>
+                    <a:ext uri="{9D8B030D-6E8A-4147-A177-3AD203B41FA5}">
+                      <a16:colId xmlns:a16="http://schemas.microsoft.com/office/drawing/2014/main" val="20000"/>
+                    </a:ext>
+                  </a:extLst>
+                </a:gridCol>
+                <a:gridCol w="1561019">
+                  <a:extLst>
+                    <a:ext uri="{9D8B030D-6E8A-4147-A177-3AD203B41FA5}">
+                      <a16:colId xmlns:a16="http://schemas.microsoft.com/office/drawing/2014/main" val="20001"/>
+                    </a:ext>
+                  </a:extLst>
+                </a:gridCol>
+                <a:gridCol w="675807">
+                  <a:extLst>
+                    <a:ext uri="{9D8B030D-6E8A-4147-A177-3AD203B41FA5}">
+                      <a16:colId xmlns:a16="http://schemas.microsoft.com/office/drawing/2014/main" val="20002"/>
+                    </a:ext>
+                  </a:extLst>
+                </a:gridCol>
+                <a:gridCol w="926458">
+                  <a:extLst>
+                    <a:ext uri="{9D8B030D-6E8A-4147-A177-3AD203B41FA5}">
+                      <a16:colId xmlns:a16="http://schemas.microsoft.com/office/drawing/2014/main" val="20003"/>
+                    </a:ext>
+                  </a:extLst>
+                </a:gridCol>
               </a:tblGrid>
               <a:tr h="171450">
                 <a:tc>
@@ -34714,6 +34540,11 @@
                   </a:txBody>
                   <a:tcPr marL="0" marR="0" marT="0" marB="0" anchor="ctr"/>
                 </a:tc>
+                <a:extLst>
+                  <a:ext uri="{0D108BD9-81ED-4DB2-BD59-A6C34878D82A}">
+                    <a16:rowId xmlns:a16="http://schemas.microsoft.com/office/drawing/2014/main" val="10000"/>
+                  </a:ext>
+                </a:extLst>
               </a:tr>
               <a:tr h="171450">
                 <a:tc>
@@ -34818,6 +34649,11 @@
                   </a:txBody>
                   <a:tcPr marL="0" marR="0" marT="0" marB="0" anchor="ctr"/>
                 </a:tc>
+                <a:extLst>
+                  <a:ext uri="{0D108BD9-81ED-4DB2-BD59-A6C34878D82A}">
+                    <a16:rowId xmlns:a16="http://schemas.microsoft.com/office/drawing/2014/main" val="10001"/>
+                  </a:ext>
+                </a:extLst>
               </a:tr>
               <a:tr h="171450">
                 <a:tc>
@@ -34875,7 +34711,7 @@
                     <a:p>
                       <a:pPr algn="l" fontAlgn="ctr"/>
                       <a:r>
-                        <a:rPr lang="en-US" sz="1100" u="none" strike="noStrike" dirty="0" smtClean="0">
+                        <a:rPr lang="en-US" sz="1100" u="none" strike="noStrike" dirty="0">
                           <a:effectLst/>
                         </a:rPr>
                         <a:t>text</a:t>
@@ -34916,6 +34752,11 @@
                   </a:txBody>
                   <a:tcPr marL="0" marR="0" marT="0" marB="0" anchor="ctr"/>
                 </a:tc>
+                <a:extLst>
+                  <a:ext uri="{0D108BD9-81ED-4DB2-BD59-A6C34878D82A}">
+                    <a16:rowId xmlns:a16="http://schemas.microsoft.com/office/drawing/2014/main" val="10002"/>
+                  </a:ext>
+                </a:extLst>
               </a:tr>
               <a:tr h="171450">
                 <a:tc>
@@ -35014,6 +34855,11 @@
                   </a:txBody>
                   <a:tcPr marL="0" marR="0" marT="0" marB="0" anchor="ctr"/>
                 </a:tc>
+                <a:extLst>
+                  <a:ext uri="{0D108BD9-81ED-4DB2-BD59-A6C34878D82A}">
+                    <a16:rowId xmlns:a16="http://schemas.microsoft.com/office/drawing/2014/main" val="10003"/>
+                  </a:ext>
+                </a:extLst>
               </a:tr>
               <a:tr h="180975">
                 <a:tc>
@@ -35112,6 +34958,11 @@
                   </a:txBody>
                   <a:tcPr marL="0" marR="0" marT="0" marB="0" anchor="ctr"/>
                 </a:tc>
+                <a:extLst>
+                  <a:ext uri="{0D108BD9-81ED-4DB2-BD59-A6C34878D82A}">
+                    <a16:rowId xmlns:a16="http://schemas.microsoft.com/office/drawing/2014/main" val="10004"/>
+                  </a:ext>
+                </a:extLst>
               </a:tr>
             </a:tbl>
           </a:graphicData>
@@ -35142,10 +34993,34 @@
                 <a:tableStyleId>{775DCB02-9BB8-47FD-8907-85C794F793BA}</a:tableStyleId>
               </a:tblPr>
               <a:tblGrid>
-                <a:gridCol w="1421416"/>
-                <a:gridCol w="1561019"/>
-                <a:gridCol w="675807"/>
-                <a:gridCol w="926458"/>
+                <a:gridCol w="1421416">
+                  <a:extLst>
+                    <a:ext uri="{9D8B030D-6E8A-4147-A177-3AD203B41FA5}">
+                      <a16:colId xmlns:a16="http://schemas.microsoft.com/office/drawing/2014/main" val="20000"/>
+                    </a:ext>
+                  </a:extLst>
+                </a:gridCol>
+                <a:gridCol w="1561019">
+                  <a:extLst>
+                    <a:ext uri="{9D8B030D-6E8A-4147-A177-3AD203B41FA5}">
+                      <a16:colId xmlns:a16="http://schemas.microsoft.com/office/drawing/2014/main" val="20001"/>
+                    </a:ext>
+                  </a:extLst>
+                </a:gridCol>
+                <a:gridCol w="675807">
+                  <a:extLst>
+                    <a:ext uri="{9D8B030D-6E8A-4147-A177-3AD203B41FA5}">
+                      <a16:colId xmlns:a16="http://schemas.microsoft.com/office/drawing/2014/main" val="20002"/>
+                    </a:ext>
+                  </a:extLst>
+                </a:gridCol>
+                <a:gridCol w="926458">
+                  <a:extLst>
+                    <a:ext uri="{9D8B030D-6E8A-4147-A177-3AD203B41FA5}">
+                      <a16:colId xmlns:a16="http://schemas.microsoft.com/office/drawing/2014/main" val="20003"/>
+                    </a:ext>
+                  </a:extLst>
+                </a:gridCol>
               </a:tblGrid>
               <a:tr h="171450">
                 <a:tc>
@@ -35244,6 +35119,11 @@
                   </a:txBody>
                   <a:tcPr marL="0" marR="0" marT="0" marB="0" anchor="ctr"/>
                 </a:tc>
+                <a:extLst>
+                  <a:ext uri="{0D108BD9-81ED-4DB2-BD59-A6C34878D82A}">
+                    <a16:rowId xmlns:a16="http://schemas.microsoft.com/office/drawing/2014/main" val="10000"/>
+                  </a:ext>
+                </a:extLst>
               </a:tr>
               <a:tr h="171450">
                 <a:tc>
@@ -35348,6 +35228,11 @@
                   </a:txBody>
                   <a:tcPr marL="0" marR="0" marT="0" marB="0" anchor="ctr"/>
                 </a:tc>
+                <a:extLst>
+                  <a:ext uri="{0D108BD9-81ED-4DB2-BD59-A6C34878D82A}">
+                    <a16:rowId xmlns:a16="http://schemas.microsoft.com/office/drawing/2014/main" val="10001"/>
+                  </a:ext>
+                </a:extLst>
               </a:tr>
               <a:tr h="171450">
                 <a:tc>
@@ -35411,7 +35296,7 @@
                     <a:p>
                       <a:pPr algn="l" fontAlgn="ctr"/>
                       <a:r>
-                        <a:rPr lang="en-US" sz="1100" u="none" strike="noStrike" dirty="0" smtClean="0">
+                        <a:rPr lang="en-US" sz="1100" u="none" strike="noStrike" dirty="0">
                           <a:effectLst/>
                         </a:rPr>
                         <a:t>text</a:t>
@@ -35452,6 +35337,11 @@
                   </a:txBody>
                   <a:tcPr marL="0" marR="0" marT="0" marB="0" anchor="ctr"/>
                 </a:tc>
+                <a:extLst>
+                  <a:ext uri="{0D108BD9-81ED-4DB2-BD59-A6C34878D82A}">
+                    <a16:rowId xmlns:a16="http://schemas.microsoft.com/office/drawing/2014/main" val="10002"/>
+                  </a:ext>
+                </a:extLst>
               </a:tr>
               <a:tr h="180975">
                 <a:tc>
@@ -35515,7 +35405,7 @@
                     <a:p>
                       <a:pPr algn="l" fontAlgn="ctr"/>
                       <a:r>
-                        <a:rPr lang="en-US" sz="1100" u="none" strike="noStrike" dirty="0" smtClean="0">
+                        <a:rPr lang="en-US" sz="1100" u="none" strike="noStrike" dirty="0">
                           <a:effectLst/>
                         </a:rPr>
                         <a:t>text</a:t>
@@ -35556,6 +35446,11 @@
                   </a:txBody>
                   <a:tcPr marL="0" marR="0" marT="0" marB="0" anchor="ctr"/>
                 </a:tc>
+                <a:extLst>
+                  <a:ext uri="{0D108BD9-81ED-4DB2-BD59-A6C34878D82A}">
+                    <a16:rowId xmlns:a16="http://schemas.microsoft.com/office/drawing/2014/main" val="10003"/>
+                  </a:ext>
+                </a:extLst>
               </a:tr>
             </a:tbl>
           </a:graphicData>
@@ -35586,10 +35481,34 @@
                 <a:tableStyleId>{35758FB7-9AC5-4552-8A53-C91805E547FA}</a:tableStyleId>
               </a:tblPr>
               <a:tblGrid>
-                <a:gridCol w="1421416"/>
-                <a:gridCol w="1561019"/>
-                <a:gridCol w="675807"/>
-                <a:gridCol w="926458"/>
+                <a:gridCol w="1421416">
+                  <a:extLst>
+                    <a:ext uri="{9D8B030D-6E8A-4147-A177-3AD203B41FA5}">
+                      <a16:colId xmlns:a16="http://schemas.microsoft.com/office/drawing/2014/main" val="20000"/>
+                    </a:ext>
+                  </a:extLst>
+                </a:gridCol>
+                <a:gridCol w="1561019">
+                  <a:extLst>
+                    <a:ext uri="{9D8B030D-6E8A-4147-A177-3AD203B41FA5}">
+                      <a16:colId xmlns:a16="http://schemas.microsoft.com/office/drawing/2014/main" val="20001"/>
+                    </a:ext>
+                  </a:extLst>
+                </a:gridCol>
+                <a:gridCol w="675807">
+                  <a:extLst>
+                    <a:ext uri="{9D8B030D-6E8A-4147-A177-3AD203B41FA5}">
+                      <a16:colId xmlns:a16="http://schemas.microsoft.com/office/drawing/2014/main" val="20002"/>
+                    </a:ext>
+                  </a:extLst>
+                </a:gridCol>
+                <a:gridCol w="926458">
+                  <a:extLst>
+                    <a:ext uri="{9D8B030D-6E8A-4147-A177-3AD203B41FA5}">
+                      <a16:colId xmlns:a16="http://schemas.microsoft.com/office/drawing/2014/main" val="20003"/>
+                    </a:ext>
+                  </a:extLst>
+                </a:gridCol>
               </a:tblGrid>
               <a:tr h="171450">
                 <a:tc>
@@ -35688,6 +35607,11 @@
                   </a:txBody>
                   <a:tcPr marL="0" marR="0" marT="0" marB="0" anchor="ctr"/>
                 </a:tc>
+                <a:extLst>
+                  <a:ext uri="{0D108BD9-81ED-4DB2-BD59-A6C34878D82A}">
+                    <a16:rowId xmlns:a16="http://schemas.microsoft.com/office/drawing/2014/main" val="10000"/>
+                  </a:ext>
+                </a:extLst>
               </a:tr>
               <a:tr h="171450">
                 <a:tc>
@@ -35792,6 +35716,11 @@
                   </a:txBody>
                   <a:tcPr marL="0" marR="0" marT="0" marB="0" anchor="ctr"/>
                 </a:tc>
+                <a:extLst>
+                  <a:ext uri="{0D108BD9-81ED-4DB2-BD59-A6C34878D82A}">
+                    <a16:rowId xmlns:a16="http://schemas.microsoft.com/office/drawing/2014/main" val="10001"/>
+                  </a:ext>
+                </a:extLst>
               </a:tr>
               <a:tr h="180975">
                 <a:tc>
@@ -35849,7 +35778,7 @@
                     <a:p>
                       <a:pPr algn="l" fontAlgn="ctr"/>
                       <a:r>
-                        <a:rPr lang="en-US" sz="1100" u="none" strike="noStrike" dirty="0" smtClean="0">
+                        <a:rPr lang="en-US" sz="1100" u="none" strike="noStrike" dirty="0">
                           <a:effectLst/>
                         </a:rPr>
                         <a:t>text</a:t>
@@ -35890,6 +35819,11 @@
                   </a:txBody>
                   <a:tcPr marL="0" marR="0" marT="0" marB="0" anchor="ctr"/>
                 </a:tc>
+                <a:extLst>
+                  <a:ext uri="{0D108BD9-81ED-4DB2-BD59-A6C34878D82A}">
+                    <a16:rowId xmlns:a16="http://schemas.microsoft.com/office/drawing/2014/main" val="10002"/>
+                  </a:ext>
+                </a:extLst>
               </a:tr>
             </a:tbl>
           </a:graphicData>
@@ -35918,10 +35852,9 @@
           <a:lstStyle/>
           <a:p>
             <a:r>
-              <a:rPr kumimoji="1" lang="ja-JP" altLang="en-US" dirty="0" smtClean="0"/>
+              <a:rPr kumimoji="1" lang="ja-JP" altLang="en-US" dirty="0"/>
               <a:t>テーブル名：ゲスト情報</a:t>
             </a:r>
-            <a:endParaRPr kumimoji="1" lang="ja-JP" altLang="en-US" dirty="0"/>
           </a:p>
         </p:txBody>
       </p:sp>
@@ -35948,10 +35881,9 @@
           <a:lstStyle/>
           <a:p>
             <a:r>
-              <a:rPr kumimoji="1" lang="ja-JP" altLang="en-US" dirty="0" smtClean="0"/>
+              <a:rPr kumimoji="1" lang="ja-JP" altLang="en-US" dirty="0"/>
               <a:t>テーブル名：ホスト情報</a:t>
             </a:r>
-            <a:endParaRPr kumimoji="1" lang="ja-JP" altLang="en-US" dirty="0"/>
           </a:p>
         </p:txBody>
       </p:sp>
@@ -35978,26 +35910,25 @@
           <a:lstStyle/>
           <a:p>
             <a:r>
-              <a:rPr kumimoji="1" lang="ja-JP" altLang="en-US" dirty="0" smtClean="0"/>
+              <a:rPr kumimoji="1" lang="ja-JP" altLang="en-US" dirty="0"/>
               <a:t>テーブル名：</a:t>
             </a:r>
             <a:r>
-              <a:rPr kumimoji="1" lang="en-US" altLang="ja-JP" dirty="0" smtClean="0"/>
+              <a:rPr kumimoji="1" lang="en-US" altLang="ja-JP" dirty="0"/>
               <a:t>NIC</a:t>
             </a:r>
             <a:r>
-              <a:rPr kumimoji="1" lang="ja-JP" altLang="en-US" dirty="0" smtClean="0"/>
+              <a:rPr kumimoji="1" lang="ja-JP" altLang="en-US" dirty="0"/>
               <a:t>と</a:t>
             </a:r>
             <a:r>
-              <a:rPr kumimoji="1" lang="en-US" altLang="ja-JP" dirty="0" smtClean="0"/>
+              <a:rPr kumimoji="1" lang="en-US" altLang="ja-JP" dirty="0"/>
               <a:t>IP</a:t>
             </a:r>
             <a:r>
-              <a:rPr kumimoji="1" lang="ja-JP" altLang="en-US" dirty="0" smtClean="0"/>
+              <a:rPr kumimoji="1" lang="ja-JP" altLang="en-US" dirty="0"/>
               <a:t>アドレスの関連情報</a:t>
             </a:r>
-            <a:endParaRPr kumimoji="1" lang="ja-JP" altLang="en-US" dirty="0"/>
           </a:p>
         </p:txBody>
       </p:sp>
@@ -36024,10 +35955,9 @@
           <a:lstStyle/>
           <a:p>
             <a:r>
-              <a:rPr kumimoji="1" lang="ja-JP" altLang="en-US" dirty="0" smtClean="0"/>
+              <a:rPr kumimoji="1" lang="ja-JP" altLang="en-US" dirty="0"/>
               <a:t>テーブル名：鍵情報</a:t>
             </a:r>
-            <a:endParaRPr kumimoji="1" lang="ja-JP" altLang="en-US" dirty="0"/>
           </a:p>
         </p:txBody>
       </p:sp>
@@ -36056,10 +35986,34 @@
                 <a:tableStyleId>{35758FB7-9AC5-4552-8A53-C91805E547FA}</a:tableStyleId>
               </a:tblPr>
               <a:tblGrid>
-                <a:gridCol w="1421416"/>
-                <a:gridCol w="1561019"/>
-                <a:gridCol w="675807"/>
-                <a:gridCol w="926458"/>
+                <a:gridCol w="1421416">
+                  <a:extLst>
+                    <a:ext uri="{9D8B030D-6E8A-4147-A177-3AD203B41FA5}">
+                      <a16:colId xmlns:a16="http://schemas.microsoft.com/office/drawing/2014/main" val="20000"/>
+                    </a:ext>
+                  </a:extLst>
+                </a:gridCol>
+                <a:gridCol w="1561019">
+                  <a:extLst>
+                    <a:ext uri="{9D8B030D-6E8A-4147-A177-3AD203B41FA5}">
+                      <a16:colId xmlns:a16="http://schemas.microsoft.com/office/drawing/2014/main" val="20001"/>
+                    </a:ext>
+                  </a:extLst>
+                </a:gridCol>
+                <a:gridCol w="675807">
+                  <a:extLst>
+                    <a:ext uri="{9D8B030D-6E8A-4147-A177-3AD203B41FA5}">
+                      <a16:colId xmlns:a16="http://schemas.microsoft.com/office/drawing/2014/main" val="20002"/>
+                    </a:ext>
+                  </a:extLst>
+                </a:gridCol>
+                <a:gridCol w="926458">
+                  <a:extLst>
+                    <a:ext uri="{9D8B030D-6E8A-4147-A177-3AD203B41FA5}">
+                      <a16:colId xmlns:a16="http://schemas.microsoft.com/office/drawing/2014/main" val="20003"/>
+                    </a:ext>
+                  </a:extLst>
+                </a:gridCol>
               </a:tblGrid>
               <a:tr h="171450">
                 <a:tc>
@@ -36174,6 +36128,11 @@
                     </a:solidFill>
                   </a:tcPr>
                 </a:tc>
+                <a:extLst>
+                  <a:ext uri="{0D108BD9-81ED-4DB2-BD59-A6C34878D82A}">
+                    <a16:rowId xmlns:a16="http://schemas.microsoft.com/office/drawing/2014/main" val="10000"/>
+                  </a:ext>
+                </a:extLst>
               </a:tr>
               <a:tr h="171450">
                 <a:tc>
@@ -36183,13 +36142,13 @@
                     <a:p>
                       <a:pPr algn="l" fontAlgn="ctr"/>
                       <a:r>
-                        <a:rPr lang="ja-JP" altLang="en-US" sz="1100" u="none" strike="noStrike" dirty="0" smtClean="0">
+                        <a:rPr lang="ja-JP" altLang="en-US" sz="1100" u="none" strike="noStrike" dirty="0">
                           <a:effectLst/>
                         </a:rPr>
                         <a:t>顧客</a:t>
                       </a:r>
                       <a:r>
-                        <a:rPr lang="en-US" altLang="ja-JP" sz="1100" u="none" strike="noStrike" dirty="0" smtClean="0">
+                        <a:rPr lang="en-US" altLang="ja-JP" sz="1100" u="none" strike="noStrike" dirty="0">
                           <a:effectLst/>
                         </a:rPr>
                         <a:t>ID</a:t>
@@ -36217,7 +36176,7 @@
                     <a:p>
                       <a:pPr algn="l" fontAlgn="ctr"/>
                       <a:r>
-                        <a:rPr lang="en-US" sz="1100" u="none" strike="noStrike" dirty="0" err="1" smtClean="0">
+                        <a:rPr lang="en-US" sz="1100" u="none" strike="noStrike" dirty="0" err="1">
                           <a:effectLst/>
                         </a:rPr>
                         <a:t>owner_id</a:t>
@@ -36294,6 +36253,11 @@
                     </a:solidFill>
                   </a:tcPr>
                 </a:tc>
+                <a:extLst>
+                  <a:ext uri="{0D108BD9-81ED-4DB2-BD59-A6C34878D82A}">
+                    <a16:rowId xmlns:a16="http://schemas.microsoft.com/office/drawing/2014/main" val="10001"/>
+                  </a:ext>
+                </a:extLst>
               </a:tr>
               <a:tr h="180975">
                 <a:tc>
@@ -36303,7 +36267,7 @@
                     <a:p>
                       <a:pPr algn="l" fontAlgn="ctr"/>
                       <a:r>
-                        <a:rPr lang="ja-JP" altLang="en-US" sz="1100" b="0" i="0" u="none" strike="noStrike" dirty="0" smtClean="0">
+                        <a:rPr lang="ja-JP" altLang="en-US" sz="1100" b="0" i="0" u="none" strike="noStrike" dirty="0">
                           <a:solidFill>
                             <a:srgbClr val="000000"/>
                           </a:solidFill>
@@ -36313,14 +36277,6 @@
                         </a:rPr>
                         <a:t>顧客名</a:t>
                       </a:r>
-                      <a:endParaRPr lang="ja-JP" altLang="en-US" sz="1100" b="0" i="0" u="none" strike="noStrike" dirty="0">
-                        <a:solidFill>
-                          <a:srgbClr val="000000"/>
-                        </a:solidFill>
-                        <a:effectLst/>
-                        <a:latin typeface="ＭＳ Ｐゴシック" panose="020B0600070205080204" pitchFamily="50" charset="-128"/>
-                        <a:ea typeface="ＭＳ Ｐゴシック" panose="020B0600070205080204" pitchFamily="50" charset="-128"/>
-                      </a:endParaRPr>
                     </a:p>
                   </a:txBody>
                   <a:tcPr marL="0" marR="0" marT="0" marB="0" anchor="ctr">
@@ -36336,7 +36292,7 @@
                     <a:p>
                       <a:pPr algn="l" fontAlgn="ctr"/>
                       <a:r>
-                        <a:rPr lang="en-US" sz="1100" u="none" strike="noStrike" dirty="0" smtClean="0">
+                        <a:rPr lang="en-US" sz="1100" u="none" strike="noStrike" dirty="0">
                           <a:effectLst/>
                         </a:rPr>
                         <a:t>owner</a:t>
@@ -36364,7 +36320,7 @@
                     <a:p>
                       <a:pPr algn="l" fontAlgn="ctr"/>
                       <a:r>
-                        <a:rPr lang="en-US" sz="1100" u="none" strike="noStrike" dirty="0" smtClean="0">
+                        <a:rPr lang="en-US" sz="1100" u="none" strike="noStrike" dirty="0">
                           <a:effectLst/>
                         </a:rPr>
                         <a:t>text</a:t>
@@ -36413,6 +36369,11 @@
                     </a:solidFill>
                   </a:tcPr>
                 </a:tc>
+                <a:extLst>
+                  <a:ext uri="{0D108BD9-81ED-4DB2-BD59-A6C34878D82A}">
+                    <a16:rowId xmlns:a16="http://schemas.microsoft.com/office/drawing/2014/main" val="10002"/>
+                  </a:ext>
+                </a:extLst>
               </a:tr>
             </a:tbl>
           </a:graphicData>
@@ -36441,18 +36402,17 @@
           <a:lstStyle/>
           <a:p>
             <a:r>
-              <a:rPr kumimoji="1" lang="ja-JP" altLang="en-US" dirty="0" smtClean="0"/>
+              <a:rPr kumimoji="1" lang="ja-JP" altLang="en-US" dirty="0"/>
               <a:t>テーブル名：</a:t>
             </a:r>
             <a:r>
-              <a:rPr lang="ja-JP" altLang="en-US" dirty="0" smtClean="0"/>
+              <a:rPr lang="ja-JP" altLang="en-US" dirty="0"/>
               <a:t>顧客</a:t>
             </a:r>
             <a:r>
-              <a:rPr kumimoji="1" lang="ja-JP" altLang="en-US" dirty="0" smtClean="0"/>
+              <a:rPr kumimoji="1" lang="ja-JP" altLang="en-US" dirty="0"/>
               <a:t>情報</a:t>
             </a:r>
-            <a:endParaRPr kumimoji="1" lang="ja-JP" altLang="en-US" dirty="0"/>
           </a:p>
         </p:txBody>
       </p:sp>
@@ -36466,13 +36426,6 @@
   <p:clrMapOvr>
     <a:masterClrMapping/>
   </p:clrMapOvr>
-  <p:timing>
-    <p:tnLst>
-      <p:par>
-        <p:cTn xmlns:p14="http://schemas.microsoft.com/office/powerpoint/2010/main" id="1" dur="indefinite" restart="never" nodeType="tmRoot"/>
-      </p:par>
-    </p:tnLst>
-  </p:timing>
 </p:sld>
 </file>
 
@@ -36750,11 +36703,11 @@
           <a:p>
             <a:pPr algn="l"/>
             <a:r>
-              <a:rPr kumimoji="1" lang="ja-JP" altLang="en-US" sz="1100" b="1" dirty="0" smtClean="0"/>
+              <a:rPr kumimoji="1" lang="ja-JP" altLang="en-US" sz="1100" b="1" dirty="0"/>
               <a:t>ゲスト</a:t>
             </a:r>
             <a:r>
-              <a:rPr kumimoji="1" lang="en-US" altLang="ja-JP" sz="1100" b="1" dirty="0" smtClean="0"/>
+              <a:rPr kumimoji="1" lang="en-US" altLang="ja-JP" sz="1100" b="1" dirty="0"/>
               <a:t>VM</a:t>
             </a:r>
           </a:p>
@@ -36785,14 +36738,13 @@
           <a:lstStyle/>
           <a:p>
             <a:r>
-              <a:rPr kumimoji="1" lang="en-US" altLang="ja-JP" dirty="0" smtClean="0"/>
+              <a:rPr kumimoji="1" lang="en-US" altLang="ja-JP" dirty="0"/>
               <a:t>VM</a:t>
             </a:r>
             <a:r>
-              <a:rPr kumimoji="1" lang="ja-JP" altLang="en-US" dirty="0" smtClean="0"/>
+              <a:rPr kumimoji="1" lang="ja-JP" altLang="en-US" dirty="0"/>
               <a:t>の鍵管理について</a:t>
             </a:r>
-            <a:endParaRPr kumimoji="1" lang="ja-JP" altLang="en-US" dirty="0"/>
           </a:p>
         </p:txBody>
       </p:sp>
@@ -37080,7 +37032,7 @@
           <a:p>
             <a:pPr algn="l"/>
             <a:r>
-              <a:rPr kumimoji="1" lang="en-US" altLang="ja-JP" sz="1100" b="1" dirty="0" smtClean="0"/>
+              <a:rPr kumimoji="1" lang="en-US" altLang="ja-JP" sz="1100" b="1" dirty="0"/>
               <a:t>Views</a:t>
             </a:r>
           </a:p>
@@ -37216,7 +37168,7 @@
           <a:p>
             <a:pPr algn="l"/>
             <a:r>
-              <a:rPr lang="en-US" altLang="ja-JP" b="1" dirty="0" smtClean="0">
+              <a:rPr lang="en-US" altLang="ja-JP" b="1" dirty="0">
                 <a:solidFill>
                   <a:schemeClr val="tx1"/>
                 </a:solidFill>
@@ -37224,7 +37176,7 @@
               <a:t>Control </a:t>
             </a:r>
             <a:r>
-              <a:rPr lang="ja-JP" altLang="en-US" b="1" dirty="0" smtClean="0">
+              <a:rPr lang="ja-JP" altLang="en-US" b="1" dirty="0">
                 <a:solidFill>
                   <a:schemeClr val="tx1"/>
                 </a:solidFill>
@@ -37365,7 +37317,7 @@
           <a:p>
             <a:pPr algn="l"/>
             <a:r>
-              <a:rPr lang="ja-JP" altLang="en-US" b="1" dirty="0" smtClean="0">
+              <a:rPr lang="ja-JP" altLang="en-US" b="1" dirty="0">
                 <a:solidFill>
                   <a:schemeClr val="tx1"/>
                 </a:solidFill>
@@ -37373,7 +37325,7 @@
               <a:t>仮想ホスト</a:t>
             </a:r>
             <a:r>
-              <a:rPr lang="en-US" altLang="ja-JP" b="1" dirty="0" smtClean="0">
+              <a:rPr lang="en-US" altLang="ja-JP" b="1" dirty="0">
                 <a:solidFill>
                   <a:schemeClr val="tx1"/>
                 </a:solidFill>
@@ -37423,14 +37375,13 @@
           <a:p>
             <a:pPr algn="ctr"/>
             <a:r>
-              <a:rPr kumimoji="1" lang="en-US" altLang="ja-JP" sz="1050" b="1" dirty="0" smtClean="0"/>
+              <a:rPr kumimoji="1" lang="en-US" altLang="ja-JP" sz="1050" b="1" dirty="0"/>
               <a:t>1.VM</a:t>
             </a:r>
             <a:r>
-              <a:rPr kumimoji="1" lang="ja-JP" altLang="en-US" sz="1050" b="1" dirty="0" smtClean="0"/>
+              <a:rPr kumimoji="1" lang="ja-JP" altLang="en-US" sz="1050" b="1" dirty="0"/>
               <a:t>作成依頼</a:t>
             </a:r>
-            <a:endParaRPr kumimoji="1" lang="ja-JP" altLang="en-US" sz="1050" b="1" dirty="0"/>
           </a:p>
         </p:txBody>
       </p:sp>
@@ -37469,14 +37420,13 @@
           <a:p>
             <a:pPr algn="ctr"/>
             <a:r>
-              <a:rPr kumimoji="1" lang="en-US" altLang="ja-JP" sz="1050" b="1" dirty="0" smtClean="0"/>
+              <a:rPr kumimoji="1" lang="en-US" altLang="ja-JP" sz="1050" b="1" dirty="0"/>
               <a:t>2.VM</a:t>
             </a:r>
             <a:r>
-              <a:rPr kumimoji="1" lang="ja-JP" altLang="en-US" sz="1050" b="1" dirty="0" smtClean="0"/>
+              <a:rPr kumimoji="1" lang="ja-JP" altLang="en-US" sz="1050" b="1" dirty="0"/>
               <a:t>立上げ</a:t>
             </a:r>
-            <a:endParaRPr kumimoji="1" lang="ja-JP" altLang="en-US" sz="1050" b="1" dirty="0"/>
           </a:p>
         </p:txBody>
       </p:sp>
@@ -37606,7 +37556,7 @@
           <a:p>
             <a:pPr algn="l"/>
             <a:r>
-              <a:rPr lang="en-US" altLang="ja-JP" dirty="0" smtClean="0"/>
+              <a:rPr lang="en-US" altLang="ja-JP" dirty="0"/>
               <a:t>HTTP</a:t>
             </a:r>
           </a:p>
@@ -37647,14 +37597,13 @@
           <a:p>
             <a:pPr algn="ctr"/>
             <a:r>
-              <a:rPr kumimoji="1" lang="en-US" altLang="ja-JP" sz="1050" b="1" dirty="0" smtClean="0"/>
+              <a:rPr kumimoji="1" lang="en-US" altLang="ja-JP" sz="1050" b="1" dirty="0"/>
               <a:t>3.</a:t>
             </a:r>
             <a:r>
-              <a:rPr kumimoji="1" lang="ja-JP" altLang="en-US" sz="1050" b="1" dirty="0" smtClean="0"/>
+              <a:rPr kumimoji="1" lang="ja-JP" altLang="en-US" sz="1050" b="1" dirty="0"/>
               <a:t>鍵生成</a:t>
             </a:r>
-            <a:endParaRPr kumimoji="1" lang="ja-JP" altLang="en-US" sz="1050" b="1" dirty="0"/>
           </a:p>
         </p:txBody>
       </p:sp>
@@ -37784,7 +37733,7 @@
           <a:p>
             <a:pPr algn="l"/>
             <a:r>
-              <a:rPr kumimoji="1" lang="en-US" altLang="ja-JP" sz="1100" b="1" dirty="0" smtClean="0"/>
+              <a:rPr kumimoji="1" lang="en-US" altLang="ja-JP" sz="1100" b="1" dirty="0"/>
               <a:t>Controllers(DCM)</a:t>
             </a:r>
           </a:p>
@@ -37829,22 +37778,21 @@
           <a:p>
             <a:pPr algn="ctr"/>
             <a:r>
-              <a:rPr kumimoji="1" lang="en-US" altLang="ja-JP" sz="1050" b="1" dirty="0" smtClean="0"/>
+              <a:rPr kumimoji="1" lang="en-US" altLang="ja-JP" sz="1050" b="1" dirty="0"/>
               <a:t>5.DB</a:t>
             </a:r>
             <a:r>
-              <a:rPr kumimoji="1" lang="ja-JP" altLang="en-US" sz="1050" b="1" dirty="0" smtClean="0"/>
+              <a:rPr kumimoji="1" lang="ja-JP" altLang="en-US" sz="1050" b="1" dirty="0"/>
               <a:t>に鍵情報</a:t>
             </a:r>
-            <a:endParaRPr kumimoji="1" lang="en-US" altLang="ja-JP" sz="1050" b="1" dirty="0" smtClean="0"/>
+            <a:endParaRPr kumimoji="1" lang="en-US" altLang="ja-JP" sz="1050" b="1" dirty="0"/>
           </a:p>
           <a:p>
             <a:pPr algn="ctr"/>
             <a:r>
-              <a:rPr kumimoji="1" lang="ja-JP" altLang="en-US" sz="1050" b="1" dirty="0" smtClean="0"/>
+              <a:rPr kumimoji="1" lang="ja-JP" altLang="en-US" sz="1050" b="1" dirty="0"/>
               <a:t>登録依頼</a:t>
             </a:r>
-            <a:endParaRPr kumimoji="1" lang="ja-JP" altLang="en-US" sz="1050" b="1" dirty="0"/>
           </a:p>
         </p:txBody>
       </p:sp>
@@ -37973,20 +37921,16 @@
           </a:lstStyle>
           <a:p>
             <a:r>
-              <a:rPr lang="en-US" altLang="ja-JP" b="1" dirty="0" smtClean="0"/>
+              <a:rPr lang="en-US" altLang="ja-JP" b="1" dirty="0"/>
               <a:t>models</a:t>
             </a:r>
           </a:p>
           <a:p>
             <a:r>
-              <a:rPr lang="en-US" altLang="ja-JP" b="1" dirty="0" smtClean="0"/>
-              <a:t>(</a:t>
-            </a:r>
-            <a:r>
               <a:rPr lang="en-US" altLang="ja-JP" b="1" dirty="0"/>
-              <a:t>DB)</a:t>
-            </a:r>
-            <a:endParaRPr kumimoji="1" lang="en-US" altLang="ja-JP" sz="1100" b="1" dirty="0" smtClean="0"/>
+              <a:t>(DB)</a:t>
+            </a:r>
+            <a:endParaRPr kumimoji="1" lang="en-US" altLang="ja-JP" sz="1100" b="1" dirty="0"/>
           </a:p>
           <a:p>
             <a:pPr algn="l"/>
@@ -38029,16 +37973,12 @@
           <a:p>
             <a:pPr algn="ctr"/>
             <a:r>
-              <a:rPr lang="en-US" altLang="ja-JP" sz="1050" b="1" dirty="0" smtClean="0"/>
+              <a:rPr lang="en-US" altLang="ja-JP" sz="1050" b="1" dirty="0"/>
               <a:t>6.</a:t>
             </a:r>
             <a:r>
-              <a:rPr lang="ja-JP" altLang="en-US" sz="1050" b="1" dirty="0" smtClean="0"/>
-              <a:t>鍵情報</a:t>
-            </a:r>
-            <a:r>
               <a:rPr lang="ja-JP" altLang="en-US" sz="1050" b="1" dirty="0"/>
-              <a:t>登録</a:t>
+              <a:t>鍵情報登録</a:t>
             </a:r>
             <a:endParaRPr kumimoji="1" lang="ja-JP" altLang="en-US" sz="1050" b="1" dirty="0"/>
           </a:p>
@@ -38210,18 +38150,17 @@
           <a:p>
             <a:pPr algn="ctr"/>
             <a:r>
-              <a:rPr kumimoji="1" lang="en-US" altLang="ja-JP" sz="1050" b="1" dirty="0" smtClean="0"/>
+              <a:rPr kumimoji="1" lang="en-US" altLang="ja-JP" sz="1050" b="1" dirty="0"/>
               <a:t>4-(1).</a:t>
             </a:r>
             <a:r>
-              <a:rPr kumimoji="1" lang="en-US" altLang="ja-JP" sz="1050" b="1" dirty="0" err="1" smtClean="0"/>
+              <a:rPr kumimoji="1" lang="en-US" altLang="ja-JP" sz="1050" b="1" dirty="0" err="1"/>
               <a:t>MetaDataDrive</a:t>
             </a:r>
             <a:r>
-              <a:rPr kumimoji="1" lang="ja-JP" altLang="en-US" sz="1050" b="1" dirty="0" smtClean="0"/>
+              <a:rPr kumimoji="1" lang="ja-JP" altLang="en-US" sz="1050" b="1" dirty="0"/>
               <a:t>に秘密鍵を置く</a:t>
             </a:r>
-            <a:endParaRPr kumimoji="1" lang="ja-JP" altLang="en-US" sz="1050" b="1" dirty="0"/>
           </a:p>
         </p:txBody>
       </p:sp>
@@ -38260,22 +38199,21 @@
           <a:p>
             <a:pPr algn="ctr"/>
             <a:r>
-              <a:rPr lang="en-US" altLang="ja-JP" sz="1050" b="1" dirty="0" smtClean="0"/>
+              <a:rPr lang="en-US" altLang="ja-JP" sz="1050" b="1" dirty="0"/>
               <a:t>4-(2)</a:t>
             </a:r>
             <a:r>
-              <a:rPr kumimoji="1" lang="en-US" altLang="ja-JP" sz="1050" b="1" dirty="0" smtClean="0"/>
+              <a:rPr kumimoji="1" lang="en-US" altLang="ja-JP" sz="1050" b="1" dirty="0"/>
               <a:t>.</a:t>
             </a:r>
             <a:r>
-              <a:rPr kumimoji="1" lang="en-US" altLang="ja-JP" sz="1050" b="1" dirty="0" err="1" smtClean="0"/>
+              <a:rPr kumimoji="1" lang="en-US" altLang="ja-JP" sz="1050" b="1" dirty="0" err="1"/>
               <a:t>MetadataDrive</a:t>
             </a:r>
             <a:r>
-              <a:rPr kumimoji="1" lang="ja-JP" altLang="en-US" sz="1050" b="1" dirty="0" smtClean="0"/>
+              <a:rPr kumimoji="1" lang="ja-JP" altLang="en-US" sz="1050" b="1" dirty="0"/>
               <a:t>をアンマウント</a:t>
             </a:r>
-            <a:endParaRPr kumimoji="1" lang="ja-JP" altLang="en-US" sz="1050" b="1" dirty="0"/>
           </a:p>
         </p:txBody>
       </p:sp>
@@ -38445,14 +38383,13 @@
           <a:p>
             <a:pPr algn="ctr"/>
             <a:r>
-              <a:rPr kumimoji="1" lang="en-US" altLang="ja-JP" sz="1050" b="1" dirty="0" smtClean="0"/>
+              <a:rPr kumimoji="1" lang="en-US" altLang="ja-JP" sz="1050" b="1" dirty="0"/>
               <a:t>4-(3)</a:t>
             </a:r>
             <a:r>
-              <a:rPr kumimoji="1" lang="ja-JP" altLang="en-US" sz="1050" b="1" dirty="0" smtClean="0"/>
+              <a:rPr kumimoji="1" lang="ja-JP" altLang="en-US" sz="1050" b="1" dirty="0"/>
               <a:t>秘密鍵の受取り</a:t>
             </a:r>
-            <a:endParaRPr kumimoji="1" lang="ja-JP" altLang="en-US" sz="1050" b="1" dirty="0"/>
           </a:p>
         </p:txBody>
       </p:sp>
@@ -38527,14 +38464,13 @@
           <a:p>
             <a:pPr algn="ctr"/>
             <a:r>
-              <a:rPr kumimoji="1" lang="en-US" altLang="ja-JP" sz="1200" dirty="0" smtClean="0"/>
+              <a:rPr kumimoji="1" lang="en-US" altLang="ja-JP" sz="1200" dirty="0"/>
               <a:t>NFS</a:t>
             </a:r>
             <a:r>
-              <a:rPr kumimoji="1" lang="ja-JP" altLang="en-US" sz="1200" dirty="0" smtClean="0"/>
+              <a:rPr kumimoji="1" lang="ja-JP" altLang="en-US" sz="1200" dirty="0"/>
               <a:t>接続</a:t>
             </a:r>
-            <a:endParaRPr kumimoji="1" lang="ja-JP" altLang="en-US" sz="1200" dirty="0"/>
           </a:p>
         </p:txBody>
       </p:sp>
@@ -38745,13 +38681,6 @@
   <p:clrMapOvr>
     <a:masterClrMapping/>
   </p:clrMapOvr>
-  <p:timing>
-    <p:tnLst>
-      <p:par>
-        <p:cTn xmlns:p14="http://schemas.microsoft.com/office/powerpoint/2010/main" id="1" dur="indefinite" restart="never" nodeType="tmRoot"/>
-      </p:par>
-    </p:tnLst>
-  </p:timing>
 </p:sld>
 </file>
 
@@ -38788,10 +38717,9 @@
           <a:lstStyle/>
           <a:p>
             <a:r>
-              <a:rPr kumimoji="1" lang="ja-JP" altLang="en-US" dirty="0" smtClean="0"/>
+              <a:rPr kumimoji="1" lang="ja-JP" altLang="en-US" dirty="0"/>
               <a:t>オートスケールスクリプト</a:t>
             </a:r>
-            <a:endParaRPr kumimoji="1" lang="ja-JP" altLang="en-US" dirty="0"/>
           </a:p>
         </p:txBody>
       </p:sp>
@@ -38811,11 +38739,11 @@
           <a:lstStyle/>
           <a:p>
             <a:r>
-              <a:rPr kumimoji="1" lang="en-US" altLang="ja-JP" dirty="0" smtClean="0"/>
+              <a:rPr kumimoji="1" lang="en-US" altLang="ja-JP" dirty="0"/>
               <a:t>CPU</a:t>
             </a:r>
             <a:r>
-              <a:rPr kumimoji="1" lang="ja-JP" altLang="en-US" dirty="0" smtClean="0"/>
+              <a:rPr kumimoji="1" lang="ja-JP" altLang="en-US" dirty="0"/>
               <a:t>の使用率 </a:t>
             </a:r>
             <a:r>
@@ -38823,42 +38751,42 @@
               <a:t>＞</a:t>
             </a:r>
             <a:r>
-              <a:rPr kumimoji="1" lang="en-US" altLang="ja-JP" dirty="0" smtClean="0"/>
+              <a:rPr kumimoji="1" lang="en-US" altLang="ja-JP" dirty="0"/>
               <a:t> x  </a:t>
             </a:r>
             <a:r>
-              <a:rPr kumimoji="1" lang="ja-JP" altLang="en-US" dirty="0" smtClean="0"/>
+              <a:rPr kumimoji="1" lang="ja-JP" altLang="en-US" dirty="0"/>
               <a:t>⇒ スケールアウト</a:t>
             </a:r>
-            <a:endParaRPr kumimoji="1" lang="en-US" altLang="ja-JP" dirty="0" smtClean="0"/>
-          </a:p>
-          <a:p>
-            <a:r>
-              <a:rPr lang="en-US" altLang="ja-JP" dirty="0" smtClean="0"/>
+            <a:endParaRPr kumimoji="1" lang="en-US" altLang="ja-JP" dirty="0"/>
+          </a:p>
+          <a:p>
+            <a:r>
+              <a:rPr lang="en-US" altLang="ja-JP" dirty="0"/>
               <a:t>CPU</a:t>
             </a:r>
             <a:r>
-              <a:rPr lang="ja-JP" altLang="en-US" dirty="0" smtClean="0"/>
+              <a:rPr lang="ja-JP" altLang="en-US" dirty="0"/>
               <a:t>の使用率 ＜ </a:t>
             </a:r>
             <a:r>
-              <a:rPr lang="en-US" altLang="ja-JP" dirty="0" smtClean="0"/>
+              <a:rPr lang="en-US" altLang="ja-JP" dirty="0"/>
               <a:t>y  </a:t>
             </a:r>
             <a:r>
-              <a:rPr lang="ja-JP" altLang="en-US" dirty="0" smtClean="0"/>
+              <a:rPr lang="ja-JP" altLang="en-US" dirty="0"/>
               <a:t>⇒ シュリンクイン</a:t>
             </a:r>
             <a:r>
-              <a:rPr lang="en-US" altLang="ja-JP" dirty="0" smtClean="0"/>
+              <a:rPr lang="en-US" altLang="ja-JP" dirty="0"/>
               <a:t>(VM1</a:t>
             </a:r>
             <a:r>
-              <a:rPr lang="ja-JP" altLang="en-US" dirty="0" smtClean="0"/>
+              <a:rPr lang="ja-JP" altLang="en-US" dirty="0"/>
               <a:t>台の場合は例外</a:t>
             </a:r>
             <a:r>
-              <a:rPr lang="en-US" altLang="ja-JP" dirty="0" smtClean="0"/>
+              <a:rPr lang="en-US" altLang="ja-JP" dirty="0"/>
               <a:t>)</a:t>
             </a:r>
             <a:endParaRPr kumimoji="1" lang="ja-JP" altLang="en-US" dirty="0"/>
@@ -39120,14 +39048,13 @@
           <a:p>
             <a:pPr algn="l"/>
             <a:r>
-              <a:rPr kumimoji="1" lang="en-US" altLang="ja-JP" sz="1100" b="1" dirty="0" err="1" smtClean="0"/>
+              <a:rPr kumimoji="1" lang="en-US" altLang="ja-JP" sz="1100" b="1" dirty="0" err="1"/>
               <a:t>Cntrollers</a:t>
             </a:r>
             <a:r>
-              <a:rPr kumimoji="1" lang="en-US" altLang="ja-JP" sz="1100" b="1" dirty="0" smtClean="0"/>
+              <a:rPr kumimoji="1" lang="en-US" altLang="ja-JP" sz="1100" b="1" dirty="0"/>
               <a:t>(DCM)</a:t>
             </a:r>
-            <a:endParaRPr kumimoji="1" lang="en-US" altLang="ja-JP" sz="1100" b="1" dirty="0"/>
           </a:p>
           <a:p>
             <a:pPr algn="l"/>
@@ -39261,7 +39188,7 @@
           <a:p>
             <a:pPr algn="l"/>
             <a:r>
-              <a:rPr kumimoji="1" lang="en-US" altLang="ja-JP" sz="1100" b="1" dirty="0" smtClean="0"/>
+              <a:rPr kumimoji="1" lang="en-US" altLang="ja-JP" sz="1100" b="1" dirty="0"/>
               <a:t>Views</a:t>
             </a:r>
           </a:p>
@@ -39527,7 +39454,7 @@
           </a:lstStyle>
           <a:p>
             <a:r>
-              <a:rPr kumimoji="1" lang="en-US" altLang="ja-JP" sz="1100" b="1" dirty="0" smtClean="0"/>
+              <a:rPr kumimoji="1" lang="en-US" altLang="ja-JP" sz="1100" b="1" dirty="0"/>
               <a:t>Models(DB)</a:t>
             </a:r>
             <a:endParaRPr kumimoji="1" lang="ja-JP" altLang="en-US" sz="1100" b="1" dirty="0"/>
@@ -39660,7 +39587,7 @@
           <a:p>
             <a:pPr algn="l"/>
             <a:r>
-              <a:rPr lang="en-US" altLang="ja-JP" b="1" dirty="0" smtClean="0">
+              <a:rPr lang="en-US" altLang="ja-JP" b="1" dirty="0">
                 <a:solidFill>
                   <a:schemeClr val="tx1"/>
                 </a:solidFill>
@@ -39668,7 +39595,7 @@
               <a:t>Control </a:t>
             </a:r>
             <a:r>
-              <a:rPr lang="ja-JP" altLang="en-US" b="1" dirty="0" smtClean="0">
+              <a:rPr lang="ja-JP" altLang="en-US" b="1" dirty="0">
                 <a:solidFill>
                   <a:schemeClr val="tx1"/>
                 </a:solidFill>
@@ -39809,7 +39736,7 @@
           <a:p>
             <a:pPr algn="l"/>
             <a:r>
-              <a:rPr lang="ja-JP" altLang="en-US" b="1" dirty="0" smtClean="0">
+              <a:rPr lang="ja-JP" altLang="en-US" b="1" dirty="0">
                 <a:solidFill>
                   <a:schemeClr val="tx1"/>
                 </a:solidFill>
@@ -39817,7 +39744,7 @@
               <a:t>仮想ホスト</a:t>
             </a:r>
             <a:r>
-              <a:rPr lang="en-US" altLang="ja-JP" b="1" dirty="0" smtClean="0">
+              <a:rPr lang="en-US" altLang="ja-JP" b="1" dirty="0">
                 <a:solidFill>
                   <a:schemeClr val="tx1"/>
                 </a:solidFill>
@@ -40000,10 +39927,10 @@
           <a:p>
             <a:pPr algn="l"/>
             <a:r>
-              <a:rPr lang="en-US" altLang="ja-JP" b="1" dirty="0" err="1" smtClean="0"/>
+              <a:rPr lang="en-US" altLang="ja-JP" b="1" dirty="0" err="1"/>
               <a:t>ShellScripts</a:t>
             </a:r>
-            <a:endParaRPr kumimoji="1" lang="en-US" altLang="ja-JP" sz="1100" b="1" dirty="0" smtClean="0"/>
+            <a:endParaRPr kumimoji="1" lang="en-US" altLang="ja-JP" sz="1100" b="1" dirty="0"/>
           </a:p>
           <a:p>
             <a:pPr algn="l"/>
@@ -40046,7 +39973,7 @@
           <a:p>
             <a:pPr algn="ctr"/>
             <a:r>
-              <a:rPr kumimoji="1" lang="en-US" altLang="ja-JP" sz="1050" b="1" dirty="0" smtClean="0"/>
+              <a:rPr kumimoji="1" lang="en-US" altLang="ja-JP" sz="1050" b="1" dirty="0"/>
               <a:t>autoscale.sh</a:t>
             </a:r>
             <a:endParaRPr kumimoji="1" lang="ja-JP" altLang="en-US" sz="1050" b="1" dirty="0"/>
@@ -40317,10 +40244,9 @@
           <a:p>
             <a:pPr algn="ctr"/>
             <a:r>
-              <a:rPr kumimoji="1" lang="ja-JP" altLang="en-US" sz="1050" b="1" dirty="0" smtClean="0"/>
+              <a:rPr kumimoji="1" lang="ja-JP" altLang="en-US" sz="1050" b="1" dirty="0"/>
               <a:t>物理マシン等の管理</a:t>
             </a:r>
-            <a:endParaRPr kumimoji="1" lang="ja-JP" altLang="en-US" sz="1050" b="1" dirty="0"/>
           </a:p>
         </p:txBody>
       </p:sp>
@@ -40450,7 +40376,7 @@
           <a:p>
             <a:pPr algn="l"/>
             <a:r>
-              <a:rPr kumimoji="1" lang="en-US" altLang="ja-JP" sz="1100" b="1" dirty="0" smtClean="0"/>
+              <a:rPr kumimoji="1" lang="en-US" altLang="ja-JP" sz="1100" b="1" dirty="0"/>
               <a:t>VM(LB)</a:t>
             </a:r>
           </a:p>
@@ -40586,7 +40512,7 @@
           <a:p>
             <a:pPr algn="l"/>
             <a:r>
-              <a:rPr kumimoji="1" lang="en-US" altLang="ja-JP" sz="1100" b="1" dirty="0" smtClean="0"/>
+              <a:rPr kumimoji="1" lang="en-US" altLang="ja-JP" sz="1100" b="1" dirty="0"/>
               <a:t>VM(web)</a:t>
             </a:r>
           </a:p>
@@ -40722,7 +40648,7 @@
           <a:p>
             <a:pPr algn="l"/>
             <a:r>
-              <a:rPr kumimoji="1" lang="en-US" altLang="ja-JP" sz="1100" b="1" dirty="0" smtClean="0"/>
+              <a:rPr kumimoji="1" lang="en-US" altLang="ja-JP" sz="1100" b="1" dirty="0"/>
               <a:t>VM(web)</a:t>
             </a:r>
           </a:p>
@@ -40858,7 +40784,7 @@
           <a:p>
             <a:pPr algn="l"/>
             <a:r>
-              <a:rPr kumimoji="1" lang="en-US" altLang="ja-JP" sz="1100" b="1" dirty="0" smtClean="0"/>
+              <a:rPr kumimoji="1" lang="en-US" altLang="ja-JP" sz="1100" b="1" dirty="0"/>
               <a:t>VM(web)</a:t>
             </a:r>
           </a:p>
@@ -41165,14 +41091,13 @@
           <a:p>
             <a:pPr algn="ctr"/>
             <a:r>
-              <a:rPr kumimoji="1" lang="en-US" altLang="ja-JP" sz="1400" dirty="0" smtClean="0"/>
+              <a:rPr kumimoji="1" lang="en-US" altLang="ja-JP" sz="1400" dirty="0"/>
               <a:t>autoscale.sh</a:t>
             </a:r>
             <a:r>
-              <a:rPr kumimoji="1" lang="ja-JP" altLang="en-US" sz="1400" dirty="0" smtClean="0"/>
+              <a:rPr kumimoji="1" lang="ja-JP" altLang="en-US" sz="1400" dirty="0"/>
               <a:t>を起動する</a:t>
             </a:r>
-            <a:endParaRPr kumimoji="1" lang="ja-JP" altLang="en-US" sz="1400" dirty="0"/>
           </a:p>
         </p:txBody>
       </p:sp>
@@ -41251,27 +41176,27 @@
           <a:p>
             <a:pPr algn="ctr"/>
             <a:r>
-              <a:rPr kumimoji="1" lang="en-US" altLang="ja-JP" sz="1400" dirty="0" smtClean="0"/>
+              <a:rPr kumimoji="1" lang="en-US" altLang="ja-JP" sz="1400" dirty="0"/>
               <a:t>DCM</a:t>
             </a:r>
             <a:r>
-              <a:rPr kumimoji="1" lang="ja-JP" altLang="en-US" sz="1400" dirty="0" smtClean="0"/>
+              <a:rPr kumimoji="1" lang="ja-JP" altLang="en-US" sz="1400" dirty="0"/>
               <a:t>は</a:t>
             </a:r>
             <a:r>
-              <a:rPr kumimoji="1" lang="en-US" altLang="ja-JP" sz="1400" dirty="0" smtClean="0"/>
+              <a:rPr kumimoji="1" lang="en-US" altLang="ja-JP" sz="1400" dirty="0"/>
               <a:t>Web</a:t>
             </a:r>
             <a:r>
-              <a:rPr kumimoji="1" lang="ja-JP" altLang="en-US" sz="1400" dirty="0" smtClean="0"/>
+              <a:rPr kumimoji="1" lang="ja-JP" altLang="en-US" sz="1400" dirty="0"/>
               <a:t>サーバの</a:t>
             </a:r>
             <a:r>
-              <a:rPr kumimoji="1" lang="en-US" altLang="ja-JP" sz="1400" dirty="0" smtClean="0"/>
+              <a:rPr kumimoji="1" lang="en-US" altLang="ja-JP" sz="1400" dirty="0"/>
               <a:t>CPU</a:t>
             </a:r>
             <a:r>
-              <a:rPr kumimoji="1" lang="ja-JP" altLang="en-US" sz="1400" smtClean="0"/>
+              <a:rPr kumimoji="1" lang="ja-JP" altLang="en-US" sz="1400"/>
               <a:t>使用率を監視する</a:t>
             </a:r>
             <a:endParaRPr kumimoji="1" lang="ja-JP" altLang="en-US" sz="1400" dirty="0"/>
@@ -41313,43 +41238,43 @@
           <a:p>
             <a:pPr algn="ctr"/>
             <a:r>
-              <a:rPr kumimoji="1" lang="en-US" altLang="ja-JP" sz="1400" dirty="0" smtClean="0"/>
+              <a:rPr kumimoji="1" lang="en-US" altLang="ja-JP" sz="1400" dirty="0"/>
               <a:t>CPU</a:t>
             </a:r>
             <a:r>
-              <a:rPr kumimoji="1" lang="ja-JP" altLang="en-US" sz="1400" dirty="0" smtClean="0"/>
+              <a:rPr kumimoji="1" lang="ja-JP" altLang="en-US" sz="1400" dirty="0"/>
               <a:t>使用率</a:t>
             </a:r>
-            <a:endParaRPr kumimoji="1" lang="en-US" altLang="ja-JP" sz="1400" dirty="0" smtClean="0"/>
+            <a:endParaRPr kumimoji="1" lang="en-US" altLang="ja-JP" sz="1400" dirty="0"/>
           </a:p>
           <a:p>
             <a:pPr algn="ctr"/>
             <a:r>
-              <a:rPr lang="en-US" altLang="ja-JP" sz="1400" dirty="0" smtClean="0"/>
+              <a:rPr lang="en-US" altLang="ja-JP" sz="1400" dirty="0"/>
               <a:t>case &gt; x:</a:t>
             </a:r>
             <a:r>
-              <a:rPr lang="ja-JP" altLang="en-US" sz="1400" dirty="0" smtClean="0"/>
+              <a:rPr lang="ja-JP" altLang="en-US" sz="1400" dirty="0"/>
               <a:t>スケールアウト</a:t>
             </a:r>
-            <a:endParaRPr lang="en-US" altLang="ja-JP" sz="1400" dirty="0" smtClean="0"/>
+            <a:endParaRPr lang="en-US" altLang="ja-JP" sz="1400" dirty="0"/>
           </a:p>
           <a:p>
             <a:pPr algn="ctr"/>
             <a:r>
-              <a:rPr lang="en-US" altLang="ja-JP" sz="1400" dirty="0" smtClean="0"/>
+              <a:rPr lang="en-US" altLang="ja-JP" sz="1400" dirty="0"/>
               <a:t>case &lt; y: </a:t>
             </a:r>
             <a:r>
-              <a:rPr lang="ja-JP" altLang="en-US" sz="1400" dirty="0" smtClean="0"/>
+              <a:rPr lang="ja-JP" altLang="en-US" sz="1400" dirty="0"/>
               <a:t>シュリンクイン</a:t>
             </a:r>
-            <a:endParaRPr lang="en-US" altLang="ja-JP" sz="1400" dirty="0" smtClean="0"/>
+            <a:endParaRPr lang="en-US" altLang="ja-JP" sz="1400" dirty="0"/>
           </a:p>
           <a:p>
             <a:pPr algn="ctr"/>
             <a:r>
-              <a:rPr lang="en-US" altLang="ja-JP" sz="1400" dirty="0" smtClean="0"/>
+              <a:rPr lang="en-US" altLang="ja-JP" sz="1400" dirty="0"/>
               <a:t>default: break;</a:t>
             </a:r>
           </a:p>
@@ -41559,13 +41484,6 @@
   <p:clrMapOvr>
     <a:masterClrMapping/>
   </p:clrMapOvr>
-  <p:timing>
-    <p:tnLst>
-      <p:par>
-        <p:cTn xmlns:p14="http://schemas.microsoft.com/office/powerpoint/2010/main" id="1" dur="indefinite" restart="never" nodeType="tmRoot"/>
-      </p:par>
-    </p:tnLst>
-  </p:timing>
 </p:sld>
 </file>
 
@@ -41602,15 +41520,15 @@
           <a:lstStyle/>
           <a:p>
             <a:r>
-              <a:rPr lang="ja-JP" altLang="en-US" dirty="0" smtClean="0"/>
+              <a:rPr lang="ja-JP" altLang="en-US" dirty="0"/>
               <a:t>まとめ</a:t>
             </a:r>
             <a:r>
-              <a:rPr lang="en-US" altLang="ja-JP" dirty="0" smtClean="0"/>
+              <a:rPr lang="en-US" altLang="ja-JP" dirty="0"/>
               <a:t>&amp;</a:t>
             </a:r>
             <a:r>
-              <a:rPr lang="en-US" altLang="ja-JP" dirty="0" err="1" smtClean="0"/>
+              <a:rPr lang="en-US" altLang="ja-JP" dirty="0" err="1"/>
               <a:t>ToDo</a:t>
             </a:r>
             <a:endParaRPr kumimoji="1" lang="ja-JP" altLang="en-US" dirty="0"/>
@@ -41638,134 +41556,134 @@
           <a:lstStyle/>
           <a:p>
             <a:r>
-              <a:rPr lang="ja-JP" altLang="en-US" dirty="0" smtClean="0"/>
+              <a:rPr lang="ja-JP" altLang="en-US" dirty="0"/>
               <a:t>まとめ</a:t>
             </a:r>
-            <a:endParaRPr lang="en-US" altLang="ja-JP" dirty="0" smtClean="0"/>
+            <a:endParaRPr lang="en-US" altLang="ja-JP" dirty="0"/>
           </a:p>
           <a:p>
             <a:pPr lvl="1"/>
             <a:r>
-              <a:rPr lang="ja-JP" altLang="en-US" dirty="0" smtClean="0"/>
+              <a:rPr lang="ja-JP" altLang="en-US" dirty="0"/>
               <a:t>実現した部分</a:t>
             </a:r>
-            <a:endParaRPr lang="en-US" altLang="ja-JP" dirty="0" smtClean="0"/>
+            <a:endParaRPr lang="en-US" altLang="ja-JP" dirty="0"/>
           </a:p>
           <a:p>
             <a:pPr lvl="2"/>
             <a:r>
-              <a:rPr kumimoji="1" lang="en-US" altLang="ja-JP" dirty="0" err="1" smtClean="0"/>
+              <a:rPr kumimoji="1" lang="en-US" altLang="ja-JP" dirty="0" err="1"/>
               <a:t>WebAPI</a:t>
             </a:r>
             <a:r>
-              <a:rPr kumimoji="1" lang="ja-JP" altLang="en-US" dirty="0" smtClean="0"/>
+              <a:rPr kumimoji="1" lang="ja-JP" altLang="en-US" dirty="0"/>
               <a:t>の実装</a:t>
             </a:r>
-            <a:endParaRPr kumimoji="1" lang="en-US" altLang="ja-JP" dirty="0" smtClean="0"/>
+            <a:endParaRPr kumimoji="1" lang="en-US" altLang="ja-JP" dirty="0"/>
           </a:p>
           <a:p>
             <a:pPr lvl="3"/>
             <a:r>
-              <a:rPr lang="en-US" altLang="ja-JP" dirty="0" smtClean="0"/>
+              <a:rPr lang="en-US" altLang="ja-JP" dirty="0"/>
               <a:t>VM</a:t>
             </a:r>
             <a:r>
-              <a:rPr lang="ja-JP" altLang="en-US" dirty="0" smtClean="0"/>
+              <a:rPr lang="ja-JP" altLang="en-US" dirty="0"/>
               <a:t>起動</a:t>
             </a:r>
-            <a:endParaRPr lang="en-US" altLang="ja-JP" dirty="0" smtClean="0"/>
+            <a:endParaRPr lang="en-US" altLang="ja-JP" dirty="0"/>
           </a:p>
           <a:p>
             <a:pPr lvl="2"/>
             <a:r>
-              <a:rPr lang="ja-JP" altLang="en-US" dirty="0" smtClean="0"/>
+              <a:rPr lang="ja-JP" altLang="en-US" dirty="0"/>
               <a:t>キューの実装</a:t>
             </a:r>
             <a:r>
-              <a:rPr lang="en-US" altLang="ja-JP" dirty="0" smtClean="0"/>
+              <a:rPr lang="en-US" altLang="ja-JP" dirty="0"/>
               <a:t>(Agent</a:t>
             </a:r>
             <a:r>
-              <a:rPr lang="ja-JP" altLang="en-US" dirty="0" smtClean="0"/>
+              <a:rPr lang="ja-JP" altLang="en-US" dirty="0"/>
               <a:t>使用</a:t>
             </a:r>
             <a:r>
-              <a:rPr lang="en-US" altLang="ja-JP" dirty="0" smtClean="0"/>
+              <a:rPr lang="en-US" altLang="ja-JP" dirty="0"/>
               <a:t>)</a:t>
             </a:r>
           </a:p>
           <a:p>
             <a:pPr lvl="2"/>
             <a:r>
-              <a:rPr kumimoji="1" lang="en-US" altLang="ja-JP" dirty="0" smtClean="0"/>
+              <a:rPr kumimoji="1" lang="en-US" altLang="ja-JP" dirty="0"/>
               <a:t>VM</a:t>
             </a:r>
             <a:r>
-              <a:rPr kumimoji="1" lang="ja-JP" altLang="en-US" dirty="0" smtClean="0"/>
+              <a:rPr kumimoji="1" lang="ja-JP" altLang="en-US" dirty="0"/>
               <a:t>の鍵管理</a:t>
             </a:r>
             <a:r>
-              <a:rPr kumimoji="1" lang="en-US" altLang="ja-JP" dirty="0" smtClean="0"/>
+              <a:rPr kumimoji="1" lang="en-US" altLang="ja-JP" dirty="0"/>
               <a:t>(host </a:t>
             </a:r>
             <a:r>
-              <a:rPr kumimoji="1" lang="en-US" altLang="ja-JP" dirty="0" err="1" smtClean="0"/>
+              <a:rPr kumimoji="1" lang="en-US" altLang="ja-JP" dirty="0" err="1"/>
               <a:t>name.pem</a:t>
             </a:r>
             <a:r>
-              <a:rPr kumimoji="1" lang="en-US" altLang="ja-JP" dirty="0" smtClean="0"/>
+              <a:rPr kumimoji="1" lang="en-US" altLang="ja-JP" dirty="0"/>
               <a:t>)</a:t>
             </a:r>
           </a:p>
           <a:p>
             <a:pPr lvl="2"/>
             <a:r>
-              <a:rPr lang="ja-JP" altLang="en-US" dirty="0" smtClean="0"/>
+              <a:rPr lang="ja-JP" altLang="en-US" dirty="0"/>
               <a:t>仮想マシンの</a:t>
             </a:r>
             <a:r>
-              <a:rPr kumimoji="1" lang="ja-JP" altLang="en-US" dirty="0" smtClean="0"/>
+              <a:rPr kumimoji="1" lang="ja-JP" altLang="en-US" dirty="0"/>
               <a:t>インターネット接続</a:t>
             </a:r>
-            <a:endParaRPr kumimoji="1" lang="en-US" altLang="ja-JP" dirty="0" smtClean="0"/>
+            <a:endParaRPr kumimoji="1" lang="en-US" altLang="ja-JP" dirty="0"/>
           </a:p>
           <a:p>
             <a:pPr lvl="2"/>
             <a:r>
-              <a:rPr lang="ja-JP" altLang="en-US" dirty="0" smtClean="0"/>
+              <a:rPr lang="ja-JP" altLang="en-US" dirty="0"/>
               <a:t>仮想マシン上</a:t>
             </a:r>
             <a:r>
-              <a:rPr lang="en-US" altLang="ja-JP" dirty="0" err="1" smtClean="0"/>
+              <a:rPr lang="en-US" altLang="ja-JP" dirty="0" err="1"/>
               <a:t>sudo</a:t>
             </a:r>
             <a:r>
-              <a:rPr lang="en-US" altLang="ja-JP" dirty="0" smtClean="0"/>
+              <a:rPr lang="en-US" altLang="ja-JP" dirty="0"/>
               <a:t> </a:t>
             </a:r>
             <a:r>
-              <a:rPr lang="ja-JP" altLang="en-US" dirty="0" smtClean="0"/>
+              <a:rPr lang="ja-JP" altLang="en-US" dirty="0"/>
               <a:t>実装</a:t>
             </a:r>
-            <a:endParaRPr lang="en-US" altLang="ja-JP" dirty="0" smtClean="0"/>
+            <a:endParaRPr lang="en-US" altLang="ja-JP" dirty="0"/>
           </a:p>
           <a:p>
             <a:pPr lvl="2"/>
             <a:r>
-              <a:rPr lang="en-US" altLang="ja-JP" dirty="0" smtClean="0"/>
+              <a:rPr lang="en-US" altLang="ja-JP" dirty="0"/>
               <a:t>Metadata </a:t>
             </a:r>
             <a:r>
-              <a:rPr lang="ja-JP" altLang="en-US" dirty="0" smtClean="0"/>
+              <a:rPr lang="ja-JP" altLang="en-US" dirty="0"/>
               <a:t>実装</a:t>
             </a:r>
-            <a:endParaRPr kumimoji="1" lang="en-US" altLang="ja-JP" dirty="0" smtClean="0"/>
+            <a:endParaRPr kumimoji="1" lang="en-US" altLang="ja-JP" dirty="0"/>
           </a:p>
           <a:p>
             <a:pPr marL="593725" lvl="2" indent="0">
               <a:buNone/>
             </a:pPr>
-            <a:endParaRPr kumimoji="1" lang="en-US" altLang="ja-JP" dirty="0" smtClean="0"/>
+            <a:endParaRPr kumimoji="1" lang="en-US" altLang="ja-JP" dirty="0"/>
           </a:p>
         </p:txBody>
       </p:sp>
@@ -41791,14 +41709,14 @@
           </a:ln>
           <a:extLst>
             <a:ext uri="{909E8E84-426E-40dd-AFC4-6F175D3DCCD1}">
-              <a14:hiddenFill xmlns:a14="http://schemas.microsoft.com/office/drawing/2010/main">
+              <a14:hiddenFill xmlns="" xmlns:a14="http://schemas.microsoft.com/office/drawing/2010/main">
                 <a:solidFill>
                   <a:srgbClr val="FFFFFF"/>
                 </a:solidFill>
               </a14:hiddenFill>
             </a:ext>
             <a:ext uri="{91240B29-F687-4f45-9708-019B960494DF}">
-              <a14:hiddenLine xmlns:a14="http://schemas.microsoft.com/office/drawing/2010/main" w="9525">
+              <a14:hiddenLine xmlns="" xmlns:a14="http://schemas.microsoft.com/office/drawing/2010/main" w="9525">
                 <a:solidFill>
                   <a:srgbClr val="000000"/>
                 </a:solidFill>
@@ -41808,7 +41726,7 @@
               </a14:hiddenLine>
             </a:ext>
             <a:ext uri="{FAA26D3D-D897-4be2-8F04-BA451C77F1D7}">
-              <ma14:placeholderFlag xmlns:ma14="http://schemas.microsoft.com/office/mac/drawingml/2011/main" val="1"/>
+              <ma14:placeholderFlag xmlns="" xmlns:ma14="http://schemas.microsoft.com/office/mac/drawingml/2011/main" val="1"/>
             </a:ext>
           </a:extLst>
         </p:spPr>
@@ -42014,30 +41932,30 @@
           </a:lstStyle>
           <a:p>
             <a:r>
-              <a:rPr lang="en-US" altLang="ja-JP" dirty="0" err="1" smtClean="0"/>
+              <a:rPr lang="en-US" altLang="ja-JP" dirty="0" err="1"/>
               <a:t>ToDo</a:t>
             </a:r>
-            <a:endParaRPr lang="en-US" altLang="ja-JP" dirty="0" smtClean="0"/>
+            <a:endParaRPr lang="en-US" altLang="ja-JP" dirty="0"/>
           </a:p>
           <a:p>
             <a:pPr lvl="1"/>
             <a:r>
-              <a:rPr lang="en-US" altLang="ja-JP" dirty="0" smtClean="0"/>
+              <a:rPr lang="en-US" altLang="ja-JP" dirty="0"/>
               <a:t>Web</a:t>
             </a:r>
             <a:r>
-              <a:rPr lang="ja-JP" altLang="en-US" dirty="0" smtClean="0"/>
+              <a:rPr lang="ja-JP" altLang="en-US" dirty="0"/>
               <a:t> </a:t>
             </a:r>
             <a:r>
-              <a:rPr lang="en-US" altLang="ja-JP" dirty="0" smtClean="0"/>
+              <a:rPr lang="en-US" altLang="ja-JP" dirty="0"/>
               <a:t>GUI</a:t>
             </a:r>
             <a:r>
-              <a:rPr lang="ja-JP" altLang="en-US" dirty="0" smtClean="0"/>
+              <a:rPr lang="ja-JP" altLang="en-US" dirty="0"/>
               <a:t>の作成</a:t>
             </a:r>
-            <a:endParaRPr lang="en-US" altLang="ja-JP" dirty="0" smtClean="0"/>
+            <a:endParaRPr lang="en-US" altLang="ja-JP" dirty="0"/>
           </a:p>
           <a:p>
             <a:pPr lvl="1"/>
@@ -42049,7 +41967,7 @@
           </a:p>
           <a:p>
             <a:pPr lvl="1"/>
-            <a:endParaRPr lang="en-US" altLang="ja-JP" dirty="0" smtClean="0"/>
+            <a:endParaRPr lang="en-US" altLang="ja-JP" dirty="0"/>
           </a:p>
         </p:txBody>
       </p:sp>
@@ -42063,13 +41981,6 @@
   <p:clrMapOvr>
     <a:masterClrMapping/>
   </p:clrMapOvr>
-  <p:timing>
-    <p:tnLst>
-      <p:par>
-        <p:cTn xmlns:p14="http://schemas.microsoft.com/office/powerpoint/2010/main" id="1" dur="indefinite" restart="never" nodeType="tmRoot"/>
-      </p:par>
-    </p:tnLst>
-  </p:timing>
 </p:sld>
 </file>
 
@@ -43116,7 +43027,7 @@
   <a:extraClrSchemeLst/>
   <a:extLst>
     <a:ext uri="{05A4C25C-085E-4340-85A3-A5531E510DB2}">
-      <thm15:themeFamily xmlns:thm15="http://schemas.microsoft.com/office/thememl/2012/main" xmlns="" name="テーマ1" id="{58C869CC-095F-428F-94ED-943D4836BA0E}" vid="{A131C69F-C7CF-4F3D-B676-F4FB5D0F023D}"/>
+      <thm15:themeFamily xmlns:thm15="http://schemas.microsoft.com/office/thememl/2012/main" name="テーマ1" id="{58C869CC-095F-428F-94ED-943D4836BA0E}" vid="{A131C69F-C7CF-4F3D-B676-F4FB5D0F023D}"/>
     </a:ext>
   </a:extLst>
 </a:theme>
